--- a/docs/songs_2024-11-24.pptx
+++ b/docs/songs_2024-11-24.pptx
@@ -5,7 +5,7 @@
     <p:sldMasterId id="2147483648" r:id="rId1"/>
   </p:sldMasterIdLst>
   <p:notesMasterIdLst>
-    <p:notesMasterId r:id="rId44"/>
+    <p:notesMasterId r:id="rId47"/>
   </p:notesMasterIdLst>
   <p:sldIdLst>
     <p:sldId id="950" r:id="rId2"/>
@@ -19,37 +19,40 @@
     <p:sldId id="1092" r:id="rId10"/>
     <p:sldId id="1093" r:id="rId11"/>
     <p:sldId id="1094" r:id="rId12"/>
-    <p:sldId id="1224" r:id="rId13"/>
-    <p:sldId id="1273" r:id="rId14"/>
-    <p:sldId id="1274" r:id="rId15"/>
-    <p:sldId id="1275" r:id="rId16"/>
-    <p:sldId id="1276" r:id="rId17"/>
-    <p:sldId id="1277" r:id="rId18"/>
-    <p:sldId id="619" r:id="rId19"/>
-    <p:sldId id="620" r:id="rId20"/>
-    <p:sldId id="621" r:id="rId21"/>
-    <p:sldId id="1252" r:id="rId22"/>
-    <p:sldId id="1278" r:id="rId23"/>
-    <p:sldId id="1279" r:id="rId24"/>
-    <p:sldId id="1280" r:id="rId25"/>
-    <p:sldId id="1281" r:id="rId26"/>
-    <p:sldId id="523" r:id="rId27"/>
-    <p:sldId id="1282" r:id="rId28"/>
-    <p:sldId id="1283" r:id="rId29"/>
-    <p:sldId id="1284" r:id="rId30"/>
-    <p:sldId id="1285" r:id="rId31"/>
-    <p:sldId id="1286" r:id="rId32"/>
-    <p:sldId id="1287" r:id="rId33"/>
-    <p:sldId id="1288" r:id="rId34"/>
-    <p:sldId id="954" r:id="rId35"/>
-    <p:sldId id="1171" r:id="rId36"/>
-    <p:sldId id="1214" r:id="rId37"/>
-    <p:sldId id="1122" r:id="rId38"/>
-    <p:sldId id="518" r:id="rId39"/>
-    <p:sldId id="522" r:id="rId40"/>
-    <p:sldId id="520" r:id="rId41"/>
-    <p:sldId id="521" r:id="rId42"/>
-    <p:sldId id="946" r:id="rId43"/>
+    <p:sldId id="524" r:id="rId13"/>
+    <p:sldId id="525" r:id="rId14"/>
+    <p:sldId id="1228" r:id="rId15"/>
+    <p:sldId id="1224" r:id="rId16"/>
+    <p:sldId id="1273" r:id="rId17"/>
+    <p:sldId id="1274" r:id="rId18"/>
+    <p:sldId id="1275" r:id="rId19"/>
+    <p:sldId id="1276" r:id="rId20"/>
+    <p:sldId id="1277" r:id="rId21"/>
+    <p:sldId id="619" r:id="rId22"/>
+    <p:sldId id="620" r:id="rId23"/>
+    <p:sldId id="621" r:id="rId24"/>
+    <p:sldId id="1252" r:id="rId25"/>
+    <p:sldId id="1278" r:id="rId26"/>
+    <p:sldId id="1279" r:id="rId27"/>
+    <p:sldId id="1280" r:id="rId28"/>
+    <p:sldId id="1281" r:id="rId29"/>
+    <p:sldId id="523" r:id="rId30"/>
+    <p:sldId id="1282" r:id="rId31"/>
+    <p:sldId id="1283" r:id="rId32"/>
+    <p:sldId id="1284" r:id="rId33"/>
+    <p:sldId id="1285" r:id="rId34"/>
+    <p:sldId id="1286" r:id="rId35"/>
+    <p:sldId id="1287" r:id="rId36"/>
+    <p:sldId id="1288" r:id="rId37"/>
+    <p:sldId id="954" r:id="rId38"/>
+    <p:sldId id="1171" r:id="rId39"/>
+    <p:sldId id="1214" r:id="rId40"/>
+    <p:sldId id="1122" r:id="rId41"/>
+    <p:sldId id="518" r:id="rId42"/>
+    <p:sldId id="522" r:id="rId43"/>
+    <p:sldId id="520" r:id="rId44"/>
+    <p:sldId id="521" r:id="rId45"/>
+    <p:sldId id="946" r:id="rId46"/>
   </p:sldIdLst>
   <p:sldSz cx="9144000" cy="6858000" type="screen4x3"/>
   <p:notesSz cx="6858000" cy="9144000"/>
@@ -164,6 +167,9 @@
             <p14:sldId id="1092"/>
             <p14:sldId id="1093"/>
             <p14:sldId id="1094"/>
+            <p14:sldId id="524"/>
+            <p14:sldId id="525"/>
+            <p14:sldId id="1228"/>
             <p14:sldId id="1224"/>
             <p14:sldId id="1273"/>
             <p14:sldId id="1274"/>
@@ -299,7 +305,7 @@
           <a:p>
             <a:fld id="{C57EAEFC-A9C7-464E-BE3F-33D4DD72E122}" type="datetimeFigureOut">
               <a:rPr lang="en-GB" smtClean="0"/>
-              <a:t>17/11/2024</a:t>
+              <a:t>18/11/2024</a:t>
             </a:fld>
             <a:endParaRPr lang="en-GB"/>
           </a:p>
@@ -860,7 +866,7 @@
           <a:p>
             <a:fld id="{E79B61DE-1D46-4752-AF65-FA2C4EB0D1D0}" type="slidenum">
               <a:rPr lang="en-GB" smtClean="0"/>
-              <a:t>12</a:t>
+              <a:t>15</a:t>
             </a:fld>
             <a:endParaRPr lang="en-GB"/>
           </a:p>
@@ -944,7 +950,7 @@
           <a:p>
             <a:fld id="{E79B61DE-1D46-4752-AF65-FA2C4EB0D1D0}" type="slidenum">
               <a:rPr lang="en-GB" smtClean="0"/>
-              <a:t>17</a:t>
+              <a:t>20</a:t>
             </a:fld>
             <a:endParaRPr lang="en-GB"/>
           </a:p>
@@ -1028,7 +1034,7 @@
           <a:p>
             <a:fld id="{E79B61DE-1D46-4752-AF65-FA2C4EB0D1D0}" type="slidenum">
               <a:rPr lang="en-GB" smtClean="0"/>
-              <a:t>20</a:t>
+              <a:t>23</a:t>
             </a:fld>
             <a:endParaRPr lang="en-GB"/>
           </a:p>
@@ -1136,7 +1142,7 @@
           <a:p>
             <a:fld id="{E79B61DE-1D46-4752-AF65-FA2C4EB0D1D0}" type="slidenum">
               <a:rPr lang="en-GB" smtClean="0"/>
-              <a:t>21</a:t>
+              <a:t>24</a:t>
             </a:fld>
             <a:endParaRPr lang="en-GB"/>
           </a:p>
@@ -1220,7 +1226,7 @@
           <a:p>
             <a:fld id="{E79B61DE-1D46-4752-AF65-FA2C4EB0D1D0}" type="slidenum">
               <a:rPr lang="en-GB" smtClean="0"/>
-              <a:t>34</a:t>
+              <a:t>37</a:t>
             </a:fld>
             <a:endParaRPr lang="en-GB"/>
           </a:p>
@@ -1304,7 +1310,7 @@
           <a:p>
             <a:fld id="{E79B61DE-1D46-4752-AF65-FA2C4EB0D1D0}" type="slidenum">
               <a:rPr lang="en-GB" smtClean="0"/>
-              <a:t>36</a:t>
+              <a:t>39</a:t>
             </a:fld>
             <a:endParaRPr lang="en-GB"/>
           </a:p>
@@ -1388,7 +1394,7 @@
           <a:p>
             <a:fld id="{E79B61DE-1D46-4752-AF65-FA2C4EB0D1D0}" type="slidenum">
               <a:rPr lang="en-GB" smtClean="0"/>
-              <a:t>42</a:t>
+              <a:t>45</a:t>
             </a:fld>
             <a:endParaRPr lang="en-GB"/>
           </a:p>
@@ -1587,7 +1593,7 @@
             <a:fld id="{26EA1CF3-4A15-4CBF-9A5A-6A56C368BE71}" type="datetimeFigureOut">
               <a:rPr lang="en-GB" smtClean="0"/>
               <a:pPr/>
-              <a:t>17/11/2024</a:t>
+              <a:t>18/11/2024</a:t>
             </a:fld>
             <a:endParaRPr lang="en-GB"/>
           </a:p>
@@ -1752,7 +1758,7 @@
             <a:fld id="{26EA1CF3-4A15-4CBF-9A5A-6A56C368BE71}" type="datetimeFigureOut">
               <a:rPr lang="en-GB" smtClean="0"/>
               <a:pPr/>
-              <a:t>17/11/2024</a:t>
+              <a:t>18/11/2024</a:t>
             </a:fld>
             <a:endParaRPr lang="en-GB"/>
           </a:p>
@@ -1927,7 +1933,7 @@
             <a:fld id="{26EA1CF3-4A15-4CBF-9A5A-6A56C368BE71}" type="datetimeFigureOut">
               <a:rPr lang="en-GB" smtClean="0"/>
               <a:pPr/>
-              <a:t>17/11/2024</a:t>
+              <a:t>18/11/2024</a:t>
             </a:fld>
             <a:endParaRPr lang="en-GB"/>
           </a:p>
@@ -2094,7 +2100,7 @@
             <a:fld id="{26EA1CF3-4A15-4CBF-9A5A-6A56C368BE71}" type="datetimeFigureOut">
               <a:rPr lang="en-GB" smtClean="0"/>
               <a:pPr/>
-              <a:t>17/11/2024</a:t>
+              <a:t>18/11/2024</a:t>
             </a:fld>
             <a:endParaRPr lang="en-GB"/>
           </a:p>
@@ -2336,7 +2342,7 @@
             <a:fld id="{26EA1CF3-4A15-4CBF-9A5A-6A56C368BE71}" type="datetimeFigureOut">
               <a:rPr lang="en-GB" smtClean="0"/>
               <a:pPr/>
-              <a:t>17/11/2024</a:t>
+              <a:t>18/11/2024</a:t>
             </a:fld>
             <a:endParaRPr lang="en-GB"/>
           </a:p>
@@ -2618,7 +2624,7 @@
             <a:fld id="{26EA1CF3-4A15-4CBF-9A5A-6A56C368BE71}" type="datetimeFigureOut">
               <a:rPr lang="en-GB" smtClean="0"/>
               <a:pPr/>
-              <a:t>17/11/2024</a:t>
+              <a:t>18/11/2024</a:t>
             </a:fld>
             <a:endParaRPr lang="en-GB"/>
           </a:p>
@@ -3034,7 +3040,7 @@
             <a:fld id="{26EA1CF3-4A15-4CBF-9A5A-6A56C368BE71}" type="datetimeFigureOut">
               <a:rPr lang="en-GB" smtClean="0"/>
               <a:pPr/>
-              <a:t>17/11/2024</a:t>
+              <a:t>18/11/2024</a:t>
             </a:fld>
             <a:endParaRPr lang="en-GB"/>
           </a:p>
@@ -3148,7 +3154,7 @@
             <a:fld id="{26EA1CF3-4A15-4CBF-9A5A-6A56C368BE71}" type="datetimeFigureOut">
               <a:rPr lang="en-GB" smtClean="0"/>
               <a:pPr/>
-              <a:t>17/11/2024</a:t>
+              <a:t>18/11/2024</a:t>
             </a:fld>
             <a:endParaRPr lang="en-GB"/>
           </a:p>
@@ -3240,7 +3246,7 @@
             <a:fld id="{26EA1CF3-4A15-4CBF-9A5A-6A56C368BE71}" type="datetimeFigureOut">
               <a:rPr lang="en-GB" smtClean="0"/>
               <a:pPr/>
-              <a:t>17/11/2024</a:t>
+              <a:t>18/11/2024</a:t>
             </a:fld>
             <a:endParaRPr lang="en-GB"/>
           </a:p>
@@ -3512,7 +3518,7 @@
             <a:fld id="{26EA1CF3-4A15-4CBF-9A5A-6A56C368BE71}" type="datetimeFigureOut">
               <a:rPr lang="en-GB" smtClean="0"/>
               <a:pPr/>
-              <a:t>17/11/2024</a:t>
+              <a:t>18/11/2024</a:t>
             </a:fld>
             <a:endParaRPr lang="en-GB"/>
           </a:p>
@@ -3764,7 +3770,7 @@
             <a:fld id="{26EA1CF3-4A15-4CBF-9A5A-6A56C368BE71}" type="datetimeFigureOut">
               <a:rPr lang="en-GB" smtClean="0"/>
               <a:pPr/>
-              <a:t>17/11/2024</a:t>
+              <a:t>18/11/2024</a:t>
             </a:fld>
             <a:endParaRPr lang="en-GB"/>
           </a:p>
@@ -3973,7 +3979,7 @@
             <a:fld id="{26EA1CF3-4A15-4CBF-9A5A-6A56C368BE71}" type="datetimeFigureOut">
               <a:rPr lang="en-GB" smtClean="0"/>
               <a:pPr/>
-              <a:t>17/11/2024</a:t>
+              <a:t>18/11/2024</a:t>
             </a:fld>
             <a:endParaRPr lang="en-GB"/>
           </a:p>
@@ -5420,6 +5426,427 @@
       </p:grpSpPr>
       <p:sp>
         <p:nvSpPr>
+          <p:cNvPr id="3" name="Subtitle 2"/>
+          <p:cNvSpPr>
+            <a:spLocks noGrp="1"/>
+          </p:cNvSpPr>
+          <p:nvPr>
+            <p:ph type="subTitle" idx="1"/>
+          </p:nvPr>
+        </p:nvSpPr>
+        <p:spPr>
+          <a:xfrm>
+            <a:off x="251520" y="764704"/>
+            <a:ext cx="8640960" cy="6480720"/>
+          </a:xfrm>
+        </p:spPr>
+        <p:txBody>
+          <a:bodyPr>
+            <a:noAutofit/>
+          </a:bodyPr>
+          <a:lstStyle/>
+          <a:p>
+            <a:r>
+              <a:rPr lang="en-GB" sz="4000" dirty="0">
+                <a:solidFill>
+                  <a:schemeClr val="bg1"/>
+                </a:solidFill>
+              </a:rPr>
+              <a:t>Who pulled me out of that pit</a:t>
+            </a:r>
+          </a:p>
+          <a:p>
+            <a:r>
+              <a:rPr lang="en-GB" sz="4000" dirty="0">
+                <a:solidFill>
+                  <a:schemeClr val="bg1"/>
+                </a:solidFill>
+              </a:rPr>
+              <a:t>He did He did</a:t>
+            </a:r>
+          </a:p>
+          <a:p>
+            <a:r>
+              <a:rPr lang="en-GB" sz="4000" dirty="0">
+                <a:solidFill>
+                  <a:schemeClr val="bg1"/>
+                </a:solidFill>
+              </a:rPr>
+              <a:t>Who paid for all of our sin</a:t>
+            </a:r>
+          </a:p>
+          <a:p>
+            <a:r>
+              <a:rPr lang="en-GB" sz="4000" dirty="0">
+                <a:solidFill>
+                  <a:schemeClr val="bg1"/>
+                </a:solidFill>
+              </a:rPr>
+              <a:t>Nobody but Jesus</a:t>
+            </a:r>
+          </a:p>
+        </p:txBody>
+      </p:sp>
+      <p:sp>
+        <p:nvSpPr>
+          <p:cNvPr id="4" name="TextBox 3"/>
+          <p:cNvSpPr txBox="1"/>
+          <p:nvPr/>
+        </p:nvSpPr>
+        <p:spPr>
+          <a:xfrm>
+            <a:off x="8316416" y="0"/>
+            <a:ext cx="628698" cy="461665"/>
+          </a:xfrm>
+          <a:prstGeom prst="rect">
+            <a:avLst/>
+          </a:prstGeom>
+          <a:noFill/>
+        </p:spPr>
+        <p:txBody>
+          <a:bodyPr wrap="none" rtlCol="0">
+            <a:spAutoFit/>
+          </a:bodyPr>
+          <a:lstStyle/>
+          <a:p>
+            <a:r>
+              <a:rPr lang="en-GB" sz="2400" b="1" dirty="0">
+                <a:solidFill>
+                  <a:schemeClr val="bg1"/>
+                </a:solidFill>
+              </a:rPr>
+              <a:t>1/3</a:t>
+            </a:r>
+          </a:p>
+        </p:txBody>
+      </p:sp>
+    </p:spTree>
+    <p:extLst>
+      <p:ext uri="{BB962C8B-B14F-4D97-AF65-F5344CB8AC3E}">
+        <p14:creationId xmlns:p14="http://schemas.microsoft.com/office/powerpoint/2010/main" val="3380602350"/>
+      </p:ext>
+    </p:extLst>
+  </p:cSld>
+  <p:clrMapOvr>
+    <a:masterClrMapping/>
+  </p:clrMapOvr>
+</p:sld>
+</file>
+
+<file path=ppt/slides/slide13.xml><?xml version="1.0" encoding="utf-8"?>
+<p:sld xmlns:a="http://schemas.openxmlformats.org/drawingml/2006/main" xmlns:r="http://schemas.openxmlformats.org/officeDocument/2006/relationships" xmlns:p="http://schemas.openxmlformats.org/presentationml/2006/main">
+  <p:cSld>
+    <p:spTree>
+      <p:nvGrpSpPr>
+        <p:cNvPr id="1" name=""/>
+        <p:cNvGrpSpPr/>
+        <p:nvPr/>
+      </p:nvGrpSpPr>
+      <p:grpSpPr>
+        <a:xfrm>
+          <a:off x="0" y="0"/>
+          <a:ext cx="0" cy="0"/>
+          <a:chOff x="0" y="0"/>
+          <a:chExt cx="0" cy="0"/>
+        </a:xfrm>
+      </p:grpSpPr>
+      <p:sp>
+        <p:nvSpPr>
+          <p:cNvPr id="3" name="Subtitle 2"/>
+          <p:cNvSpPr>
+            <a:spLocks noGrp="1"/>
+          </p:cNvSpPr>
+          <p:nvPr>
+            <p:ph type="subTitle" idx="1"/>
+          </p:nvPr>
+        </p:nvSpPr>
+        <p:spPr>
+          <a:xfrm>
+            <a:off x="251520" y="764704"/>
+            <a:ext cx="8640960" cy="6480720"/>
+          </a:xfrm>
+        </p:spPr>
+        <p:txBody>
+          <a:bodyPr>
+            <a:noAutofit/>
+          </a:bodyPr>
+          <a:lstStyle/>
+          <a:p>
+            <a:r>
+              <a:rPr lang="en-GB" sz="4000" dirty="0">
+                <a:solidFill>
+                  <a:schemeClr val="bg1"/>
+                </a:solidFill>
+              </a:rPr>
+              <a:t>Who rescued me from that grave</a:t>
+            </a:r>
+          </a:p>
+          <a:p>
+            <a:r>
+              <a:rPr lang="en-GB" sz="4000" dirty="0">
+                <a:solidFill>
+                  <a:schemeClr val="bg1"/>
+                </a:solidFill>
+              </a:rPr>
+              <a:t>Yahweh </a:t>
+            </a:r>
+            <a:r>
+              <a:rPr lang="en-GB" sz="4000" dirty="0" err="1">
+                <a:solidFill>
+                  <a:schemeClr val="bg1"/>
+                </a:solidFill>
+              </a:rPr>
+              <a:t>Yahweh</a:t>
+            </a:r>
+            <a:endParaRPr lang="en-GB" sz="4000" dirty="0">
+              <a:solidFill>
+                <a:schemeClr val="bg1"/>
+              </a:solidFill>
+            </a:endParaRPr>
+          </a:p>
+          <a:p>
+            <a:r>
+              <a:rPr lang="en-GB" sz="4000" dirty="0">
+                <a:solidFill>
+                  <a:schemeClr val="bg1"/>
+                </a:solidFill>
+              </a:rPr>
+              <a:t>Who gets the glory and praise</a:t>
+            </a:r>
+          </a:p>
+          <a:p>
+            <a:r>
+              <a:rPr lang="en-GB" sz="4000" dirty="0">
+                <a:solidFill>
+                  <a:schemeClr val="bg1"/>
+                </a:solidFill>
+              </a:rPr>
+              <a:t>Nobody but Jesus (Him)</a:t>
+            </a:r>
+          </a:p>
+        </p:txBody>
+      </p:sp>
+      <p:sp>
+        <p:nvSpPr>
+          <p:cNvPr id="4" name="TextBox 3"/>
+          <p:cNvSpPr txBox="1"/>
+          <p:nvPr/>
+        </p:nvSpPr>
+        <p:spPr>
+          <a:xfrm>
+            <a:off x="8316416" y="0"/>
+            <a:ext cx="628698" cy="461665"/>
+          </a:xfrm>
+          <a:prstGeom prst="rect">
+            <a:avLst/>
+          </a:prstGeom>
+          <a:noFill/>
+        </p:spPr>
+        <p:txBody>
+          <a:bodyPr wrap="none" rtlCol="0">
+            <a:spAutoFit/>
+          </a:bodyPr>
+          <a:lstStyle/>
+          <a:p>
+            <a:r>
+              <a:rPr lang="en-GB" sz="2400" b="1" dirty="0">
+                <a:solidFill>
+                  <a:schemeClr val="bg1"/>
+                </a:solidFill>
+              </a:rPr>
+              <a:t>2/3</a:t>
+            </a:r>
+          </a:p>
+        </p:txBody>
+      </p:sp>
+    </p:spTree>
+    <p:extLst>
+      <p:ext uri="{BB962C8B-B14F-4D97-AF65-F5344CB8AC3E}">
+        <p14:creationId xmlns:p14="http://schemas.microsoft.com/office/powerpoint/2010/main" val="2147548330"/>
+      </p:ext>
+    </p:extLst>
+  </p:cSld>
+  <p:clrMapOvr>
+    <a:masterClrMapping/>
+  </p:clrMapOvr>
+</p:sld>
+</file>
+
+<file path=ppt/slides/slide14.xml><?xml version="1.0" encoding="utf-8"?>
+<p:sld xmlns:a="http://schemas.openxmlformats.org/drawingml/2006/main" xmlns:r="http://schemas.openxmlformats.org/officeDocument/2006/relationships" xmlns:p="http://schemas.openxmlformats.org/presentationml/2006/main">
+  <p:cSld>
+    <p:spTree>
+      <p:nvGrpSpPr>
+        <p:cNvPr id="1" name=""/>
+        <p:cNvGrpSpPr/>
+        <p:nvPr/>
+      </p:nvGrpSpPr>
+      <p:grpSpPr>
+        <a:xfrm>
+          <a:off x="0" y="0"/>
+          <a:ext cx="0" cy="0"/>
+          <a:chOff x="0" y="0"/>
+          <a:chExt cx="0" cy="0"/>
+        </a:xfrm>
+      </p:grpSpPr>
+      <p:sp>
+        <p:nvSpPr>
+          <p:cNvPr id="3" name="Subtitle 2"/>
+          <p:cNvSpPr>
+            <a:spLocks noGrp="1"/>
+          </p:cNvSpPr>
+          <p:nvPr>
+            <p:ph type="subTitle" idx="1"/>
+          </p:nvPr>
+        </p:nvSpPr>
+        <p:spPr>
+          <a:xfrm>
+            <a:off x="251520" y="764704"/>
+            <a:ext cx="8640960" cy="6480720"/>
+          </a:xfrm>
+        </p:spPr>
+        <p:txBody>
+          <a:bodyPr>
+            <a:noAutofit/>
+          </a:bodyPr>
+          <a:lstStyle/>
+          <a:p>
+            <a:r>
+              <a:rPr lang="en-GB" sz="4000" dirty="0">
+                <a:solidFill>
+                  <a:schemeClr val="bg1"/>
+                </a:solidFill>
+              </a:rPr>
+              <a:t>This is our God this is who He is</a:t>
+            </a:r>
+          </a:p>
+          <a:p>
+            <a:r>
+              <a:rPr lang="en-GB" sz="4000" dirty="0">
+                <a:solidFill>
+                  <a:schemeClr val="bg1"/>
+                </a:solidFill>
+              </a:rPr>
+              <a:t>He loves us</a:t>
+            </a:r>
+          </a:p>
+          <a:p>
+            <a:r>
+              <a:rPr lang="en-GB" sz="4000" dirty="0">
+                <a:solidFill>
+                  <a:schemeClr val="bg1"/>
+                </a:solidFill>
+              </a:rPr>
+              <a:t>This is our God this is what He does</a:t>
+            </a:r>
+          </a:p>
+          <a:p>
+            <a:r>
+              <a:rPr lang="en-GB" sz="4000" dirty="0">
+                <a:solidFill>
+                  <a:schemeClr val="bg1"/>
+                </a:solidFill>
+              </a:rPr>
+              <a:t>He saves us</a:t>
+            </a:r>
+          </a:p>
+          <a:p>
+            <a:r>
+              <a:rPr lang="en-GB" sz="4000" dirty="0">
+                <a:solidFill>
+                  <a:schemeClr val="bg1"/>
+                </a:solidFill>
+              </a:rPr>
+              <a:t>He bore the cross beat the grave</a:t>
+            </a:r>
+          </a:p>
+          <a:p>
+            <a:r>
+              <a:rPr lang="en-GB" sz="4000" dirty="0">
+                <a:solidFill>
+                  <a:schemeClr val="bg1"/>
+                </a:solidFill>
+              </a:rPr>
+              <a:t>Let heaven and earth proclaim</a:t>
+            </a:r>
+          </a:p>
+          <a:p>
+            <a:r>
+              <a:rPr lang="en-GB" sz="4000" dirty="0">
+                <a:solidFill>
+                  <a:schemeClr val="bg1"/>
+                </a:solidFill>
+              </a:rPr>
+              <a:t>This is our God King Jesus</a:t>
+            </a:r>
+          </a:p>
+        </p:txBody>
+      </p:sp>
+      <p:sp>
+        <p:nvSpPr>
+          <p:cNvPr id="4" name="TextBox 3"/>
+          <p:cNvSpPr txBox="1"/>
+          <p:nvPr/>
+        </p:nvSpPr>
+        <p:spPr>
+          <a:xfrm>
+            <a:off x="8316416" y="0"/>
+            <a:ext cx="628698" cy="461665"/>
+          </a:xfrm>
+          <a:prstGeom prst="rect">
+            <a:avLst/>
+          </a:prstGeom>
+          <a:noFill/>
+        </p:spPr>
+        <p:txBody>
+          <a:bodyPr wrap="none" rtlCol="0">
+            <a:spAutoFit/>
+          </a:bodyPr>
+          <a:lstStyle/>
+          <a:p>
+            <a:r>
+              <a:rPr lang="en-GB" sz="2400" b="1" dirty="0">
+                <a:solidFill>
+                  <a:schemeClr val="bg1"/>
+                </a:solidFill>
+              </a:rPr>
+              <a:t>3/3</a:t>
+            </a:r>
+          </a:p>
+        </p:txBody>
+      </p:sp>
+    </p:spTree>
+    <p:extLst>
+      <p:ext uri="{BB962C8B-B14F-4D97-AF65-F5344CB8AC3E}">
+        <p14:creationId xmlns:p14="http://schemas.microsoft.com/office/powerpoint/2010/main" val="3237966961"/>
+      </p:ext>
+    </p:extLst>
+  </p:cSld>
+  <p:clrMapOvr>
+    <a:masterClrMapping/>
+  </p:clrMapOvr>
+</p:sld>
+</file>
+
+<file path=ppt/slides/slide15.xml><?xml version="1.0" encoding="utf-8"?>
+<p:sld xmlns:a="http://schemas.openxmlformats.org/drawingml/2006/main" xmlns:r="http://schemas.openxmlformats.org/officeDocument/2006/relationships" xmlns:p="http://schemas.openxmlformats.org/presentationml/2006/main">
+  <p:cSld>
+    <p:spTree>
+      <p:nvGrpSpPr>
+        <p:cNvPr id="1" name=""/>
+        <p:cNvGrpSpPr/>
+        <p:nvPr/>
+      </p:nvGrpSpPr>
+      <p:grpSpPr>
+        <a:xfrm>
+          <a:off x="0" y="0"/>
+          <a:ext cx="0" cy="0"/>
+          <a:chOff x="0" y="0"/>
+          <a:chExt cx="0" cy="0"/>
+        </a:xfrm>
+      </p:grpSpPr>
+      <p:sp>
+        <p:nvSpPr>
           <p:cNvPr id="2" name="Title 1">
             <a:extLst>
               <a:ext uri="{FF2B5EF4-FFF2-40B4-BE49-F238E27FC236}">
@@ -5897,471 +6324,6 @@
 </p:sld>
 </file>
 
-<file path=ppt/slides/slide13.xml><?xml version="1.0" encoding="utf-8"?>
-<p:sld xmlns:a="http://schemas.openxmlformats.org/drawingml/2006/main" xmlns:r="http://schemas.openxmlformats.org/officeDocument/2006/relationships" xmlns:p="http://schemas.openxmlformats.org/presentationml/2006/main">
-  <p:cSld>
-    <p:spTree>
-      <p:nvGrpSpPr>
-        <p:cNvPr id="1" name=""/>
-        <p:cNvGrpSpPr/>
-        <p:nvPr/>
-      </p:nvGrpSpPr>
-      <p:grpSpPr>
-        <a:xfrm>
-          <a:off x="0" y="0"/>
-          <a:ext cx="0" cy="0"/>
-          <a:chOff x="0" y="0"/>
-          <a:chExt cx="0" cy="0"/>
-        </a:xfrm>
-      </p:grpSpPr>
-      <p:sp>
-        <p:nvSpPr>
-          <p:cNvPr id="3" name="Subtitle 2"/>
-          <p:cNvSpPr>
-            <a:spLocks noGrp="1"/>
-          </p:cNvSpPr>
-          <p:nvPr>
-            <p:ph type="subTitle" idx="1"/>
-          </p:nvPr>
-        </p:nvSpPr>
-        <p:spPr>
-          <a:xfrm>
-            <a:off x="323528" y="188640"/>
-            <a:ext cx="8640960" cy="6480720"/>
-          </a:xfrm>
-        </p:spPr>
-        <p:txBody>
-          <a:bodyPr>
-            <a:noAutofit/>
-          </a:bodyPr>
-          <a:lstStyle/>
-          <a:p>
-            <a:endParaRPr lang="en-GB" sz="5400" dirty="0">
-              <a:solidFill>
-                <a:schemeClr val="bg1"/>
-              </a:solidFill>
-            </a:endParaRPr>
-          </a:p>
-          <a:p>
-            <a:r>
-              <a:rPr lang="en-GB" sz="4400" b="0" i="0" dirty="0">
-                <a:solidFill>
-                  <a:srgbClr val="00A3E0"/>
-                </a:solidFill>
-                <a:effectLst/>
-                <a:latin typeface="akagi_probook"/>
-              </a:rPr>
-              <a:t>Here I am to Worship</a:t>
-            </a:r>
-          </a:p>
-          <a:p>
-            <a:br>
-              <a:rPr lang="en-GB" sz="1200" dirty="0">
-                <a:solidFill>
-                  <a:schemeClr val="bg1"/>
-                </a:solidFill>
-              </a:rPr>
-            </a:br>
-            <a:br>
-              <a:rPr lang="en-GB" sz="1200" dirty="0">
-                <a:solidFill>
-                  <a:schemeClr val="bg1"/>
-                </a:solidFill>
-              </a:rPr>
-            </a:br>
-            <a:r>
-              <a:rPr lang="en-GB" sz="1200" dirty="0">
-                <a:solidFill>
-                  <a:schemeClr val="bg1"/>
-                </a:solidFill>
-              </a:rPr>
-              <a:t>CCLI Song # 3266032</a:t>
-            </a:r>
-          </a:p>
-          <a:p>
-            <a:endParaRPr lang="en-GB" sz="1200" dirty="0">
-              <a:solidFill>
-                <a:schemeClr val="bg1"/>
-              </a:solidFill>
-            </a:endParaRPr>
-          </a:p>
-          <a:p>
-            <a:r>
-              <a:rPr lang="en-GB" sz="1200" dirty="0">
-                <a:solidFill>
-                  <a:schemeClr val="bg1"/>
-                </a:solidFill>
-              </a:rPr>
-              <a:t>Tim Hughes</a:t>
-            </a:r>
-          </a:p>
-          <a:p>
-            <a:endParaRPr lang="en-GB" sz="1200" dirty="0">
-              <a:solidFill>
-                <a:schemeClr val="bg1"/>
-              </a:solidFill>
-            </a:endParaRPr>
-          </a:p>
-          <a:p>
-            <a:r>
-              <a:rPr lang="en-GB" sz="1200" dirty="0">
-                <a:solidFill>
-                  <a:schemeClr val="bg1"/>
-                </a:solidFill>
-              </a:rPr>
-              <a:t>© 2000 Thankyou Music (Admin. by Integrity Music Ltd)</a:t>
-            </a:r>
-          </a:p>
-          <a:p>
-            <a:r>
-              <a:rPr lang="en-GB" sz="1200" dirty="0">
-                <a:solidFill>
-                  <a:schemeClr val="bg1"/>
-                </a:solidFill>
-              </a:rPr>
-              <a:t>For use solely with the </a:t>
-            </a:r>
-            <a:r>
-              <a:rPr lang="en-GB" sz="1200" dirty="0" err="1">
-                <a:solidFill>
-                  <a:schemeClr val="bg1"/>
-                </a:solidFill>
-              </a:rPr>
-              <a:t>SongSelect</a:t>
-            </a:r>
-            <a:r>
-              <a:rPr lang="en-GB" sz="1200" dirty="0">
-                <a:solidFill>
-                  <a:schemeClr val="bg1"/>
-                </a:solidFill>
-              </a:rPr>
-              <a:t>® Terms of Use. All rights reserved. www.ccli.com</a:t>
-            </a:r>
-          </a:p>
-          <a:p>
-            <a:endParaRPr lang="en-GB" sz="1200" dirty="0">
-              <a:solidFill>
-                <a:schemeClr val="bg1"/>
-              </a:solidFill>
-            </a:endParaRPr>
-          </a:p>
-          <a:p>
-            <a:r>
-              <a:rPr lang="en-GB" sz="1200" dirty="0">
-                <a:solidFill>
-                  <a:schemeClr val="bg1"/>
-                </a:solidFill>
-              </a:rPr>
-              <a:t>CCLI Licence No. 33265</a:t>
-            </a:r>
-          </a:p>
-        </p:txBody>
-      </p:sp>
-    </p:spTree>
-    <p:extLst>
-      <p:ext uri="{BB962C8B-B14F-4D97-AF65-F5344CB8AC3E}">
-        <p14:creationId xmlns:p14="http://schemas.microsoft.com/office/powerpoint/2010/main" val="437537741"/>
-      </p:ext>
-    </p:extLst>
-  </p:cSld>
-  <p:clrMapOvr>
-    <a:masterClrMapping/>
-  </p:clrMapOvr>
-</p:sld>
-</file>
-
-<file path=ppt/slides/slide14.xml><?xml version="1.0" encoding="utf-8"?>
-<p:sld xmlns:a="http://schemas.openxmlformats.org/drawingml/2006/main" xmlns:r="http://schemas.openxmlformats.org/officeDocument/2006/relationships" xmlns:p="http://schemas.openxmlformats.org/presentationml/2006/main">
-  <p:cSld>
-    <p:spTree>
-      <p:nvGrpSpPr>
-        <p:cNvPr id="1" name=""/>
-        <p:cNvGrpSpPr/>
-        <p:nvPr/>
-      </p:nvGrpSpPr>
-      <p:grpSpPr>
-        <a:xfrm>
-          <a:off x="0" y="0"/>
-          <a:ext cx="0" cy="0"/>
-          <a:chOff x="0" y="0"/>
-          <a:chExt cx="0" cy="0"/>
-        </a:xfrm>
-      </p:grpSpPr>
-      <p:sp>
-        <p:nvSpPr>
-          <p:cNvPr id="3" name="Subtitle 2"/>
-          <p:cNvSpPr>
-            <a:spLocks noGrp="1"/>
-          </p:cNvSpPr>
-          <p:nvPr>
-            <p:ph type="subTitle" idx="1"/>
-          </p:nvPr>
-        </p:nvSpPr>
-        <p:spPr>
-          <a:xfrm>
-            <a:off x="203118" y="764704"/>
-            <a:ext cx="8640960" cy="6480720"/>
-          </a:xfrm>
-        </p:spPr>
-        <p:txBody>
-          <a:bodyPr>
-            <a:noAutofit/>
-          </a:bodyPr>
-          <a:lstStyle/>
-          <a:p>
-            <a:r>
-              <a:rPr lang="en-GB" sz="3600" dirty="0">
-                <a:solidFill>
-                  <a:schemeClr val="bg1"/>
-                </a:solidFill>
-              </a:rPr>
-              <a:t>Light of the world</a:t>
-            </a:r>
-          </a:p>
-          <a:p>
-            <a:r>
-              <a:rPr lang="en-GB" sz="3600" dirty="0">
-                <a:solidFill>
-                  <a:schemeClr val="bg1"/>
-                </a:solidFill>
-              </a:rPr>
-              <a:t>You stepped down into darkness</a:t>
-            </a:r>
-          </a:p>
-          <a:p>
-            <a:r>
-              <a:rPr lang="en-GB" sz="3600" dirty="0">
-                <a:solidFill>
-                  <a:schemeClr val="bg1"/>
-                </a:solidFill>
-              </a:rPr>
-              <a:t>Opened my eyes let me see</a:t>
-            </a:r>
-          </a:p>
-          <a:p>
-            <a:r>
-              <a:rPr lang="en-GB" sz="3600" dirty="0">
-                <a:solidFill>
-                  <a:schemeClr val="bg1"/>
-                </a:solidFill>
-              </a:rPr>
-              <a:t>Beauty that made</a:t>
-            </a:r>
-          </a:p>
-          <a:p>
-            <a:r>
-              <a:rPr lang="en-GB" sz="3600" dirty="0">
-                <a:solidFill>
-                  <a:schemeClr val="bg1"/>
-                </a:solidFill>
-              </a:rPr>
-              <a:t>This heart adore You</a:t>
-            </a:r>
-          </a:p>
-          <a:p>
-            <a:r>
-              <a:rPr lang="en-GB" sz="3600" dirty="0">
-                <a:solidFill>
-                  <a:schemeClr val="bg1"/>
-                </a:solidFill>
-              </a:rPr>
-              <a:t>Hope of a life spent with You</a:t>
-            </a:r>
-          </a:p>
-        </p:txBody>
-      </p:sp>
-      <p:sp>
-        <p:nvSpPr>
-          <p:cNvPr id="4" name="TextBox 3"/>
-          <p:cNvSpPr txBox="1"/>
-          <p:nvPr/>
-        </p:nvSpPr>
-        <p:spPr>
-          <a:xfrm>
-            <a:off x="8529729" y="0"/>
-            <a:ext cx="628698" cy="461665"/>
-          </a:xfrm>
-          <a:prstGeom prst="rect">
-            <a:avLst/>
-          </a:prstGeom>
-          <a:noFill/>
-        </p:spPr>
-        <p:txBody>
-          <a:bodyPr wrap="none" rtlCol="0">
-            <a:spAutoFit/>
-          </a:bodyPr>
-          <a:lstStyle/>
-          <a:p>
-            <a:r>
-              <a:rPr lang="en-GB" sz="2400" b="1" dirty="0">
-                <a:solidFill>
-                  <a:schemeClr val="bg1"/>
-                </a:solidFill>
-              </a:rPr>
-              <a:t>1/4</a:t>
-            </a:r>
-          </a:p>
-        </p:txBody>
-      </p:sp>
-    </p:spTree>
-    <p:extLst>
-      <p:ext uri="{BB962C8B-B14F-4D97-AF65-F5344CB8AC3E}">
-        <p14:creationId xmlns:p14="http://schemas.microsoft.com/office/powerpoint/2010/main" val="537373158"/>
-      </p:ext>
-    </p:extLst>
-  </p:cSld>
-  <p:clrMapOvr>
-    <a:masterClrMapping/>
-  </p:clrMapOvr>
-</p:sld>
-</file>
-
-<file path=ppt/slides/slide15.xml><?xml version="1.0" encoding="utf-8"?>
-<p:sld xmlns:a="http://schemas.openxmlformats.org/drawingml/2006/main" xmlns:r="http://schemas.openxmlformats.org/officeDocument/2006/relationships" xmlns:p="http://schemas.openxmlformats.org/presentationml/2006/main">
-  <p:cSld>
-    <p:spTree>
-      <p:nvGrpSpPr>
-        <p:cNvPr id="1" name=""/>
-        <p:cNvGrpSpPr/>
-        <p:nvPr/>
-      </p:nvGrpSpPr>
-      <p:grpSpPr>
-        <a:xfrm>
-          <a:off x="0" y="0"/>
-          <a:ext cx="0" cy="0"/>
-          <a:chOff x="0" y="0"/>
-          <a:chExt cx="0" cy="0"/>
-        </a:xfrm>
-      </p:grpSpPr>
-      <p:sp>
-        <p:nvSpPr>
-          <p:cNvPr id="3" name="Subtitle 2"/>
-          <p:cNvSpPr>
-            <a:spLocks noGrp="1"/>
-          </p:cNvSpPr>
-          <p:nvPr>
-            <p:ph type="subTitle" idx="1"/>
-          </p:nvPr>
-        </p:nvSpPr>
-        <p:spPr>
-          <a:xfrm>
-            <a:off x="251520" y="764704"/>
-            <a:ext cx="8640960" cy="6480720"/>
-          </a:xfrm>
-        </p:spPr>
-        <p:txBody>
-          <a:bodyPr>
-            <a:noAutofit/>
-          </a:bodyPr>
-          <a:lstStyle/>
-          <a:p>
-            <a:r>
-              <a:rPr lang="en-GB" sz="3600" dirty="0">
-                <a:solidFill>
-                  <a:schemeClr val="bg1"/>
-                </a:solidFill>
-              </a:rPr>
-              <a:t>So here I am to worship</a:t>
-            </a:r>
-          </a:p>
-          <a:p>
-            <a:r>
-              <a:rPr lang="en-GB" sz="3600" dirty="0">
-                <a:solidFill>
-                  <a:schemeClr val="bg1"/>
-                </a:solidFill>
-              </a:rPr>
-              <a:t>Here I am to bow down</a:t>
-            </a:r>
-          </a:p>
-          <a:p>
-            <a:r>
-              <a:rPr lang="en-GB" sz="3600" dirty="0">
-                <a:solidFill>
-                  <a:schemeClr val="bg1"/>
-                </a:solidFill>
-              </a:rPr>
-              <a:t>Here I am to say that You're my God</a:t>
-            </a:r>
-          </a:p>
-          <a:p>
-            <a:r>
-              <a:rPr lang="en-GB" sz="3600" dirty="0">
-                <a:solidFill>
-                  <a:schemeClr val="bg1"/>
-                </a:solidFill>
-              </a:rPr>
-              <a:t>And You're altogether lovely</a:t>
-            </a:r>
-          </a:p>
-          <a:p>
-            <a:r>
-              <a:rPr lang="en-GB" sz="3600" dirty="0">
-                <a:solidFill>
-                  <a:schemeClr val="bg1"/>
-                </a:solidFill>
-              </a:rPr>
-              <a:t>Altogether worthy</a:t>
-            </a:r>
-          </a:p>
-          <a:p>
-            <a:r>
-              <a:rPr lang="en-GB" sz="3600" dirty="0">
-                <a:solidFill>
-                  <a:schemeClr val="bg1"/>
-                </a:solidFill>
-              </a:rPr>
-              <a:t>Altogether wonderful to me</a:t>
-            </a:r>
-          </a:p>
-        </p:txBody>
-      </p:sp>
-      <p:sp>
-        <p:nvSpPr>
-          <p:cNvPr id="4" name="TextBox 3"/>
-          <p:cNvSpPr txBox="1"/>
-          <p:nvPr/>
-        </p:nvSpPr>
-        <p:spPr>
-          <a:xfrm>
-            <a:off x="8529729" y="0"/>
-            <a:ext cx="628698" cy="461665"/>
-          </a:xfrm>
-          <a:prstGeom prst="rect">
-            <a:avLst/>
-          </a:prstGeom>
-          <a:noFill/>
-        </p:spPr>
-        <p:txBody>
-          <a:bodyPr wrap="none" rtlCol="0">
-            <a:spAutoFit/>
-          </a:bodyPr>
-          <a:lstStyle/>
-          <a:p>
-            <a:r>
-              <a:rPr lang="en-GB" sz="2400" b="1" dirty="0">
-                <a:solidFill>
-                  <a:schemeClr val="bg1"/>
-                </a:solidFill>
-              </a:rPr>
-              <a:t>2/4</a:t>
-            </a:r>
-          </a:p>
-        </p:txBody>
-      </p:sp>
-    </p:spTree>
-    <p:extLst>
-      <p:ext uri="{BB962C8B-B14F-4D97-AF65-F5344CB8AC3E}">
-        <p14:creationId xmlns:p14="http://schemas.microsoft.com/office/powerpoint/2010/main" val="1987109791"/>
-      </p:ext>
-    </p:extLst>
-  </p:cSld>
-  <p:clrMapOvr>
-    <a:masterClrMapping/>
-  </p:clrMapOvr>
-</p:sld>
-</file>
-
 <file path=ppt/slides/slide16.xml><?xml version="1.0" encoding="utf-8"?>
 <p:sld xmlns:a="http://schemas.openxmlformats.org/drawingml/2006/main" xmlns:r="http://schemas.openxmlformats.org/officeDocument/2006/relationships" xmlns:p="http://schemas.openxmlformats.org/presentationml/2006/main">
   <p:cSld>
@@ -6391,7 +6353,7 @@
         </p:nvSpPr>
         <p:spPr>
           <a:xfrm>
-            <a:off x="200011" y="692696"/>
+            <a:off x="323528" y="188640"/>
             <a:ext cx="8640960" cy="6480720"/>
           </a:xfrm>
         </p:spPr>
@@ -6401,96 +6363,123 @@
           </a:bodyPr>
           <a:lstStyle/>
           <a:p>
-            <a:r>
-              <a:rPr lang="en-GB" sz="3600" dirty="0">
-                <a:solidFill>
-                  <a:schemeClr val="bg1"/>
-                </a:solidFill>
-              </a:rPr>
-              <a:t>King of all days</a:t>
-            </a:r>
-          </a:p>
-          <a:p>
-            <a:r>
-              <a:rPr lang="en-GB" sz="3600" dirty="0">
-                <a:solidFill>
-                  <a:schemeClr val="bg1"/>
-                </a:solidFill>
-              </a:rPr>
-              <a:t>Oh so highly exalted</a:t>
-            </a:r>
-          </a:p>
-          <a:p>
-            <a:r>
-              <a:rPr lang="en-GB" sz="3600" dirty="0">
-                <a:solidFill>
-                  <a:schemeClr val="bg1"/>
-                </a:solidFill>
-              </a:rPr>
-              <a:t>Glorious in heaven above</a:t>
-            </a:r>
-          </a:p>
-          <a:p>
-            <a:r>
-              <a:rPr lang="en-GB" sz="3600" dirty="0">
-                <a:solidFill>
-                  <a:schemeClr val="bg1"/>
-                </a:solidFill>
-              </a:rPr>
-              <a:t>Humbly You came</a:t>
-            </a:r>
-          </a:p>
-          <a:p>
-            <a:r>
-              <a:rPr lang="en-GB" sz="3600" dirty="0">
-                <a:solidFill>
-                  <a:schemeClr val="bg1"/>
-                </a:solidFill>
-              </a:rPr>
-              <a:t>To the earth You created</a:t>
-            </a:r>
-          </a:p>
-          <a:p>
-            <a:r>
-              <a:rPr lang="en-GB" sz="3600" dirty="0">
-                <a:solidFill>
-                  <a:schemeClr val="bg1"/>
-                </a:solidFill>
-              </a:rPr>
-              <a:t>All for love's sake became poor</a:t>
-            </a:r>
-          </a:p>
-        </p:txBody>
-      </p:sp>
-      <p:sp>
-        <p:nvSpPr>
-          <p:cNvPr id="4" name="TextBox 3"/>
-          <p:cNvSpPr txBox="1"/>
-          <p:nvPr/>
-        </p:nvSpPr>
-        <p:spPr>
-          <a:xfrm>
-            <a:off x="8529729" y="0"/>
-            <a:ext cx="628698" cy="461665"/>
-          </a:xfrm>
-          <a:prstGeom prst="rect">
-            <a:avLst/>
-          </a:prstGeom>
-          <a:noFill/>
-        </p:spPr>
-        <p:txBody>
-          <a:bodyPr wrap="none" rtlCol="0">
-            <a:spAutoFit/>
-          </a:bodyPr>
-          <a:lstStyle/>
-          <a:p>
-            <a:r>
-              <a:rPr lang="en-GB" sz="2400" b="1" dirty="0">
-                <a:solidFill>
-                  <a:schemeClr val="bg1"/>
-                </a:solidFill>
-              </a:rPr>
-              <a:t>3/4</a:t>
+            <a:endParaRPr lang="en-GB" sz="5400" dirty="0">
+              <a:solidFill>
+                <a:schemeClr val="bg1"/>
+              </a:solidFill>
+            </a:endParaRPr>
+          </a:p>
+          <a:p>
+            <a:r>
+              <a:rPr lang="en-GB" sz="4400" b="0" i="0" dirty="0">
+                <a:solidFill>
+                  <a:srgbClr val="00A3E0"/>
+                </a:solidFill>
+                <a:effectLst/>
+                <a:latin typeface="akagi_probook"/>
+              </a:rPr>
+              <a:t>Here I am to Worship</a:t>
+            </a:r>
+          </a:p>
+          <a:p>
+            <a:br>
+              <a:rPr lang="en-GB" sz="1200" dirty="0">
+                <a:solidFill>
+                  <a:schemeClr val="bg1"/>
+                </a:solidFill>
+              </a:rPr>
+            </a:br>
+            <a:br>
+              <a:rPr lang="en-GB" sz="1200" dirty="0">
+                <a:solidFill>
+                  <a:schemeClr val="bg1"/>
+                </a:solidFill>
+              </a:rPr>
+            </a:br>
+            <a:r>
+              <a:rPr lang="en-GB" sz="1200" dirty="0">
+                <a:solidFill>
+                  <a:schemeClr val="bg1"/>
+                </a:solidFill>
+              </a:rPr>
+              <a:t>CCLI Song # 3266032</a:t>
+            </a:r>
+          </a:p>
+          <a:p>
+            <a:endParaRPr lang="en-GB" sz="1200" dirty="0">
+              <a:solidFill>
+                <a:schemeClr val="bg1"/>
+              </a:solidFill>
+            </a:endParaRPr>
+          </a:p>
+          <a:p>
+            <a:r>
+              <a:rPr lang="en-GB" sz="1200" dirty="0">
+                <a:solidFill>
+                  <a:schemeClr val="bg1"/>
+                </a:solidFill>
+              </a:rPr>
+              <a:t>Tim Hughes</a:t>
+            </a:r>
+          </a:p>
+          <a:p>
+            <a:endParaRPr lang="en-GB" sz="1200" dirty="0">
+              <a:solidFill>
+                <a:schemeClr val="bg1"/>
+              </a:solidFill>
+            </a:endParaRPr>
+          </a:p>
+          <a:p>
+            <a:r>
+              <a:rPr lang="en-GB" sz="1200" dirty="0">
+                <a:solidFill>
+                  <a:schemeClr val="bg1"/>
+                </a:solidFill>
+              </a:rPr>
+              <a:t>© 2000 Thankyou Music (Admin. by Integrity Music Ltd)</a:t>
+            </a:r>
+          </a:p>
+          <a:p>
+            <a:r>
+              <a:rPr lang="en-GB" sz="1200" dirty="0">
+                <a:solidFill>
+                  <a:schemeClr val="bg1"/>
+                </a:solidFill>
+              </a:rPr>
+              <a:t>For use solely with the </a:t>
+            </a:r>
+            <a:r>
+              <a:rPr lang="en-GB" sz="1200" dirty="0" err="1">
+                <a:solidFill>
+                  <a:schemeClr val="bg1"/>
+                </a:solidFill>
+              </a:rPr>
+              <a:t>SongSelect</a:t>
+            </a:r>
+            <a:r>
+              <a:rPr lang="en-GB" sz="1200" dirty="0">
+                <a:solidFill>
+                  <a:schemeClr val="bg1"/>
+                </a:solidFill>
+              </a:rPr>
+              <a:t>® Terms of Use. All rights reserved. www.ccli.com</a:t>
+            </a:r>
+          </a:p>
+          <a:p>
+            <a:endParaRPr lang="en-GB" sz="1200" dirty="0">
+              <a:solidFill>
+                <a:schemeClr val="bg1"/>
+              </a:solidFill>
+            </a:endParaRPr>
+          </a:p>
+          <a:p>
+            <a:r>
+              <a:rPr lang="en-GB" sz="1200" dirty="0">
+                <a:solidFill>
+                  <a:schemeClr val="bg1"/>
+                </a:solidFill>
+              </a:rPr>
+              <a:t>CCLI Licence No. 33265</a:t>
             </a:r>
           </a:p>
         </p:txBody>
@@ -6498,7 +6487,7 @@
     </p:spTree>
     <p:extLst>
       <p:ext uri="{BB962C8B-B14F-4D97-AF65-F5344CB8AC3E}">
-        <p14:creationId xmlns:p14="http://schemas.microsoft.com/office/powerpoint/2010/main" val="1984553941"/>
+        <p14:creationId xmlns:p14="http://schemas.microsoft.com/office/powerpoint/2010/main" val="437537741"/>
       </p:ext>
     </p:extLst>
   </p:cSld>
@@ -6537,7 +6526,7 @@
         </p:nvSpPr>
         <p:spPr>
           <a:xfrm>
-            <a:off x="395536" y="836712"/>
+            <a:off x="203118" y="764704"/>
             <a:ext cx="8640960" cy="6480720"/>
           </a:xfrm>
         </p:spPr>
@@ -6553,7 +6542,7 @@
                   <a:schemeClr val="bg1"/>
                 </a:solidFill>
               </a:rPr>
-              <a:t>And I'll never know how much it cost</a:t>
+              <a:t>Light of the world</a:t>
             </a:r>
           </a:p>
           <a:p>
@@ -6563,7 +6552,7 @@
                   <a:schemeClr val="bg1"/>
                 </a:solidFill>
               </a:rPr>
-              <a:t>To see my sin upon that cross</a:t>
+              <a:t>You stepped down into darkness</a:t>
             </a:r>
           </a:p>
           <a:p>
@@ -6573,7 +6562,7 @@
                   <a:schemeClr val="bg1"/>
                 </a:solidFill>
               </a:rPr>
-              <a:t>And I'll never know how much it cost</a:t>
+              <a:t>Opened my eyes let me see</a:t>
             </a:r>
           </a:p>
           <a:p>
@@ -6583,7 +6572,27 @@
                   <a:schemeClr val="bg1"/>
                 </a:solidFill>
               </a:rPr>
-              <a:t>To see my sin upon that cross</a:t>
+              <a:t>Beauty that made</a:t>
+            </a:r>
+          </a:p>
+          <a:p>
+            <a:r>
+              <a:rPr lang="en-GB" sz="3600" dirty="0">
+                <a:solidFill>
+                  <a:schemeClr val="bg1"/>
+                </a:solidFill>
+              </a:rPr>
+              <a:t>This heart adore You</a:t>
+            </a:r>
+          </a:p>
+          <a:p>
+            <a:r>
+              <a:rPr lang="en-GB" sz="3600" dirty="0">
+                <a:solidFill>
+                  <a:schemeClr val="bg1"/>
+                </a:solidFill>
+              </a:rPr>
+              <a:t>Hope of a life spent with You</a:t>
             </a:r>
           </a:p>
         </p:txBody>
@@ -6616,7 +6625,7 @@
                   <a:schemeClr val="bg1"/>
                 </a:solidFill>
               </a:rPr>
-              <a:t>4/4</a:t>
+              <a:t>1/4</a:t>
             </a:r>
           </a:p>
         </p:txBody>
@@ -6624,7 +6633,7 @@
     </p:spTree>
     <p:extLst>
       <p:ext uri="{BB962C8B-B14F-4D97-AF65-F5344CB8AC3E}">
-        <p14:creationId xmlns:p14="http://schemas.microsoft.com/office/powerpoint/2010/main" val="2538617842"/>
+        <p14:creationId xmlns:p14="http://schemas.microsoft.com/office/powerpoint/2010/main" val="537373158"/>
       </p:ext>
     </p:extLst>
   </p:cSld>
@@ -6663,7 +6672,7 @@
         </p:nvSpPr>
         <p:spPr>
           <a:xfrm>
-            <a:off x="323528" y="188640"/>
+            <a:off x="251520" y="764704"/>
             <a:ext cx="8640960" cy="6480720"/>
           </a:xfrm>
         </p:spPr>
@@ -6673,125 +6682,96 @@
           </a:bodyPr>
           <a:lstStyle/>
           <a:p>
-            <a:endParaRPr lang="en-GB" sz="6600" dirty="0">
-              <a:solidFill>
-                <a:srgbClr val="00A3E0"/>
-              </a:solidFill>
-              <a:latin typeface="akagi_probook"/>
-            </a:endParaRPr>
-          </a:p>
-          <a:p>
-            <a:r>
-              <a:rPr lang="en-GB" sz="6600" dirty="0">
-                <a:solidFill>
-                  <a:srgbClr val="00A3E0"/>
-                </a:solidFill>
-                <a:latin typeface="akagi_probook"/>
-              </a:rPr>
-              <a:t>There is None Like You</a:t>
-            </a:r>
-            <a:br>
-              <a:rPr lang="en-GB" sz="1200" dirty="0">
-                <a:solidFill>
-                  <a:schemeClr val="bg1"/>
-                </a:solidFill>
-              </a:rPr>
-            </a:br>
-            <a:r>
-              <a:rPr lang="en-GB" sz="1200" dirty="0" err="1">
-                <a:solidFill>
-                  <a:schemeClr val="bg1"/>
-                </a:solidFill>
-              </a:rPr>
-              <a:t>G.CcliSongNumber</a:t>
-            </a:r>
-            <a:r>
-              <a:rPr lang="en-GB" sz="1200" dirty="0">
-                <a:solidFill>
-                  <a:schemeClr val="bg1"/>
-                </a:solidFill>
-              </a:rPr>
-              <a:t> 674545</a:t>
-            </a:r>
-          </a:p>
-          <a:p>
-            <a:r>
-              <a:rPr lang="en-GB" sz="1200" dirty="0">
-                <a:solidFill>
-                  <a:schemeClr val="bg1"/>
-                </a:solidFill>
-              </a:rPr>
-              <a:t>Lenny LeBlanc</a:t>
-            </a:r>
-          </a:p>
-          <a:p>
-            <a:r>
-              <a:rPr lang="en-GB" sz="1200" dirty="0">
-                <a:solidFill>
-                  <a:schemeClr val="bg1"/>
-                </a:solidFill>
-              </a:rPr>
-              <a:t>© 1991 Integrity's Hosanna! Music</a:t>
-            </a:r>
-          </a:p>
-          <a:p>
-            <a:r>
-              <a:rPr lang="en-GB" sz="1200" dirty="0">
-                <a:solidFill>
-                  <a:schemeClr val="bg1"/>
-                </a:solidFill>
-              </a:rPr>
-              <a:t>For use solely with the </a:t>
-            </a:r>
-            <a:r>
-              <a:rPr lang="en-GB" sz="1200" dirty="0" err="1">
-                <a:solidFill>
-                  <a:schemeClr val="bg1"/>
-                </a:solidFill>
-              </a:rPr>
-              <a:t>SongSelect</a:t>
-            </a:r>
-            <a:r>
-              <a:rPr lang="en-GB" sz="1200" dirty="0">
-                <a:solidFill>
-                  <a:schemeClr val="bg1"/>
-                </a:solidFill>
-              </a:rPr>
-              <a:t>® </a:t>
-            </a:r>
-            <a:r>
-              <a:rPr lang="en-GB" sz="1200" dirty="0" err="1">
-                <a:solidFill>
-                  <a:schemeClr val="bg1"/>
-                </a:solidFill>
-              </a:rPr>
-              <a:t>G.LIT_TermsOfUse</a:t>
-            </a:r>
-            <a:r>
-              <a:rPr lang="en-GB" sz="1200" dirty="0">
-                <a:solidFill>
-                  <a:schemeClr val="bg1"/>
-                </a:solidFill>
-              </a:rPr>
-              <a:t>. All rights reserved. www.ccli.com</a:t>
-            </a:r>
-          </a:p>
-          <a:p>
-            <a:r>
-              <a:rPr lang="en-GB" sz="1200" dirty="0" err="1">
-                <a:solidFill>
-                  <a:schemeClr val="bg1"/>
-                </a:solidFill>
-              </a:rPr>
-              <a:t>G.CcliLicenseNumber</a:t>
-            </a:r>
-            <a:r>
-              <a:rPr lang="en-GB" sz="1200" dirty="0">
-                <a:solidFill>
-                  <a:schemeClr val="bg1"/>
-                </a:solidFill>
-              </a:rPr>
-              <a:t> 33265</a:t>
+            <a:r>
+              <a:rPr lang="en-GB" sz="3600" dirty="0">
+                <a:solidFill>
+                  <a:schemeClr val="bg1"/>
+                </a:solidFill>
+              </a:rPr>
+              <a:t>So here I am to worship</a:t>
+            </a:r>
+          </a:p>
+          <a:p>
+            <a:r>
+              <a:rPr lang="en-GB" sz="3600" dirty="0">
+                <a:solidFill>
+                  <a:schemeClr val="bg1"/>
+                </a:solidFill>
+              </a:rPr>
+              <a:t>Here I am to bow down</a:t>
+            </a:r>
+          </a:p>
+          <a:p>
+            <a:r>
+              <a:rPr lang="en-GB" sz="3600" dirty="0">
+                <a:solidFill>
+                  <a:schemeClr val="bg1"/>
+                </a:solidFill>
+              </a:rPr>
+              <a:t>Here I am to say that You're my God</a:t>
+            </a:r>
+          </a:p>
+          <a:p>
+            <a:r>
+              <a:rPr lang="en-GB" sz="3600" dirty="0">
+                <a:solidFill>
+                  <a:schemeClr val="bg1"/>
+                </a:solidFill>
+              </a:rPr>
+              <a:t>And You're altogether lovely</a:t>
+            </a:r>
+          </a:p>
+          <a:p>
+            <a:r>
+              <a:rPr lang="en-GB" sz="3600" dirty="0">
+                <a:solidFill>
+                  <a:schemeClr val="bg1"/>
+                </a:solidFill>
+              </a:rPr>
+              <a:t>Altogether worthy</a:t>
+            </a:r>
+          </a:p>
+          <a:p>
+            <a:r>
+              <a:rPr lang="en-GB" sz="3600" dirty="0">
+                <a:solidFill>
+                  <a:schemeClr val="bg1"/>
+                </a:solidFill>
+              </a:rPr>
+              <a:t>Altogether wonderful to me</a:t>
+            </a:r>
+          </a:p>
+        </p:txBody>
+      </p:sp>
+      <p:sp>
+        <p:nvSpPr>
+          <p:cNvPr id="4" name="TextBox 3"/>
+          <p:cNvSpPr txBox="1"/>
+          <p:nvPr/>
+        </p:nvSpPr>
+        <p:spPr>
+          <a:xfrm>
+            <a:off x="8529729" y="0"/>
+            <a:ext cx="628698" cy="461665"/>
+          </a:xfrm>
+          <a:prstGeom prst="rect">
+            <a:avLst/>
+          </a:prstGeom>
+          <a:noFill/>
+        </p:spPr>
+        <p:txBody>
+          <a:bodyPr wrap="none" rtlCol="0">
+            <a:spAutoFit/>
+          </a:bodyPr>
+          <a:lstStyle/>
+          <a:p>
+            <a:r>
+              <a:rPr lang="en-GB" sz="2400" b="1" dirty="0">
+                <a:solidFill>
+                  <a:schemeClr val="bg1"/>
+                </a:solidFill>
+              </a:rPr>
+              <a:t>2/4</a:t>
             </a:r>
           </a:p>
         </p:txBody>
@@ -6799,7 +6779,7 @@
     </p:spTree>
     <p:extLst>
       <p:ext uri="{BB962C8B-B14F-4D97-AF65-F5344CB8AC3E}">
-        <p14:creationId xmlns:p14="http://schemas.microsoft.com/office/powerpoint/2010/main" val="1444287553"/>
+        <p14:creationId xmlns:p14="http://schemas.microsoft.com/office/powerpoint/2010/main" val="1987109791"/>
       </p:ext>
     </p:extLst>
   </p:cSld>
@@ -6838,7 +6818,7 @@
         </p:nvSpPr>
         <p:spPr>
           <a:xfrm>
-            <a:off x="395536" y="836712"/>
+            <a:off x="200011" y="692696"/>
             <a:ext cx="8640960" cy="6480720"/>
           </a:xfrm>
         </p:spPr>
@@ -6854,7 +6834,7 @@
                   <a:schemeClr val="bg1"/>
                 </a:solidFill>
               </a:rPr>
-              <a:t>There is none like You</a:t>
+              <a:t>King of all days</a:t>
             </a:r>
           </a:p>
           <a:p>
@@ -6864,7 +6844,7 @@
                   <a:schemeClr val="bg1"/>
                 </a:solidFill>
               </a:rPr>
-              <a:t>No one else can touch</a:t>
+              <a:t>Oh so highly exalted</a:t>
             </a:r>
           </a:p>
           <a:p>
@@ -6874,7 +6854,7 @@
                   <a:schemeClr val="bg1"/>
                 </a:solidFill>
               </a:rPr>
-              <a:t>My heart like You do</a:t>
+              <a:t>Glorious in heaven above</a:t>
             </a:r>
           </a:p>
           <a:p>
@@ -6884,7 +6864,7 @@
                   <a:schemeClr val="bg1"/>
                 </a:solidFill>
               </a:rPr>
-              <a:t>I could search</a:t>
+              <a:t>Humbly You came</a:t>
             </a:r>
           </a:p>
           <a:p>
@@ -6894,7 +6874,7 @@
                   <a:schemeClr val="bg1"/>
                 </a:solidFill>
               </a:rPr>
-              <a:t>For all eternity long and find</a:t>
+              <a:t>To the earth You created</a:t>
             </a:r>
           </a:p>
           <a:p>
@@ -6904,7 +6884,7 @@
                   <a:schemeClr val="bg1"/>
                 </a:solidFill>
               </a:rPr>
-              <a:t>There is none like You</a:t>
+              <a:t>All for love's sake became poor</a:t>
             </a:r>
           </a:p>
         </p:txBody>
@@ -6937,7 +6917,7 @@
                   <a:schemeClr val="bg1"/>
                 </a:solidFill>
               </a:rPr>
-              <a:t>1/2</a:t>
+              <a:t>3/4</a:t>
             </a:r>
           </a:p>
         </p:txBody>
@@ -6945,7 +6925,7 @@
     </p:spTree>
     <p:extLst>
       <p:ext uri="{BB962C8B-B14F-4D97-AF65-F5344CB8AC3E}">
-        <p14:creationId xmlns:p14="http://schemas.microsoft.com/office/powerpoint/2010/main" val="3163490425"/>
+        <p14:creationId xmlns:p14="http://schemas.microsoft.com/office/powerpoint/2010/main" val="1984553941"/>
       </p:ext>
     </p:extLst>
   </p:cSld>
@@ -7496,6 +7476,453 @@
                   <a:schemeClr val="bg1"/>
                 </a:solidFill>
               </a:rPr>
+              <a:t>And I'll never know how much it cost</a:t>
+            </a:r>
+          </a:p>
+          <a:p>
+            <a:r>
+              <a:rPr lang="en-GB" sz="3600" dirty="0">
+                <a:solidFill>
+                  <a:schemeClr val="bg1"/>
+                </a:solidFill>
+              </a:rPr>
+              <a:t>To see my sin upon that cross</a:t>
+            </a:r>
+          </a:p>
+          <a:p>
+            <a:r>
+              <a:rPr lang="en-GB" sz="3600" dirty="0">
+                <a:solidFill>
+                  <a:schemeClr val="bg1"/>
+                </a:solidFill>
+              </a:rPr>
+              <a:t>And I'll never know how much it cost</a:t>
+            </a:r>
+          </a:p>
+          <a:p>
+            <a:r>
+              <a:rPr lang="en-GB" sz="3600" dirty="0">
+                <a:solidFill>
+                  <a:schemeClr val="bg1"/>
+                </a:solidFill>
+              </a:rPr>
+              <a:t>To see my sin upon that cross</a:t>
+            </a:r>
+          </a:p>
+        </p:txBody>
+      </p:sp>
+      <p:sp>
+        <p:nvSpPr>
+          <p:cNvPr id="4" name="TextBox 3"/>
+          <p:cNvSpPr txBox="1"/>
+          <p:nvPr/>
+        </p:nvSpPr>
+        <p:spPr>
+          <a:xfrm>
+            <a:off x="8529729" y="0"/>
+            <a:ext cx="628698" cy="461665"/>
+          </a:xfrm>
+          <a:prstGeom prst="rect">
+            <a:avLst/>
+          </a:prstGeom>
+          <a:noFill/>
+        </p:spPr>
+        <p:txBody>
+          <a:bodyPr wrap="none" rtlCol="0">
+            <a:spAutoFit/>
+          </a:bodyPr>
+          <a:lstStyle/>
+          <a:p>
+            <a:r>
+              <a:rPr lang="en-GB" sz="2400" b="1" dirty="0">
+                <a:solidFill>
+                  <a:schemeClr val="bg1"/>
+                </a:solidFill>
+              </a:rPr>
+              <a:t>4/4</a:t>
+            </a:r>
+          </a:p>
+        </p:txBody>
+      </p:sp>
+    </p:spTree>
+    <p:extLst>
+      <p:ext uri="{BB962C8B-B14F-4D97-AF65-F5344CB8AC3E}">
+        <p14:creationId xmlns:p14="http://schemas.microsoft.com/office/powerpoint/2010/main" val="2538617842"/>
+      </p:ext>
+    </p:extLst>
+  </p:cSld>
+  <p:clrMapOvr>
+    <a:masterClrMapping/>
+  </p:clrMapOvr>
+</p:sld>
+</file>
+
+<file path=ppt/slides/slide21.xml><?xml version="1.0" encoding="utf-8"?>
+<p:sld xmlns:a="http://schemas.openxmlformats.org/drawingml/2006/main" xmlns:r="http://schemas.openxmlformats.org/officeDocument/2006/relationships" xmlns:p="http://schemas.openxmlformats.org/presentationml/2006/main">
+  <p:cSld>
+    <p:spTree>
+      <p:nvGrpSpPr>
+        <p:cNvPr id="1" name=""/>
+        <p:cNvGrpSpPr/>
+        <p:nvPr/>
+      </p:nvGrpSpPr>
+      <p:grpSpPr>
+        <a:xfrm>
+          <a:off x="0" y="0"/>
+          <a:ext cx="0" cy="0"/>
+          <a:chOff x="0" y="0"/>
+          <a:chExt cx="0" cy="0"/>
+        </a:xfrm>
+      </p:grpSpPr>
+      <p:sp>
+        <p:nvSpPr>
+          <p:cNvPr id="3" name="Subtitle 2"/>
+          <p:cNvSpPr>
+            <a:spLocks noGrp="1"/>
+          </p:cNvSpPr>
+          <p:nvPr>
+            <p:ph type="subTitle" idx="1"/>
+          </p:nvPr>
+        </p:nvSpPr>
+        <p:spPr>
+          <a:xfrm>
+            <a:off x="323528" y="188640"/>
+            <a:ext cx="8640960" cy="6480720"/>
+          </a:xfrm>
+        </p:spPr>
+        <p:txBody>
+          <a:bodyPr>
+            <a:noAutofit/>
+          </a:bodyPr>
+          <a:lstStyle/>
+          <a:p>
+            <a:endParaRPr lang="en-GB" sz="6600" dirty="0">
+              <a:solidFill>
+                <a:srgbClr val="00A3E0"/>
+              </a:solidFill>
+              <a:latin typeface="akagi_probook"/>
+            </a:endParaRPr>
+          </a:p>
+          <a:p>
+            <a:r>
+              <a:rPr lang="en-GB" sz="6600" dirty="0">
+                <a:solidFill>
+                  <a:srgbClr val="00A3E0"/>
+                </a:solidFill>
+                <a:latin typeface="akagi_probook"/>
+              </a:rPr>
+              <a:t>There is None Like You</a:t>
+            </a:r>
+            <a:br>
+              <a:rPr lang="en-GB" sz="1200" dirty="0">
+                <a:solidFill>
+                  <a:schemeClr val="bg1"/>
+                </a:solidFill>
+              </a:rPr>
+            </a:br>
+            <a:r>
+              <a:rPr lang="en-GB" sz="1200" dirty="0" err="1">
+                <a:solidFill>
+                  <a:schemeClr val="bg1"/>
+                </a:solidFill>
+              </a:rPr>
+              <a:t>G.CcliSongNumber</a:t>
+            </a:r>
+            <a:r>
+              <a:rPr lang="en-GB" sz="1200" dirty="0">
+                <a:solidFill>
+                  <a:schemeClr val="bg1"/>
+                </a:solidFill>
+              </a:rPr>
+              <a:t> 674545</a:t>
+            </a:r>
+          </a:p>
+          <a:p>
+            <a:r>
+              <a:rPr lang="en-GB" sz="1200" dirty="0">
+                <a:solidFill>
+                  <a:schemeClr val="bg1"/>
+                </a:solidFill>
+              </a:rPr>
+              <a:t>Lenny LeBlanc</a:t>
+            </a:r>
+          </a:p>
+          <a:p>
+            <a:r>
+              <a:rPr lang="en-GB" sz="1200" dirty="0">
+                <a:solidFill>
+                  <a:schemeClr val="bg1"/>
+                </a:solidFill>
+              </a:rPr>
+              <a:t>© 1991 Integrity's Hosanna! Music</a:t>
+            </a:r>
+          </a:p>
+          <a:p>
+            <a:r>
+              <a:rPr lang="en-GB" sz="1200" dirty="0">
+                <a:solidFill>
+                  <a:schemeClr val="bg1"/>
+                </a:solidFill>
+              </a:rPr>
+              <a:t>For use solely with the </a:t>
+            </a:r>
+            <a:r>
+              <a:rPr lang="en-GB" sz="1200" dirty="0" err="1">
+                <a:solidFill>
+                  <a:schemeClr val="bg1"/>
+                </a:solidFill>
+              </a:rPr>
+              <a:t>SongSelect</a:t>
+            </a:r>
+            <a:r>
+              <a:rPr lang="en-GB" sz="1200" dirty="0">
+                <a:solidFill>
+                  <a:schemeClr val="bg1"/>
+                </a:solidFill>
+              </a:rPr>
+              <a:t>® </a:t>
+            </a:r>
+            <a:r>
+              <a:rPr lang="en-GB" sz="1200" dirty="0" err="1">
+                <a:solidFill>
+                  <a:schemeClr val="bg1"/>
+                </a:solidFill>
+              </a:rPr>
+              <a:t>G.LIT_TermsOfUse</a:t>
+            </a:r>
+            <a:r>
+              <a:rPr lang="en-GB" sz="1200" dirty="0">
+                <a:solidFill>
+                  <a:schemeClr val="bg1"/>
+                </a:solidFill>
+              </a:rPr>
+              <a:t>. All rights reserved. www.ccli.com</a:t>
+            </a:r>
+          </a:p>
+          <a:p>
+            <a:r>
+              <a:rPr lang="en-GB" sz="1200" dirty="0" err="1">
+                <a:solidFill>
+                  <a:schemeClr val="bg1"/>
+                </a:solidFill>
+              </a:rPr>
+              <a:t>G.CcliLicenseNumber</a:t>
+            </a:r>
+            <a:r>
+              <a:rPr lang="en-GB" sz="1200" dirty="0">
+                <a:solidFill>
+                  <a:schemeClr val="bg1"/>
+                </a:solidFill>
+              </a:rPr>
+              <a:t> 33265</a:t>
+            </a:r>
+          </a:p>
+        </p:txBody>
+      </p:sp>
+    </p:spTree>
+    <p:extLst>
+      <p:ext uri="{BB962C8B-B14F-4D97-AF65-F5344CB8AC3E}">
+        <p14:creationId xmlns:p14="http://schemas.microsoft.com/office/powerpoint/2010/main" val="1444287553"/>
+      </p:ext>
+    </p:extLst>
+  </p:cSld>
+  <p:clrMapOvr>
+    <a:masterClrMapping/>
+  </p:clrMapOvr>
+</p:sld>
+</file>
+
+<file path=ppt/slides/slide22.xml><?xml version="1.0" encoding="utf-8"?>
+<p:sld xmlns:a="http://schemas.openxmlformats.org/drawingml/2006/main" xmlns:r="http://schemas.openxmlformats.org/officeDocument/2006/relationships" xmlns:p="http://schemas.openxmlformats.org/presentationml/2006/main">
+  <p:cSld>
+    <p:spTree>
+      <p:nvGrpSpPr>
+        <p:cNvPr id="1" name=""/>
+        <p:cNvGrpSpPr/>
+        <p:nvPr/>
+      </p:nvGrpSpPr>
+      <p:grpSpPr>
+        <a:xfrm>
+          <a:off x="0" y="0"/>
+          <a:ext cx="0" cy="0"/>
+          <a:chOff x="0" y="0"/>
+          <a:chExt cx="0" cy="0"/>
+        </a:xfrm>
+      </p:grpSpPr>
+      <p:sp>
+        <p:nvSpPr>
+          <p:cNvPr id="3" name="Subtitle 2"/>
+          <p:cNvSpPr>
+            <a:spLocks noGrp="1"/>
+          </p:cNvSpPr>
+          <p:nvPr>
+            <p:ph type="subTitle" idx="1"/>
+          </p:nvPr>
+        </p:nvSpPr>
+        <p:spPr>
+          <a:xfrm>
+            <a:off x="395536" y="836712"/>
+            <a:ext cx="8640960" cy="6480720"/>
+          </a:xfrm>
+        </p:spPr>
+        <p:txBody>
+          <a:bodyPr>
+            <a:noAutofit/>
+          </a:bodyPr>
+          <a:lstStyle/>
+          <a:p>
+            <a:r>
+              <a:rPr lang="en-GB" sz="3600" dirty="0">
+                <a:solidFill>
+                  <a:schemeClr val="bg1"/>
+                </a:solidFill>
+              </a:rPr>
+              <a:t>There is none like You</a:t>
+            </a:r>
+          </a:p>
+          <a:p>
+            <a:r>
+              <a:rPr lang="en-GB" sz="3600" dirty="0">
+                <a:solidFill>
+                  <a:schemeClr val="bg1"/>
+                </a:solidFill>
+              </a:rPr>
+              <a:t>No one else can touch</a:t>
+            </a:r>
+          </a:p>
+          <a:p>
+            <a:r>
+              <a:rPr lang="en-GB" sz="3600" dirty="0">
+                <a:solidFill>
+                  <a:schemeClr val="bg1"/>
+                </a:solidFill>
+              </a:rPr>
+              <a:t>My heart like You do</a:t>
+            </a:r>
+          </a:p>
+          <a:p>
+            <a:r>
+              <a:rPr lang="en-GB" sz="3600" dirty="0">
+                <a:solidFill>
+                  <a:schemeClr val="bg1"/>
+                </a:solidFill>
+              </a:rPr>
+              <a:t>I could search</a:t>
+            </a:r>
+          </a:p>
+          <a:p>
+            <a:r>
+              <a:rPr lang="en-GB" sz="3600" dirty="0">
+                <a:solidFill>
+                  <a:schemeClr val="bg1"/>
+                </a:solidFill>
+              </a:rPr>
+              <a:t>For all eternity long and find</a:t>
+            </a:r>
+          </a:p>
+          <a:p>
+            <a:r>
+              <a:rPr lang="en-GB" sz="3600" dirty="0">
+                <a:solidFill>
+                  <a:schemeClr val="bg1"/>
+                </a:solidFill>
+              </a:rPr>
+              <a:t>There is none like You</a:t>
+            </a:r>
+          </a:p>
+        </p:txBody>
+      </p:sp>
+      <p:sp>
+        <p:nvSpPr>
+          <p:cNvPr id="4" name="TextBox 3"/>
+          <p:cNvSpPr txBox="1"/>
+          <p:nvPr/>
+        </p:nvSpPr>
+        <p:spPr>
+          <a:xfrm>
+            <a:off x="8529729" y="0"/>
+            <a:ext cx="628698" cy="461665"/>
+          </a:xfrm>
+          <a:prstGeom prst="rect">
+            <a:avLst/>
+          </a:prstGeom>
+          <a:noFill/>
+        </p:spPr>
+        <p:txBody>
+          <a:bodyPr wrap="none" rtlCol="0">
+            <a:spAutoFit/>
+          </a:bodyPr>
+          <a:lstStyle/>
+          <a:p>
+            <a:r>
+              <a:rPr lang="en-GB" sz="2400" b="1" dirty="0">
+                <a:solidFill>
+                  <a:schemeClr val="bg1"/>
+                </a:solidFill>
+              </a:rPr>
+              <a:t>1/2</a:t>
+            </a:r>
+          </a:p>
+        </p:txBody>
+      </p:sp>
+    </p:spTree>
+    <p:extLst>
+      <p:ext uri="{BB962C8B-B14F-4D97-AF65-F5344CB8AC3E}">
+        <p14:creationId xmlns:p14="http://schemas.microsoft.com/office/powerpoint/2010/main" val="3163490425"/>
+      </p:ext>
+    </p:extLst>
+  </p:cSld>
+  <p:clrMapOvr>
+    <a:masterClrMapping/>
+  </p:clrMapOvr>
+</p:sld>
+</file>
+
+<file path=ppt/slides/slide23.xml><?xml version="1.0" encoding="utf-8"?>
+<p:sld xmlns:a="http://schemas.openxmlformats.org/drawingml/2006/main" xmlns:r="http://schemas.openxmlformats.org/officeDocument/2006/relationships" xmlns:p="http://schemas.openxmlformats.org/presentationml/2006/main">
+  <p:cSld>
+    <p:spTree>
+      <p:nvGrpSpPr>
+        <p:cNvPr id="1" name=""/>
+        <p:cNvGrpSpPr/>
+        <p:nvPr/>
+      </p:nvGrpSpPr>
+      <p:grpSpPr>
+        <a:xfrm>
+          <a:off x="0" y="0"/>
+          <a:ext cx="0" cy="0"/>
+          <a:chOff x="0" y="0"/>
+          <a:chExt cx="0" cy="0"/>
+        </a:xfrm>
+      </p:grpSpPr>
+      <p:sp>
+        <p:nvSpPr>
+          <p:cNvPr id="3" name="Subtitle 2"/>
+          <p:cNvSpPr>
+            <a:spLocks noGrp="1"/>
+          </p:cNvSpPr>
+          <p:nvPr>
+            <p:ph type="subTitle" idx="1"/>
+          </p:nvPr>
+        </p:nvSpPr>
+        <p:spPr>
+          <a:xfrm>
+            <a:off x="395536" y="836712"/>
+            <a:ext cx="8640960" cy="6480720"/>
+          </a:xfrm>
+        </p:spPr>
+        <p:txBody>
+          <a:bodyPr>
+            <a:noAutofit/>
+          </a:bodyPr>
+          <a:lstStyle/>
+          <a:p>
+            <a:r>
+              <a:rPr lang="en-GB" sz="3600" dirty="0">
+                <a:solidFill>
+                  <a:schemeClr val="bg1"/>
+                </a:solidFill>
+              </a:rPr>
               <a:t>Your mercy flows like a river wide</a:t>
             </a:r>
           </a:p>
@@ -7577,7 +8004,7 @@
 </p:sld>
 </file>
 
-<file path=ppt/slides/slide21.xml><?xml version="1.0" encoding="utf-8"?>
+<file path=ppt/slides/slide24.xml><?xml version="1.0" encoding="utf-8"?>
 <p:sld xmlns:a="http://schemas.openxmlformats.org/drawingml/2006/main" xmlns:r="http://schemas.openxmlformats.org/officeDocument/2006/relationships" xmlns:p="http://schemas.openxmlformats.org/presentationml/2006/main">
   <p:cSld>
     <p:spTree>
@@ -8079,484 +8506,6 @@
 </p:sld>
 </file>
 
-<file path=ppt/slides/slide22.xml><?xml version="1.0" encoding="utf-8"?>
-<p:sld xmlns:a="http://schemas.openxmlformats.org/drawingml/2006/main" xmlns:r="http://schemas.openxmlformats.org/officeDocument/2006/relationships" xmlns:p="http://schemas.openxmlformats.org/presentationml/2006/main">
-  <p:cSld>
-    <p:spTree>
-      <p:nvGrpSpPr>
-        <p:cNvPr id="1" name=""/>
-        <p:cNvGrpSpPr/>
-        <p:nvPr/>
-      </p:nvGrpSpPr>
-      <p:grpSpPr>
-        <a:xfrm>
-          <a:off x="0" y="0"/>
-          <a:ext cx="0" cy="0"/>
-          <a:chOff x="0" y="0"/>
-          <a:chExt cx="0" cy="0"/>
-        </a:xfrm>
-      </p:grpSpPr>
-      <p:sp>
-        <p:nvSpPr>
-          <p:cNvPr id="3" name="Subtitle 2"/>
-          <p:cNvSpPr>
-            <a:spLocks noGrp="1"/>
-          </p:cNvSpPr>
-          <p:nvPr>
-            <p:ph type="subTitle" idx="1"/>
-          </p:nvPr>
-        </p:nvSpPr>
-        <p:spPr>
-          <a:xfrm>
-            <a:off x="323528" y="188640"/>
-            <a:ext cx="8640960" cy="6480720"/>
-          </a:xfrm>
-        </p:spPr>
-        <p:txBody>
-          <a:bodyPr>
-            <a:noAutofit/>
-          </a:bodyPr>
-          <a:lstStyle/>
-          <a:p>
-            <a:endParaRPr lang="en-GB" sz="5400" dirty="0">
-              <a:solidFill>
-                <a:schemeClr val="bg1"/>
-              </a:solidFill>
-            </a:endParaRPr>
-          </a:p>
-          <a:p>
-            <a:r>
-              <a:rPr lang="en-GB" sz="4400" b="0" i="0" dirty="0">
-                <a:solidFill>
-                  <a:srgbClr val="00A3E0"/>
-                </a:solidFill>
-                <a:effectLst/>
-                <a:latin typeface="akagi_probook"/>
-              </a:rPr>
-              <a:t>Nothing Else</a:t>
-            </a:r>
-          </a:p>
-          <a:p>
-            <a:br>
-              <a:rPr lang="en-GB" sz="1200" dirty="0">
-                <a:solidFill>
-                  <a:schemeClr val="bg1"/>
-                </a:solidFill>
-              </a:rPr>
-            </a:br>
-            <a:r>
-              <a:rPr lang="en-GB" sz="1200" dirty="0">
-                <a:solidFill>
-                  <a:schemeClr val="bg1"/>
-                </a:solidFill>
-              </a:rPr>
-              <a:t>CCLI Song # 7123436</a:t>
-            </a:r>
-          </a:p>
-          <a:p>
-            <a:endParaRPr lang="en-GB" sz="1200" dirty="0">
-              <a:solidFill>
-                <a:schemeClr val="bg1"/>
-              </a:solidFill>
-            </a:endParaRPr>
-          </a:p>
-          <a:p>
-            <a:r>
-              <a:rPr lang="en-GB" sz="1200" dirty="0">
-                <a:solidFill>
-                  <a:schemeClr val="bg1"/>
-                </a:solidFill>
-              </a:rPr>
-              <a:t>Cody Carnes | Hank Bentley | Jessie Early</a:t>
-            </a:r>
-          </a:p>
-          <a:p>
-            <a:endParaRPr lang="en-GB" sz="1200" dirty="0">
-              <a:solidFill>
-                <a:schemeClr val="bg1"/>
-              </a:solidFill>
-            </a:endParaRPr>
-          </a:p>
-          <a:p>
-            <a:r>
-              <a:rPr lang="en-GB" sz="1200" dirty="0">
-                <a:solidFill>
-                  <a:schemeClr val="bg1"/>
-                </a:solidFill>
-              </a:rPr>
-              <a:t>© 2019 Capitol CMG Paragon (Admin. by Capitol CMG Publishing)</a:t>
-            </a:r>
-          </a:p>
-          <a:p>
-            <a:r>
-              <a:rPr lang="en-GB" sz="1200" dirty="0">
-                <a:solidFill>
-                  <a:schemeClr val="bg1"/>
-                </a:solidFill>
-              </a:rPr>
-              <a:t>Songs By That Dog Will Hunt (Admin. by Capitol CMG Publishing)</a:t>
-            </a:r>
-          </a:p>
-          <a:p>
-            <a:r>
-              <a:rPr lang="en-GB" sz="1200" dirty="0">
-                <a:solidFill>
-                  <a:schemeClr val="bg1"/>
-                </a:solidFill>
-              </a:rPr>
-              <a:t>Writer's Roof Publishing (Admin. by Capitol CMG Publishing)</a:t>
-            </a:r>
-          </a:p>
-          <a:p>
-            <a:r>
-              <a:rPr lang="en-GB" sz="1200" dirty="0">
-                <a:solidFill>
-                  <a:schemeClr val="bg1"/>
-                </a:solidFill>
-              </a:rPr>
-              <a:t>For use solely with the </a:t>
-            </a:r>
-            <a:r>
-              <a:rPr lang="en-GB" sz="1200" dirty="0" err="1">
-                <a:solidFill>
-                  <a:schemeClr val="bg1"/>
-                </a:solidFill>
-              </a:rPr>
-              <a:t>SongSelect</a:t>
-            </a:r>
-            <a:r>
-              <a:rPr lang="en-GB" sz="1200" dirty="0">
-                <a:solidFill>
-                  <a:schemeClr val="bg1"/>
-                </a:solidFill>
-              </a:rPr>
-              <a:t>® Terms of Use. All rights reserved. www.ccli.com</a:t>
-            </a:r>
-          </a:p>
-          <a:p>
-            <a:endParaRPr lang="en-GB" sz="1200" dirty="0">
-              <a:solidFill>
-                <a:schemeClr val="bg1"/>
-              </a:solidFill>
-            </a:endParaRPr>
-          </a:p>
-          <a:p>
-            <a:r>
-              <a:rPr lang="en-GB" sz="1200" dirty="0">
-                <a:solidFill>
-                  <a:schemeClr val="bg1"/>
-                </a:solidFill>
-              </a:rPr>
-              <a:t>CCLI Licence No. 33265</a:t>
-            </a:r>
-          </a:p>
-        </p:txBody>
-      </p:sp>
-    </p:spTree>
-    <p:extLst>
-      <p:ext uri="{BB962C8B-B14F-4D97-AF65-F5344CB8AC3E}">
-        <p14:creationId xmlns:p14="http://schemas.microsoft.com/office/powerpoint/2010/main" val="2625751196"/>
-      </p:ext>
-    </p:extLst>
-  </p:cSld>
-  <p:clrMapOvr>
-    <a:masterClrMapping/>
-  </p:clrMapOvr>
-</p:sld>
-</file>
-
-<file path=ppt/slides/slide23.xml><?xml version="1.0" encoding="utf-8"?>
-<p:sld xmlns:a="http://schemas.openxmlformats.org/drawingml/2006/main" xmlns:r="http://schemas.openxmlformats.org/officeDocument/2006/relationships" xmlns:p="http://schemas.openxmlformats.org/presentationml/2006/main">
-  <p:cSld>
-    <p:spTree>
-      <p:nvGrpSpPr>
-        <p:cNvPr id="1" name=""/>
-        <p:cNvGrpSpPr/>
-        <p:nvPr/>
-      </p:nvGrpSpPr>
-      <p:grpSpPr>
-        <a:xfrm>
-          <a:off x="0" y="0"/>
-          <a:ext cx="0" cy="0"/>
-          <a:chOff x="0" y="0"/>
-          <a:chExt cx="0" cy="0"/>
-        </a:xfrm>
-      </p:grpSpPr>
-      <p:sp>
-        <p:nvSpPr>
-          <p:cNvPr id="3" name="Subtitle 2"/>
-          <p:cNvSpPr>
-            <a:spLocks noGrp="1"/>
-          </p:cNvSpPr>
-          <p:nvPr>
-            <p:ph type="subTitle" idx="1"/>
-          </p:nvPr>
-        </p:nvSpPr>
-        <p:spPr>
-          <a:xfrm>
-            <a:off x="203118" y="692696"/>
-            <a:ext cx="8640960" cy="6480720"/>
-          </a:xfrm>
-        </p:spPr>
-        <p:txBody>
-          <a:bodyPr>
-            <a:noAutofit/>
-          </a:bodyPr>
-          <a:lstStyle/>
-          <a:p>
-            <a:r>
-              <a:rPr lang="en-GB" sz="3600" dirty="0">
-                <a:solidFill>
-                  <a:schemeClr val="bg1"/>
-                </a:solidFill>
-              </a:rPr>
-              <a:t>I'm caught up in Your presence</a:t>
-            </a:r>
-          </a:p>
-          <a:p>
-            <a:r>
-              <a:rPr lang="en-GB" sz="3600" dirty="0">
-                <a:solidFill>
-                  <a:schemeClr val="bg1"/>
-                </a:solidFill>
-              </a:rPr>
-              <a:t>I just want to sit here at Your feet</a:t>
-            </a:r>
-          </a:p>
-          <a:p>
-            <a:r>
-              <a:rPr lang="en-GB" sz="3600" dirty="0">
-                <a:solidFill>
-                  <a:schemeClr val="bg1"/>
-                </a:solidFill>
-              </a:rPr>
-              <a:t>I'm caught up in this holy moment</a:t>
-            </a:r>
-          </a:p>
-          <a:p>
-            <a:r>
-              <a:rPr lang="en-GB" sz="3600" dirty="0">
-                <a:solidFill>
-                  <a:schemeClr val="bg1"/>
-                </a:solidFill>
-              </a:rPr>
-              <a:t>I never want to leave</a:t>
-            </a:r>
-          </a:p>
-          <a:p>
-            <a:r>
-              <a:rPr lang="en-GB" sz="3600" dirty="0">
-                <a:solidFill>
-                  <a:schemeClr val="bg1"/>
-                </a:solidFill>
-              </a:rPr>
-              <a:t>Oh I'm not here for blessings</a:t>
-            </a:r>
-          </a:p>
-          <a:p>
-            <a:r>
-              <a:rPr lang="en-GB" sz="3600" dirty="0">
-                <a:solidFill>
-                  <a:schemeClr val="bg1"/>
-                </a:solidFill>
-              </a:rPr>
-              <a:t>Jesus You don't owe me anything</a:t>
-            </a:r>
-          </a:p>
-          <a:p>
-            <a:r>
-              <a:rPr lang="en-GB" sz="3600" dirty="0">
-                <a:solidFill>
-                  <a:schemeClr val="bg1"/>
-                </a:solidFill>
-              </a:rPr>
-              <a:t>More than anything that You can do</a:t>
-            </a:r>
-          </a:p>
-          <a:p>
-            <a:r>
-              <a:rPr lang="en-GB" sz="3600" dirty="0">
-                <a:solidFill>
-                  <a:schemeClr val="bg1"/>
-                </a:solidFill>
-              </a:rPr>
-              <a:t>I just want You</a:t>
-            </a:r>
-          </a:p>
-        </p:txBody>
-      </p:sp>
-      <p:sp>
-        <p:nvSpPr>
-          <p:cNvPr id="4" name="TextBox 3"/>
-          <p:cNvSpPr txBox="1"/>
-          <p:nvPr/>
-        </p:nvSpPr>
-        <p:spPr>
-          <a:xfrm>
-            <a:off x="8529729" y="0"/>
-            <a:ext cx="628698" cy="461665"/>
-          </a:xfrm>
-          <a:prstGeom prst="rect">
-            <a:avLst/>
-          </a:prstGeom>
-          <a:noFill/>
-        </p:spPr>
-        <p:txBody>
-          <a:bodyPr wrap="none" rtlCol="0">
-            <a:spAutoFit/>
-          </a:bodyPr>
-          <a:lstStyle/>
-          <a:p>
-            <a:r>
-              <a:rPr lang="en-GB" sz="2400" b="1" dirty="0">
-                <a:solidFill>
-                  <a:schemeClr val="bg1"/>
-                </a:solidFill>
-              </a:rPr>
-              <a:t>1/4</a:t>
-            </a:r>
-          </a:p>
-        </p:txBody>
-      </p:sp>
-    </p:spTree>
-    <p:extLst>
-      <p:ext uri="{BB962C8B-B14F-4D97-AF65-F5344CB8AC3E}">
-        <p14:creationId xmlns:p14="http://schemas.microsoft.com/office/powerpoint/2010/main" val="2333015120"/>
-      </p:ext>
-    </p:extLst>
-  </p:cSld>
-  <p:clrMapOvr>
-    <a:masterClrMapping/>
-  </p:clrMapOvr>
-</p:sld>
-</file>
-
-<file path=ppt/slides/slide24.xml><?xml version="1.0" encoding="utf-8"?>
-<p:sld xmlns:a="http://schemas.openxmlformats.org/drawingml/2006/main" xmlns:r="http://schemas.openxmlformats.org/officeDocument/2006/relationships" xmlns:p="http://schemas.openxmlformats.org/presentationml/2006/main">
-  <p:cSld>
-    <p:spTree>
-      <p:nvGrpSpPr>
-        <p:cNvPr id="1" name=""/>
-        <p:cNvGrpSpPr/>
-        <p:nvPr/>
-      </p:nvGrpSpPr>
-      <p:grpSpPr>
-        <a:xfrm>
-          <a:off x="0" y="0"/>
-          <a:ext cx="0" cy="0"/>
-          <a:chOff x="0" y="0"/>
-          <a:chExt cx="0" cy="0"/>
-        </a:xfrm>
-      </p:grpSpPr>
-      <p:sp>
-        <p:nvSpPr>
-          <p:cNvPr id="3" name="Subtitle 2"/>
-          <p:cNvSpPr>
-            <a:spLocks noGrp="1"/>
-          </p:cNvSpPr>
-          <p:nvPr>
-            <p:ph type="subTitle" idx="1"/>
-          </p:nvPr>
-        </p:nvSpPr>
-        <p:spPr>
-          <a:xfrm>
-            <a:off x="395536" y="692696"/>
-            <a:ext cx="8640960" cy="6480720"/>
-          </a:xfrm>
-        </p:spPr>
-        <p:txBody>
-          <a:bodyPr>
-            <a:noAutofit/>
-          </a:bodyPr>
-          <a:lstStyle/>
-          <a:p>
-            <a:r>
-              <a:rPr lang="en-GB" sz="3600" dirty="0">
-                <a:solidFill>
-                  <a:schemeClr val="bg1"/>
-                </a:solidFill>
-              </a:rPr>
-              <a:t>I'm sorry when I've just gone through the motions</a:t>
-            </a:r>
-          </a:p>
-          <a:p>
-            <a:r>
-              <a:rPr lang="en-GB" sz="3600" dirty="0">
-                <a:solidFill>
-                  <a:schemeClr val="bg1"/>
-                </a:solidFill>
-              </a:rPr>
-              <a:t>I'm sorry when I just sang another song</a:t>
-            </a:r>
-          </a:p>
-          <a:p>
-            <a:r>
-              <a:rPr lang="en-GB" sz="3600" dirty="0">
-                <a:solidFill>
-                  <a:schemeClr val="bg1"/>
-                </a:solidFill>
-              </a:rPr>
-              <a:t>Take me back to where we started</a:t>
-            </a:r>
-          </a:p>
-          <a:p>
-            <a:r>
-              <a:rPr lang="en-GB" sz="3600" dirty="0">
-                <a:solidFill>
-                  <a:schemeClr val="bg1"/>
-                </a:solidFill>
-              </a:rPr>
-              <a:t>I open up my heart to You</a:t>
-            </a:r>
-          </a:p>
-        </p:txBody>
-      </p:sp>
-      <p:sp>
-        <p:nvSpPr>
-          <p:cNvPr id="4" name="TextBox 3"/>
-          <p:cNvSpPr txBox="1"/>
-          <p:nvPr/>
-        </p:nvSpPr>
-        <p:spPr>
-          <a:xfrm>
-            <a:off x="8529729" y="0"/>
-            <a:ext cx="628698" cy="461665"/>
-          </a:xfrm>
-          <a:prstGeom prst="rect">
-            <a:avLst/>
-          </a:prstGeom>
-          <a:noFill/>
-        </p:spPr>
-        <p:txBody>
-          <a:bodyPr wrap="none" rtlCol="0">
-            <a:spAutoFit/>
-          </a:bodyPr>
-          <a:lstStyle/>
-          <a:p>
-            <a:r>
-              <a:rPr lang="en-GB" sz="2400" b="1" dirty="0">
-                <a:solidFill>
-                  <a:schemeClr val="bg1"/>
-                </a:solidFill>
-              </a:rPr>
-              <a:t>2/4</a:t>
-            </a:r>
-          </a:p>
-        </p:txBody>
-      </p:sp>
-    </p:spTree>
-    <p:extLst>
-      <p:ext uri="{BB962C8B-B14F-4D97-AF65-F5344CB8AC3E}">
-        <p14:creationId xmlns:p14="http://schemas.microsoft.com/office/powerpoint/2010/main" val="3004002821"/>
-      </p:ext>
-    </p:extLst>
-  </p:cSld>
-  <p:clrMapOvr>
-    <a:masterClrMapping/>
-  </p:clrMapOvr>
-</p:sld>
-</file>
-
 <file path=ppt/slides/slide25.xml><?xml version="1.0" encoding="utf-8"?>
 <p:sld xmlns:a="http://schemas.openxmlformats.org/drawingml/2006/main" xmlns:r="http://schemas.openxmlformats.org/officeDocument/2006/relationships" xmlns:p="http://schemas.openxmlformats.org/presentationml/2006/main">
   <p:cSld>
@@ -8586,7 +8535,7 @@
         </p:nvSpPr>
         <p:spPr>
           <a:xfrm>
-            <a:off x="203118" y="764704"/>
+            <a:off x="323528" y="188640"/>
             <a:ext cx="8640960" cy="6480720"/>
           </a:xfrm>
         </p:spPr>
@@ -8596,76 +8545,136 @@
           </a:bodyPr>
           <a:lstStyle/>
           <a:p>
-            <a:r>
-              <a:rPr lang="en-GB" sz="3600" dirty="0">
-                <a:solidFill>
-                  <a:schemeClr val="bg1"/>
-                </a:solidFill>
-              </a:rPr>
-              <a:t>I'm sorry when I've come with my agenda</a:t>
-            </a:r>
-          </a:p>
-          <a:p>
-            <a:r>
-              <a:rPr lang="en-GB" sz="3600" dirty="0">
-                <a:solidFill>
-                  <a:schemeClr val="bg1"/>
-                </a:solidFill>
-              </a:rPr>
-              <a:t>I'm sorry when I forgot that You're enough</a:t>
-            </a:r>
-          </a:p>
-          <a:p>
-            <a:r>
-              <a:rPr lang="en-GB" sz="3600" dirty="0">
-                <a:solidFill>
-                  <a:schemeClr val="bg1"/>
-                </a:solidFill>
-              </a:rPr>
-              <a:t>Take me back to where we started</a:t>
-            </a:r>
-          </a:p>
-          <a:p>
-            <a:r>
-              <a:rPr lang="en-GB" sz="3600" dirty="0">
-                <a:solidFill>
-                  <a:schemeClr val="bg1"/>
-                </a:solidFill>
-              </a:rPr>
-              <a:t>I open up my heart to You</a:t>
-            </a:r>
-          </a:p>
-        </p:txBody>
-      </p:sp>
-      <p:sp>
-        <p:nvSpPr>
-          <p:cNvPr id="4" name="TextBox 3"/>
-          <p:cNvSpPr txBox="1"/>
-          <p:nvPr/>
-        </p:nvSpPr>
-        <p:spPr>
-          <a:xfrm>
-            <a:off x="8529729" y="0"/>
-            <a:ext cx="628698" cy="461665"/>
-          </a:xfrm>
-          <a:prstGeom prst="rect">
-            <a:avLst/>
-          </a:prstGeom>
-          <a:noFill/>
-        </p:spPr>
-        <p:txBody>
-          <a:bodyPr wrap="none" rtlCol="0">
-            <a:spAutoFit/>
-          </a:bodyPr>
-          <a:lstStyle/>
-          <a:p>
-            <a:r>
-              <a:rPr lang="en-GB" sz="2400" b="1" dirty="0">
-                <a:solidFill>
-                  <a:schemeClr val="bg1"/>
-                </a:solidFill>
-              </a:rPr>
-              <a:t>3/4</a:t>
+            <a:endParaRPr lang="en-GB" sz="5400" dirty="0">
+              <a:solidFill>
+                <a:schemeClr val="bg1"/>
+              </a:solidFill>
+            </a:endParaRPr>
+          </a:p>
+          <a:p>
+            <a:r>
+              <a:rPr lang="en-GB" sz="4400" b="0" i="0" dirty="0">
+                <a:solidFill>
+                  <a:srgbClr val="00A3E0"/>
+                </a:solidFill>
+                <a:effectLst/>
+                <a:latin typeface="akagi_probook"/>
+              </a:rPr>
+              <a:t>Nothing Else</a:t>
+            </a:r>
+          </a:p>
+          <a:p>
+            <a:br>
+              <a:rPr lang="en-GB" sz="1200" dirty="0">
+                <a:solidFill>
+                  <a:schemeClr val="bg1"/>
+                </a:solidFill>
+              </a:rPr>
+            </a:br>
+            <a:r>
+              <a:rPr lang="en-GB" sz="1200" dirty="0">
+                <a:solidFill>
+                  <a:schemeClr val="bg1"/>
+                </a:solidFill>
+              </a:rPr>
+              <a:t>CCLI Song # 7123436</a:t>
+            </a:r>
+          </a:p>
+          <a:p>
+            <a:endParaRPr lang="en-GB" sz="1200" dirty="0">
+              <a:solidFill>
+                <a:schemeClr val="bg1"/>
+              </a:solidFill>
+            </a:endParaRPr>
+          </a:p>
+          <a:p>
+            <a:r>
+              <a:rPr lang="en-GB" sz="1200" dirty="0">
+                <a:solidFill>
+                  <a:schemeClr val="bg1"/>
+                </a:solidFill>
+              </a:rPr>
+              <a:t>Cody Carnes | Hank Bentley | Jessie Early</a:t>
+            </a:r>
+          </a:p>
+          <a:p>
+            <a:endParaRPr lang="en-GB" sz="1200" dirty="0">
+              <a:solidFill>
+                <a:schemeClr val="bg1"/>
+              </a:solidFill>
+            </a:endParaRPr>
+          </a:p>
+          <a:p>
+            <a:r>
+              <a:rPr lang="en-GB" sz="1200" dirty="0">
+                <a:solidFill>
+                  <a:schemeClr val="bg1"/>
+                </a:solidFill>
+              </a:rPr>
+              <a:t>© 2019 Capitol CMG Paragon (Admin. by Capitol CMG Publishing)</a:t>
+            </a:r>
+          </a:p>
+          <a:p>
+            <a:r>
+              <a:rPr lang="en-GB" sz="1200" dirty="0">
+                <a:solidFill>
+                  <a:schemeClr val="bg1"/>
+                </a:solidFill>
+              </a:rPr>
+              <a:t>Songs By That Dog Will Hunt (Admin. by Capitol CMG Publishing)</a:t>
+            </a:r>
+          </a:p>
+          <a:p>
+            <a:r>
+              <a:rPr lang="en-GB" sz="1200" dirty="0">
+                <a:solidFill>
+                  <a:schemeClr val="bg1"/>
+                </a:solidFill>
+              </a:rPr>
+              <a:t>Writer's Roof Publishing (Admin. by Capitol CMG Publishing)</a:t>
+            </a:r>
+          </a:p>
+          <a:p>
+            <a:r>
+              <a:rPr lang="en-GB" sz="1200" dirty="0">
+                <a:solidFill>
+                  <a:schemeClr val="bg1"/>
+                </a:solidFill>
+              </a:rPr>
+              <a:t>For use solely with the </a:t>
+            </a:r>
+            <a:r>
+              <a:rPr lang="en-GB" sz="1200" dirty="0" err="1">
+                <a:solidFill>
+                  <a:schemeClr val="bg1"/>
+                </a:solidFill>
+              </a:rPr>
+              <a:t>SongSelect</a:t>
+            </a:r>
+            <a:r>
+              <a:rPr lang="en-GB" sz="1200" dirty="0">
+                <a:solidFill>
+                  <a:schemeClr val="bg1"/>
+                </a:solidFill>
+              </a:rPr>
+              <a:t>® Terms of Use. All rights reserved. www.ccli.com</a:t>
+            </a:r>
+          </a:p>
+          <a:p>
+            <a:endParaRPr lang="en-GB" sz="1200" dirty="0">
+              <a:solidFill>
+                <a:schemeClr val="bg1"/>
+              </a:solidFill>
+            </a:endParaRPr>
+          </a:p>
+          <a:p>
+            <a:r>
+              <a:rPr lang="en-GB" sz="1200" dirty="0">
+                <a:solidFill>
+                  <a:schemeClr val="bg1"/>
+                </a:solidFill>
+              </a:rPr>
+              <a:t>CCLI Licence No. 33265</a:t>
             </a:r>
           </a:p>
         </p:txBody>
@@ -8673,7 +8682,7 @@
     </p:spTree>
     <p:extLst>
       <p:ext uri="{BB962C8B-B14F-4D97-AF65-F5344CB8AC3E}">
-        <p14:creationId xmlns:p14="http://schemas.microsoft.com/office/powerpoint/2010/main" val="3744124914"/>
+        <p14:creationId xmlns:p14="http://schemas.microsoft.com/office/powerpoint/2010/main" val="2625751196"/>
       </p:ext>
     </p:extLst>
   </p:cSld>
@@ -8712,7 +8721,7 @@
         </p:nvSpPr>
         <p:spPr>
           <a:xfrm>
-            <a:off x="191489" y="836712"/>
+            <a:off x="203118" y="692696"/>
             <a:ext cx="8640960" cy="6480720"/>
           </a:xfrm>
         </p:spPr>
@@ -8728,37 +8737,77 @@
                   <a:schemeClr val="bg1"/>
                 </a:solidFill>
               </a:rPr>
+              <a:t>I'm caught up in Your presence</a:t>
+            </a:r>
+          </a:p>
+          <a:p>
+            <a:r>
+              <a:rPr lang="en-GB" sz="3600" dirty="0">
+                <a:solidFill>
+                  <a:schemeClr val="bg1"/>
+                </a:solidFill>
+              </a:rPr>
+              <a:t>I just want to sit here at Your feet</a:t>
+            </a:r>
+          </a:p>
+          <a:p>
+            <a:r>
+              <a:rPr lang="en-GB" sz="3600" dirty="0">
+                <a:solidFill>
+                  <a:schemeClr val="bg1"/>
+                </a:solidFill>
+              </a:rPr>
+              <a:t>I'm caught up in this holy moment</a:t>
+            </a:r>
+          </a:p>
+          <a:p>
+            <a:r>
+              <a:rPr lang="en-GB" sz="3600" dirty="0">
+                <a:solidFill>
+                  <a:schemeClr val="bg1"/>
+                </a:solidFill>
+              </a:rPr>
+              <a:t>I never want to leave</a:t>
+            </a:r>
+          </a:p>
+          <a:p>
+            <a:r>
+              <a:rPr lang="en-GB" sz="3600" dirty="0">
+                <a:solidFill>
+                  <a:schemeClr val="bg1"/>
+                </a:solidFill>
+              </a:rPr>
+              <a:t>Oh I'm not here for blessings</a:t>
+            </a:r>
+          </a:p>
+          <a:p>
+            <a:r>
+              <a:rPr lang="en-GB" sz="3600" dirty="0">
+                <a:solidFill>
+                  <a:schemeClr val="bg1"/>
+                </a:solidFill>
+              </a:rPr>
+              <a:t>Jesus You don't owe me anything</a:t>
+            </a:r>
+          </a:p>
+          <a:p>
+            <a:r>
+              <a:rPr lang="en-GB" sz="3600" dirty="0">
+                <a:solidFill>
+                  <a:schemeClr val="bg1"/>
+                </a:solidFill>
+              </a:rPr>
+              <a:t>More than anything that You can do</a:t>
+            </a:r>
+          </a:p>
+          <a:p>
+            <a:r>
+              <a:rPr lang="en-GB" sz="3600" dirty="0">
+                <a:solidFill>
+                  <a:schemeClr val="bg1"/>
+                </a:solidFill>
+              </a:rPr>
               <a:t>I just want You</a:t>
-            </a:r>
-          </a:p>
-          <a:p>
-            <a:r>
-              <a:rPr lang="en-GB" sz="3600" dirty="0">
-                <a:solidFill>
-                  <a:schemeClr val="bg1"/>
-                </a:solidFill>
-              </a:rPr>
-              <a:t>Nothing else</a:t>
-            </a:r>
-          </a:p>
-          <a:p>
-            <a:r>
-              <a:rPr lang="en-GB" sz="3600" dirty="0">
-                <a:solidFill>
-                  <a:schemeClr val="bg1"/>
-                </a:solidFill>
-              </a:rPr>
-              <a:t>Nothing else (Jesus)</a:t>
-            </a:r>
-          </a:p>
-          <a:p>
-            <a:r>
-              <a:rPr lang="en-GB" sz="3600" dirty="0">
-                <a:solidFill>
-                  <a:schemeClr val="bg1"/>
-                </a:solidFill>
-              </a:rPr>
-              <a:t>Nothing else will do</a:t>
             </a:r>
           </a:p>
         </p:txBody>
@@ -8791,7 +8840,7 @@
                   <a:schemeClr val="bg1"/>
                 </a:solidFill>
               </a:rPr>
-              <a:t>4/4</a:t>
+              <a:t>1/4</a:t>
             </a:r>
           </a:p>
         </p:txBody>
@@ -8799,7 +8848,7 @@
     </p:spTree>
     <p:extLst>
       <p:ext uri="{BB962C8B-B14F-4D97-AF65-F5344CB8AC3E}">
-        <p14:creationId xmlns:p14="http://schemas.microsoft.com/office/powerpoint/2010/main" val="261478187"/>
+        <p14:creationId xmlns:p14="http://schemas.microsoft.com/office/powerpoint/2010/main" val="2333015120"/>
       </p:ext>
     </p:extLst>
   </p:cSld>
@@ -8838,7 +8887,7 @@
         </p:nvSpPr>
         <p:spPr>
           <a:xfrm>
-            <a:off x="323528" y="188640"/>
+            <a:off x="395536" y="692696"/>
             <a:ext cx="8640960" cy="6480720"/>
           </a:xfrm>
         </p:spPr>
@@ -8848,123 +8897,76 @@
           </a:bodyPr>
           <a:lstStyle/>
           <a:p>
-            <a:endParaRPr lang="en-GB" sz="5400" dirty="0">
-              <a:solidFill>
-                <a:schemeClr val="bg1"/>
-              </a:solidFill>
-            </a:endParaRPr>
-          </a:p>
-          <a:p>
-            <a:r>
-              <a:rPr lang="en-GB" sz="4400" b="0" i="0" dirty="0">
-                <a:solidFill>
-                  <a:srgbClr val="00A3E0"/>
-                </a:solidFill>
-                <a:effectLst/>
-                <a:latin typeface="akagi_probook"/>
-              </a:rPr>
-              <a:t>Heart Of Worship</a:t>
-            </a:r>
-            <a:br>
-              <a:rPr lang="en-GB" sz="4400" b="0" i="0" dirty="0">
-                <a:solidFill>
-                  <a:srgbClr val="00A3E0"/>
-                </a:solidFill>
-                <a:effectLst/>
-                <a:latin typeface="akagi_probook"/>
-              </a:rPr>
-            </a:br>
-            <a:br>
-              <a:rPr lang="en-GB" sz="1200" dirty="0">
-                <a:solidFill>
-                  <a:schemeClr val="bg1"/>
-                </a:solidFill>
-              </a:rPr>
-            </a:br>
-            <a:r>
-              <a:rPr lang="en-GB" sz="1200" dirty="0">
-                <a:solidFill>
-                  <a:schemeClr val="bg1"/>
-                </a:solidFill>
-              </a:rPr>
-              <a:t>CCLI Song # 2296522</a:t>
-            </a:r>
-          </a:p>
-          <a:p>
-            <a:endParaRPr lang="en-GB" sz="1200" dirty="0">
-              <a:solidFill>
-                <a:schemeClr val="bg1"/>
-              </a:solidFill>
-            </a:endParaRPr>
-          </a:p>
-          <a:p>
-            <a:r>
-              <a:rPr lang="en-GB" sz="1200" dirty="0">
-                <a:solidFill>
-                  <a:schemeClr val="bg1"/>
-                </a:solidFill>
-              </a:rPr>
-              <a:t>Matt Redman</a:t>
-            </a:r>
-          </a:p>
-          <a:p>
-            <a:endParaRPr lang="en-GB" sz="1200" dirty="0">
-              <a:solidFill>
-                <a:schemeClr val="bg1"/>
-              </a:solidFill>
-            </a:endParaRPr>
-          </a:p>
-          <a:p>
-            <a:r>
-              <a:rPr lang="en-GB" sz="1200" dirty="0">
-                <a:solidFill>
-                  <a:schemeClr val="bg1"/>
-                </a:solidFill>
-              </a:rPr>
-              <a:t>© 1997 Thankyou Music (Admin. by Integrity Music Ltd)</a:t>
-            </a:r>
-          </a:p>
-          <a:p>
-            <a:r>
-              <a:rPr lang="en-GB" sz="1200" dirty="0">
-                <a:solidFill>
-                  <a:schemeClr val="bg1"/>
-                </a:solidFill>
-              </a:rPr>
-              <a:t>For use solely with the </a:t>
-            </a:r>
-            <a:r>
-              <a:rPr lang="en-GB" sz="1200" dirty="0" err="1">
-                <a:solidFill>
-                  <a:schemeClr val="bg1"/>
-                </a:solidFill>
-              </a:rPr>
-              <a:t>SongSelect</a:t>
-            </a:r>
-            <a:r>
-              <a:rPr lang="en-GB" sz="1200" dirty="0">
-                <a:solidFill>
-                  <a:schemeClr val="bg1"/>
-                </a:solidFill>
-              </a:rPr>
-              <a:t>® Terms of Use. All rights reserved. www.ccli.com</a:t>
-            </a:r>
-          </a:p>
-          <a:p>
-            <a:endParaRPr lang="en-GB" sz="1200" dirty="0">
-              <a:solidFill>
-                <a:schemeClr val="bg1"/>
-              </a:solidFill>
-            </a:endParaRPr>
-          </a:p>
-          <a:p>
-            <a:r>
-              <a:rPr lang="en-GB" sz="1200" dirty="0">
-                <a:solidFill>
-                  <a:schemeClr val="bg1"/>
-                </a:solidFill>
-              </a:rPr>
-              <a:t>CCLI Licence No. 33265</a:t>
+            <a:r>
+              <a:rPr lang="en-GB" sz="3600" dirty="0">
+                <a:solidFill>
+                  <a:schemeClr val="bg1"/>
+                </a:solidFill>
+              </a:rPr>
+              <a:t>I'm sorry when I've just gone through the motions</a:t>
+            </a:r>
+          </a:p>
+          <a:p>
+            <a:r>
+              <a:rPr lang="en-GB" sz="3600" dirty="0">
+                <a:solidFill>
+                  <a:schemeClr val="bg1"/>
+                </a:solidFill>
+              </a:rPr>
+              <a:t>I'm sorry when I just sang another song</a:t>
+            </a:r>
+          </a:p>
+          <a:p>
+            <a:r>
+              <a:rPr lang="en-GB" sz="3600" dirty="0">
+                <a:solidFill>
+                  <a:schemeClr val="bg1"/>
+                </a:solidFill>
+              </a:rPr>
+              <a:t>Take me back to where we started</a:t>
+            </a:r>
+          </a:p>
+          <a:p>
+            <a:r>
+              <a:rPr lang="en-GB" sz="3600" dirty="0">
+                <a:solidFill>
+                  <a:schemeClr val="bg1"/>
+                </a:solidFill>
+              </a:rPr>
+              <a:t>I open up my heart to You</a:t>
+            </a:r>
+          </a:p>
+        </p:txBody>
+      </p:sp>
+      <p:sp>
+        <p:nvSpPr>
+          <p:cNvPr id="4" name="TextBox 3"/>
+          <p:cNvSpPr txBox="1"/>
+          <p:nvPr/>
+        </p:nvSpPr>
+        <p:spPr>
+          <a:xfrm>
+            <a:off x="8529729" y="0"/>
+            <a:ext cx="628698" cy="461665"/>
+          </a:xfrm>
+          <a:prstGeom prst="rect">
+            <a:avLst/>
+          </a:prstGeom>
+          <a:noFill/>
+        </p:spPr>
+        <p:txBody>
+          <a:bodyPr wrap="none" rtlCol="0">
+            <a:spAutoFit/>
+          </a:bodyPr>
+          <a:lstStyle/>
+          <a:p>
+            <a:r>
+              <a:rPr lang="en-GB" sz="2400" b="1" dirty="0">
+                <a:solidFill>
+                  <a:schemeClr val="bg1"/>
+                </a:solidFill>
+              </a:rPr>
+              <a:t>2/4</a:t>
             </a:r>
           </a:p>
         </p:txBody>
@@ -8972,7 +8974,7 @@
     </p:spTree>
     <p:extLst>
       <p:ext uri="{BB962C8B-B14F-4D97-AF65-F5344CB8AC3E}">
-        <p14:creationId xmlns:p14="http://schemas.microsoft.com/office/powerpoint/2010/main" val="1348945171"/>
+        <p14:creationId xmlns:p14="http://schemas.microsoft.com/office/powerpoint/2010/main" val="3004002821"/>
       </p:ext>
     </p:extLst>
   </p:cSld>
@@ -9011,7 +9013,7 @@
         </p:nvSpPr>
         <p:spPr>
           <a:xfrm>
-            <a:off x="203118" y="692696"/>
+            <a:off x="203118" y="764704"/>
             <a:ext cx="8640960" cy="6480720"/>
           </a:xfrm>
         </p:spPr>
@@ -9027,7 +9029,7 @@
                   <a:schemeClr val="bg1"/>
                 </a:solidFill>
               </a:rPr>
-              <a:t>When the music fades all is stripped away</a:t>
+              <a:t>I'm sorry when I've come with my agenda</a:t>
             </a:r>
           </a:p>
           <a:p>
@@ -9037,7 +9039,7 @@
                   <a:schemeClr val="bg1"/>
                 </a:solidFill>
               </a:rPr>
-              <a:t>And I simply come</a:t>
+              <a:t>I'm sorry when I forgot that You're enough</a:t>
             </a:r>
           </a:p>
           <a:p>
@@ -9047,7 +9049,7 @@
                   <a:schemeClr val="bg1"/>
                 </a:solidFill>
               </a:rPr>
-              <a:t>Longing just to bring something that's of worth</a:t>
+              <a:t>Take me back to where we started</a:t>
             </a:r>
           </a:p>
           <a:p>
@@ -9057,7 +9059,7 @@
                   <a:schemeClr val="bg1"/>
                 </a:solidFill>
               </a:rPr>
-              <a:t>That will bless Your heart</a:t>
+              <a:t>I open up my heart to You</a:t>
             </a:r>
           </a:p>
         </p:txBody>
@@ -9090,7 +9092,7 @@
                   <a:schemeClr val="bg1"/>
                 </a:solidFill>
               </a:rPr>
-              <a:t>1/6</a:t>
+              <a:t>3/4</a:t>
             </a:r>
           </a:p>
         </p:txBody>
@@ -9098,7 +9100,7 @@
     </p:spTree>
     <p:extLst>
       <p:ext uri="{BB962C8B-B14F-4D97-AF65-F5344CB8AC3E}">
-        <p14:creationId xmlns:p14="http://schemas.microsoft.com/office/powerpoint/2010/main" val="4225582275"/>
+        <p14:creationId xmlns:p14="http://schemas.microsoft.com/office/powerpoint/2010/main" val="3744124914"/>
       </p:ext>
     </p:extLst>
   </p:cSld>
@@ -9137,7 +9139,7 @@
         </p:nvSpPr>
         <p:spPr>
           <a:xfrm>
-            <a:off x="251520" y="836712"/>
+            <a:off x="191489" y="836712"/>
             <a:ext cx="8640960" cy="6480720"/>
           </a:xfrm>
         </p:spPr>
@@ -9153,7 +9155,7 @@
                   <a:schemeClr val="bg1"/>
                 </a:solidFill>
               </a:rPr>
-              <a:t>I'll bring You more than a song</a:t>
+              <a:t>I just want You</a:t>
             </a:r>
           </a:p>
           <a:p>
@@ -9163,7 +9165,7 @@
                   <a:schemeClr val="bg1"/>
                 </a:solidFill>
               </a:rPr>
-              <a:t>For a song in itself is not what You have required</a:t>
+              <a:t>Nothing else</a:t>
             </a:r>
           </a:p>
           <a:p>
@@ -9173,7 +9175,7 @@
                   <a:schemeClr val="bg1"/>
                 </a:solidFill>
               </a:rPr>
-              <a:t>You search much deeper within</a:t>
+              <a:t>Nothing else (Jesus)</a:t>
             </a:r>
           </a:p>
           <a:p>
@@ -9183,17 +9185,7 @@
                   <a:schemeClr val="bg1"/>
                 </a:solidFill>
               </a:rPr>
-              <a:t>Through the way things appear</a:t>
-            </a:r>
-          </a:p>
-          <a:p>
-            <a:r>
-              <a:rPr lang="en-GB" sz="3600" dirty="0">
-                <a:solidFill>
-                  <a:schemeClr val="bg1"/>
-                </a:solidFill>
-              </a:rPr>
-              <a:t>You're looking into my heart</a:t>
+              <a:t>Nothing else will do</a:t>
             </a:r>
           </a:p>
         </p:txBody>
@@ -9226,7 +9218,7 @@
                   <a:schemeClr val="bg1"/>
                 </a:solidFill>
               </a:rPr>
-              <a:t>2/6</a:t>
+              <a:t>4/4</a:t>
             </a:r>
           </a:p>
         </p:txBody>
@@ -9234,7 +9226,7 @@
     </p:spTree>
     <p:extLst>
       <p:ext uri="{BB962C8B-B14F-4D97-AF65-F5344CB8AC3E}">
-        <p14:creationId xmlns:p14="http://schemas.microsoft.com/office/powerpoint/2010/main" val="3686468432"/>
+        <p14:creationId xmlns:p14="http://schemas.microsoft.com/office/powerpoint/2010/main" val="261478187"/>
       </p:ext>
     </p:extLst>
   </p:cSld>
@@ -9410,7 +9402,7 @@
         </p:nvSpPr>
         <p:spPr>
           <a:xfrm>
-            <a:off x="395536" y="764704"/>
+            <a:off x="323528" y="188640"/>
             <a:ext cx="8640960" cy="6480720"/>
           </a:xfrm>
         </p:spPr>
@@ -9420,76 +9412,123 @@
           </a:bodyPr>
           <a:lstStyle/>
           <a:p>
-            <a:r>
-              <a:rPr lang="en-GB" sz="3600" dirty="0">
-                <a:solidFill>
-                  <a:schemeClr val="bg1"/>
-                </a:solidFill>
-              </a:rPr>
-              <a:t>I'm coming back to the heart of worship</a:t>
-            </a:r>
-          </a:p>
-          <a:p>
-            <a:r>
-              <a:rPr lang="en-GB" sz="3600" dirty="0">
-                <a:solidFill>
-                  <a:schemeClr val="bg1"/>
-                </a:solidFill>
-              </a:rPr>
-              <a:t>And it's all about You all about You Jesus</a:t>
-            </a:r>
-          </a:p>
-          <a:p>
-            <a:r>
-              <a:rPr lang="en-GB" sz="3600" dirty="0">
-                <a:solidFill>
-                  <a:schemeClr val="bg1"/>
-                </a:solidFill>
-              </a:rPr>
-              <a:t>I'm sorry Lord for the thing I've made it</a:t>
-            </a:r>
-          </a:p>
-          <a:p>
-            <a:r>
-              <a:rPr lang="en-GB" sz="3600" dirty="0">
-                <a:solidFill>
-                  <a:schemeClr val="bg1"/>
-                </a:solidFill>
-              </a:rPr>
-              <a:t>When it's all about You all about You Jesus</a:t>
-            </a:r>
-          </a:p>
-        </p:txBody>
-      </p:sp>
-      <p:sp>
-        <p:nvSpPr>
-          <p:cNvPr id="4" name="TextBox 3"/>
-          <p:cNvSpPr txBox="1"/>
-          <p:nvPr/>
-        </p:nvSpPr>
-        <p:spPr>
-          <a:xfrm>
-            <a:off x="8529729" y="0"/>
-            <a:ext cx="628698" cy="461665"/>
-          </a:xfrm>
-          <a:prstGeom prst="rect">
-            <a:avLst/>
-          </a:prstGeom>
-          <a:noFill/>
-        </p:spPr>
-        <p:txBody>
-          <a:bodyPr wrap="none" rtlCol="0">
-            <a:spAutoFit/>
-          </a:bodyPr>
-          <a:lstStyle/>
-          <a:p>
-            <a:r>
-              <a:rPr lang="en-GB" sz="2400" b="1" dirty="0">
-                <a:solidFill>
-                  <a:schemeClr val="bg1"/>
-                </a:solidFill>
-              </a:rPr>
-              <a:t>3/6</a:t>
+            <a:endParaRPr lang="en-GB" sz="5400" dirty="0">
+              <a:solidFill>
+                <a:schemeClr val="bg1"/>
+              </a:solidFill>
+            </a:endParaRPr>
+          </a:p>
+          <a:p>
+            <a:r>
+              <a:rPr lang="en-GB" sz="4400" b="0" i="0" dirty="0">
+                <a:solidFill>
+                  <a:srgbClr val="00A3E0"/>
+                </a:solidFill>
+                <a:effectLst/>
+                <a:latin typeface="akagi_probook"/>
+              </a:rPr>
+              <a:t>Heart Of Worship</a:t>
+            </a:r>
+            <a:br>
+              <a:rPr lang="en-GB" sz="4400" b="0" i="0" dirty="0">
+                <a:solidFill>
+                  <a:srgbClr val="00A3E0"/>
+                </a:solidFill>
+                <a:effectLst/>
+                <a:latin typeface="akagi_probook"/>
+              </a:rPr>
+            </a:br>
+            <a:br>
+              <a:rPr lang="en-GB" sz="1200" dirty="0">
+                <a:solidFill>
+                  <a:schemeClr val="bg1"/>
+                </a:solidFill>
+              </a:rPr>
+            </a:br>
+            <a:r>
+              <a:rPr lang="en-GB" sz="1200" dirty="0">
+                <a:solidFill>
+                  <a:schemeClr val="bg1"/>
+                </a:solidFill>
+              </a:rPr>
+              <a:t>CCLI Song # 2296522</a:t>
+            </a:r>
+          </a:p>
+          <a:p>
+            <a:endParaRPr lang="en-GB" sz="1200" dirty="0">
+              <a:solidFill>
+                <a:schemeClr val="bg1"/>
+              </a:solidFill>
+            </a:endParaRPr>
+          </a:p>
+          <a:p>
+            <a:r>
+              <a:rPr lang="en-GB" sz="1200" dirty="0">
+                <a:solidFill>
+                  <a:schemeClr val="bg1"/>
+                </a:solidFill>
+              </a:rPr>
+              <a:t>Matt Redman</a:t>
+            </a:r>
+          </a:p>
+          <a:p>
+            <a:endParaRPr lang="en-GB" sz="1200" dirty="0">
+              <a:solidFill>
+                <a:schemeClr val="bg1"/>
+              </a:solidFill>
+            </a:endParaRPr>
+          </a:p>
+          <a:p>
+            <a:r>
+              <a:rPr lang="en-GB" sz="1200" dirty="0">
+                <a:solidFill>
+                  <a:schemeClr val="bg1"/>
+                </a:solidFill>
+              </a:rPr>
+              <a:t>© 1997 Thankyou Music (Admin. by Integrity Music Ltd)</a:t>
+            </a:r>
+          </a:p>
+          <a:p>
+            <a:r>
+              <a:rPr lang="en-GB" sz="1200" dirty="0">
+                <a:solidFill>
+                  <a:schemeClr val="bg1"/>
+                </a:solidFill>
+              </a:rPr>
+              <a:t>For use solely with the </a:t>
+            </a:r>
+            <a:r>
+              <a:rPr lang="en-GB" sz="1200" dirty="0" err="1">
+                <a:solidFill>
+                  <a:schemeClr val="bg1"/>
+                </a:solidFill>
+              </a:rPr>
+              <a:t>SongSelect</a:t>
+            </a:r>
+            <a:r>
+              <a:rPr lang="en-GB" sz="1200" dirty="0">
+                <a:solidFill>
+                  <a:schemeClr val="bg1"/>
+                </a:solidFill>
+              </a:rPr>
+              <a:t>® Terms of Use. All rights reserved. www.ccli.com</a:t>
+            </a:r>
+          </a:p>
+          <a:p>
+            <a:endParaRPr lang="en-GB" sz="1200" dirty="0">
+              <a:solidFill>
+                <a:schemeClr val="bg1"/>
+              </a:solidFill>
+            </a:endParaRPr>
+          </a:p>
+          <a:p>
+            <a:r>
+              <a:rPr lang="en-GB" sz="1200" dirty="0">
+                <a:solidFill>
+                  <a:schemeClr val="bg1"/>
+                </a:solidFill>
+              </a:rPr>
+              <a:t>CCLI Licence No. 33265</a:t>
             </a:r>
           </a:p>
         </p:txBody>
@@ -9497,7 +9536,7 @@
     </p:spTree>
     <p:extLst>
       <p:ext uri="{BB962C8B-B14F-4D97-AF65-F5344CB8AC3E}">
-        <p14:creationId xmlns:p14="http://schemas.microsoft.com/office/powerpoint/2010/main" val="1729908395"/>
+        <p14:creationId xmlns:p14="http://schemas.microsoft.com/office/powerpoint/2010/main" val="1348945171"/>
       </p:ext>
     </p:extLst>
   </p:cSld>
@@ -9536,7 +9575,7 @@
         </p:nvSpPr>
         <p:spPr>
           <a:xfrm>
-            <a:off x="395536" y="692696"/>
+            <a:off x="203118" y="692696"/>
             <a:ext cx="8640960" cy="6480720"/>
           </a:xfrm>
         </p:spPr>
@@ -9552,7 +9591,7 @@
                   <a:schemeClr val="bg1"/>
                 </a:solidFill>
               </a:rPr>
-              <a:t>King of endless worth no one could express</a:t>
+              <a:t>When the music fades all is stripped away</a:t>
             </a:r>
           </a:p>
           <a:p>
@@ -9562,7 +9601,7 @@
                   <a:schemeClr val="bg1"/>
                 </a:solidFill>
               </a:rPr>
-              <a:t>How much You deserve</a:t>
+              <a:t>And I simply come</a:t>
             </a:r>
           </a:p>
           <a:p>
@@ -9572,25 +9611,17 @@
                   <a:schemeClr val="bg1"/>
                 </a:solidFill>
               </a:rPr>
-              <a:t>Though I'm weak and poor all I have is Yours</a:t>
-            </a:r>
-          </a:p>
-          <a:p>
-            <a:r>
-              <a:rPr lang="en-GB" sz="3600" dirty="0" err="1">
-                <a:solidFill>
-                  <a:schemeClr val="bg1"/>
-                </a:solidFill>
-              </a:rPr>
-              <a:t>Ev'ry</a:t>
-            </a:r>
+              <a:t>Longing just to bring something that's of worth</a:t>
+            </a:r>
+          </a:p>
+          <a:p>
             <a:r>
               <a:rPr lang="en-GB" sz="3600" dirty="0">
                 <a:solidFill>
                   <a:schemeClr val="bg1"/>
                 </a:solidFill>
               </a:rPr>
-              <a:t> single breath</a:t>
+              <a:t>That will bless Your heart</a:t>
             </a:r>
           </a:p>
         </p:txBody>
@@ -9623,7 +9654,7 @@
                   <a:schemeClr val="bg1"/>
                 </a:solidFill>
               </a:rPr>
-              <a:t>4/6</a:t>
+              <a:t>1/6</a:t>
             </a:r>
           </a:p>
         </p:txBody>
@@ -9631,7 +9662,7 @@
     </p:spTree>
     <p:extLst>
       <p:ext uri="{BB962C8B-B14F-4D97-AF65-F5344CB8AC3E}">
-        <p14:creationId xmlns:p14="http://schemas.microsoft.com/office/powerpoint/2010/main" val="4174602401"/>
+        <p14:creationId xmlns:p14="http://schemas.microsoft.com/office/powerpoint/2010/main" val="4225582275"/>
       </p:ext>
     </p:extLst>
   </p:cSld>
@@ -9759,7 +9790,7 @@
                   <a:schemeClr val="bg1"/>
                 </a:solidFill>
               </a:rPr>
-              <a:t>5/6</a:t>
+              <a:t>2/6</a:t>
             </a:r>
           </a:p>
         </p:txBody>
@@ -9767,7 +9798,7 @@
     </p:spTree>
     <p:extLst>
       <p:ext uri="{BB962C8B-B14F-4D97-AF65-F5344CB8AC3E}">
-        <p14:creationId xmlns:p14="http://schemas.microsoft.com/office/powerpoint/2010/main" val="2373438507"/>
+        <p14:creationId xmlns:p14="http://schemas.microsoft.com/office/powerpoint/2010/main" val="3686468432"/>
       </p:ext>
     </p:extLst>
   </p:cSld>
@@ -9885,6 +9916,402 @@
                   <a:schemeClr val="bg1"/>
                 </a:solidFill>
               </a:rPr>
+              <a:t>3/6</a:t>
+            </a:r>
+          </a:p>
+        </p:txBody>
+      </p:sp>
+    </p:spTree>
+    <p:extLst>
+      <p:ext uri="{BB962C8B-B14F-4D97-AF65-F5344CB8AC3E}">
+        <p14:creationId xmlns:p14="http://schemas.microsoft.com/office/powerpoint/2010/main" val="1729908395"/>
+      </p:ext>
+    </p:extLst>
+  </p:cSld>
+  <p:clrMapOvr>
+    <a:masterClrMapping/>
+  </p:clrMapOvr>
+</p:sld>
+</file>
+
+<file path=ppt/slides/slide34.xml><?xml version="1.0" encoding="utf-8"?>
+<p:sld xmlns:a="http://schemas.openxmlformats.org/drawingml/2006/main" xmlns:r="http://schemas.openxmlformats.org/officeDocument/2006/relationships" xmlns:p="http://schemas.openxmlformats.org/presentationml/2006/main">
+  <p:cSld>
+    <p:spTree>
+      <p:nvGrpSpPr>
+        <p:cNvPr id="1" name=""/>
+        <p:cNvGrpSpPr/>
+        <p:nvPr/>
+      </p:nvGrpSpPr>
+      <p:grpSpPr>
+        <a:xfrm>
+          <a:off x="0" y="0"/>
+          <a:ext cx="0" cy="0"/>
+          <a:chOff x="0" y="0"/>
+          <a:chExt cx="0" cy="0"/>
+        </a:xfrm>
+      </p:grpSpPr>
+      <p:sp>
+        <p:nvSpPr>
+          <p:cNvPr id="3" name="Subtitle 2"/>
+          <p:cNvSpPr>
+            <a:spLocks noGrp="1"/>
+          </p:cNvSpPr>
+          <p:nvPr>
+            <p:ph type="subTitle" idx="1"/>
+          </p:nvPr>
+        </p:nvSpPr>
+        <p:spPr>
+          <a:xfrm>
+            <a:off x="395536" y="692696"/>
+            <a:ext cx="8640960" cy="6480720"/>
+          </a:xfrm>
+        </p:spPr>
+        <p:txBody>
+          <a:bodyPr>
+            <a:noAutofit/>
+          </a:bodyPr>
+          <a:lstStyle/>
+          <a:p>
+            <a:r>
+              <a:rPr lang="en-GB" sz="3600" dirty="0">
+                <a:solidFill>
+                  <a:schemeClr val="bg1"/>
+                </a:solidFill>
+              </a:rPr>
+              <a:t>King of endless worth no one could express</a:t>
+            </a:r>
+          </a:p>
+          <a:p>
+            <a:r>
+              <a:rPr lang="en-GB" sz="3600" dirty="0">
+                <a:solidFill>
+                  <a:schemeClr val="bg1"/>
+                </a:solidFill>
+              </a:rPr>
+              <a:t>How much You deserve</a:t>
+            </a:r>
+          </a:p>
+          <a:p>
+            <a:r>
+              <a:rPr lang="en-GB" sz="3600" dirty="0">
+                <a:solidFill>
+                  <a:schemeClr val="bg1"/>
+                </a:solidFill>
+              </a:rPr>
+              <a:t>Though I'm weak and poor all I have is Yours</a:t>
+            </a:r>
+          </a:p>
+          <a:p>
+            <a:r>
+              <a:rPr lang="en-GB" sz="3600" dirty="0" err="1">
+                <a:solidFill>
+                  <a:schemeClr val="bg1"/>
+                </a:solidFill>
+              </a:rPr>
+              <a:t>Ev'ry</a:t>
+            </a:r>
+            <a:r>
+              <a:rPr lang="en-GB" sz="3600" dirty="0">
+                <a:solidFill>
+                  <a:schemeClr val="bg1"/>
+                </a:solidFill>
+              </a:rPr>
+              <a:t> single breath</a:t>
+            </a:r>
+          </a:p>
+        </p:txBody>
+      </p:sp>
+      <p:sp>
+        <p:nvSpPr>
+          <p:cNvPr id="4" name="TextBox 3"/>
+          <p:cNvSpPr txBox="1"/>
+          <p:nvPr/>
+        </p:nvSpPr>
+        <p:spPr>
+          <a:xfrm>
+            <a:off x="8529729" y="0"/>
+            <a:ext cx="628698" cy="461665"/>
+          </a:xfrm>
+          <a:prstGeom prst="rect">
+            <a:avLst/>
+          </a:prstGeom>
+          <a:noFill/>
+        </p:spPr>
+        <p:txBody>
+          <a:bodyPr wrap="none" rtlCol="0">
+            <a:spAutoFit/>
+          </a:bodyPr>
+          <a:lstStyle/>
+          <a:p>
+            <a:r>
+              <a:rPr lang="en-GB" sz="2400" b="1" dirty="0">
+                <a:solidFill>
+                  <a:schemeClr val="bg1"/>
+                </a:solidFill>
+              </a:rPr>
+              <a:t>4/6</a:t>
+            </a:r>
+          </a:p>
+        </p:txBody>
+      </p:sp>
+    </p:spTree>
+    <p:extLst>
+      <p:ext uri="{BB962C8B-B14F-4D97-AF65-F5344CB8AC3E}">
+        <p14:creationId xmlns:p14="http://schemas.microsoft.com/office/powerpoint/2010/main" val="4174602401"/>
+      </p:ext>
+    </p:extLst>
+  </p:cSld>
+  <p:clrMapOvr>
+    <a:masterClrMapping/>
+  </p:clrMapOvr>
+</p:sld>
+</file>
+
+<file path=ppt/slides/slide35.xml><?xml version="1.0" encoding="utf-8"?>
+<p:sld xmlns:a="http://schemas.openxmlformats.org/drawingml/2006/main" xmlns:r="http://schemas.openxmlformats.org/officeDocument/2006/relationships" xmlns:p="http://schemas.openxmlformats.org/presentationml/2006/main">
+  <p:cSld>
+    <p:spTree>
+      <p:nvGrpSpPr>
+        <p:cNvPr id="1" name=""/>
+        <p:cNvGrpSpPr/>
+        <p:nvPr/>
+      </p:nvGrpSpPr>
+      <p:grpSpPr>
+        <a:xfrm>
+          <a:off x="0" y="0"/>
+          <a:ext cx="0" cy="0"/>
+          <a:chOff x="0" y="0"/>
+          <a:chExt cx="0" cy="0"/>
+        </a:xfrm>
+      </p:grpSpPr>
+      <p:sp>
+        <p:nvSpPr>
+          <p:cNvPr id="3" name="Subtitle 2"/>
+          <p:cNvSpPr>
+            <a:spLocks noGrp="1"/>
+          </p:cNvSpPr>
+          <p:nvPr>
+            <p:ph type="subTitle" idx="1"/>
+          </p:nvPr>
+        </p:nvSpPr>
+        <p:spPr>
+          <a:xfrm>
+            <a:off x="251520" y="836712"/>
+            <a:ext cx="8640960" cy="6480720"/>
+          </a:xfrm>
+        </p:spPr>
+        <p:txBody>
+          <a:bodyPr>
+            <a:noAutofit/>
+          </a:bodyPr>
+          <a:lstStyle/>
+          <a:p>
+            <a:r>
+              <a:rPr lang="en-GB" sz="3600" dirty="0">
+                <a:solidFill>
+                  <a:schemeClr val="bg1"/>
+                </a:solidFill>
+              </a:rPr>
+              <a:t>I'll bring You more than a song</a:t>
+            </a:r>
+          </a:p>
+          <a:p>
+            <a:r>
+              <a:rPr lang="en-GB" sz="3600" dirty="0">
+                <a:solidFill>
+                  <a:schemeClr val="bg1"/>
+                </a:solidFill>
+              </a:rPr>
+              <a:t>For a song in itself is not what You have required</a:t>
+            </a:r>
+          </a:p>
+          <a:p>
+            <a:r>
+              <a:rPr lang="en-GB" sz="3600" dirty="0">
+                <a:solidFill>
+                  <a:schemeClr val="bg1"/>
+                </a:solidFill>
+              </a:rPr>
+              <a:t>You search much deeper within</a:t>
+            </a:r>
+          </a:p>
+          <a:p>
+            <a:r>
+              <a:rPr lang="en-GB" sz="3600" dirty="0">
+                <a:solidFill>
+                  <a:schemeClr val="bg1"/>
+                </a:solidFill>
+              </a:rPr>
+              <a:t>Through the way things appear</a:t>
+            </a:r>
+          </a:p>
+          <a:p>
+            <a:r>
+              <a:rPr lang="en-GB" sz="3600" dirty="0">
+                <a:solidFill>
+                  <a:schemeClr val="bg1"/>
+                </a:solidFill>
+              </a:rPr>
+              <a:t>You're looking into my heart</a:t>
+            </a:r>
+          </a:p>
+        </p:txBody>
+      </p:sp>
+      <p:sp>
+        <p:nvSpPr>
+          <p:cNvPr id="4" name="TextBox 3"/>
+          <p:cNvSpPr txBox="1"/>
+          <p:nvPr/>
+        </p:nvSpPr>
+        <p:spPr>
+          <a:xfrm>
+            <a:off x="8529729" y="0"/>
+            <a:ext cx="628698" cy="461665"/>
+          </a:xfrm>
+          <a:prstGeom prst="rect">
+            <a:avLst/>
+          </a:prstGeom>
+          <a:noFill/>
+        </p:spPr>
+        <p:txBody>
+          <a:bodyPr wrap="none" rtlCol="0">
+            <a:spAutoFit/>
+          </a:bodyPr>
+          <a:lstStyle/>
+          <a:p>
+            <a:r>
+              <a:rPr lang="en-GB" sz="2400" b="1" dirty="0">
+                <a:solidFill>
+                  <a:schemeClr val="bg1"/>
+                </a:solidFill>
+              </a:rPr>
+              <a:t>5/6</a:t>
+            </a:r>
+          </a:p>
+        </p:txBody>
+      </p:sp>
+    </p:spTree>
+    <p:extLst>
+      <p:ext uri="{BB962C8B-B14F-4D97-AF65-F5344CB8AC3E}">
+        <p14:creationId xmlns:p14="http://schemas.microsoft.com/office/powerpoint/2010/main" val="2373438507"/>
+      </p:ext>
+    </p:extLst>
+  </p:cSld>
+  <p:clrMapOvr>
+    <a:masterClrMapping/>
+  </p:clrMapOvr>
+</p:sld>
+</file>
+
+<file path=ppt/slides/slide36.xml><?xml version="1.0" encoding="utf-8"?>
+<p:sld xmlns:a="http://schemas.openxmlformats.org/drawingml/2006/main" xmlns:r="http://schemas.openxmlformats.org/officeDocument/2006/relationships" xmlns:p="http://schemas.openxmlformats.org/presentationml/2006/main">
+  <p:cSld>
+    <p:spTree>
+      <p:nvGrpSpPr>
+        <p:cNvPr id="1" name=""/>
+        <p:cNvGrpSpPr/>
+        <p:nvPr/>
+      </p:nvGrpSpPr>
+      <p:grpSpPr>
+        <a:xfrm>
+          <a:off x="0" y="0"/>
+          <a:ext cx="0" cy="0"/>
+          <a:chOff x="0" y="0"/>
+          <a:chExt cx="0" cy="0"/>
+        </a:xfrm>
+      </p:grpSpPr>
+      <p:sp>
+        <p:nvSpPr>
+          <p:cNvPr id="3" name="Subtitle 2"/>
+          <p:cNvSpPr>
+            <a:spLocks noGrp="1"/>
+          </p:cNvSpPr>
+          <p:nvPr>
+            <p:ph type="subTitle" idx="1"/>
+          </p:nvPr>
+        </p:nvSpPr>
+        <p:spPr>
+          <a:xfrm>
+            <a:off x="395536" y="764704"/>
+            <a:ext cx="8640960" cy="6480720"/>
+          </a:xfrm>
+        </p:spPr>
+        <p:txBody>
+          <a:bodyPr>
+            <a:noAutofit/>
+          </a:bodyPr>
+          <a:lstStyle/>
+          <a:p>
+            <a:r>
+              <a:rPr lang="en-GB" sz="3600" dirty="0">
+                <a:solidFill>
+                  <a:schemeClr val="bg1"/>
+                </a:solidFill>
+              </a:rPr>
+              <a:t>I'm coming back to the heart of worship</a:t>
+            </a:r>
+          </a:p>
+          <a:p>
+            <a:r>
+              <a:rPr lang="en-GB" sz="3600" dirty="0">
+                <a:solidFill>
+                  <a:schemeClr val="bg1"/>
+                </a:solidFill>
+              </a:rPr>
+              <a:t>And it's all about You all about You Jesus</a:t>
+            </a:r>
+          </a:p>
+          <a:p>
+            <a:r>
+              <a:rPr lang="en-GB" sz="3600" dirty="0">
+                <a:solidFill>
+                  <a:schemeClr val="bg1"/>
+                </a:solidFill>
+              </a:rPr>
+              <a:t>I'm sorry Lord for the thing I've made it</a:t>
+            </a:r>
+          </a:p>
+          <a:p>
+            <a:r>
+              <a:rPr lang="en-GB" sz="3600" dirty="0">
+                <a:solidFill>
+                  <a:schemeClr val="bg1"/>
+                </a:solidFill>
+              </a:rPr>
+              <a:t>When it's all about You all about You Jesus</a:t>
+            </a:r>
+          </a:p>
+        </p:txBody>
+      </p:sp>
+      <p:sp>
+        <p:nvSpPr>
+          <p:cNvPr id="4" name="TextBox 3"/>
+          <p:cNvSpPr txBox="1"/>
+          <p:nvPr/>
+        </p:nvSpPr>
+        <p:spPr>
+          <a:xfrm>
+            <a:off x="8529729" y="0"/>
+            <a:ext cx="628698" cy="461665"/>
+          </a:xfrm>
+          <a:prstGeom prst="rect">
+            <a:avLst/>
+          </a:prstGeom>
+          <a:noFill/>
+        </p:spPr>
+        <p:txBody>
+          <a:bodyPr wrap="none" rtlCol="0">
+            <a:spAutoFit/>
+          </a:bodyPr>
+          <a:lstStyle/>
+          <a:p>
+            <a:r>
+              <a:rPr lang="en-GB" sz="2400" b="1" dirty="0">
+                <a:solidFill>
+                  <a:schemeClr val="bg1"/>
+                </a:solidFill>
+              </a:rPr>
               <a:t>6/6</a:t>
             </a:r>
           </a:p>
@@ -9903,7 +10330,7 @@
 </p:sld>
 </file>
 
-<file path=ppt/slides/slide34.xml><?xml version="1.0" encoding="utf-8"?>
+<file path=ppt/slides/slide37.xml><?xml version="1.0" encoding="utf-8"?>
 <p:sld xmlns:a="http://schemas.openxmlformats.org/drawingml/2006/main" xmlns:r="http://schemas.openxmlformats.org/officeDocument/2006/relationships" xmlns:p="http://schemas.openxmlformats.org/presentationml/2006/main">
   <p:cSld>
     <p:spTree>
@@ -10416,7 +10843,7 @@
 </p:sld>
 </file>
 
-<file path=ppt/slides/slide35.xml><?xml version="1.0" encoding="utf-8"?>
+<file path=ppt/slides/slide38.xml><?xml version="1.0" encoding="utf-8"?>
 <p:sld xmlns:a="http://schemas.openxmlformats.org/drawingml/2006/main" xmlns:r="http://schemas.openxmlformats.org/officeDocument/2006/relationships" xmlns:p="http://schemas.openxmlformats.org/presentationml/2006/main">
   <p:cSld>
     <p:spTree>
@@ -10476,7 +10903,7 @@
 </p:sld>
 </file>
 
-<file path=ppt/slides/slide36.xml><?xml version="1.0" encoding="utf-8"?>
+<file path=ppt/slides/slide39.xml><?xml version="1.0" encoding="utf-8"?>
 <p:sld xmlns:a="http://schemas.openxmlformats.org/drawingml/2006/main" xmlns:r="http://schemas.openxmlformats.org/officeDocument/2006/relationships" xmlns:p="http://schemas.openxmlformats.org/presentationml/2006/main">
   <p:cSld>
     <p:spTree>
@@ -10536,7 +10963,180 @@
 </p:sld>
 </file>
 
-<file path=ppt/slides/slide37.xml><?xml version="1.0" encoding="utf-8"?>
+<file path=ppt/slides/slide4.xml><?xml version="1.0" encoding="utf-8"?>
+<p:sld xmlns:a="http://schemas.openxmlformats.org/drawingml/2006/main" xmlns:r="http://schemas.openxmlformats.org/officeDocument/2006/relationships" xmlns:p="http://schemas.openxmlformats.org/presentationml/2006/main">
+  <p:cSld>
+    <p:spTree>
+      <p:nvGrpSpPr>
+        <p:cNvPr id="1" name=""/>
+        <p:cNvGrpSpPr/>
+        <p:nvPr/>
+      </p:nvGrpSpPr>
+      <p:grpSpPr>
+        <a:xfrm>
+          <a:off x="0" y="0"/>
+          <a:ext cx="0" cy="0"/>
+          <a:chOff x="0" y="0"/>
+          <a:chExt cx="0" cy="0"/>
+        </a:xfrm>
+      </p:grpSpPr>
+      <p:sp>
+        <p:nvSpPr>
+          <p:cNvPr id="3" name="Subtitle 2"/>
+          <p:cNvSpPr>
+            <a:spLocks noGrp="1"/>
+          </p:cNvSpPr>
+          <p:nvPr>
+            <p:ph type="subTitle" idx="1"/>
+          </p:nvPr>
+        </p:nvSpPr>
+        <p:spPr>
+          <a:xfrm>
+            <a:off x="251520" y="764704"/>
+            <a:ext cx="8640960" cy="6480720"/>
+          </a:xfrm>
+        </p:spPr>
+        <p:txBody>
+          <a:bodyPr>
+            <a:noAutofit/>
+          </a:bodyPr>
+          <a:lstStyle/>
+          <a:p>
+            <a:r>
+              <a:rPr lang="en-GB" sz="4400" b="1" dirty="0">
+                <a:solidFill>
+                  <a:schemeClr val="bg1"/>
+                </a:solidFill>
+              </a:rPr>
+              <a:t>Verse 1</a:t>
+            </a:r>
+          </a:p>
+          <a:p>
+            <a:r>
+              <a:rPr lang="en-GB" sz="4400" dirty="0">
+                <a:solidFill>
+                  <a:schemeClr val="bg1"/>
+                </a:solidFill>
+              </a:rPr>
+              <a:t>From </a:t>
+            </a:r>
+            <a:r>
+              <a:rPr lang="en-GB" sz="4400" dirty="0" err="1">
+                <a:solidFill>
+                  <a:schemeClr val="bg1"/>
+                </a:solidFill>
+              </a:rPr>
+              <a:t>heav'n</a:t>
+            </a:r>
+            <a:r>
+              <a:rPr lang="en-GB" sz="4400" dirty="0">
+                <a:solidFill>
+                  <a:schemeClr val="bg1"/>
+                </a:solidFill>
+              </a:rPr>
+              <a:t> You came helpless babe</a:t>
+            </a:r>
+          </a:p>
+          <a:p>
+            <a:r>
+              <a:rPr lang="en-GB" sz="4400" dirty="0" err="1">
+                <a:solidFill>
+                  <a:schemeClr val="bg1"/>
+                </a:solidFill>
+              </a:rPr>
+              <a:t>Enter'd</a:t>
+            </a:r>
+            <a:r>
+              <a:rPr lang="en-GB" sz="4400" dirty="0">
+                <a:solidFill>
+                  <a:schemeClr val="bg1"/>
+                </a:solidFill>
+              </a:rPr>
+              <a:t> our world Your glory </a:t>
+            </a:r>
+            <a:r>
+              <a:rPr lang="en-GB" sz="4400" dirty="0" err="1">
+                <a:solidFill>
+                  <a:schemeClr val="bg1"/>
+                </a:solidFill>
+              </a:rPr>
+              <a:t>veil'd</a:t>
+            </a:r>
+            <a:endParaRPr lang="en-GB" sz="4400" dirty="0">
+              <a:solidFill>
+                <a:schemeClr val="bg1"/>
+              </a:solidFill>
+            </a:endParaRPr>
+          </a:p>
+          <a:p>
+            <a:r>
+              <a:rPr lang="en-GB" sz="4400" dirty="0">
+                <a:solidFill>
+                  <a:schemeClr val="bg1"/>
+                </a:solidFill>
+              </a:rPr>
+              <a:t>Not to be served but to serve</a:t>
+            </a:r>
+          </a:p>
+          <a:p>
+            <a:r>
+              <a:rPr lang="en-GB" sz="4400" dirty="0">
+                <a:solidFill>
+                  <a:schemeClr val="bg1"/>
+                </a:solidFill>
+              </a:rPr>
+              <a:t>And give Your life that we might live</a:t>
+            </a:r>
+          </a:p>
+        </p:txBody>
+      </p:sp>
+      <p:sp>
+        <p:nvSpPr>
+          <p:cNvPr id="4" name="TextBox 3"/>
+          <p:cNvSpPr txBox="1"/>
+          <p:nvPr/>
+        </p:nvSpPr>
+        <p:spPr>
+          <a:xfrm>
+            <a:off x="8529729" y="0"/>
+            <a:ext cx="628698" cy="461665"/>
+          </a:xfrm>
+          <a:prstGeom prst="rect">
+            <a:avLst/>
+          </a:prstGeom>
+          <a:noFill/>
+        </p:spPr>
+        <p:txBody>
+          <a:bodyPr wrap="none" rtlCol="0">
+            <a:spAutoFit/>
+          </a:bodyPr>
+          <a:lstStyle/>
+          <a:p>
+            <a:r>
+              <a:rPr lang="en-GB" sz="2400" b="1" dirty="0">
+                <a:solidFill>
+                  <a:schemeClr val="bg1"/>
+                </a:solidFill>
+              </a:rPr>
+              <a:t>1/8</a:t>
+            </a:r>
+          </a:p>
+        </p:txBody>
+      </p:sp>
+    </p:spTree>
+    <p:extLst>
+      <p:ext uri="{BB962C8B-B14F-4D97-AF65-F5344CB8AC3E}">
+        <p14:creationId xmlns:p14="http://schemas.microsoft.com/office/powerpoint/2010/main" val="469044312"/>
+      </p:ext>
+    </p:extLst>
+  </p:cSld>
+  <p:clrMapOvr>
+    <a:masterClrMapping/>
+  </p:clrMapOvr>
+</p:sld>
+</file>
+
+<file path=ppt/slides/slide40.xml><?xml version="1.0" encoding="utf-8"?>
 <p:sld xmlns:a="http://schemas.openxmlformats.org/drawingml/2006/main" xmlns:r="http://schemas.openxmlformats.org/officeDocument/2006/relationships" xmlns:p="http://schemas.openxmlformats.org/presentationml/2006/main">
   <p:cSld>
     <p:spTree>
@@ -10604,637 +11204,6 @@
 </p:sld>
 </file>
 
-<file path=ppt/slides/slide38.xml><?xml version="1.0" encoding="utf-8"?>
-<p:sld xmlns:a="http://schemas.openxmlformats.org/drawingml/2006/main" xmlns:r="http://schemas.openxmlformats.org/officeDocument/2006/relationships" xmlns:p="http://schemas.openxmlformats.org/presentationml/2006/main">
-  <p:cSld>
-    <p:spTree>
-      <p:nvGrpSpPr>
-        <p:cNvPr id="1" name=""/>
-        <p:cNvGrpSpPr/>
-        <p:nvPr/>
-      </p:nvGrpSpPr>
-      <p:grpSpPr>
-        <a:xfrm>
-          <a:off x="0" y="0"/>
-          <a:ext cx="0" cy="0"/>
-          <a:chOff x="0" y="0"/>
-          <a:chExt cx="0" cy="0"/>
-        </a:xfrm>
-      </p:grpSpPr>
-      <p:sp>
-        <p:nvSpPr>
-          <p:cNvPr id="3" name="Subtitle 2"/>
-          <p:cNvSpPr>
-            <a:spLocks noGrp="1"/>
-          </p:cNvSpPr>
-          <p:nvPr>
-            <p:ph type="subTitle" idx="1"/>
-          </p:nvPr>
-        </p:nvSpPr>
-        <p:spPr>
-          <a:xfrm>
-            <a:off x="323528" y="188640"/>
-            <a:ext cx="8640960" cy="6480720"/>
-          </a:xfrm>
-        </p:spPr>
-        <p:txBody>
-          <a:bodyPr>
-            <a:noAutofit/>
-          </a:bodyPr>
-          <a:lstStyle/>
-          <a:p>
-            <a:endParaRPr lang="en-GB" sz="5400" dirty="0">
-              <a:solidFill>
-                <a:schemeClr val="bg1"/>
-              </a:solidFill>
-            </a:endParaRPr>
-          </a:p>
-          <a:p>
-            <a:r>
-              <a:rPr lang="en-GB" sz="4400" b="0" i="0" dirty="0">
-                <a:solidFill>
-                  <a:srgbClr val="00A3E0"/>
-                </a:solidFill>
-                <a:effectLst/>
-                <a:latin typeface="akagi_probook"/>
-              </a:rPr>
-              <a:t>Still</a:t>
-            </a:r>
-          </a:p>
-          <a:p>
-            <a:br>
-              <a:rPr lang="en-GB" sz="1200" dirty="0">
-                <a:solidFill>
-                  <a:schemeClr val="bg1"/>
-                </a:solidFill>
-              </a:rPr>
-            </a:br>
-            <a:r>
-              <a:rPr lang="en-GB" sz="1200" dirty="0">
-                <a:solidFill>
-                  <a:schemeClr val="bg1"/>
-                </a:solidFill>
-              </a:rPr>
-              <a:t>CCLI Song # 3940963</a:t>
-            </a:r>
-          </a:p>
-          <a:p>
-            <a:endParaRPr lang="en-GB" sz="1200" dirty="0">
-              <a:solidFill>
-                <a:schemeClr val="bg1"/>
-              </a:solidFill>
-            </a:endParaRPr>
-          </a:p>
-          <a:p>
-            <a:r>
-              <a:rPr lang="en-GB" sz="1200" dirty="0">
-                <a:solidFill>
-                  <a:schemeClr val="bg1"/>
-                </a:solidFill>
-              </a:rPr>
-              <a:t>Reuben Morgan</a:t>
-            </a:r>
-          </a:p>
-          <a:p>
-            <a:endParaRPr lang="en-GB" sz="1200" dirty="0">
-              <a:solidFill>
-                <a:schemeClr val="bg1"/>
-              </a:solidFill>
-            </a:endParaRPr>
-          </a:p>
-          <a:p>
-            <a:r>
-              <a:rPr lang="en-GB" sz="1200" dirty="0">
-                <a:solidFill>
-                  <a:schemeClr val="bg1"/>
-                </a:solidFill>
-              </a:rPr>
-              <a:t>© 2002 Hillsong Music Publishing Australia (Admin. by Hillsong Music Publishing UK)</a:t>
-            </a:r>
-          </a:p>
-          <a:p>
-            <a:r>
-              <a:rPr lang="en-GB" sz="1200" dirty="0">
-                <a:solidFill>
-                  <a:schemeClr val="bg1"/>
-                </a:solidFill>
-              </a:rPr>
-              <a:t>For use solely with the </a:t>
-            </a:r>
-            <a:r>
-              <a:rPr lang="en-GB" sz="1200" dirty="0" err="1">
-                <a:solidFill>
-                  <a:schemeClr val="bg1"/>
-                </a:solidFill>
-              </a:rPr>
-              <a:t>SongSelect</a:t>
-            </a:r>
-            <a:r>
-              <a:rPr lang="en-GB" sz="1200" dirty="0">
-                <a:solidFill>
-                  <a:schemeClr val="bg1"/>
-                </a:solidFill>
-              </a:rPr>
-              <a:t>® Terms of Use. All rights reserved. www.ccli.com</a:t>
-            </a:r>
-          </a:p>
-          <a:p>
-            <a:endParaRPr lang="en-GB" sz="1200" dirty="0">
-              <a:solidFill>
-                <a:schemeClr val="bg1"/>
-              </a:solidFill>
-            </a:endParaRPr>
-          </a:p>
-          <a:p>
-            <a:r>
-              <a:rPr lang="en-GB" sz="1200" dirty="0">
-                <a:solidFill>
-                  <a:schemeClr val="bg1"/>
-                </a:solidFill>
-              </a:rPr>
-              <a:t>CCLI Licence No. 33265</a:t>
-            </a:r>
-          </a:p>
-        </p:txBody>
-      </p:sp>
-    </p:spTree>
-    <p:extLst>
-      <p:ext uri="{BB962C8B-B14F-4D97-AF65-F5344CB8AC3E}">
-        <p14:creationId xmlns:p14="http://schemas.microsoft.com/office/powerpoint/2010/main" val="2940382954"/>
-      </p:ext>
-    </p:extLst>
-  </p:cSld>
-  <p:clrMapOvr>
-    <a:masterClrMapping/>
-  </p:clrMapOvr>
-</p:sld>
-</file>
-
-<file path=ppt/slides/slide39.xml><?xml version="1.0" encoding="utf-8"?>
-<p:sld xmlns:a="http://schemas.openxmlformats.org/drawingml/2006/main" xmlns:r="http://schemas.openxmlformats.org/officeDocument/2006/relationships" xmlns:p="http://schemas.openxmlformats.org/presentationml/2006/main">
-  <p:cSld>
-    <p:spTree>
-      <p:nvGrpSpPr>
-        <p:cNvPr id="1" name=""/>
-        <p:cNvGrpSpPr/>
-        <p:nvPr/>
-      </p:nvGrpSpPr>
-      <p:grpSpPr>
-        <a:xfrm>
-          <a:off x="0" y="0"/>
-          <a:ext cx="0" cy="0"/>
-          <a:chOff x="0" y="0"/>
-          <a:chExt cx="0" cy="0"/>
-        </a:xfrm>
-      </p:grpSpPr>
-      <p:sp>
-        <p:nvSpPr>
-          <p:cNvPr id="3" name="Subtitle 2"/>
-          <p:cNvSpPr>
-            <a:spLocks noGrp="1"/>
-          </p:cNvSpPr>
-          <p:nvPr>
-            <p:ph type="subTitle" idx="1"/>
-          </p:nvPr>
-        </p:nvSpPr>
-        <p:spPr>
-          <a:xfrm>
-            <a:off x="0" y="692696"/>
-            <a:ext cx="8640960" cy="6480720"/>
-          </a:xfrm>
-        </p:spPr>
-        <p:txBody>
-          <a:bodyPr>
-            <a:noAutofit/>
-          </a:bodyPr>
-          <a:lstStyle/>
-          <a:p>
-            <a:r>
-              <a:rPr lang="en-GB" sz="3600" dirty="0">
-                <a:solidFill>
-                  <a:schemeClr val="bg1"/>
-                </a:solidFill>
-              </a:rPr>
-              <a:t>Hide me now</a:t>
-            </a:r>
-          </a:p>
-          <a:p>
-            <a:r>
-              <a:rPr lang="en-GB" sz="3600" dirty="0">
-                <a:solidFill>
-                  <a:schemeClr val="bg1"/>
-                </a:solidFill>
-              </a:rPr>
-              <a:t>Under Your wings</a:t>
-            </a:r>
-          </a:p>
-          <a:p>
-            <a:r>
-              <a:rPr lang="en-GB" sz="3600" dirty="0">
-                <a:solidFill>
-                  <a:schemeClr val="bg1"/>
-                </a:solidFill>
-              </a:rPr>
-              <a:t>Cover me</a:t>
-            </a:r>
-          </a:p>
-          <a:p>
-            <a:r>
-              <a:rPr lang="en-GB" sz="3600" dirty="0">
-                <a:solidFill>
-                  <a:schemeClr val="bg1"/>
-                </a:solidFill>
-              </a:rPr>
-              <a:t>Within Your mighty hand</a:t>
-            </a:r>
-          </a:p>
-        </p:txBody>
-      </p:sp>
-      <p:sp>
-        <p:nvSpPr>
-          <p:cNvPr id="4" name="TextBox 3"/>
-          <p:cNvSpPr txBox="1"/>
-          <p:nvPr/>
-        </p:nvSpPr>
-        <p:spPr>
-          <a:xfrm>
-            <a:off x="8529729" y="0"/>
-            <a:ext cx="628698" cy="461665"/>
-          </a:xfrm>
-          <a:prstGeom prst="rect">
-            <a:avLst/>
-          </a:prstGeom>
-          <a:noFill/>
-        </p:spPr>
-        <p:txBody>
-          <a:bodyPr wrap="none" rtlCol="0">
-            <a:spAutoFit/>
-          </a:bodyPr>
-          <a:lstStyle/>
-          <a:p>
-            <a:r>
-              <a:rPr lang="en-GB" sz="2400" b="1" dirty="0">
-                <a:solidFill>
-                  <a:schemeClr val="bg1"/>
-                </a:solidFill>
-              </a:rPr>
-              <a:t>1/3</a:t>
-            </a:r>
-          </a:p>
-        </p:txBody>
-      </p:sp>
-    </p:spTree>
-    <p:extLst>
-      <p:ext uri="{BB962C8B-B14F-4D97-AF65-F5344CB8AC3E}">
-        <p14:creationId xmlns:p14="http://schemas.microsoft.com/office/powerpoint/2010/main" val="3281651247"/>
-      </p:ext>
-    </p:extLst>
-  </p:cSld>
-  <p:clrMapOvr>
-    <a:masterClrMapping/>
-  </p:clrMapOvr>
-</p:sld>
-</file>
-
-<file path=ppt/slides/slide4.xml><?xml version="1.0" encoding="utf-8"?>
-<p:sld xmlns:a="http://schemas.openxmlformats.org/drawingml/2006/main" xmlns:r="http://schemas.openxmlformats.org/officeDocument/2006/relationships" xmlns:p="http://schemas.openxmlformats.org/presentationml/2006/main">
-  <p:cSld>
-    <p:spTree>
-      <p:nvGrpSpPr>
-        <p:cNvPr id="1" name=""/>
-        <p:cNvGrpSpPr/>
-        <p:nvPr/>
-      </p:nvGrpSpPr>
-      <p:grpSpPr>
-        <a:xfrm>
-          <a:off x="0" y="0"/>
-          <a:ext cx="0" cy="0"/>
-          <a:chOff x="0" y="0"/>
-          <a:chExt cx="0" cy="0"/>
-        </a:xfrm>
-      </p:grpSpPr>
-      <p:sp>
-        <p:nvSpPr>
-          <p:cNvPr id="3" name="Subtitle 2"/>
-          <p:cNvSpPr>
-            <a:spLocks noGrp="1"/>
-          </p:cNvSpPr>
-          <p:nvPr>
-            <p:ph type="subTitle" idx="1"/>
-          </p:nvPr>
-        </p:nvSpPr>
-        <p:spPr>
-          <a:xfrm>
-            <a:off x="251520" y="764704"/>
-            <a:ext cx="8640960" cy="6480720"/>
-          </a:xfrm>
-        </p:spPr>
-        <p:txBody>
-          <a:bodyPr>
-            <a:noAutofit/>
-          </a:bodyPr>
-          <a:lstStyle/>
-          <a:p>
-            <a:r>
-              <a:rPr lang="en-GB" sz="4400" b="1" dirty="0">
-                <a:solidFill>
-                  <a:schemeClr val="bg1"/>
-                </a:solidFill>
-              </a:rPr>
-              <a:t>Verse 1</a:t>
-            </a:r>
-          </a:p>
-          <a:p>
-            <a:r>
-              <a:rPr lang="en-GB" sz="4400" dirty="0">
-                <a:solidFill>
-                  <a:schemeClr val="bg1"/>
-                </a:solidFill>
-              </a:rPr>
-              <a:t>From </a:t>
-            </a:r>
-            <a:r>
-              <a:rPr lang="en-GB" sz="4400" dirty="0" err="1">
-                <a:solidFill>
-                  <a:schemeClr val="bg1"/>
-                </a:solidFill>
-              </a:rPr>
-              <a:t>heav'n</a:t>
-            </a:r>
-            <a:r>
-              <a:rPr lang="en-GB" sz="4400" dirty="0">
-                <a:solidFill>
-                  <a:schemeClr val="bg1"/>
-                </a:solidFill>
-              </a:rPr>
-              <a:t> You came helpless babe</a:t>
-            </a:r>
-          </a:p>
-          <a:p>
-            <a:r>
-              <a:rPr lang="en-GB" sz="4400" dirty="0" err="1">
-                <a:solidFill>
-                  <a:schemeClr val="bg1"/>
-                </a:solidFill>
-              </a:rPr>
-              <a:t>Enter'd</a:t>
-            </a:r>
-            <a:r>
-              <a:rPr lang="en-GB" sz="4400" dirty="0">
-                <a:solidFill>
-                  <a:schemeClr val="bg1"/>
-                </a:solidFill>
-              </a:rPr>
-              <a:t> our world Your glory </a:t>
-            </a:r>
-            <a:r>
-              <a:rPr lang="en-GB" sz="4400" dirty="0" err="1">
-                <a:solidFill>
-                  <a:schemeClr val="bg1"/>
-                </a:solidFill>
-              </a:rPr>
-              <a:t>veil'd</a:t>
-            </a:r>
-            <a:endParaRPr lang="en-GB" sz="4400" dirty="0">
-              <a:solidFill>
-                <a:schemeClr val="bg1"/>
-              </a:solidFill>
-            </a:endParaRPr>
-          </a:p>
-          <a:p>
-            <a:r>
-              <a:rPr lang="en-GB" sz="4400" dirty="0">
-                <a:solidFill>
-                  <a:schemeClr val="bg1"/>
-                </a:solidFill>
-              </a:rPr>
-              <a:t>Not to be served but to serve</a:t>
-            </a:r>
-          </a:p>
-          <a:p>
-            <a:r>
-              <a:rPr lang="en-GB" sz="4400" dirty="0">
-                <a:solidFill>
-                  <a:schemeClr val="bg1"/>
-                </a:solidFill>
-              </a:rPr>
-              <a:t>And give Your life that we might live</a:t>
-            </a:r>
-          </a:p>
-        </p:txBody>
-      </p:sp>
-      <p:sp>
-        <p:nvSpPr>
-          <p:cNvPr id="4" name="TextBox 3"/>
-          <p:cNvSpPr txBox="1"/>
-          <p:nvPr/>
-        </p:nvSpPr>
-        <p:spPr>
-          <a:xfrm>
-            <a:off x="8529729" y="0"/>
-            <a:ext cx="628698" cy="461665"/>
-          </a:xfrm>
-          <a:prstGeom prst="rect">
-            <a:avLst/>
-          </a:prstGeom>
-          <a:noFill/>
-        </p:spPr>
-        <p:txBody>
-          <a:bodyPr wrap="none" rtlCol="0">
-            <a:spAutoFit/>
-          </a:bodyPr>
-          <a:lstStyle/>
-          <a:p>
-            <a:r>
-              <a:rPr lang="en-GB" sz="2400" b="1" dirty="0">
-                <a:solidFill>
-                  <a:schemeClr val="bg1"/>
-                </a:solidFill>
-              </a:rPr>
-              <a:t>1/8</a:t>
-            </a:r>
-          </a:p>
-        </p:txBody>
-      </p:sp>
-    </p:spTree>
-    <p:extLst>
-      <p:ext uri="{BB962C8B-B14F-4D97-AF65-F5344CB8AC3E}">
-        <p14:creationId xmlns:p14="http://schemas.microsoft.com/office/powerpoint/2010/main" val="469044312"/>
-      </p:ext>
-    </p:extLst>
-  </p:cSld>
-  <p:clrMapOvr>
-    <a:masterClrMapping/>
-  </p:clrMapOvr>
-</p:sld>
-</file>
-
-<file path=ppt/slides/slide40.xml><?xml version="1.0" encoding="utf-8"?>
-<p:sld xmlns:a="http://schemas.openxmlformats.org/drawingml/2006/main" xmlns:r="http://schemas.openxmlformats.org/officeDocument/2006/relationships" xmlns:p="http://schemas.openxmlformats.org/presentationml/2006/main">
-  <p:cSld>
-    <p:spTree>
-      <p:nvGrpSpPr>
-        <p:cNvPr id="1" name=""/>
-        <p:cNvGrpSpPr/>
-        <p:nvPr/>
-      </p:nvGrpSpPr>
-      <p:grpSpPr>
-        <a:xfrm>
-          <a:off x="0" y="0"/>
-          <a:ext cx="0" cy="0"/>
-          <a:chOff x="0" y="0"/>
-          <a:chExt cx="0" cy="0"/>
-        </a:xfrm>
-      </p:grpSpPr>
-      <p:sp>
-        <p:nvSpPr>
-          <p:cNvPr id="3" name="Subtitle 2"/>
-          <p:cNvSpPr>
-            <a:spLocks noGrp="1"/>
-          </p:cNvSpPr>
-          <p:nvPr>
-            <p:ph type="subTitle" idx="1"/>
-          </p:nvPr>
-        </p:nvSpPr>
-        <p:spPr>
-          <a:xfrm>
-            <a:off x="203118" y="692696"/>
-            <a:ext cx="8640960" cy="6480720"/>
-          </a:xfrm>
-        </p:spPr>
-        <p:txBody>
-          <a:bodyPr>
-            <a:noAutofit/>
-          </a:bodyPr>
-          <a:lstStyle/>
-          <a:p>
-            <a:r>
-              <a:rPr lang="en-GB" sz="3600" dirty="0">
-                <a:solidFill>
-                  <a:schemeClr val="bg1"/>
-                </a:solidFill>
-              </a:rPr>
-              <a:t>When the oceans rise</a:t>
-            </a:r>
-          </a:p>
-          <a:p>
-            <a:r>
-              <a:rPr lang="en-GB" sz="3600" dirty="0">
-                <a:solidFill>
-                  <a:schemeClr val="bg1"/>
-                </a:solidFill>
-              </a:rPr>
-              <a:t>And thunders roar</a:t>
-            </a:r>
-          </a:p>
-          <a:p>
-            <a:r>
-              <a:rPr lang="en-GB" sz="3600" dirty="0">
-                <a:solidFill>
-                  <a:schemeClr val="bg1"/>
-                </a:solidFill>
-              </a:rPr>
-              <a:t>I will soar with You</a:t>
-            </a:r>
-          </a:p>
-          <a:p>
-            <a:r>
-              <a:rPr lang="en-GB" sz="3600" dirty="0">
-                <a:solidFill>
-                  <a:schemeClr val="bg1"/>
-                </a:solidFill>
-              </a:rPr>
-              <a:t>Above the storm</a:t>
-            </a:r>
-          </a:p>
-          <a:p>
-            <a:r>
-              <a:rPr lang="en-GB" sz="3600" dirty="0">
-                <a:solidFill>
-                  <a:schemeClr val="bg1"/>
-                </a:solidFill>
-              </a:rPr>
-              <a:t>Father You are King</a:t>
-            </a:r>
-          </a:p>
-          <a:p>
-            <a:r>
-              <a:rPr lang="en-GB" sz="3600" dirty="0">
-                <a:solidFill>
-                  <a:schemeClr val="bg1"/>
-                </a:solidFill>
-              </a:rPr>
-              <a:t>Over the flood</a:t>
-            </a:r>
-          </a:p>
-          <a:p>
-            <a:r>
-              <a:rPr lang="en-GB" sz="3600" dirty="0">
-                <a:solidFill>
-                  <a:schemeClr val="bg1"/>
-                </a:solidFill>
-              </a:rPr>
-              <a:t>I will be still and know</a:t>
-            </a:r>
-          </a:p>
-          <a:p>
-            <a:r>
-              <a:rPr lang="en-GB" sz="3600" dirty="0">
-                <a:solidFill>
-                  <a:schemeClr val="bg1"/>
-                </a:solidFill>
-              </a:rPr>
-              <a:t>You are God</a:t>
-            </a:r>
-          </a:p>
-        </p:txBody>
-      </p:sp>
-      <p:sp>
-        <p:nvSpPr>
-          <p:cNvPr id="4" name="TextBox 3"/>
-          <p:cNvSpPr txBox="1"/>
-          <p:nvPr/>
-        </p:nvSpPr>
-        <p:spPr>
-          <a:xfrm>
-            <a:off x="8529729" y="0"/>
-            <a:ext cx="628698" cy="461665"/>
-          </a:xfrm>
-          <a:prstGeom prst="rect">
-            <a:avLst/>
-          </a:prstGeom>
-          <a:noFill/>
-        </p:spPr>
-        <p:txBody>
-          <a:bodyPr wrap="none" rtlCol="0">
-            <a:spAutoFit/>
-          </a:bodyPr>
-          <a:lstStyle/>
-          <a:p>
-            <a:r>
-              <a:rPr lang="en-GB" sz="2400" b="1" dirty="0">
-                <a:solidFill>
-                  <a:schemeClr val="bg1"/>
-                </a:solidFill>
-              </a:rPr>
-              <a:t>2/3</a:t>
-            </a:r>
-          </a:p>
-        </p:txBody>
-      </p:sp>
-    </p:spTree>
-    <p:extLst>
-      <p:ext uri="{BB962C8B-B14F-4D97-AF65-F5344CB8AC3E}">
-        <p14:creationId xmlns:p14="http://schemas.microsoft.com/office/powerpoint/2010/main" val="2175635830"/>
-      </p:ext>
-    </p:extLst>
-  </p:cSld>
-  <p:clrMapOvr>
-    <a:masterClrMapping/>
-  </p:clrMapOvr>
-</p:sld>
-</file>
-
 <file path=ppt/slides/slide41.xml><?xml version="1.0" encoding="utf-8"?>
 <p:sld xmlns:a="http://schemas.openxmlformats.org/drawingml/2006/main" xmlns:r="http://schemas.openxmlformats.org/officeDocument/2006/relationships" xmlns:p="http://schemas.openxmlformats.org/presentationml/2006/main">
   <p:cSld>
@@ -11264,6 +11233,464 @@
         </p:nvSpPr>
         <p:spPr>
           <a:xfrm>
+            <a:off x="323528" y="188640"/>
+            <a:ext cx="8640960" cy="6480720"/>
+          </a:xfrm>
+        </p:spPr>
+        <p:txBody>
+          <a:bodyPr>
+            <a:noAutofit/>
+          </a:bodyPr>
+          <a:lstStyle/>
+          <a:p>
+            <a:endParaRPr lang="en-GB" sz="5400" dirty="0">
+              <a:solidFill>
+                <a:schemeClr val="bg1"/>
+              </a:solidFill>
+            </a:endParaRPr>
+          </a:p>
+          <a:p>
+            <a:r>
+              <a:rPr lang="en-GB" sz="4400" b="0" i="0" dirty="0">
+                <a:solidFill>
+                  <a:srgbClr val="00A3E0"/>
+                </a:solidFill>
+                <a:effectLst/>
+                <a:latin typeface="akagi_probook"/>
+              </a:rPr>
+              <a:t>Still</a:t>
+            </a:r>
+          </a:p>
+          <a:p>
+            <a:br>
+              <a:rPr lang="en-GB" sz="1200" dirty="0">
+                <a:solidFill>
+                  <a:schemeClr val="bg1"/>
+                </a:solidFill>
+              </a:rPr>
+            </a:br>
+            <a:r>
+              <a:rPr lang="en-GB" sz="1200" dirty="0">
+                <a:solidFill>
+                  <a:schemeClr val="bg1"/>
+                </a:solidFill>
+              </a:rPr>
+              <a:t>CCLI Song # 3940963</a:t>
+            </a:r>
+          </a:p>
+          <a:p>
+            <a:endParaRPr lang="en-GB" sz="1200" dirty="0">
+              <a:solidFill>
+                <a:schemeClr val="bg1"/>
+              </a:solidFill>
+            </a:endParaRPr>
+          </a:p>
+          <a:p>
+            <a:r>
+              <a:rPr lang="en-GB" sz="1200" dirty="0">
+                <a:solidFill>
+                  <a:schemeClr val="bg1"/>
+                </a:solidFill>
+              </a:rPr>
+              <a:t>Reuben Morgan</a:t>
+            </a:r>
+          </a:p>
+          <a:p>
+            <a:endParaRPr lang="en-GB" sz="1200" dirty="0">
+              <a:solidFill>
+                <a:schemeClr val="bg1"/>
+              </a:solidFill>
+            </a:endParaRPr>
+          </a:p>
+          <a:p>
+            <a:r>
+              <a:rPr lang="en-GB" sz="1200" dirty="0">
+                <a:solidFill>
+                  <a:schemeClr val="bg1"/>
+                </a:solidFill>
+              </a:rPr>
+              <a:t>© 2002 Hillsong Music Publishing Australia (Admin. by Hillsong Music Publishing UK)</a:t>
+            </a:r>
+          </a:p>
+          <a:p>
+            <a:r>
+              <a:rPr lang="en-GB" sz="1200" dirty="0">
+                <a:solidFill>
+                  <a:schemeClr val="bg1"/>
+                </a:solidFill>
+              </a:rPr>
+              <a:t>For use solely with the </a:t>
+            </a:r>
+            <a:r>
+              <a:rPr lang="en-GB" sz="1200" dirty="0" err="1">
+                <a:solidFill>
+                  <a:schemeClr val="bg1"/>
+                </a:solidFill>
+              </a:rPr>
+              <a:t>SongSelect</a:t>
+            </a:r>
+            <a:r>
+              <a:rPr lang="en-GB" sz="1200" dirty="0">
+                <a:solidFill>
+                  <a:schemeClr val="bg1"/>
+                </a:solidFill>
+              </a:rPr>
+              <a:t>® Terms of Use. All rights reserved. www.ccli.com</a:t>
+            </a:r>
+          </a:p>
+          <a:p>
+            <a:endParaRPr lang="en-GB" sz="1200" dirty="0">
+              <a:solidFill>
+                <a:schemeClr val="bg1"/>
+              </a:solidFill>
+            </a:endParaRPr>
+          </a:p>
+          <a:p>
+            <a:r>
+              <a:rPr lang="en-GB" sz="1200" dirty="0">
+                <a:solidFill>
+                  <a:schemeClr val="bg1"/>
+                </a:solidFill>
+              </a:rPr>
+              <a:t>CCLI Licence No. 33265</a:t>
+            </a:r>
+          </a:p>
+        </p:txBody>
+      </p:sp>
+    </p:spTree>
+    <p:extLst>
+      <p:ext uri="{BB962C8B-B14F-4D97-AF65-F5344CB8AC3E}">
+        <p14:creationId xmlns:p14="http://schemas.microsoft.com/office/powerpoint/2010/main" val="2940382954"/>
+      </p:ext>
+    </p:extLst>
+  </p:cSld>
+  <p:clrMapOvr>
+    <a:masterClrMapping/>
+  </p:clrMapOvr>
+</p:sld>
+</file>
+
+<file path=ppt/slides/slide42.xml><?xml version="1.0" encoding="utf-8"?>
+<p:sld xmlns:a="http://schemas.openxmlformats.org/drawingml/2006/main" xmlns:r="http://schemas.openxmlformats.org/officeDocument/2006/relationships" xmlns:p="http://schemas.openxmlformats.org/presentationml/2006/main">
+  <p:cSld>
+    <p:spTree>
+      <p:nvGrpSpPr>
+        <p:cNvPr id="1" name=""/>
+        <p:cNvGrpSpPr/>
+        <p:nvPr/>
+      </p:nvGrpSpPr>
+      <p:grpSpPr>
+        <a:xfrm>
+          <a:off x="0" y="0"/>
+          <a:ext cx="0" cy="0"/>
+          <a:chOff x="0" y="0"/>
+          <a:chExt cx="0" cy="0"/>
+        </a:xfrm>
+      </p:grpSpPr>
+      <p:sp>
+        <p:nvSpPr>
+          <p:cNvPr id="3" name="Subtitle 2"/>
+          <p:cNvSpPr>
+            <a:spLocks noGrp="1"/>
+          </p:cNvSpPr>
+          <p:nvPr>
+            <p:ph type="subTitle" idx="1"/>
+          </p:nvPr>
+        </p:nvSpPr>
+        <p:spPr>
+          <a:xfrm>
+            <a:off x="0" y="692696"/>
+            <a:ext cx="8640960" cy="6480720"/>
+          </a:xfrm>
+        </p:spPr>
+        <p:txBody>
+          <a:bodyPr>
+            <a:noAutofit/>
+          </a:bodyPr>
+          <a:lstStyle/>
+          <a:p>
+            <a:r>
+              <a:rPr lang="en-GB" sz="3600" dirty="0">
+                <a:solidFill>
+                  <a:schemeClr val="bg1"/>
+                </a:solidFill>
+              </a:rPr>
+              <a:t>Hide me now</a:t>
+            </a:r>
+          </a:p>
+          <a:p>
+            <a:r>
+              <a:rPr lang="en-GB" sz="3600" dirty="0">
+                <a:solidFill>
+                  <a:schemeClr val="bg1"/>
+                </a:solidFill>
+              </a:rPr>
+              <a:t>Under Your wings</a:t>
+            </a:r>
+          </a:p>
+          <a:p>
+            <a:r>
+              <a:rPr lang="en-GB" sz="3600" dirty="0">
+                <a:solidFill>
+                  <a:schemeClr val="bg1"/>
+                </a:solidFill>
+              </a:rPr>
+              <a:t>Cover me</a:t>
+            </a:r>
+          </a:p>
+          <a:p>
+            <a:r>
+              <a:rPr lang="en-GB" sz="3600" dirty="0">
+                <a:solidFill>
+                  <a:schemeClr val="bg1"/>
+                </a:solidFill>
+              </a:rPr>
+              <a:t>Within Your mighty hand</a:t>
+            </a:r>
+          </a:p>
+        </p:txBody>
+      </p:sp>
+      <p:sp>
+        <p:nvSpPr>
+          <p:cNvPr id="4" name="TextBox 3"/>
+          <p:cNvSpPr txBox="1"/>
+          <p:nvPr/>
+        </p:nvSpPr>
+        <p:spPr>
+          <a:xfrm>
+            <a:off x="8529729" y="0"/>
+            <a:ext cx="628698" cy="461665"/>
+          </a:xfrm>
+          <a:prstGeom prst="rect">
+            <a:avLst/>
+          </a:prstGeom>
+          <a:noFill/>
+        </p:spPr>
+        <p:txBody>
+          <a:bodyPr wrap="none" rtlCol="0">
+            <a:spAutoFit/>
+          </a:bodyPr>
+          <a:lstStyle/>
+          <a:p>
+            <a:r>
+              <a:rPr lang="en-GB" sz="2400" b="1" dirty="0">
+                <a:solidFill>
+                  <a:schemeClr val="bg1"/>
+                </a:solidFill>
+              </a:rPr>
+              <a:t>1/3</a:t>
+            </a:r>
+          </a:p>
+        </p:txBody>
+      </p:sp>
+    </p:spTree>
+    <p:extLst>
+      <p:ext uri="{BB962C8B-B14F-4D97-AF65-F5344CB8AC3E}">
+        <p14:creationId xmlns:p14="http://schemas.microsoft.com/office/powerpoint/2010/main" val="3281651247"/>
+      </p:ext>
+    </p:extLst>
+  </p:cSld>
+  <p:clrMapOvr>
+    <a:masterClrMapping/>
+  </p:clrMapOvr>
+</p:sld>
+</file>
+
+<file path=ppt/slides/slide43.xml><?xml version="1.0" encoding="utf-8"?>
+<p:sld xmlns:a="http://schemas.openxmlformats.org/drawingml/2006/main" xmlns:r="http://schemas.openxmlformats.org/officeDocument/2006/relationships" xmlns:p="http://schemas.openxmlformats.org/presentationml/2006/main">
+  <p:cSld>
+    <p:spTree>
+      <p:nvGrpSpPr>
+        <p:cNvPr id="1" name=""/>
+        <p:cNvGrpSpPr/>
+        <p:nvPr/>
+      </p:nvGrpSpPr>
+      <p:grpSpPr>
+        <a:xfrm>
+          <a:off x="0" y="0"/>
+          <a:ext cx="0" cy="0"/>
+          <a:chOff x="0" y="0"/>
+          <a:chExt cx="0" cy="0"/>
+        </a:xfrm>
+      </p:grpSpPr>
+      <p:sp>
+        <p:nvSpPr>
+          <p:cNvPr id="3" name="Subtitle 2"/>
+          <p:cNvSpPr>
+            <a:spLocks noGrp="1"/>
+          </p:cNvSpPr>
+          <p:nvPr>
+            <p:ph type="subTitle" idx="1"/>
+          </p:nvPr>
+        </p:nvSpPr>
+        <p:spPr>
+          <a:xfrm>
+            <a:off x="203118" y="692696"/>
+            <a:ext cx="8640960" cy="6480720"/>
+          </a:xfrm>
+        </p:spPr>
+        <p:txBody>
+          <a:bodyPr>
+            <a:noAutofit/>
+          </a:bodyPr>
+          <a:lstStyle/>
+          <a:p>
+            <a:r>
+              <a:rPr lang="en-GB" sz="3600" dirty="0">
+                <a:solidFill>
+                  <a:schemeClr val="bg1"/>
+                </a:solidFill>
+              </a:rPr>
+              <a:t>When the oceans rise</a:t>
+            </a:r>
+          </a:p>
+          <a:p>
+            <a:r>
+              <a:rPr lang="en-GB" sz="3600" dirty="0">
+                <a:solidFill>
+                  <a:schemeClr val="bg1"/>
+                </a:solidFill>
+              </a:rPr>
+              <a:t>And thunders roar</a:t>
+            </a:r>
+          </a:p>
+          <a:p>
+            <a:r>
+              <a:rPr lang="en-GB" sz="3600" dirty="0">
+                <a:solidFill>
+                  <a:schemeClr val="bg1"/>
+                </a:solidFill>
+              </a:rPr>
+              <a:t>I will soar with You</a:t>
+            </a:r>
+          </a:p>
+          <a:p>
+            <a:r>
+              <a:rPr lang="en-GB" sz="3600" dirty="0">
+                <a:solidFill>
+                  <a:schemeClr val="bg1"/>
+                </a:solidFill>
+              </a:rPr>
+              <a:t>Above the storm</a:t>
+            </a:r>
+          </a:p>
+          <a:p>
+            <a:r>
+              <a:rPr lang="en-GB" sz="3600" dirty="0">
+                <a:solidFill>
+                  <a:schemeClr val="bg1"/>
+                </a:solidFill>
+              </a:rPr>
+              <a:t>Father You are King</a:t>
+            </a:r>
+          </a:p>
+          <a:p>
+            <a:r>
+              <a:rPr lang="en-GB" sz="3600" dirty="0">
+                <a:solidFill>
+                  <a:schemeClr val="bg1"/>
+                </a:solidFill>
+              </a:rPr>
+              <a:t>Over the flood</a:t>
+            </a:r>
+          </a:p>
+          <a:p>
+            <a:r>
+              <a:rPr lang="en-GB" sz="3600" dirty="0">
+                <a:solidFill>
+                  <a:schemeClr val="bg1"/>
+                </a:solidFill>
+              </a:rPr>
+              <a:t>I will be still and know</a:t>
+            </a:r>
+          </a:p>
+          <a:p>
+            <a:r>
+              <a:rPr lang="en-GB" sz="3600" dirty="0">
+                <a:solidFill>
+                  <a:schemeClr val="bg1"/>
+                </a:solidFill>
+              </a:rPr>
+              <a:t>You are God</a:t>
+            </a:r>
+          </a:p>
+        </p:txBody>
+      </p:sp>
+      <p:sp>
+        <p:nvSpPr>
+          <p:cNvPr id="4" name="TextBox 3"/>
+          <p:cNvSpPr txBox="1"/>
+          <p:nvPr/>
+        </p:nvSpPr>
+        <p:spPr>
+          <a:xfrm>
+            <a:off x="8529729" y="0"/>
+            <a:ext cx="628698" cy="461665"/>
+          </a:xfrm>
+          <a:prstGeom prst="rect">
+            <a:avLst/>
+          </a:prstGeom>
+          <a:noFill/>
+        </p:spPr>
+        <p:txBody>
+          <a:bodyPr wrap="none" rtlCol="0">
+            <a:spAutoFit/>
+          </a:bodyPr>
+          <a:lstStyle/>
+          <a:p>
+            <a:r>
+              <a:rPr lang="en-GB" sz="2400" b="1" dirty="0">
+                <a:solidFill>
+                  <a:schemeClr val="bg1"/>
+                </a:solidFill>
+              </a:rPr>
+              <a:t>2/3</a:t>
+            </a:r>
+          </a:p>
+        </p:txBody>
+      </p:sp>
+    </p:spTree>
+    <p:extLst>
+      <p:ext uri="{BB962C8B-B14F-4D97-AF65-F5344CB8AC3E}">
+        <p14:creationId xmlns:p14="http://schemas.microsoft.com/office/powerpoint/2010/main" val="2175635830"/>
+      </p:ext>
+    </p:extLst>
+  </p:cSld>
+  <p:clrMapOvr>
+    <a:masterClrMapping/>
+  </p:clrMapOvr>
+</p:sld>
+</file>
+
+<file path=ppt/slides/slide44.xml><?xml version="1.0" encoding="utf-8"?>
+<p:sld xmlns:a="http://schemas.openxmlformats.org/drawingml/2006/main" xmlns:r="http://schemas.openxmlformats.org/officeDocument/2006/relationships" xmlns:p="http://schemas.openxmlformats.org/presentationml/2006/main">
+  <p:cSld>
+    <p:spTree>
+      <p:nvGrpSpPr>
+        <p:cNvPr id="1" name=""/>
+        <p:cNvGrpSpPr/>
+        <p:nvPr/>
+      </p:nvGrpSpPr>
+      <p:grpSpPr>
+        <a:xfrm>
+          <a:off x="0" y="0"/>
+          <a:ext cx="0" cy="0"/>
+          <a:chOff x="0" y="0"/>
+          <a:chExt cx="0" cy="0"/>
+        </a:xfrm>
+      </p:grpSpPr>
+      <p:sp>
+        <p:nvSpPr>
+          <p:cNvPr id="3" name="Subtitle 2"/>
+          <p:cNvSpPr>
+            <a:spLocks noGrp="1"/>
+          </p:cNvSpPr>
+          <p:nvPr>
+            <p:ph type="subTitle" idx="1"/>
+          </p:nvPr>
+        </p:nvSpPr>
+        <p:spPr>
+          <a:xfrm>
             <a:off x="203118" y="764704"/>
             <a:ext cx="8640960" cy="6480720"/>
           </a:xfrm>
@@ -11361,7 +11788,7 @@
 </p:sld>
 </file>
 
-<file path=ppt/slides/slide42.xml><?xml version="1.0" encoding="utf-8"?>
+<file path=ppt/slides/slide45.xml><?xml version="1.0" encoding="utf-8"?>
 <p:sld xmlns:a="http://schemas.openxmlformats.org/drawingml/2006/main" xmlns:r="http://schemas.openxmlformats.org/officeDocument/2006/relationships" xmlns:p="http://schemas.openxmlformats.org/presentationml/2006/main">
   <p:cSld>
     <p:spTree>

--- a/docs/songs_2024-11-24.pptx
+++ b/docs/songs_2024-11-24.pptx
@@ -5,7 +5,7 @@
     <p:sldMasterId id="2147483648" r:id="rId1"/>
   </p:sldMasterIdLst>
   <p:notesMasterIdLst>
-    <p:notesMasterId r:id="rId47"/>
+    <p:notesMasterId r:id="rId48"/>
   </p:notesMasterIdLst>
   <p:sldIdLst>
     <p:sldId id="950" r:id="rId2"/>
@@ -19,40 +19,41 @@
     <p:sldId id="1092" r:id="rId10"/>
     <p:sldId id="1093" r:id="rId11"/>
     <p:sldId id="1094" r:id="rId12"/>
-    <p:sldId id="524" r:id="rId13"/>
-    <p:sldId id="525" r:id="rId14"/>
-    <p:sldId id="1228" r:id="rId15"/>
-    <p:sldId id="1224" r:id="rId16"/>
-    <p:sldId id="1273" r:id="rId17"/>
-    <p:sldId id="1274" r:id="rId18"/>
-    <p:sldId id="1275" r:id="rId19"/>
-    <p:sldId id="1276" r:id="rId20"/>
-    <p:sldId id="1277" r:id="rId21"/>
-    <p:sldId id="619" r:id="rId22"/>
-    <p:sldId id="620" r:id="rId23"/>
-    <p:sldId id="621" r:id="rId24"/>
-    <p:sldId id="1252" r:id="rId25"/>
-    <p:sldId id="1278" r:id="rId26"/>
-    <p:sldId id="1279" r:id="rId27"/>
-    <p:sldId id="1280" r:id="rId28"/>
-    <p:sldId id="1281" r:id="rId29"/>
-    <p:sldId id="523" r:id="rId30"/>
-    <p:sldId id="1282" r:id="rId31"/>
-    <p:sldId id="1283" r:id="rId32"/>
-    <p:sldId id="1284" r:id="rId33"/>
-    <p:sldId id="1285" r:id="rId34"/>
-    <p:sldId id="1286" r:id="rId35"/>
-    <p:sldId id="1287" r:id="rId36"/>
-    <p:sldId id="1288" r:id="rId37"/>
-    <p:sldId id="954" r:id="rId38"/>
-    <p:sldId id="1171" r:id="rId39"/>
-    <p:sldId id="1214" r:id="rId40"/>
-    <p:sldId id="1122" r:id="rId41"/>
-    <p:sldId id="518" r:id="rId42"/>
-    <p:sldId id="522" r:id="rId43"/>
-    <p:sldId id="520" r:id="rId44"/>
-    <p:sldId id="521" r:id="rId45"/>
-    <p:sldId id="946" r:id="rId46"/>
+    <p:sldId id="1227" r:id="rId13"/>
+    <p:sldId id="524" r:id="rId14"/>
+    <p:sldId id="525" r:id="rId15"/>
+    <p:sldId id="1228" r:id="rId16"/>
+    <p:sldId id="1224" r:id="rId17"/>
+    <p:sldId id="1273" r:id="rId18"/>
+    <p:sldId id="1274" r:id="rId19"/>
+    <p:sldId id="1275" r:id="rId20"/>
+    <p:sldId id="1276" r:id="rId21"/>
+    <p:sldId id="1277" r:id="rId22"/>
+    <p:sldId id="619" r:id="rId23"/>
+    <p:sldId id="620" r:id="rId24"/>
+    <p:sldId id="621" r:id="rId25"/>
+    <p:sldId id="1252" r:id="rId26"/>
+    <p:sldId id="1278" r:id="rId27"/>
+    <p:sldId id="1279" r:id="rId28"/>
+    <p:sldId id="1280" r:id="rId29"/>
+    <p:sldId id="1281" r:id="rId30"/>
+    <p:sldId id="523" r:id="rId31"/>
+    <p:sldId id="1282" r:id="rId32"/>
+    <p:sldId id="1283" r:id="rId33"/>
+    <p:sldId id="1284" r:id="rId34"/>
+    <p:sldId id="1285" r:id="rId35"/>
+    <p:sldId id="1286" r:id="rId36"/>
+    <p:sldId id="1287" r:id="rId37"/>
+    <p:sldId id="1288" r:id="rId38"/>
+    <p:sldId id="954" r:id="rId39"/>
+    <p:sldId id="1171" r:id="rId40"/>
+    <p:sldId id="1214" r:id="rId41"/>
+    <p:sldId id="1122" r:id="rId42"/>
+    <p:sldId id="518" r:id="rId43"/>
+    <p:sldId id="522" r:id="rId44"/>
+    <p:sldId id="520" r:id="rId45"/>
+    <p:sldId id="521" r:id="rId46"/>
+    <p:sldId id="946" r:id="rId47"/>
   </p:sldIdLst>
   <p:sldSz cx="9144000" cy="6858000" type="screen4x3"/>
   <p:notesSz cx="6858000" cy="9144000"/>
@@ -167,6 +168,7 @@
             <p14:sldId id="1092"/>
             <p14:sldId id="1093"/>
             <p14:sldId id="1094"/>
+            <p14:sldId id="1227"/>
             <p14:sldId id="524"/>
             <p14:sldId id="525"/>
             <p14:sldId id="1228"/>
@@ -866,7 +868,7 @@
           <a:p>
             <a:fld id="{E79B61DE-1D46-4752-AF65-FA2C4EB0D1D0}" type="slidenum">
               <a:rPr lang="en-GB" smtClean="0"/>
-              <a:t>15</a:t>
+              <a:t>16</a:t>
             </a:fld>
             <a:endParaRPr lang="en-GB"/>
           </a:p>
@@ -950,7 +952,7 @@
           <a:p>
             <a:fld id="{E79B61DE-1D46-4752-AF65-FA2C4EB0D1D0}" type="slidenum">
               <a:rPr lang="en-GB" smtClean="0"/>
-              <a:t>20</a:t>
+              <a:t>21</a:t>
             </a:fld>
             <a:endParaRPr lang="en-GB"/>
           </a:p>
@@ -1034,7 +1036,7 @@
           <a:p>
             <a:fld id="{E79B61DE-1D46-4752-AF65-FA2C4EB0D1D0}" type="slidenum">
               <a:rPr lang="en-GB" smtClean="0"/>
-              <a:t>23</a:t>
+              <a:t>24</a:t>
             </a:fld>
             <a:endParaRPr lang="en-GB"/>
           </a:p>
@@ -1142,7 +1144,7 @@
           <a:p>
             <a:fld id="{E79B61DE-1D46-4752-AF65-FA2C4EB0D1D0}" type="slidenum">
               <a:rPr lang="en-GB" smtClean="0"/>
-              <a:t>24</a:t>
+              <a:t>25</a:t>
             </a:fld>
             <a:endParaRPr lang="en-GB"/>
           </a:p>
@@ -1226,7 +1228,7 @@
           <a:p>
             <a:fld id="{E79B61DE-1D46-4752-AF65-FA2C4EB0D1D0}" type="slidenum">
               <a:rPr lang="en-GB" smtClean="0"/>
-              <a:t>37</a:t>
+              <a:t>38</a:t>
             </a:fld>
             <a:endParaRPr lang="en-GB"/>
           </a:p>
@@ -1310,7 +1312,7 @@
           <a:p>
             <a:fld id="{E79B61DE-1D46-4752-AF65-FA2C4EB0D1D0}" type="slidenum">
               <a:rPr lang="en-GB" smtClean="0"/>
-              <a:t>39</a:t>
+              <a:t>40</a:t>
             </a:fld>
             <a:endParaRPr lang="en-GB"/>
           </a:p>
@@ -1394,7 +1396,7 @@
           <a:p>
             <a:fld id="{E79B61DE-1D46-4752-AF65-FA2C4EB0D1D0}" type="slidenum">
               <a:rPr lang="en-GB" smtClean="0"/>
-              <a:t>45</a:t>
+              <a:t>46</a:t>
             </a:fld>
             <a:endParaRPr lang="en-GB"/>
           </a:p>
@@ -5452,7 +5454,7 @@
                   <a:schemeClr val="bg1"/>
                 </a:solidFill>
               </a:rPr>
-              <a:t>Who pulled me out of that pit</a:t>
+              <a:t>This is our God this is who He is</a:t>
             </a:r>
           </a:p>
           <a:p>
@@ -5462,7 +5464,7 @@
                   <a:schemeClr val="bg1"/>
                 </a:solidFill>
               </a:rPr>
-              <a:t>He did He did</a:t>
+              <a:t>He loves us</a:t>
             </a:r>
           </a:p>
           <a:p>
@@ -5472,7 +5474,7 @@
                   <a:schemeClr val="bg1"/>
                 </a:solidFill>
               </a:rPr>
-              <a:t>Who paid for all of our sin</a:t>
+              <a:t>This is our God this is what He does</a:t>
             </a:r>
           </a:p>
           <a:p>
@@ -5482,7 +5484,37 @@
                   <a:schemeClr val="bg1"/>
                 </a:solidFill>
               </a:rPr>
-              <a:t>Nobody but Jesus</a:t>
+              <a:t>He saves us</a:t>
+            </a:r>
+          </a:p>
+          <a:p>
+            <a:r>
+              <a:rPr lang="en-GB" sz="4000" dirty="0">
+                <a:solidFill>
+                  <a:schemeClr val="bg1"/>
+                </a:solidFill>
+              </a:rPr>
+              <a:t>He bore the cross beat the grave</a:t>
+            </a:r>
+          </a:p>
+          <a:p>
+            <a:r>
+              <a:rPr lang="en-GB" sz="4000" dirty="0">
+                <a:solidFill>
+                  <a:schemeClr val="bg1"/>
+                </a:solidFill>
+              </a:rPr>
+              <a:t>Let heaven and earth proclaim</a:t>
+            </a:r>
+          </a:p>
+          <a:p>
+            <a:r>
+              <a:rPr lang="en-GB" sz="4000" dirty="0">
+                <a:solidFill>
+                  <a:schemeClr val="bg1"/>
+                </a:solidFill>
+              </a:rPr>
+              <a:t>This is our God King Jesus</a:t>
             </a:r>
           </a:p>
         </p:txBody>
@@ -5515,7 +5547,7 @@
                   <a:schemeClr val="bg1"/>
                 </a:solidFill>
               </a:rPr>
-              <a:t>1/3</a:t>
+              <a:t>1/4</a:t>
             </a:r>
           </a:p>
         </p:txBody>
@@ -5523,7 +5555,7 @@
     </p:spTree>
     <p:extLst>
       <p:ext uri="{BB962C8B-B14F-4D97-AF65-F5344CB8AC3E}">
-        <p14:creationId xmlns:p14="http://schemas.microsoft.com/office/powerpoint/2010/main" val="3380602350"/>
+        <p14:creationId xmlns:p14="http://schemas.microsoft.com/office/powerpoint/2010/main" val="1807002910"/>
       </p:ext>
     </p:extLst>
   </p:cSld>
@@ -5578,7 +5610,7 @@
                   <a:schemeClr val="bg1"/>
                 </a:solidFill>
               </a:rPr>
-              <a:t>Who rescued me from that grave</a:t>
+              <a:t>Who pulled me out of that pit</a:t>
             </a:r>
           </a:p>
           <a:p>
@@ -5588,21 +5620,8 @@
                   <a:schemeClr val="bg1"/>
                 </a:solidFill>
               </a:rPr>
-              <a:t>Yahweh </a:t>
-            </a:r>
-            <a:r>
-              <a:rPr lang="en-GB" sz="4000" dirty="0" err="1">
-                <a:solidFill>
-                  <a:schemeClr val="bg1"/>
-                </a:solidFill>
-              </a:rPr>
-              <a:t>Yahweh</a:t>
-            </a:r>
-            <a:endParaRPr lang="en-GB" sz="4000" dirty="0">
-              <a:solidFill>
-                <a:schemeClr val="bg1"/>
-              </a:solidFill>
-            </a:endParaRPr>
+              <a:t>He did He did</a:t>
+            </a:r>
           </a:p>
           <a:p>
             <a:r>
@@ -5611,7 +5630,7 @@
                   <a:schemeClr val="bg1"/>
                 </a:solidFill>
               </a:rPr>
-              <a:t>Who gets the glory and praise</a:t>
+              <a:t>Who paid for all of our sin</a:t>
             </a:r>
           </a:p>
           <a:p>
@@ -5621,7 +5640,7 @@
                   <a:schemeClr val="bg1"/>
                 </a:solidFill>
               </a:rPr>
-              <a:t>Nobody but Jesus (Him)</a:t>
+              <a:t>Nobody but Jesus</a:t>
             </a:r>
           </a:p>
         </p:txBody>
@@ -5654,7 +5673,7 @@
                   <a:schemeClr val="bg1"/>
                 </a:solidFill>
               </a:rPr>
-              <a:t>2/3</a:t>
+              <a:t>2/4</a:t>
             </a:r>
           </a:p>
         </p:txBody>
@@ -5662,7 +5681,7 @@
     </p:spTree>
     <p:extLst>
       <p:ext uri="{BB962C8B-B14F-4D97-AF65-F5344CB8AC3E}">
-        <p14:creationId xmlns:p14="http://schemas.microsoft.com/office/powerpoint/2010/main" val="2147548330"/>
+        <p14:creationId xmlns:p14="http://schemas.microsoft.com/office/powerpoint/2010/main" val="3380602350"/>
       </p:ext>
     </p:extLst>
   </p:cSld>
@@ -5717,7 +5736,7 @@
                   <a:schemeClr val="bg1"/>
                 </a:solidFill>
               </a:rPr>
-              <a:t>This is our God this is who He is</a:t>
+              <a:t>Who rescued me from that grave</a:t>
             </a:r>
           </a:p>
           <a:p>
@@ -5727,8 +5746,21 @@
                   <a:schemeClr val="bg1"/>
                 </a:solidFill>
               </a:rPr>
-              <a:t>He loves us</a:t>
-            </a:r>
+              <a:t>Yahweh </a:t>
+            </a:r>
+            <a:r>
+              <a:rPr lang="en-GB" sz="4000" dirty="0" err="1">
+                <a:solidFill>
+                  <a:schemeClr val="bg1"/>
+                </a:solidFill>
+              </a:rPr>
+              <a:t>Yahweh</a:t>
+            </a:r>
+            <a:endParaRPr lang="en-GB" sz="4000" dirty="0">
+              <a:solidFill>
+                <a:schemeClr val="bg1"/>
+              </a:solidFill>
+            </a:endParaRPr>
           </a:p>
           <a:p>
             <a:r>
@@ -5737,7 +5769,7 @@
                   <a:schemeClr val="bg1"/>
                 </a:solidFill>
               </a:rPr>
-              <a:t>This is our God this is what He does</a:t>
+              <a:t>Who gets the glory and praise</a:t>
             </a:r>
           </a:p>
           <a:p>
@@ -5747,37 +5779,7 @@
                   <a:schemeClr val="bg1"/>
                 </a:solidFill>
               </a:rPr>
-              <a:t>He saves us</a:t>
-            </a:r>
-          </a:p>
-          <a:p>
-            <a:r>
-              <a:rPr lang="en-GB" sz="4000" dirty="0">
-                <a:solidFill>
-                  <a:schemeClr val="bg1"/>
-                </a:solidFill>
-              </a:rPr>
-              <a:t>He bore the cross beat the grave</a:t>
-            </a:r>
-          </a:p>
-          <a:p>
-            <a:r>
-              <a:rPr lang="en-GB" sz="4000" dirty="0">
-                <a:solidFill>
-                  <a:schemeClr val="bg1"/>
-                </a:solidFill>
-              </a:rPr>
-              <a:t>Let heaven and earth proclaim</a:t>
-            </a:r>
-          </a:p>
-          <a:p>
-            <a:r>
-              <a:rPr lang="en-GB" sz="4000" dirty="0">
-                <a:solidFill>
-                  <a:schemeClr val="bg1"/>
-                </a:solidFill>
-              </a:rPr>
-              <a:t>This is our God King Jesus</a:t>
+              <a:t>Nobody but Jesus (Him)</a:t>
             </a:r>
           </a:p>
         </p:txBody>
@@ -5810,7 +5812,163 @@
                   <a:schemeClr val="bg1"/>
                 </a:solidFill>
               </a:rPr>
-              <a:t>3/3</a:t>
+              <a:t>3/4</a:t>
+            </a:r>
+          </a:p>
+        </p:txBody>
+      </p:sp>
+    </p:spTree>
+    <p:extLst>
+      <p:ext uri="{BB962C8B-B14F-4D97-AF65-F5344CB8AC3E}">
+        <p14:creationId xmlns:p14="http://schemas.microsoft.com/office/powerpoint/2010/main" val="2147548330"/>
+      </p:ext>
+    </p:extLst>
+  </p:cSld>
+  <p:clrMapOvr>
+    <a:masterClrMapping/>
+  </p:clrMapOvr>
+</p:sld>
+</file>
+
+<file path=ppt/slides/slide15.xml><?xml version="1.0" encoding="utf-8"?>
+<p:sld xmlns:a="http://schemas.openxmlformats.org/drawingml/2006/main" xmlns:r="http://schemas.openxmlformats.org/officeDocument/2006/relationships" xmlns:p="http://schemas.openxmlformats.org/presentationml/2006/main">
+  <p:cSld>
+    <p:spTree>
+      <p:nvGrpSpPr>
+        <p:cNvPr id="1" name=""/>
+        <p:cNvGrpSpPr/>
+        <p:nvPr/>
+      </p:nvGrpSpPr>
+      <p:grpSpPr>
+        <a:xfrm>
+          <a:off x="0" y="0"/>
+          <a:ext cx="0" cy="0"/>
+          <a:chOff x="0" y="0"/>
+          <a:chExt cx="0" cy="0"/>
+        </a:xfrm>
+      </p:grpSpPr>
+      <p:sp>
+        <p:nvSpPr>
+          <p:cNvPr id="3" name="Subtitle 2"/>
+          <p:cNvSpPr>
+            <a:spLocks noGrp="1"/>
+          </p:cNvSpPr>
+          <p:nvPr>
+            <p:ph type="subTitle" idx="1"/>
+          </p:nvPr>
+        </p:nvSpPr>
+        <p:spPr>
+          <a:xfrm>
+            <a:off x="251520" y="764704"/>
+            <a:ext cx="8640960" cy="6480720"/>
+          </a:xfrm>
+        </p:spPr>
+        <p:txBody>
+          <a:bodyPr>
+            <a:noAutofit/>
+          </a:bodyPr>
+          <a:lstStyle/>
+          <a:p>
+            <a:r>
+              <a:rPr lang="en-GB" sz="4000" dirty="0">
+                <a:solidFill>
+                  <a:schemeClr val="bg1"/>
+                </a:solidFill>
+              </a:rPr>
+              <a:t>This is our God this is who He is</a:t>
+            </a:r>
+          </a:p>
+          <a:p>
+            <a:r>
+              <a:rPr lang="en-GB" sz="4000" dirty="0">
+                <a:solidFill>
+                  <a:schemeClr val="bg1"/>
+                </a:solidFill>
+              </a:rPr>
+              <a:t>He loves us</a:t>
+            </a:r>
+          </a:p>
+          <a:p>
+            <a:r>
+              <a:rPr lang="en-GB" sz="4000" dirty="0">
+                <a:solidFill>
+                  <a:schemeClr val="bg1"/>
+                </a:solidFill>
+              </a:rPr>
+              <a:t>This is our God this is what He does</a:t>
+            </a:r>
+          </a:p>
+          <a:p>
+            <a:r>
+              <a:rPr lang="en-GB" sz="4000" dirty="0">
+                <a:solidFill>
+                  <a:schemeClr val="bg1"/>
+                </a:solidFill>
+              </a:rPr>
+              <a:t>He saves us</a:t>
+            </a:r>
+          </a:p>
+          <a:p>
+            <a:r>
+              <a:rPr lang="en-GB" sz="4000" dirty="0">
+                <a:solidFill>
+                  <a:schemeClr val="bg1"/>
+                </a:solidFill>
+              </a:rPr>
+              <a:t>He bore the cross beat the grave</a:t>
+            </a:r>
+          </a:p>
+          <a:p>
+            <a:r>
+              <a:rPr lang="en-GB" sz="4000" dirty="0">
+                <a:solidFill>
+                  <a:schemeClr val="bg1"/>
+                </a:solidFill>
+              </a:rPr>
+              <a:t>Let heaven and earth proclaim</a:t>
+            </a:r>
+          </a:p>
+          <a:p>
+            <a:r>
+              <a:rPr lang="en-GB" sz="4000" dirty="0">
+                <a:solidFill>
+                  <a:schemeClr val="bg1"/>
+                </a:solidFill>
+              </a:rPr>
+              <a:t>This is our God King Jesus</a:t>
+            </a:r>
+          </a:p>
+        </p:txBody>
+      </p:sp>
+      <p:sp>
+        <p:nvSpPr>
+          <p:cNvPr id="4" name="TextBox 3"/>
+          <p:cNvSpPr txBox="1"/>
+          <p:nvPr/>
+        </p:nvSpPr>
+        <p:spPr>
+          <a:xfrm>
+            <a:off x="8316416" y="0"/>
+            <a:ext cx="628698" cy="461665"/>
+          </a:xfrm>
+          <a:prstGeom prst="rect">
+            <a:avLst/>
+          </a:prstGeom>
+          <a:noFill/>
+        </p:spPr>
+        <p:txBody>
+          <a:bodyPr wrap="none" rtlCol="0">
+            <a:spAutoFit/>
+          </a:bodyPr>
+          <a:lstStyle/>
+          <a:p>
+            <a:r>
+              <a:rPr lang="en-GB" sz="2400" b="1" dirty="0">
+                <a:solidFill>
+                  <a:schemeClr val="bg1"/>
+                </a:solidFill>
+              </a:rPr>
+              <a:t>4/4</a:t>
             </a:r>
           </a:p>
         </p:txBody>
@@ -5828,7 +5986,7 @@
 </p:sld>
 </file>
 
-<file path=ppt/slides/slide15.xml><?xml version="1.0" encoding="utf-8"?>
+<file path=ppt/slides/slide16.xml><?xml version="1.0" encoding="utf-8"?>
 <p:sld xmlns:a="http://schemas.openxmlformats.org/drawingml/2006/main" xmlns:r="http://schemas.openxmlformats.org/officeDocument/2006/relationships" xmlns:p="http://schemas.openxmlformats.org/presentationml/2006/main">
   <p:cSld>
     <p:spTree>
@@ -6324,179 +6482,6 @@
 </p:sld>
 </file>
 
-<file path=ppt/slides/slide16.xml><?xml version="1.0" encoding="utf-8"?>
-<p:sld xmlns:a="http://schemas.openxmlformats.org/drawingml/2006/main" xmlns:r="http://schemas.openxmlformats.org/officeDocument/2006/relationships" xmlns:p="http://schemas.openxmlformats.org/presentationml/2006/main">
-  <p:cSld>
-    <p:spTree>
-      <p:nvGrpSpPr>
-        <p:cNvPr id="1" name=""/>
-        <p:cNvGrpSpPr/>
-        <p:nvPr/>
-      </p:nvGrpSpPr>
-      <p:grpSpPr>
-        <a:xfrm>
-          <a:off x="0" y="0"/>
-          <a:ext cx="0" cy="0"/>
-          <a:chOff x="0" y="0"/>
-          <a:chExt cx="0" cy="0"/>
-        </a:xfrm>
-      </p:grpSpPr>
-      <p:sp>
-        <p:nvSpPr>
-          <p:cNvPr id="3" name="Subtitle 2"/>
-          <p:cNvSpPr>
-            <a:spLocks noGrp="1"/>
-          </p:cNvSpPr>
-          <p:nvPr>
-            <p:ph type="subTitle" idx="1"/>
-          </p:nvPr>
-        </p:nvSpPr>
-        <p:spPr>
-          <a:xfrm>
-            <a:off x="323528" y="188640"/>
-            <a:ext cx="8640960" cy="6480720"/>
-          </a:xfrm>
-        </p:spPr>
-        <p:txBody>
-          <a:bodyPr>
-            <a:noAutofit/>
-          </a:bodyPr>
-          <a:lstStyle/>
-          <a:p>
-            <a:endParaRPr lang="en-GB" sz="5400" dirty="0">
-              <a:solidFill>
-                <a:schemeClr val="bg1"/>
-              </a:solidFill>
-            </a:endParaRPr>
-          </a:p>
-          <a:p>
-            <a:r>
-              <a:rPr lang="en-GB" sz="4400" b="0" i="0" dirty="0">
-                <a:solidFill>
-                  <a:srgbClr val="00A3E0"/>
-                </a:solidFill>
-                <a:effectLst/>
-                <a:latin typeface="akagi_probook"/>
-              </a:rPr>
-              <a:t>Here I am to Worship</a:t>
-            </a:r>
-          </a:p>
-          <a:p>
-            <a:br>
-              <a:rPr lang="en-GB" sz="1200" dirty="0">
-                <a:solidFill>
-                  <a:schemeClr val="bg1"/>
-                </a:solidFill>
-              </a:rPr>
-            </a:br>
-            <a:br>
-              <a:rPr lang="en-GB" sz="1200" dirty="0">
-                <a:solidFill>
-                  <a:schemeClr val="bg1"/>
-                </a:solidFill>
-              </a:rPr>
-            </a:br>
-            <a:r>
-              <a:rPr lang="en-GB" sz="1200" dirty="0">
-                <a:solidFill>
-                  <a:schemeClr val="bg1"/>
-                </a:solidFill>
-              </a:rPr>
-              <a:t>CCLI Song # 3266032</a:t>
-            </a:r>
-          </a:p>
-          <a:p>
-            <a:endParaRPr lang="en-GB" sz="1200" dirty="0">
-              <a:solidFill>
-                <a:schemeClr val="bg1"/>
-              </a:solidFill>
-            </a:endParaRPr>
-          </a:p>
-          <a:p>
-            <a:r>
-              <a:rPr lang="en-GB" sz="1200" dirty="0">
-                <a:solidFill>
-                  <a:schemeClr val="bg1"/>
-                </a:solidFill>
-              </a:rPr>
-              <a:t>Tim Hughes</a:t>
-            </a:r>
-          </a:p>
-          <a:p>
-            <a:endParaRPr lang="en-GB" sz="1200" dirty="0">
-              <a:solidFill>
-                <a:schemeClr val="bg1"/>
-              </a:solidFill>
-            </a:endParaRPr>
-          </a:p>
-          <a:p>
-            <a:r>
-              <a:rPr lang="en-GB" sz="1200" dirty="0">
-                <a:solidFill>
-                  <a:schemeClr val="bg1"/>
-                </a:solidFill>
-              </a:rPr>
-              <a:t>© 2000 Thankyou Music (Admin. by Integrity Music Ltd)</a:t>
-            </a:r>
-          </a:p>
-          <a:p>
-            <a:r>
-              <a:rPr lang="en-GB" sz="1200" dirty="0">
-                <a:solidFill>
-                  <a:schemeClr val="bg1"/>
-                </a:solidFill>
-              </a:rPr>
-              <a:t>For use solely with the </a:t>
-            </a:r>
-            <a:r>
-              <a:rPr lang="en-GB" sz="1200" dirty="0" err="1">
-                <a:solidFill>
-                  <a:schemeClr val="bg1"/>
-                </a:solidFill>
-              </a:rPr>
-              <a:t>SongSelect</a:t>
-            </a:r>
-            <a:r>
-              <a:rPr lang="en-GB" sz="1200" dirty="0">
-                <a:solidFill>
-                  <a:schemeClr val="bg1"/>
-                </a:solidFill>
-              </a:rPr>
-              <a:t>® Terms of Use. All rights reserved. www.ccli.com</a:t>
-            </a:r>
-          </a:p>
-          <a:p>
-            <a:endParaRPr lang="en-GB" sz="1200" dirty="0">
-              <a:solidFill>
-                <a:schemeClr val="bg1"/>
-              </a:solidFill>
-            </a:endParaRPr>
-          </a:p>
-          <a:p>
-            <a:r>
-              <a:rPr lang="en-GB" sz="1200" dirty="0">
-                <a:solidFill>
-                  <a:schemeClr val="bg1"/>
-                </a:solidFill>
-              </a:rPr>
-              <a:t>CCLI Licence No. 33265</a:t>
-            </a:r>
-          </a:p>
-        </p:txBody>
-      </p:sp>
-    </p:spTree>
-    <p:extLst>
-      <p:ext uri="{BB962C8B-B14F-4D97-AF65-F5344CB8AC3E}">
-        <p14:creationId xmlns:p14="http://schemas.microsoft.com/office/powerpoint/2010/main" val="437537741"/>
-      </p:ext>
-    </p:extLst>
-  </p:cSld>
-  <p:clrMapOvr>
-    <a:masterClrMapping/>
-  </p:clrMapOvr>
-</p:sld>
-</file>
-
 <file path=ppt/slides/slide17.xml><?xml version="1.0" encoding="utf-8"?>
 <p:sld xmlns:a="http://schemas.openxmlformats.org/drawingml/2006/main" xmlns:r="http://schemas.openxmlformats.org/officeDocument/2006/relationships" xmlns:p="http://schemas.openxmlformats.org/presentationml/2006/main">
   <p:cSld>
@@ -6526,7 +6511,7 @@
         </p:nvSpPr>
         <p:spPr>
           <a:xfrm>
-            <a:off x="203118" y="764704"/>
+            <a:off x="323528" y="188640"/>
             <a:ext cx="8640960" cy="6480720"/>
           </a:xfrm>
         </p:spPr>
@@ -6536,96 +6521,123 @@
           </a:bodyPr>
           <a:lstStyle/>
           <a:p>
-            <a:r>
-              <a:rPr lang="en-GB" sz="3600" dirty="0">
-                <a:solidFill>
-                  <a:schemeClr val="bg1"/>
-                </a:solidFill>
-              </a:rPr>
-              <a:t>Light of the world</a:t>
-            </a:r>
-          </a:p>
-          <a:p>
-            <a:r>
-              <a:rPr lang="en-GB" sz="3600" dirty="0">
-                <a:solidFill>
-                  <a:schemeClr val="bg1"/>
-                </a:solidFill>
-              </a:rPr>
-              <a:t>You stepped down into darkness</a:t>
-            </a:r>
-          </a:p>
-          <a:p>
-            <a:r>
-              <a:rPr lang="en-GB" sz="3600" dirty="0">
-                <a:solidFill>
-                  <a:schemeClr val="bg1"/>
-                </a:solidFill>
-              </a:rPr>
-              <a:t>Opened my eyes let me see</a:t>
-            </a:r>
-          </a:p>
-          <a:p>
-            <a:r>
-              <a:rPr lang="en-GB" sz="3600" dirty="0">
-                <a:solidFill>
-                  <a:schemeClr val="bg1"/>
-                </a:solidFill>
-              </a:rPr>
-              <a:t>Beauty that made</a:t>
-            </a:r>
-          </a:p>
-          <a:p>
-            <a:r>
-              <a:rPr lang="en-GB" sz="3600" dirty="0">
-                <a:solidFill>
-                  <a:schemeClr val="bg1"/>
-                </a:solidFill>
-              </a:rPr>
-              <a:t>This heart adore You</a:t>
-            </a:r>
-          </a:p>
-          <a:p>
-            <a:r>
-              <a:rPr lang="en-GB" sz="3600" dirty="0">
-                <a:solidFill>
-                  <a:schemeClr val="bg1"/>
-                </a:solidFill>
-              </a:rPr>
-              <a:t>Hope of a life spent with You</a:t>
-            </a:r>
-          </a:p>
-        </p:txBody>
-      </p:sp>
-      <p:sp>
-        <p:nvSpPr>
-          <p:cNvPr id="4" name="TextBox 3"/>
-          <p:cNvSpPr txBox="1"/>
-          <p:nvPr/>
-        </p:nvSpPr>
-        <p:spPr>
-          <a:xfrm>
-            <a:off x="8529729" y="0"/>
-            <a:ext cx="628698" cy="461665"/>
-          </a:xfrm>
-          <a:prstGeom prst="rect">
-            <a:avLst/>
-          </a:prstGeom>
-          <a:noFill/>
-        </p:spPr>
-        <p:txBody>
-          <a:bodyPr wrap="none" rtlCol="0">
-            <a:spAutoFit/>
-          </a:bodyPr>
-          <a:lstStyle/>
-          <a:p>
-            <a:r>
-              <a:rPr lang="en-GB" sz="2400" b="1" dirty="0">
-                <a:solidFill>
-                  <a:schemeClr val="bg1"/>
-                </a:solidFill>
-              </a:rPr>
-              <a:t>1/4</a:t>
+            <a:endParaRPr lang="en-GB" sz="5400" dirty="0">
+              <a:solidFill>
+                <a:schemeClr val="bg1"/>
+              </a:solidFill>
+            </a:endParaRPr>
+          </a:p>
+          <a:p>
+            <a:r>
+              <a:rPr lang="en-GB" sz="4400" b="0" i="0" dirty="0">
+                <a:solidFill>
+                  <a:srgbClr val="00A3E0"/>
+                </a:solidFill>
+                <a:effectLst/>
+                <a:latin typeface="akagi_probook"/>
+              </a:rPr>
+              <a:t>Here I am to Worship</a:t>
+            </a:r>
+          </a:p>
+          <a:p>
+            <a:br>
+              <a:rPr lang="en-GB" sz="1200" dirty="0">
+                <a:solidFill>
+                  <a:schemeClr val="bg1"/>
+                </a:solidFill>
+              </a:rPr>
+            </a:br>
+            <a:br>
+              <a:rPr lang="en-GB" sz="1200" dirty="0">
+                <a:solidFill>
+                  <a:schemeClr val="bg1"/>
+                </a:solidFill>
+              </a:rPr>
+            </a:br>
+            <a:r>
+              <a:rPr lang="en-GB" sz="1200" dirty="0">
+                <a:solidFill>
+                  <a:schemeClr val="bg1"/>
+                </a:solidFill>
+              </a:rPr>
+              <a:t>CCLI Song # 3266032</a:t>
+            </a:r>
+          </a:p>
+          <a:p>
+            <a:endParaRPr lang="en-GB" sz="1200" dirty="0">
+              <a:solidFill>
+                <a:schemeClr val="bg1"/>
+              </a:solidFill>
+            </a:endParaRPr>
+          </a:p>
+          <a:p>
+            <a:r>
+              <a:rPr lang="en-GB" sz="1200" dirty="0">
+                <a:solidFill>
+                  <a:schemeClr val="bg1"/>
+                </a:solidFill>
+              </a:rPr>
+              <a:t>Tim Hughes</a:t>
+            </a:r>
+          </a:p>
+          <a:p>
+            <a:endParaRPr lang="en-GB" sz="1200" dirty="0">
+              <a:solidFill>
+                <a:schemeClr val="bg1"/>
+              </a:solidFill>
+            </a:endParaRPr>
+          </a:p>
+          <a:p>
+            <a:r>
+              <a:rPr lang="en-GB" sz="1200" dirty="0">
+                <a:solidFill>
+                  <a:schemeClr val="bg1"/>
+                </a:solidFill>
+              </a:rPr>
+              <a:t>© 2000 Thankyou Music (Admin. by Integrity Music Ltd)</a:t>
+            </a:r>
+          </a:p>
+          <a:p>
+            <a:r>
+              <a:rPr lang="en-GB" sz="1200" dirty="0">
+                <a:solidFill>
+                  <a:schemeClr val="bg1"/>
+                </a:solidFill>
+              </a:rPr>
+              <a:t>For use solely with the </a:t>
+            </a:r>
+            <a:r>
+              <a:rPr lang="en-GB" sz="1200" dirty="0" err="1">
+                <a:solidFill>
+                  <a:schemeClr val="bg1"/>
+                </a:solidFill>
+              </a:rPr>
+              <a:t>SongSelect</a:t>
+            </a:r>
+            <a:r>
+              <a:rPr lang="en-GB" sz="1200" dirty="0">
+                <a:solidFill>
+                  <a:schemeClr val="bg1"/>
+                </a:solidFill>
+              </a:rPr>
+              <a:t>® Terms of Use. All rights reserved. www.ccli.com</a:t>
+            </a:r>
+          </a:p>
+          <a:p>
+            <a:endParaRPr lang="en-GB" sz="1200" dirty="0">
+              <a:solidFill>
+                <a:schemeClr val="bg1"/>
+              </a:solidFill>
+            </a:endParaRPr>
+          </a:p>
+          <a:p>
+            <a:r>
+              <a:rPr lang="en-GB" sz="1200" dirty="0">
+                <a:solidFill>
+                  <a:schemeClr val="bg1"/>
+                </a:solidFill>
+              </a:rPr>
+              <a:t>CCLI Licence No. 33265</a:t>
             </a:r>
           </a:p>
         </p:txBody>
@@ -6633,7 +6645,7 @@
     </p:spTree>
     <p:extLst>
       <p:ext uri="{BB962C8B-B14F-4D97-AF65-F5344CB8AC3E}">
-        <p14:creationId xmlns:p14="http://schemas.microsoft.com/office/powerpoint/2010/main" val="537373158"/>
+        <p14:creationId xmlns:p14="http://schemas.microsoft.com/office/powerpoint/2010/main" val="437537741"/>
       </p:ext>
     </p:extLst>
   </p:cSld>
@@ -6672,7 +6684,7 @@
         </p:nvSpPr>
         <p:spPr>
           <a:xfrm>
-            <a:off x="251520" y="764704"/>
+            <a:off x="203118" y="764704"/>
             <a:ext cx="8640960" cy="6480720"/>
           </a:xfrm>
         </p:spPr>
@@ -6688,7 +6700,7 @@
                   <a:schemeClr val="bg1"/>
                 </a:solidFill>
               </a:rPr>
-              <a:t>So here I am to worship</a:t>
+              <a:t>Light of the world</a:t>
             </a:r>
           </a:p>
           <a:p>
@@ -6698,7 +6710,7 @@
                   <a:schemeClr val="bg1"/>
                 </a:solidFill>
               </a:rPr>
-              <a:t>Here I am to bow down</a:t>
+              <a:t>You stepped down into darkness</a:t>
             </a:r>
           </a:p>
           <a:p>
@@ -6708,7 +6720,7 @@
                   <a:schemeClr val="bg1"/>
                 </a:solidFill>
               </a:rPr>
-              <a:t>Here I am to say that You're my God</a:t>
+              <a:t>Opened my eyes let me see</a:t>
             </a:r>
           </a:p>
           <a:p>
@@ -6718,7 +6730,7 @@
                   <a:schemeClr val="bg1"/>
                 </a:solidFill>
               </a:rPr>
-              <a:t>And You're altogether lovely</a:t>
+              <a:t>Beauty that made</a:t>
             </a:r>
           </a:p>
           <a:p>
@@ -6728,7 +6740,7 @@
                   <a:schemeClr val="bg1"/>
                 </a:solidFill>
               </a:rPr>
-              <a:t>Altogether worthy</a:t>
+              <a:t>This heart adore You</a:t>
             </a:r>
           </a:p>
           <a:p>
@@ -6738,7 +6750,7 @@
                   <a:schemeClr val="bg1"/>
                 </a:solidFill>
               </a:rPr>
-              <a:t>Altogether wonderful to me</a:t>
+              <a:t>Hope of a life spent with You</a:t>
             </a:r>
           </a:p>
         </p:txBody>
@@ -6771,7 +6783,7 @@
                   <a:schemeClr val="bg1"/>
                 </a:solidFill>
               </a:rPr>
-              <a:t>2/4</a:t>
+              <a:t>1/4</a:t>
             </a:r>
           </a:p>
         </p:txBody>
@@ -6779,7 +6791,7 @@
     </p:spTree>
     <p:extLst>
       <p:ext uri="{BB962C8B-B14F-4D97-AF65-F5344CB8AC3E}">
-        <p14:creationId xmlns:p14="http://schemas.microsoft.com/office/powerpoint/2010/main" val="1987109791"/>
+        <p14:creationId xmlns:p14="http://schemas.microsoft.com/office/powerpoint/2010/main" val="537373158"/>
       </p:ext>
     </p:extLst>
   </p:cSld>
@@ -6818,7 +6830,7 @@
         </p:nvSpPr>
         <p:spPr>
           <a:xfrm>
-            <a:off x="200011" y="692696"/>
+            <a:off x="251520" y="764704"/>
             <a:ext cx="8640960" cy="6480720"/>
           </a:xfrm>
         </p:spPr>
@@ -6834,7 +6846,7 @@
                   <a:schemeClr val="bg1"/>
                 </a:solidFill>
               </a:rPr>
-              <a:t>King of all days</a:t>
+              <a:t>So here I am to worship</a:t>
             </a:r>
           </a:p>
           <a:p>
@@ -6844,7 +6856,7 @@
                   <a:schemeClr val="bg1"/>
                 </a:solidFill>
               </a:rPr>
-              <a:t>Oh so highly exalted</a:t>
+              <a:t>Here I am to bow down</a:t>
             </a:r>
           </a:p>
           <a:p>
@@ -6854,7 +6866,7 @@
                   <a:schemeClr val="bg1"/>
                 </a:solidFill>
               </a:rPr>
-              <a:t>Glorious in heaven above</a:t>
+              <a:t>Here I am to say that You're my God</a:t>
             </a:r>
           </a:p>
           <a:p>
@@ -6864,7 +6876,7 @@
                   <a:schemeClr val="bg1"/>
                 </a:solidFill>
               </a:rPr>
-              <a:t>Humbly You came</a:t>
+              <a:t>And You're altogether lovely</a:t>
             </a:r>
           </a:p>
           <a:p>
@@ -6874,7 +6886,7 @@
                   <a:schemeClr val="bg1"/>
                 </a:solidFill>
               </a:rPr>
-              <a:t>To the earth You created</a:t>
+              <a:t>Altogether worthy</a:t>
             </a:r>
           </a:p>
           <a:p>
@@ -6884,7 +6896,7 @@
                   <a:schemeClr val="bg1"/>
                 </a:solidFill>
               </a:rPr>
-              <a:t>All for love's sake became poor</a:t>
+              <a:t>Altogether wonderful to me</a:t>
             </a:r>
           </a:p>
         </p:txBody>
@@ -6917,7 +6929,7 @@
                   <a:schemeClr val="bg1"/>
                 </a:solidFill>
               </a:rPr>
-              <a:t>3/4</a:t>
+              <a:t>2/4</a:t>
             </a:r>
           </a:p>
         </p:txBody>
@@ -6925,7 +6937,7 @@
     </p:spTree>
     <p:extLst>
       <p:ext uri="{BB962C8B-B14F-4D97-AF65-F5344CB8AC3E}">
-        <p14:creationId xmlns:p14="http://schemas.microsoft.com/office/powerpoint/2010/main" val="1984553941"/>
+        <p14:creationId xmlns:p14="http://schemas.microsoft.com/office/powerpoint/2010/main" val="1987109791"/>
       </p:ext>
     </p:extLst>
   </p:cSld>
@@ -7460,7 +7472,7 @@
         </p:nvSpPr>
         <p:spPr>
           <a:xfrm>
-            <a:off x="395536" y="836712"/>
+            <a:off x="200011" y="692696"/>
             <a:ext cx="8640960" cy="6480720"/>
           </a:xfrm>
         </p:spPr>
@@ -7476,7 +7488,7 @@
                   <a:schemeClr val="bg1"/>
                 </a:solidFill>
               </a:rPr>
-              <a:t>And I'll never know how much it cost</a:t>
+              <a:t>King of all days</a:t>
             </a:r>
           </a:p>
           <a:p>
@@ -7486,7 +7498,7 @@
                   <a:schemeClr val="bg1"/>
                 </a:solidFill>
               </a:rPr>
-              <a:t>To see my sin upon that cross</a:t>
+              <a:t>Oh so highly exalted</a:t>
             </a:r>
           </a:p>
           <a:p>
@@ -7496,7 +7508,7 @@
                   <a:schemeClr val="bg1"/>
                 </a:solidFill>
               </a:rPr>
-              <a:t>And I'll never know how much it cost</a:t>
+              <a:t>Glorious in heaven above</a:t>
             </a:r>
           </a:p>
           <a:p>
@@ -7506,7 +7518,27 @@
                   <a:schemeClr val="bg1"/>
                 </a:solidFill>
               </a:rPr>
-              <a:t>To see my sin upon that cross</a:t>
+              <a:t>Humbly You came</a:t>
+            </a:r>
+          </a:p>
+          <a:p>
+            <a:r>
+              <a:rPr lang="en-GB" sz="3600" dirty="0">
+                <a:solidFill>
+                  <a:schemeClr val="bg1"/>
+                </a:solidFill>
+              </a:rPr>
+              <a:t>To the earth You created</a:t>
+            </a:r>
+          </a:p>
+          <a:p>
+            <a:r>
+              <a:rPr lang="en-GB" sz="3600" dirty="0">
+                <a:solidFill>
+                  <a:schemeClr val="bg1"/>
+                </a:solidFill>
+              </a:rPr>
+              <a:t>All for love's sake became poor</a:t>
             </a:r>
           </a:p>
         </p:txBody>
@@ -7539,7 +7571,7 @@
                   <a:schemeClr val="bg1"/>
                 </a:solidFill>
               </a:rPr>
-              <a:t>4/4</a:t>
+              <a:t>3/4</a:t>
             </a:r>
           </a:p>
         </p:txBody>
@@ -7547,7 +7579,7 @@
     </p:spTree>
     <p:extLst>
       <p:ext uri="{BB962C8B-B14F-4D97-AF65-F5344CB8AC3E}">
-        <p14:creationId xmlns:p14="http://schemas.microsoft.com/office/powerpoint/2010/main" val="2538617842"/>
+        <p14:creationId xmlns:p14="http://schemas.microsoft.com/office/powerpoint/2010/main" val="1984553941"/>
       </p:ext>
     </p:extLst>
   </p:cSld>
@@ -7586,7 +7618,7 @@
         </p:nvSpPr>
         <p:spPr>
           <a:xfrm>
-            <a:off x="323528" y="188640"/>
+            <a:off x="395536" y="836712"/>
             <a:ext cx="8640960" cy="6480720"/>
           </a:xfrm>
         </p:spPr>
@@ -7596,125 +7628,76 @@
           </a:bodyPr>
           <a:lstStyle/>
           <a:p>
-            <a:endParaRPr lang="en-GB" sz="6600" dirty="0">
-              <a:solidFill>
-                <a:srgbClr val="00A3E0"/>
-              </a:solidFill>
-              <a:latin typeface="akagi_probook"/>
-            </a:endParaRPr>
-          </a:p>
-          <a:p>
-            <a:r>
-              <a:rPr lang="en-GB" sz="6600" dirty="0">
-                <a:solidFill>
-                  <a:srgbClr val="00A3E0"/>
-                </a:solidFill>
-                <a:latin typeface="akagi_probook"/>
-              </a:rPr>
-              <a:t>There is None Like You</a:t>
-            </a:r>
-            <a:br>
-              <a:rPr lang="en-GB" sz="1200" dirty="0">
-                <a:solidFill>
-                  <a:schemeClr val="bg1"/>
-                </a:solidFill>
-              </a:rPr>
-            </a:br>
-            <a:r>
-              <a:rPr lang="en-GB" sz="1200" dirty="0" err="1">
-                <a:solidFill>
-                  <a:schemeClr val="bg1"/>
-                </a:solidFill>
-              </a:rPr>
-              <a:t>G.CcliSongNumber</a:t>
-            </a:r>
-            <a:r>
-              <a:rPr lang="en-GB" sz="1200" dirty="0">
-                <a:solidFill>
-                  <a:schemeClr val="bg1"/>
-                </a:solidFill>
-              </a:rPr>
-              <a:t> 674545</a:t>
-            </a:r>
-          </a:p>
-          <a:p>
-            <a:r>
-              <a:rPr lang="en-GB" sz="1200" dirty="0">
-                <a:solidFill>
-                  <a:schemeClr val="bg1"/>
-                </a:solidFill>
-              </a:rPr>
-              <a:t>Lenny LeBlanc</a:t>
-            </a:r>
-          </a:p>
-          <a:p>
-            <a:r>
-              <a:rPr lang="en-GB" sz="1200" dirty="0">
-                <a:solidFill>
-                  <a:schemeClr val="bg1"/>
-                </a:solidFill>
-              </a:rPr>
-              <a:t>© 1991 Integrity's Hosanna! Music</a:t>
-            </a:r>
-          </a:p>
-          <a:p>
-            <a:r>
-              <a:rPr lang="en-GB" sz="1200" dirty="0">
-                <a:solidFill>
-                  <a:schemeClr val="bg1"/>
-                </a:solidFill>
-              </a:rPr>
-              <a:t>For use solely with the </a:t>
-            </a:r>
-            <a:r>
-              <a:rPr lang="en-GB" sz="1200" dirty="0" err="1">
-                <a:solidFill>
-                  <a:schemeClr val="bg1"/>
-                </a:solidFill>
-              </a:rPr>
-              <a:t>SongSelect</a:t>
-            </a:r>
-            <a:r>
-              <a:rPr lang="en-GB" sz="1200" dirty="0">
-                <a:solidFill>
-                  <a:schemeClr val="bg1"/>
-                </a:solidFill>
-              </a:rPr>
-              <a:t>® </a:t>
-            </a:r>
-            <a:r>
-              <a:rPr lang="en-GB" sz="1200" dirty="0" err="1">
-                <a:solidFill>
-                  <a:schemeClr val="bg1"/>
-                </a:solidFill>
-              </a:rPr>
-              <a:t>G.LIT_TermsOfUse</a:t>
-            </a:r>
-            <a:r>
-              <a:rPr lang="en-GB" sz="1200" dirty="0">
-                <a:solidFill>
-                  <a:schemeClr val="bg1"/>
-                </a:solidFill>
-              </a:rPr>
-              <a:t>. All rights reserved. www.ccli.com</a:t>
-            </a:r>
-          </a:p>
-          <a:p>
-            <a:r>
-              <a:rPr lang="en-GB" sz="1200" dirty="0" err="1">
-                <a:solidFill>
-                  <a:schemeClr val="bg1"/>
-                </a:solidFill>
-              </a:rPr>
-              <a:t>G.CcliLicenseNumber</a:t>
-            </a:r>
-            <a:r>
-              <a:rPr lang="en-GB" sz="1200" dirty="0">
-                <a:solidFill>
-                  <a:schemeClr val="bg1"/>
-                </a:solidFill>
-              </a:rPr>
-              <a:t> 33265</a:t>
+            <a:r>
+              <a:rPr lang="en-GB" sz="3600" dirty="0">
+                <a:solidFill>
+                  <a:schemeClr val="bg1"/>
+                </a:solidFill>
+              </a:rPr>
+              <a:t>And I'll never know how much it cost</a:t>
+            </a:r>
+          </a:p>
+          <a:p>
+            <a:r>
+              <a:rPr lang="en-GB" sz="3600" dirty="0">
+                <a:solidFill>
+                  <a:schemeClr val="bg1"/>
+                </a:solidFill>
+              </a:rPr>
+              <a:t>To see my sin upon that cross</a:t>
+            </a:r>
+          </a:p>
+          <a:p>
+            <a:r>
+              <a:rPr lang="en-GB" sz="3600" dirty="0">
+                <a:solidFill>
+                  <a:schemeClr val="bg1"/>
+                </a:solidFill>
+              </a:rPr>
+              <a:t>And I'll never know how much it cost</a:t>
+            </a:r>
+          </a:p>
+          <a:p>
+            <a:r>
+              <a:rPr lang="en-GB" sz="3600" dirty="0">
+                <a:solidFill>
+                  <a:schemeClr val="bg1"/>
+                </a:solidFill>
+              </a:rPr>
+              <a:t>To see my sin upon that cross</a:t>
+            </a:r>
+          </a:p>
+        </p:txBody>
+      </p:sp>
+      <p:sp>
+        <p:nvSpPr>
+          <p:cNvPr id="4" name="TextBox 3"/>
+          <p:cNvSpPr txBox="1"/>
+          <p:nvPr/>
+        </p:nvSpPr>
+        <p:spPr>
+          <a:xfrm>
+            <a:off x="8529729" y="0"/>
+            <a:ext cx="628698" cy="461665"/>
+          </a:xfrm>
+          <a:prstGeom prst="rect">
+            <a:avLst/>
+          </a:prstGeom>
+          <a:noFill/>
+        </p:spPr>
+        <p:txBody>
+          <a:bodyPr wrap="none" rtlCol="0">
+            <a:spAutoFit/>
+          </a:bodyPr>
+          <a:lstStyle/>
+          <a:p>
+            <a:r>
+              <a:rPr lang="en-GB" sz="2400" b="1" dirty="0">
+                <a:solidFill>
+                  <a:schemeClr val="bg1"/>
+                </a:solidFill>
+              </a:rPr>
+              <a:t>4/4</a:t>
             </a:r>
           </a:p>
         </p:txBody>
@@ -7722,7 +7705,7 @@
     </p:spTree>
     <p:extLst>
       <p:ext uri="{BB962C8B-B14F-4D97-AF65-F5344CB8AC3E}">
-        <p14:creationId xmlns:p14="http://schemas.microsoft.com/office/powerpoint/2010/main" val="1444287553"/>
+        <p14:creationId xmlns:p14="http://schemas.microsoft.com/office/powerpoint/2010/main" val="2538617842"/>
       </p:ext>
     </p:extLst>
   </p:cSld>
@@ -7761,7 +7744,7 @@
         </p:nvSpPr>
         <p:spPr>
           <a:xfrm>
-            <a:off x="395536" y="836712"/>
+            <a:off x="323528" y="188640"/>
             <a:ext cx="8640960" cy="6480720"/>
           </a:xfrm>
         </p:spPr>
@@ -7771,96 +7754,125 @@
           </a:bodyPr>
           <a:lstStyle/>
           <a:p>
-            <a:r>
-              <a:rPr lang="en-GB" sz="3600" dirty="0">
-                <a:solidFill>
-                  <a:schemeClr val="bg1"/>
-                </a:solidFill>
-              </a:rPr>
-              <a:t>There is none like You</a:t>
-            </a:r>
-          </a:p>
-          <a:p>
-            <a:r>
-              <a:rPr lang="en-GB" sz="3600" dirty="0">
-                <a:solidFill>
-                  <a:schemeClr val="bg1"/>
-                </a:solidFill>
-              </a:rPr>
-              <a:t>No one else can touch</a:t>
-            </a:r>
-          </a:p>
-          <a:p>
-            <a:r>
-              <a:rPr lang="en-GB" sz="3600" dirty="0">
-                <a:solidFill>
-                  <a:schemeClr val="bg1"/>
-                </a:solidFill>
-              </a:rPr>
-              <a:t>My heart like You do</a:t>
-            </a:r>
-          </a:p>
-          <a:p>
-            <a:r>
-              <a:rPr lang="en-GB" sz="3600" dirty="0">
-                <a:solidFill>
-                  <a:schemeClr val="bg1"/>
-                </a:solidFill>
-              </a:rPr>
-              <a:t>I could search</a:t>
-            </a:r>
-          </a:p>
-          <a:p>
-            <a:r>
-              <a:rPr lang="en-GB" sz="3600" dirty="0">
-                <a:solidFill>
-                  <a:schemeClr val="bg1"/>
-                </a:solidFill>
-              </a:rPr>
-              <a:t>For all eternity long and find</a:t>
-            </a:r>
-          </a:p>
-          <a:p>
-            <a:r>
-              <a:rPr lang="en-GB" sz="3600" dirty="0">
-                <a:solidFill>
-                  <a:schemeClr val="bg1"/>
-                </a:solidFill>
-              </a:rPr>
-              <a:t>There is none like You</a:t>
-            </a:r>
-          </a:p>
-        </p:txBody>
-      </p:sp>
-      <p:sp>
-        <p:nvSpPr>
-          <p:cNvPr id="4" name="TextBox 3"/>
-          <p:cNvSpPr txBox="1"/>
-          <p:nvPr/>
-        </p:nvSpPr>
-        <p:spPr>
-          <a:xfrm>
-            <a:off x="8529729" y="0"/>
-            <a:ext cx="628698" cy="461665"/>
-          </a:xfrm>
-          <a:prstGeom prst="rect">
-            <a:avLst/>
-          </a:prstGeom>
-          <a:noFill/>
-        </p:spPr>
-        <p:txBody>
-          <a:bodyPr wrap="none" rtlCol="0">
-            <a:spAutoFit/>
-          </a:bodyPr>
-          <a:lstStyle/>
-          <a:p>
-            <a:r>
-              <a:rPr lang="en-GB" sz="2400" b="1" dirty="0">
-                <a:solidFill>
-                  <a:schemeClr val="bg1"/>
-                </a:solidFill>
-              </a:rPr>
-              <a:t>1/2</a:t>
+            <a:endParaRPr lang="en-GB" sz="6600" dirty="0">
+              <a:solidFill>
+                <a:srgbClr val="00A3E0"/>
+              </a:solidFill>
+              <a:latin typeface="akagi_probook"/>
+            </a:endParaRPr>
+          </a:p>
+          <a:p>
+            <a:r>
+              <a:rPr lang="en-GB" sz="6600" dirty="0">
+                <a:solidFill>
+                  <a:srgbClr val="00A3E0"/>
+                </a:solidFill>
+                <a:latin typeface="akagi_probook"/>
+              </a:rPr>
+              <a:t>There is None Like You</a:t>
+            </a:r>
+            <a:br>
+              <a:rPr lang="en-GB" sz="1200" dirty="0">
+                <a:solidFill>
+                  <a:schemeClr val="bg1"/>
+                </a:solidFill>
+              </a:rPr>
+            </a:br>
+            <a:r>
+              <a:rPr lang="en-GB" sz="1200" dirty="0" err="1">
+                <a:solidFill>
+                  <a:schemeClr val="bg1"/>
+                </a:solidFill>
+              </a:rPr>
+              <a:t>G.CcliSongNumber</a:t>
+            </a:r>
+            <a:r>
+              <a:rPr lang="en-GB" sz="1200" dirty="0">
+                <a:solidFill>
+                  <a:schemeClr val="bg1"/>
+                </a:solidFill>
+              </a:rPr>
+              <a:t> 674545</a:t>
+            </a:r>
+          </a:p>
+          <a:p>
+            <a:r>
+              <a:rPr lang="en-GB" sz="1200" dirty="0">
+                <a:solidFill>
+                  <a:schemeClr val="bg1"/>
+                </a:solidFill>
+              </a:rPr>
+              <a:t>Lenny LeBlanc</a:t>
+            </a:r>
+          </a:p>
+          <a:p>
+            <a:r>
+              <a:rPr lang="en-GB" sz="1200" dirty="0">
+                <a:solidFill>
+                  <a:schemeClr val="bg1"/>
+                </a:solidFill>
+              </a:rPr>
+              <a:t>© 1991 Integrity's Hosanna! Music</a:t>
+            </a:r>
+          </a:p>
+          <a:p>
+            <a:r>
+              <a:rPr lang="en-GB" sz="1200" dirty="0">
+                <a:solidFill>
+                  <a:schemeClr val="bg1"/>
+                </a:solidFill>
+              </a:rPr>
+              <a:t>For use solely with the </a:t>
+            </a:r>
+            <a:r>
+              <a:rPr lang="en-GB" sz="1200" dirty="0" err="1">
+                <a:solidFill>
+                  <a:schemeClr val="bg1"/>
+                </a:solidFill>
+              </a:rPr>
+              <a:t>SongSelect</a:t>
+            </a:r>
+            <a:r>
+              <a:rPr lang="en-GB" sz="1200" dirty="0">
+                <a:solidFill>
+                  <a:schemeClr val="bg1"/>
+                </a:solidFill>
+              </a:rPr>
+              <a:t>® </a:t>
+            </a:r>
+            <a:r>
+              <a:rPr lang="en-GB" sz="1200" dirty="0" err="1">
+                <a:solidFill>
+                  <a:schemeClr val="bg1"/>
+                </a:solidFill>
+              </a:rPr>
+              <a:t>G.LIT_TermsOfUse</a:t>
+            </a:r>
+            <a:r>
+              <a:rPr lang="en-GB" sz="1200" dirty="0">
+                <a:solidFill>
+                  <a:schemeClr val="bg1"/>
+                </a:solidFill>
+              </a:rPr>
+              <a:t>. All rights reserved. www.ccli.com</a:t>
+            </a:r>
+          </a:p>
+          <a:p>
+            <a:r>
+              <a:rPr lang="en-GB" sz="1200" dirty="0" err="1">
+                <a:solidFill>
+                  <a:schemeClr val="bg1"/>
+                </a:solidFill>
+              </a:rPr>
+              <a:t>G.CcliLicenseNumber</a:t>
+            </a:r>
+            <a:r>
+              <a:rPr lang="en-GB" sz="1200" dirty="0">
+                <a:solidFill>
+                  <a:schemeClr val="bg1"/>
+                </a:solidFill>
+              </a:rPr>
+              <a:t> 33265</a:t>
             </a:r>
           </a:p>
         </p:txBody>
@@ -7868,7 +7880,7 @@
     </p:spTree>
     <p:extLst>
       <p:ext uri="{BB962C8B-B14F-4D97-AF65-F5344CB8AC3E}">
-        <p14:creationId xmlns:p14="http://schemas.microsoft.com/office/powerpoint/2010/main" val="3163490425"/>
+        <p14:creationId xmlns:p14="http://schemas.microsoft.com/office/powerpoint/2010/main" val="1444287553"/>
       </p:ext>
     </p:extLst>
   </p:cSld>
@@ -7923,6 +7935,152 @@
                   <a:schemeClr val="bg1"/>
                 </a:solidFill>
               </a:rPr>
+              <a:t>There is none like You</a:t>
+            </a:r>
+          </a:p>
+          <a:p>
+            <a:r>
+              <a:rPr lang="en-GB" sz="3600" dirty="0">
+                <a:solidFill>
+                  <a:schemeClr val="bg1"/>
+                </a:solidFill>
+              </a:rPr>
+              <a:t>No one else can touch</a:t>
+            </a:r>
+          </a:p>
+          <a:p>
+            <a:r>
+              <a:rPr lang="en-GB" sz="3600" dirty="0">
+                <a:solidFill>
+                  <a:schemeClr val="bg1"/>
+                </a:solidFill>
+              </a:rPr>
+              <a:t>My heart like You do</a:t>
+            </a:r>
+          </a:p>
+          <a:p>
+            <a:r>
+              <a:rPr lang="en-GB" sz="3600" dirty="0">
+                <a:solidFill>
+                  <a:schemeClr val="bg1"/>
+                </a:solidFill>
+              </a:rPr>
+              <a:t>I could search</a:t>
+            </a:r>
+          </a:p>
+          <a:p>
+            <a:r>
+              <a:rPr lang="en-GB" sz="3600" dirty="0">
+                <a:solidFill>
+                  <a:schemeClr val="bg1"/>
+                </a:solidFill>
+              </a:rPr>
+              <a:t>For all eternity long and find</a:t>
+            </a:r>
+          </a:p>
+          <a:p>
+            <a:r>
+              <a:rPr lang="en-GB" sz="3600" dirty="0">
+                <a:solidFill>
+                  <a:schemeClr val="bg1"/>
+                </a:solidFill>
+              </a:rPr>
+              <a:t>There is none like You</a:t>
+            </a:r>
+          </a:p>
+        </p:txBody>
+      </p:sp>
+      <p:sp>
+        <p:nvSpPr>
+          <p:cNvPr id="4" name="TextBox 3"/>
+          <p:cNvSpPr txBox="1"/>
+          <p:nvPr/>
+        </p:nvSpPr>
+        <p:spPr>
+          <a:xfrm>
+            <a:off x="8529729" y="0"/>
+            <a:ext cx="628698" cy="461665"/>
+          </a:xfrm>
+          <a:prstGeom prst="rect">
+            <a:avLst/>
+          </a:prstGeom>
+          <a:noFill/>
+        </p:spPr>
+        <p:txBody>
+          <a:bodyPr wrap="none" rtlCol="0">
+            <a:spAutoFit/>
+          </a:bodyPr>
+          <a:lstStyle/>
+          <a:p>
+            <a:r>
+              <a:rPr lang="en-GB" sz="2400" b="1" dirty="0">
+                <a:solidFill>
+                  <a:schemeClr val="bg1"/>
+                </a:solidFill>
+              </a:rPr>
+              <a:t>1/2</a:t>
+            </a:r>
+          </a:p>
+        </p:txBody>
+      </p:sp>
+    </p:spTree>
+    <p:extLst>
+      <p:ext uri="{BB962C8B-B14F-4D97-AF65-F5344CB8AC3E}">
+        <p14:creationId xmlns:p14="http://schemas.microsoft.com/office/powerpoint/2010/main" val="3163490425"/>
+      </p:ext>
+    </p:extLst>
+  </p:cSld>
+  <p:clrMapOvr>
+    <a:masterClrMapping/>
+  </p:clrMapOvr>
+</p:sld>
+</file>
+
+<file path=ppt/slides/slide24.xml><?xml version="1.0" encoding="utf-8"?>
+<p:sld xmlns:a="http://schemas.openxmlformats.org/drawingml/2006/main" xmlns:r="http://schemas.openxmlformats.org/officeDocument/2006/relationships" xmlns:p="http://schemas.openxmlformats.org/presentationml/2006/main">
+  <p:cSld>
+    <p:spTree>
+      <p:nvGrpSpPr>
+        <p:cNvPr id="1" name=""/>
+        <p:cNvGrpSpPr/>
+        <p:nvPr/>
+      </p:nvGrpSpPr>
+      <p:grpSpPr>
+        <a:xfrm>
+          <a:off x="0" y="0"/>
+          <a:ext cx="0" cy="0"/>
+          <a:chOff x="0" y="0"/>
+          <a:chExt cx="0" cy="0"/>
+        </a:xfrm>
+      </p:grpSpPr>
+      <p:sp>
+        <p:nvSpPr>
+          <p:cNvPr id="3" name="Subtitle 2"/>
+          <p:cNvSpPr>
+            <a:spLocks noGrp="1"/>
+          </p:cNvSpPr>
+          <p:nvPr>
+            <p:ph type="subTitle" idx="1"/>
+          </p:nvPr>
+        </p:nvSpPr>
+        <p:spPr>
+          <a:xfrm>
+            <a:off x="395536" y="836712"/>
+            <a:ext cx="8640960" cy="6480720"/>
+          </a:xfrm>
+        </p:spPr>
+        <p:txBody>
+          <a:bodyPr>
+            <a:noAutofit/>
+          </a:bodyPr>
+          <a:lstStyle/>
+          <a:p>
+            <a:r>
+              <a:rPr lang="en-GB" sz="3600" dirty="0">
+                <a:solidFill>
+                  <a:schemeClr val="bg1"/>
+                </a:solidFill>
+              </a:rPr>
               <a:t>Your mercy flows like a river wide</a:t>
             </a:r>
           </a:p>
@@ -8004,7 +8162,7 @@
 </p:sld>
 </file>
 
-<file path=ppt/slides/slide24.xml><?xml version="1.0" encoding="utf-8"?>
+<file path=ppt/slides/slide25.xml><?xml version="1.0" encoding="utf-8"?>
 <p:sld xmlns:a="http://schemas.openxmlformats.org/drawingml/2006/main" xmlns:r="http://schemas.openxmlformats.org/officeDocument/2006/relationships" xmlns:p="http://schemas.openxmlformats.org/presentationml/2006/main">
   <p:cSld>
     <p:spTree>
@@ -8506,192 +8664,6 @@
 </p:sld>
 </file>
 
-<file path=ppt/slides/slide25.xml><?xml version="1.0" encoding="utf-8"?>
-<p:sld xmlns:a="http://schemas.openxmlformats.org/drawingml/2006/main" xmlns:r="http://schemas.openxmlformats.org/officeDocument/2006/relationships" xmlns:p="http://schemas.openxmlformats.org/presentationml/2006/main">
-  <p:cSld>
-    <p:spTree>
-      <p:nvGrpSpPr>
-        <p:cNvPr id="1" name=""/>
-        <p:cNvGrpSpPr/>
-        <p:nvPr/>
-      </p:nvGrpSpPr>
-      <p:grpSpPr>
-        <a:xfrm>
-          <a:off x="0" y="0"/>
-          <a:ext cx="0" cy="0"/>
-          <a:chOff x="0" y="0"/>
-          <a:chExt cx="0" cy="0"/>
-        </a:xfrm>
-      </p:grpSpPr>
-      <p:sp>
-        <p:nvSpPr>
-          <p:cNvPr id="3" name="Subtitle 2"/>
-          <p:cNvSpPr>
-            <a:spLocks noGrp="1"/>
-          </p:cNvSpPr>
-          <p:nvPr>
-            <p:ph type="subTitle" idx="1"/>
-          </p:nvPr>
-        </p:nvSpPr>
-        <p:spPr>
-          <a:xfrm>
-            <a:off x="323528" y="188640"/>
-            <a:ext cx="8640960" cy="6480720"/>
-          </a:xfrm>
-        </p:spPr>
-        <p:txBody>
-          <a:bodyPr>
-            <a:noAutofit/>
-          </a:bodyPr>
-          <a:lstStyle/>
-          <a:p>
-            <a:endParaRPr lang="en-GB" sz="5400" dirty="0">
-              <a:solidFill>
-                <a:schemeClr val="bg1"/>
-              </a:solidFill>
-            </a:endParaRPr>
-          </a:p>
-          <a:p>
-            <a:r>
-              <a:rPr lang="en-GB" sz="4400" b="0" i="0" dirty="0">
-                <a:solidFill>
-                  <a:srgbClr val="00A3E0"/>
-                </a:solidFill>
-                <a:effectLst/>
-                <a:latin typeface="akagi_probook"/>
-              </a:rPr>
-              <a:t>Nothing Else</a:t>
-            </a:r>
-          </a:p>
-          <a:p>
-            <a:br>
-              <a:rPr lang="en-GB" sz="1200" dirty="0">
-                <a:solidFill>
-                  <a:schemeClr val="bg1"/>
-                </a:solidFill>
-              </a:rPr>
-            </a:br>
-            <a:r>
-              <a:rPr lang="en-GB" sz="1200" dirty="0">
-                <a:solidFill>
-                  <a:schemeClr val="bg1"/>
-                </a:solidFill>
-              </a:rPr>
-              <a:t>CCLI Song # 7123436</a:t>
-            </a:r>
-          </a:p>
-          <a:p>
-            <a:endParaRPr lang="en-GB" sz="1200" dirty="0">
-              <a:solidFill>
-                <a:schemeClr val="bg1"/>
-              </a:solidFill>
-            </a:endParaRPr>
-          </a:p>
-          <a:p>
-            <a:r>
-              <a:rPr lang="en-GB" sz="1200" dirty="0">
-                <a:solidFill>
-                  <a:schemeClr val="bg1"/>
-                </a:solidFill>
-              </a:rPr>
-              <a:t>Cody Carnes | Hank Bentley | Jessie Early</a:t>
-            </a:r>
-          </a:p>
-          <a:p>
-            <a:endParaRPr lang="en-GB" sz="1200" dirty="0">
-              <a:solidFill>
-                <a:schemeClr val="bg1"/>
-              </a:solidFill>
-            </a:endParaRPr>
-          </a:p>
-          <a:p>
-            <a:r>
-              <a:rPr lang="en-GB" sz="1200" dirty="0">
-                <a:solidFill>
-                  <a:schemeClr val="bg1"/>
-                </a:solidFill>
-              </a:rPr>
-              <a:t>© 2019 Capitol CMG Paragon (Admin. by Capitol CMG Publishing)</a:t>
-            </a:r>
-          </a:p>
-          <a:p>
-            <a:r>
-              <a:rPr lang="en-GB" sz="1200" dirty="0">
-                <a:solidFill>
-                  <a:schemeClr val="bg1"/>
-                </a:solidFill>
-              </a:rPr>
-              <a:t>Songs By That Dog Will Hunt (Admin. by Capitol CMG Publishing)</a:t>
-            </a:r>
-          </a:p>
-          <a:p>
-            <a:r>
-              <a:rPr lang="en-GB" sz="1200" dirty="0">
-                <a:solidFill>
-                  <a:schemeClr val="bg1"/>
-                </a:solidFill>
-              </a:rPr>
-              <a:t>Writer's Roof Publishing (Admin. by Capitol CMG Publishing)</a:t>
-            </a:r>
-          </a:p>
-          <a:p>
-            <a:r>
-              <a:rPr lang="en-GB" sz="1200" dirty="0">
-                <a:solidFill>
-                  <a:schemeClr val="bg1"/>
-                </a:solidFill>
-              </a:rPr>
-              <a:t>For use solely with the </a:t>
-            </a:r>
-            <a:r>
-              <a:rPr lang="en-GB" sz="1200" dirty="0" err="1">
-                <a:solidFill>
-                  <a:schemeClr val="bg1"/>
-                </a:solidFill>
-              </a:rPr>
-              <a:t>SongSelect</a:t>
-            </a:r>
-            <a:r>
-              <a:rPr lang="en-GB" sz="1200" dirty="0">
-                <a:solidFill>
-                  <a:schemeClr val="bg1"/>
-                </a:solidFill>
-              </a:rPr>
-              <a:t>® Terms of Use. All rights reserved. www.ccli.com</a:t>
-            </a:r>
-          </a:p>
-          <a:p>
-            <a:endParaRPr lang="en-GB" sz="1200" dirty="0">
-              <a:solidFill>
-                <a:schemeClr val="bg1"/>
-              </a:solidFill>
-            </a:endParaRPr>
-          </a:p>
-          <a:p>
-            <a:r>
-              <a:rPr lang="en-GB" sz="1200" dirty="0">
-                <a:solidFill>
-                  <a:schemeClr val="bg1"/>
-                </a:solidFill>
-              </a:rPr>
-              <a:t>CCLI Licence No. 33265</a:t>
-            </a:r>
-          </a:p>
-        </p:txBody>
-      </p:sp>
-    </p:spTree>
-    <p:extLst>
-      <p:ext uri="{BB962C8B-B14F-4D97-AF65-F5344CB8AC3E}">
-        <p14:creationId xmlns:p14="http://schemas.microsoft.com/office/powerpoint/2010/main" val="2625751196"/>
-      </p:ext>
-    </p:extLst>
-  </p:cSld>
-  <p:clrMapOvr>
-    <a:masterClrMapping/>
-  </p:clrMapOvr>
-</p:sld>
-</file>
-
 <file path=ppt/slides/slide26.xml><?xml version="1.0" encoding="utf-8"?>
 <p:sld xmlns:a="http://schemas.openxmlformats.org/drawingml/2006/main" xmlns:r="http://schemas.openxmlformats.org/officeDocument/2006/relationships" xmlns:p="http://schemas.openxmlformats.org/presentationml/2006/main">
   <p:cSld>
@@ -8721,7 +8693,7 @@
         </p:nvSpPr>
         <p:spPr>
           <a:xfrm>
-            <a:off x="203118" y="692696"/>
+            <a:off x="323528" y="188640"/>
             <a:ext cx="8640960" cy="6480720"/>
           </a:xfrm>
         </p:spPr>
@@ -8731,116 +8703,136 @@
           </a:bodyPr>
           <a:lstStyle/>
           <a:p>
-            <a:r>
-              <a:rPr lang="en-GB" sz="3600" dirty="0">
-                <a:solidFill>
-                  <a:schemeClr val="bg1"/>
-                </a:solidFill>
-              </a:rPr>
-              <a:t>I'm caught up in Your presence</a:t>
-            </a:r>
-          </a:p>
-          <a:p>
-            <a:r>
-              <a:rPr lang="en-GB" sz="3600" dirty="0">
-                <a:solidFill>
-                  <a:schemeClr val="bg1"/>
-                </a:solidFill>
-              </a:rPr>
-              <a:t>I just want to sit here at Your feet</a:t>
-            </a:r>
-          </a:p>
-          <a:p>
-            <a:r>
-              <a:rPr lang="en-GB" sz="3600" dirty="0">
-                <a:solidFill>
-                  <a:schemeClr val="bg1"/>
-                </a:solidFill>
-              </a:rPr>
-              <a:t>I'm caught up in this holy moment</a:t>
-            </a:r>
-          </a:p>
-          <a:p>
-            <a:r>
-              <a:rPr lang="en-GB" sz="3600" dirty="0">
-                <a:solidFill>
-                  <a:schemeClr val="bg1"/>
-                </a:solidFill>
-              </a:rPr>
-              <a:t>I never want to leave</a:t>
-            </a:r>
-          </a:p>
-          <a:p>
-            <a:r>
-              <a:rPr lang="en-GB" sz="3600" dirty="0">
-                <a:solidFill>
-                  <a:schemeClr val="bg1"/>
-                </a:solidFill>
-              </a:rPr>
-              <a:t>Oh I'm not here for blessings</a:t>
-            </a:r>
-          </a:p>
-          <a:p>
-            <a:r>
-              <a:rPr lang="en-GB" sz="3600" dirty="0">
-                <a:solidFill>
-                  <a:schemeClr val="bg1"/>
-                </a:solidFill>
-              </a:rPr>
-              <a:t>Jesus You don't owe me anything</a:t>
-            </a:r>
-          </a:p>
-          <a:p>
-            <a:r>
-              <a:rPr lang="en-GB" sz="3600" dirty="0">
-                <a:solidFill>
-                  <a:schemeClr val="bg1"/>
-                </a:solidFill>
-              </a:rPr>
-              <a:t>More than anything that You can do</a:t>
-            </a:r>
-          </a:p>
-          <a:p>
-            <a:r>
-              <a:rPr lang="en-GB" sz="3600" dirty="0">
-                <a:solidFill>
-                  <a:schemeClr val="bg1"/>
-                </a:solidFill>
-              </a:rPr>
-              <a:t>I just want You</a:t>
-            </a:r>
-          </a:p>
-        </p:txBody>
-      </p:sp>
-      <p:sp>
-        <p:nvSpPr>
-          <p:cNvPr id="4" name="TextBox 3"/>
-          <p:cNvSpPr txBox="1"/>
-          <p:nvPr/>
-        </p:nvSpPr>
-        <p:spPr>
-          <a:xfrm>
-            <a:off x="8529729" y="0"/>
-            <a:ext cx="628698" cy="461665"/>
-          </a:xfrm>
-          <a:prstGeom prst="rect">
-            <a:avLst/>
-          </a:prstGeom>
-          <a:noFill/>
-        </p:spPr>
-        <p:txBody>
-          <a:bodyPr wrap="none" rtlCol="0">
-            <a:spAutoFit/>
-          </a:bodyPr>
-          <a:lstStyle/>
-          <a:p>
-            <a:r>
-              <a:rPr lang="en-GB" sz="2400" b="1" dirty="0">
-                <a:solidFill>
-                  <a:schemeClr val="bg1"/>
-                </a:solidFill>
-              </a:rPr>
-              <a:t>1/4</a:t>
+            <a:endParaRPr lang="en-GB" sz="5400" dirty="0">
+              <a:solidFill>
+                <a:schemeClr val="bg1"/>
+              </a:solidFill>
+            </a:endParaRPr>
+          </a:p>
+          <a:p>
+            <a:r>
+              <a:rPr lang="en-GB" sz="4400" b="0" i="0" dirty="0">
+                <a:solidFill>
+                  <a:srgbClr val="00A3E0"/>
+                </a:solidFill>
+                <a:effectLst/>
+                <a:latin typeface="akagi_probook"/>
+              </a:rPr>
+              <a:t>Nothing Else</a:t>
+            </a:r>
+          </a:p>
+          <a:p>
+            <a:br>
+              <a:rPr lang="en-GB" sz="1200" dirty="0">
+                <a:solidFill>
+                  <a:schemeClr val="bg1"/>
+                </a:solidFill>
+              </a:rPr>
+            </a:br>
+            <a:r>
+              <a:rPr lang="en-GB" sz="1200" dirty="0">
+                <a:solidFill>
+                  <a:schemeClr val="bg1"/>
+                </a:solidFill>
+              </a:rPr>
+              <a:t>CCLI Song # 7123436</a:t>
+            </a:r>
+          </a:p>
+          <a:p>
+            <a:endParaRPr lang="en-GB" sz="1200" dirty="0">
+              <a:solidFill>
+                <a:schemeClr val="bg1"/>
+              </a:solidFill>
+            </a:endParaRPr>
+          </a:p>
+          <a:p>
+            <a:r>
+              <a:rPr lang="en-GB" sz="1200" dirty="0">
+                <a:solidFill>
+                  <a:schemeClr val="bg1"/>
+                </a:solidFill>
+              </a:rPr>
+              <a:t>Cody Carnes | Hank Bentley | Jessie Early</a:t>
+            </a:r>
+          </a:p>
+          <a:p>
+            <a:endParaRPr lang="en-GB" sz="1200" dirty="0">
+              <a:solidFill>
+                <a:schemeClr val="bg1"/>
+              </a:solidFill>
+            </a:endParaRPr>
+          </a:p>
+          <a:p>
+            <a:r>
+              <a:rPr lang="en-GB" sz="1200" dirty="0">
+                <a:solidFill>
+                  <a:schemeClr val="bg1"/>
+                </a:solidFill>
+              </a:rPr>
+              <a:t>© 2019 Capitol CMG Paragon (Admin. by Capitol CMG Publishing)</a:t>
+            </a:r>
+          </a:p>
+          <a:p>
+            <a:r>
+              <a:rPr lang="en-GB" sz="1200" dirty="0">
+                <a:solidFill>
+                  <a:schemeClr val="bg1"/>
+                </a:solidFill>
+              </a:rPr>
+              <a:t>Songs By That Dog Will Hunt (Admin. by Capitol CMG Publishing)</a:t>
+            </a:r>
+          </a:p>
+          <a:p>
+            <a:r>
+              <a:rPr lang="en-GB" sz="1200" dirty="0">
+                <a:solidFill>
+                  <a:schemeClr val="bg1"/>
+                </a:solidFill>
+              </a:rPr>
+              <a:t>Writer's Roof Publishing (Admin. by Capitol CMG Publishing)</a:t>
+            </a:r>
+          </a:p>
+          <a:p>
+            <a:r>
+              <a:rPr lang="en-GB" sz="1200" dirty="0">
+                <a:solidFill>
+                  <a:schemeClr val="bg1"/>
+                </a:solidFill>
+              </a:rPr>
+              <a:t>For use solely with the </a:t>
+            </a:r>
+            <a:r>
+              <a:rPr lang="en-GB" sz="1200" dirty="0" err="1">
+                <a:solidFill>
+                  <a:schemeClr val="bg1"/>
+                </a:solidFill>
+              </a:rPr>
+              <a:t>SongSelect</a:t>
+            </a:r>
+            <a:r>
+              <a:rPr lang="en-GB" sz="1200" dirty="0">
+                <a:solidFill>
+                  <a:schemeClr val="bg1"/>
+                </a:solidFill>
+              </a:rPr>
+              <a:t>® Terms of Use. All rights reserved. www.ccli.com</a:t>
+            </a:r>
+          </a:p>
+          <a:p>
+            <a:endParaRPr lang="en-GB" sz="1200" dirty="0">
+              <a:solidFill>
+                <a:schemeClr val="bg1"/>
+              </a:solidFill>
+            </a:endParaRPr>
+          </a:p>
+          <a:p>
+            <a:r>
+              <a:rPr lang="en-GB" sz="1200" dirty="0">
+                <a:solidFill>
+                  <a:schemeClr val="bg1"/>
+                </a:solidFill>
+              </a:rPr>
+              <a:t>CCLI Licence No. 33265</a:t>
             </a:r>
           </a:p>
         </p:txBody>
@@ -8848,7 +8840,7 @@
     </p:spTree>
     <p:extLst>
       <p:ext uri="{BB962C8B-B14F-4D97-AF65-F5344CB8AC3E}">
-        <p14:creationId xmlns:p14="http://schemas.microsoft.com/office/powerpoint/2010/main" val="2333015120"/>
+        <p14:creationId xmlns:p14="http://schemas.microsoft.com/office/powerpoint/2010/main" val="2625751196"/>
       </p:ext>
     </p:extLst>
   </p:cSld>
@@ -8887,7 +8879,7 @@
         </p:nvSpPr>
         <p:spPr>
           <a:xfrm>
-            <a:off x="395536" y="692696"/>
+            <a:off x="203118" y="692696"/>
             <a:ext cx="8640960" cy="6480720"/>
           </a:xfrm>
         </p:spPr>
@@ -8903,7 +8895,7 @@
                   <a:schemeClr val="bg1"/>
                 </a:solidFill>
               </a:rPr>
-              <a:t>I'm sorry when I've just gone through the motions</a:t>
+              <a:t>I'm caught up in Your presence</a:t>
             </a:r>
           </a:p>
           <a:p>
@@ -8913,7 +8905,7 @@
                   <a:schemeClr val="bg1"/>
                 </a:solidFill>
               </a:rPr>
-              <a:t>I'm sorry when I just sang another song</a:t>
+              <a:t>I just want to sit here at Your feet</a:t>
             </a:r>
           </a:p>
           <a:p>
@@ -8923,7 +8915,7 @@
                   <a:schemeClr val="bg1"/>
                 </a:solidFill>
               </a:rPr>
-              <a:t>Take me back to where we started</a:t>
+              <a:t>I'm caught up in this holy moment</a:t>
             </a:r>
           </a:p>
           <a:p>
@@ -8933,7 +8925,47 @@
                   <a:schemeClr val="bg1"/>
                 </a:solidFill>
               </a:rPr>
-              <a:t>I open up my heart to You</a:t>
+              <a:t>I never want to leave</a:t>
+            </a:r>
+          </a:p>
+          <a:p>
+            <a:r>
+              <a:rPr lang="en-GB" sz="3600" dirty="0">
+                <a:solidFill>
+                  <a:schemeClr val="bg1"/>
+                </a:solidFill>
+              </a:rPr>
+              <a:t>Oh I'm not here for blessings</a:t>
+            </a:r>
+          </a:p>
+          <a:p>
+            <a:r>
+              <a:rPr lang="en-GB" sz="3600" dirty="0">
+                <a:solidFill>
+                  <a:schemeClr val="bg1"/>
+                </a:solidFill>
+              </a:rPr>
+              <a:t>Jesus You don't owe me anything</a:t>
+            </a:r>
+          </a:p>
+          <a:p>
+            <a:r>
+              <a:rPr lang="en-GB" sz="3600" dirty="0">
+                <a:solidFill>
+                  <a:schemeClr val="bg1"/>
+                </a:solidFill>
+              </a:rPr>
+              <a:t>More than anything that You can do</a:t>
+            </a:r>
+          </a:p>
+          <a:p>
+            <a:r>
+              <a:rPr lang="en-GB" sz="3600" dirty="0">
+                <a:solidFill>
+                  <a:schemeClr val="bg1"/>
+                </a:solidFill>
+              </a:rPr>
+              <a:t>I just want You</a:t>
             </a:r>
           </a:p>
         </p:txBody>
@@ -8966,7 +8998,7 @@
                   <a:schemeClr val="bg1"/>
                 </a:solidFill>
               </a:rPr>
-              <a:t>2/4</a:t>
+              <a:t>1/4</a:t>
             </a:r>
           </a:p>
         </p:txBody>
@@ -8974,7 +9006,7 @@
     </p:spTree>
     <p:extLst>
       <p:ext uri="{BB962C8B-B14F-4D97-AF65-F5344CB8AC3E}">
-        <p14:creationId xmlns:p14="http://schemas.microsoft.com/office/powerpoint/2010/main" val="3004002821"/>
+        <p14:creationId xmlns:p14="http://schemas.microsoft.com/office/powerpoint/2010/main" val="2333015120"/>
       </p:ext>
     </p:extLst>
   </p:cSld>
@@ -9013,7 +9045,7 @@
         </p:nvSpPr>
         <p:spPr>
           <a:xfrm>
-            <a:off x="203118" y="764704"/>
+            <a:off x="395536" y="692696"/>
             <a:ext cx="8640960" cy="6480720"/>
           </a:xfrm>
         </p:spPr>
@@ -9029,7 +9061,7 @@
                   <a:schemeClr val="bg1"/>
                 </a:solidFill>
               </a:rPr>
-              <a:t>I'm sorry when I've come with my agenda</a:t>
+              <a:t>I'm sorry when I've just gone through the motions</a:t>
             </a:r>
           </a:p>
           <a:p>
@@ -9039,7 +9071,7 @@
                   <a:schemeClr val="bg1"/>
                 </a:solidFill>
               </a:rPr>
-              <a:t>I'm sorry when I forgot that You're enough</a:t>
+              <a:t>I'm sorry when I just sang another song</a:t>
             </a:r>
           </a:p>
           <a:p>
@@ -9092,7 +9124,7 @@
                   <a:schemeClr val="bg1"/>
                 </a:solidFill>
               </a:rPr>
-              <a:t>3/4</a:t>
+              <a:t>2/4</a:t>
             </a:r>
           </a:p>
         </p:txBody>
@@ -9100,7 +9132,7 @@
     </p:spTree>
     <p:extLst>
       <p:ext uri="{BB962C8B-B14F-4D97-AF65-F5344CB8AC3E}">
-        <p14:creationId xmlns:p14="http://schemas.microsoft.com/office/powerpoint/2010/main" val="3744124914"/>
+        <p14:creationId xmlns:p14="http://schemas.microsoft.com/office/powerpoint/2010/main" val="3004002821"/>
       </p:ext>
     </p:extLst>
   </p:cSld>
@@ -9139,7 +9171,7 @@
         </p:nvSpPr>
         <p:spPr>
           <a:xfrm>
-            <a:off x="191489" y="836712"/>
+            <a:off x="203118" y="764704"/>
             <a:ext cx="8640960" cy="6480720"/>
           </a:xfrm>
         </p:spPr>
@@ -9155,7 +9187,7 @@
                   <a:schemeClr val="bg1"/>
                 </a:solidFill>
               </a:rPr>
-              <a:t>I just want You</a:t>
+              <a:t>I'm sorry when I've come with my agenda</a:t>
             </a:r>
           </a:p>
           <a:p>
@@ -9165,7 +9197,7 @@
                   <a:schemeClr val="bg1"/>
                 </a:solidFill>
               </a:rPr>
-              <a:t>Nothing else</a:t>
+              <a:t>I'm sorry when I forgot that You're enough</a:t>
             </a:r>
           </a:p>
           <a:p>
@@ -9175,7 +9207,7 @@
                   <a:schemeClr val="bg1"/>
                 </a:solidFill>
               </a:rPr>
-              <a:t>Nothing else (Jesus)</a:t>
+              <a:t>Take me back to where we started</a:t>
             </a:r>
           </a:p>
           <a:p>
@@ -9185,7 +9217,7 @@
                   <a:schemeClr val="bg1"/>
                 </a:solidFill>
               </a:rPr>
-              <a:t>Nothing else will do</a:t>
+              <a:t>I open up my heart to You</a:t>
             </a:r>
           </a:p>
         </p:txBody>
@@ -9218,7 +9250,7 @@
                   <a:schemeClr val="bg1"/>
                 </a:solidFill>
               </a:rPr>
-              <a:t>4/4</a:t>
+              <a:t>3/4</a:t>
             </a:r>
           </a:p>
         </p:txBody>
@@ -9226,7 +9258,7 @@
     </p:spTree>
     <p:extLst>
       <p:ext uri="{BB962C8B-B14F-4D97-AF65-F5344CB8AC3E}">
-        <p14:creationId xmlns:p14="http://schemas.microsoft.com/office/powerpoint/2010/main" val="261478187"/>
+        <p14:creationId xmlns:p14="http://schemas.microsoft.com/office/powerpoint/2010/main" val="3744124914"/>
       </p:ext>
     </p:extLst>
   </p:cSld>
@@ -9402,7 +9434,7 @@
         </p:nvSpPr>
         <p:spPr>
           <a:xfrm>
-            <a:off x="323528" y="188640"/>
+            <a:off x="191489" y="836712"/>
             <a:ext cx="8640960" cy="6480720"/>
           </a:xfrm>
         </p:spPr>
@@ -9412,123 +9444,76 @@
           </a:bodyPr>
           <a:lstStyle/>
           <a:p>
-            <a:endParaRPr lang="en-GB" sz="5400" dirty="0">
-              <a:solidFill>
-                <a:schemeClr val="bg1"/>
-              </a:solidFill>
-            </a:endParaRPr>
-          </a:p>
-          <a:p>
-            <a:r>
-              <a:rPr lang="en-GB" sz="4400" b="0" i="0" dirty="0">
-                <a:solidFill>
-                  <a:srgbClr val="00A3E0"/>
-                </a:solidFill>
-                <a:effectLst/>
-                <a:latin typeface="akagi_probook"/>
-              </a:rPr>
-              <a:t>Heart Of Worship</a:t>
-            </a:r>
-            <a:br>
-              <a:rPr lang="en-GB" sz="4400" b="0" i="0" dirty="0">
-                <a:solidFill>
-                  <a:srgbClr val="00A3E0"/>
-                </a:solidFill>
-                <a:effectLst/>
-                <a:latin typeface="akagi_probook"/>
-              </a:rPr>
-            </a:br>
-            <a:br>
-              <a:rPr lang="en-GB" sz="1200" dirty="0">
-                <a:solidFill>
-                  <a:schemeClr val="bg1"/>
-                </a:solidFill>
-              </a:rPr>
-            </a:br>
-            <a:r>
-              <a:rPr lang="en-GB" sz="1200" dirty="0">
-                <a:solidFill>
-                  <a:schemeClr val="bg1"/>
-                </a:solidFill>
-              </a:rPr>
-              <a:t>CCLI Song # 2296522</a:t>
-            </a:r>
-          </a:p>
-          <a:p>
-            <a:endParaRPr lang="en-GB" sz="1200" dirty="0">
-              <a:solidFill>
-                <a:schemeClr val="bg1"/>
-              </a:solidFill>
-            </a:endParaRPr>
-          </a:p>
-          <a:p>
-            <a:r>
-              <a:rPr lang="en-GB" sz="1200" dirty="0">
-                <a:solidFill>
-                  <a:schemeClr val="bg1"/>
-                </a:solidFill>
-              </a:rPr>
-              <a:t>Matt Redman</a:t>
-            </a:r>
-          </a:p>
-          <a:p>
-            <a:endParaRPr lang="en-GB" sz="1200" dirty="0">
-              <a:solidFill>
-                <a:schemeClr val="bg1"/>
-              </a:solidFill>
-            </a:endParaRPr>
-          </a:p>
-          <a:p>
-            <a:r>
-              <a:rPr lang="en-GB" sz="1200" dirty="0">
-                <a:solidFill>
-                  <a:schemeClr val="bg1"/>
-                </a:solidFill>
-              </a:rPr>
-              <a:t>© 1997 Thankyou Music (Admin. by Integrity Music Ltd)</a:t>
-            </a:r>
-          </a:p>
-          <a:p>
-            <a:r>
-              <a:rPr lang="en-GB" sz="1200" dirty="0">
-                <a:solidFill>
-                  <a:schemeClr val="bg1"/>
-                </a:solidFill>
-              </a:rPr>
-              <a:t>For use solely with the </a:t>
-            </a:r>
-            <a:r>
-              <a:rPr lang="en-GB" sz="1200" dirty="0" err="1">
-                <a:solidFill>
-                  <a:schemeClr val="bg1"/>
-                </a:solidFill>
-              </a:rPr>
-              <a:t>SongSelect</a:t>
-            </a:r>
-            <a:r>
-              <a:rPr lang="en-GB" sz="1200" dirty="0">
-                <a:solidFill>
-                  <a:schemeClr val="bg1"/>
-                </a:solidFill>
-              </a:rPr>
-              <a:t>® Terms of Use. All rights reserved. www.ccli.com</a:t>
-            </a:r>
-          </a:p>
-          <a:p>
-            <a:endParaRPr lang="en-GB" sz="1200" dirty="0">
-              <a:solidFill>
-                <a:schemeClr val="bg1"/>
-              </a:solidFill>
-            </a:endParaRPr>
-          </a:p>
-          <a:p>
-            <a:r>
-              <a:rPr lang="en-GB" sz="1200" dirty="0">
-                <a:solidFill>
-                  <a:schemeClr val="bg1"/>
-                </a:solidFill>
-              </a:rPr>
-              <a:t>CCLI Licence No. 33265</a:t>
+            <a:r>
+              <a:rPr lang="en-GB" sz="3600" dirty="0">
+                <a:solidFill>
+                  <a:schemeClr val="bg1"/>
+                </a:solidFill>
+              </a:rPr>
+              <a:t>I just want You</a:t>
+            </a:r>
+          </a:p>
+          <a:p>
+            <a:r>
+              <a:rPr lang="en-GB" sz="3600" dirty="0">
+                <a:solidFill>
+                  <a:schemeClr val="bg1"/>
+                </a:solidFill>
+              </a:rPr>
+              <a:t>Nothing else</a:t>
+            </a:r>
+          </a:p>
+          <a:p>
+            <a:r>
+              <a:rPr lang="en-GB" sz="3600" dirty="0">
+                <a:solidFill>
+                  <a:schemeClr val="bg1"/>
+                </a:solidFill>
+              </a:rPr>
+              <a:t>Nothing else (Jesus)</a:t>
+            </a:r>
+          </a:p>
+          <a:p>
+            <a:r>
+              <a:rPr lang="en-GB" sz="3600" dirty="0">
+                <a:solidFill>
+                  <a:schemeClr val="bg1"/>
+                </a:solidFill>
+              </a:rPr>
+              <a:t>Nothing else will do</a:t>
+            </a:r>
+          </a:p>
+        </p:txBody>
+      </p:sp>
+      <p:sp>
+        <p:nvSpPr>
+          <p:cNvPr id="4" name="TextBox 3"/>
+          <p:cNvSpPr txBox="1"/>
+          <p:nvPr/>
+        </p:nvSpPr>
+        <p:spPr>
+          <a:xfrm>
+            <a:off x="8529729" y="0"/>
+            <a:ext cx="628698" cy="461665"/>
+          </a:xfrm>
+          <a:prstGeom prst="rect">
+            <a:avLst/>
+          </a:prstGeom>
+          <a:noFill/>
+        </p:spPr>
+        <p:txBody>
+          <a:bodyPr wrap="none" rtlCol="0">
+            <a:spAutoFit/>
+          </a:bodyPr>
+          <a:lstStyle/>
+          <a:p>
+            <a:r>
+              <a:rPr lang="en-GB" sz="2400" b="1" dirty="0">
+                <a:solidFill>
+                  <a:schemeClr val="bg1"/>
+                </a:solidFill>
+              </a:rPr>
+              <a:t>4/4</a:t>
             </a:r>
           </a:p>
         </p:txBody>
@@ -9536,7 +9521,7 @@
     </p:spTree>
     <p:extLst>
       <p:ext uri="{BB962C8B-B14F-4D97-AF65-F5344CB8AC3E}">
-        <p14:creationId xmlns:p14="http://schemas.microsoft.com/office/powerpoint/2010/main" val="1348945171"/>
+        <p14:creationId xmlns:p14="http://schemas.microsoft.com/office/powerpoint/2010/main" val="261478187"/>
       </p:ext>
     </p:extLst>
   </p:cSld>
@@ -9575,7 +9560,7 @@
         </p:nvSpPr>
         <p:spPr>
           <a:xfrm>
-            <a:off x="203118" y="692696"/>
+            <a:off x="323528" y="188640"/>
             <a:ext cx="8640960" cy="6480720"/>
           </a:xfrm>
         </p:spPr>
@@ -9585,76 +9570,123 @@
           </a:bodyPr>
           <a:lstStyle/>
           <a:p>
-            <a:r>
-              <a:rPr lang="en-GB" sz="3600" dirty="0">
-                <a:solidFill>
-                  <a:schemeClr val="bg1"/>
-                </a:solidFill>
-              </a:rPr>
-              <a:t>When the music fades all is stripped away</a:t>
-            </a:r>
-          </a:p>
-          <a:p>
-            <a:r>
-              <a:rPr lang="en-GB" sz="3600" dirty="0">
-                <a:solidFill>
-                  <a:schemeClr val="bg1"/>
-                </a:solidFill>
-              </a:rPr>
-              <a:t>And I simply come</a:t>
-            </a:r>
-          </a:p>
-          <a:p>
-            <a:r>
-              <a:rPr lang="en-GB" sz="3600" dirty="0">
-                <a:solidFill>
-                  <a:schemeClr val="bg1"/>
-                </a:solidFill>
-              </a:rPr>
-              <a:t>Longing just to bring something that's of worth</a:t>
-            </a:r>
-          </a:p>
-          <a:p>
-            <a:r>
-              <a:rPr lang="en-GB" sz="3600" dirty="0">
-                <a:solidFill>
-                  <a:schemeClr val="bg1"/>
-                </a:solidFill>
-              </a:rPr>
-              <a:t>That will bless Your heart</a:t>
-            </a:r>
-          </a:p>
-        </p:txBody>
-      </p:sp>
-      <p:sp>
-        <p:nvSpPr>
-          <p:cNvPr id="4" name="TextBox 3"/>
-          <p:cNvSpPr txBox="1"/>
-          <p:nvPr/>
-        </p:nvSpPr>
-        <p:spPr>
-          <a:xfrm>
-            <a:off x="8529729" y="0"/>
-            <a:ext cx="628698" cy="461665"/>
-          </a:xfrm>
-          <a:prstGeom prst="rect">
-            <a:avLst/>
-          </a:prstGeom>
-          <a:noFill/>
-        </p:spPr>
-        <p:txBody>
-          <a:bodyPr wrap="none" rtlCol="0">
-            <a:spAutoFit/>
-          </a:bodyPr>
-          <a:lstStyle/>
-          <a:p>
-            <a:r>
-              <a:rPr lang="en-GB" sz="2400" b="1" dirty="0">
-                <a:solidFill>
-                  <a:schemeClr val="bg1"/>
-                </a:solidFill>
-              </a:rPr>
-              <a:t>1/6</a:t>
+            <a:endParaRPr lang="en-GB" sz="5400" dirty="0">
+              <a:solidFill>
+                <a:schemeClr val="bg1"/>
+              </a:solidFill>
+            </a:endParaRPr>
+          </a:p>
+          <a:p>
+            <a:r>
+              <a:rPr lang="en-GB" sz="4400" b="0" i="0" dirty="0">
+                <a:solidFill>
+                  <a:srgbClr val="00A3E0"/>
+                </a:solidFill>
+                <a:effectLst/>
+                <a:latin typeface="akagi_probook"/>
+              </a:rPr>
+              <a:t>Heart Of Worship</a:t>
+            </a:r>
+            <a:br>
+              <a:rPr lang="en-GB" sz="4400" b="0" i="0" dirty="0">
+                <a:solidFill>
+                  <a:srgbClr val="00A3E0"/>
+                </a:solidFill>
+                <a:effectLst/>
+                <a:latin typeface="akagi_probook"/>
+              </a:rPr>
+            </a:br>
+            <a:br>
+              <a:rPr lang="en-GB" sz="1200" dirty="0">
+                <a:solidFill>
+                  <a:schemeClr val="bg1"/>
+                </a:solidFill>
+              </a:rPr>
+            </a:br>
+            <a:r>
+              <a:rPr lang="en-GB" sz="1200" dirty="0">
+                <a:solidFill>
+                  <a:schemeClr val="bg1"/>
+                </a:solidFill>
+              </a:rPr>
+              <a:t>CCLI Song # 2296522</a:t>
+            </a:r>
+          </a:p>
+          <a:p>
+            <a:endParaRPr lang="en-GB" sz="1200" dirty="0">
+              <a:solidFill>
+                <a:schemeClr val="bg1"/>
+              </a:solidFill>
+            </a:endParaRPr>
+          </a:p>
+          <a:p>
+            <a:r>
+              <a:rPr lang="en-GB" sz="1200" dirty="0">
+                <a:solidFill>
+                  <a:schemeClr val="bg1"/>
+                </a:solidFill>
+              </a:rPr>
+              <a:t>Matt Redman</a:t>
+            </a:r>
+          </a:p>
+          <a:p>
+            <a:endParaRPr lang="en-GB" sz="1200" dirty="0">
+              <a:solidFill>
+                <a:schemeClr val="bg1"/>
+              </a:solidFill>
+            </a:endParaRPr>
+          </a:p>
+          <a:p>
+            <a:r>
+              <a:rPr lang="en-GB" sz="1200" dirty="0">
+                <a:solidFill>
+                  <a:schemeClr val="bg1"/>
+                </a:solidFill>
+              </a:rPr>
+              <a:t>© 1997 Thankyou Music (Admin. by Integrity Music Ltd)</a:t>
+            </a:r>
+          </a:p>
+          <a:p>
+            <a:r>
+              <a:rPr lang="en-GB" sz="1200" dirty="0">
+                <a:solidFill>
+                  <a:schemeClr val="bg1"/>
+                </a:solidFill>
+              </a:rPr>
+              <a:t>For use solely with the </a:t>
+            </a:r>
+            <a:r>
+              <a:rPr lang="en-GB" sz="1200" dirty="0" err="1">
+                <a:solidFill>
+                  <a:schemeClr val="bg1"/>
+                </a:solidFill>
+              </a:rPr>
+              <a:t>SongSelect</a:t>
+            </a:r>
+            <a:r>
+              <a:rPr lang="en-GB" sz="1200" dirty="0">
+                <a:solidFill>
+                  <a:schemeClr val="bg1"/>
+                </a:solidFill>
+              </a:rPr>
+              <a:t>® Terms of Use. All rights reserved. www.ccli.com</a:t>
+            </a:r>
+          </a:p>
+          <a:p>
+            <a:endParaRPr lang="en-GB" sz="1200" dirty="0">
+              <a:solidFill>
+                <a:schemeClr val="bg1"/>
+              </a:solidFill>
+            </a:endParaRPr>
+          </a:p>
+          <a:p>
+            <a:r>
+              <a:rPr lang="en-GB" sz="1200" dirty="0">
+                <a:solidFill>
+                  <a:schemeClr val="bg1"/>
+                </a:solidFill>
+              </a:rPr>
+              <a:t>CCLI Licence No. 33265</a:t>
             </a:r>
           </a:p>
         </p:txBody>
@@ -9662,7 +9694,7 @@
     </p:spTree>
     <p:extLst>
       <p:ext uri="{BB962C8B-B14F-4D97-AF65-F5344CB8AC3E}">
-        <p14:creationId xmlns:p14="http://schemas.microsoft.com/office/powerpoint/2010/main" val="4225582275"/>
+        <p14:creationId xmlns:p14="http://schemas.microsoft.com/office/powerpoint/2010/main" val="1348945171"/>
       </p:ext>
     </p:extLst>
   </p:cSld>
@@ -9701,7 +9733,7 @@
         </p:nvSpPr>
         <p:spPr>
           <a:xfrm>
-            <a:off x="251520" y="836712"/>
+            <a:off x="203118" y="692696"/>
             <a:ext cx="8640960" cy="6480720"/>
           </a:xfrm>
         </p:spPr>
@@ -9717,7 +9749,7 @@
                   <a:schemeClr val="bg1"/>
                 </a:solidFill>
               </a:rPr>
-              <a:t>I'll bring You more than a song</a:t>
+              <a:t>When the music fades all is stripped away</a:t>
             </a:r>
           </a:p>
           <a:p>
@@ -9727,7 +9759,7 @@
                   <a:schemeClr val="bg1"/>
                 </a:solidFill>
               </a:rPr>
-              <a:t>For a song in itself is not what You have required</a:t>
+              <a:t>And I simply come</a:t>
             </a:r>
           </a:p>
           <a:p>
@@ -9737,7 +9769,7 @@
                   <a:schemeClr val="bg1"/>
                 </a:solidFill>
               </a:rPr>
-              <a:t>You search much deeper within</a:t>
+              <a:t>Longing just to bring something that's of worth</a:t>
             </a:r>
           </a:p>
           <a:p>
@@ -9747,17 +9779,7 @@
                   <a:schemeClr val="bg1"/>
                 </a:solidFill>
               </a:rPr>
-              <a:t>Through the way things appear</a:t>
-            </a:r>
-          </a:p>
-          <a:p>
-            <a:r>
-              <a:rPr lang="en-GB" sz="3600" dirty="0">
-                <a:solidFill>
-                  <a:schemeClr val="bg1"/>
-                </a:solidFill>
-              </a:rPr>
-              <a:t>You're looking into my heart</a:t>
+              <a:t>That will bless Your heart</a:t>
             </a:r>
           </a:p>
         </p:txBody>
@@ -9790,7 +9812,7 @@
                   <a:schemeClr val="bg1"/>
                 </a:solidFill>
               </a:rPr>
-              <a:t>2/6</a:t>
+              <a:t>1/6</a:t>
             </a:r>
           </a:p>
         </p:txBody>
@@ -9798,7 +9820,7 @@
     </p:spTree>
     <p:extLst>
       <p:ext uri="{BB962C8B-B14F-4D97-AF65-F5344CB8AC3E}">
-        <p14:creationId xmlns:p14="http://schemas.microsoft.com/office/powerpoint/2010/main" val="3686468432"/>
+        <p14:creationId xmlns:p14="http://schemas.microsoft.com/office/powerpoint/2010/main" val="4225582275"/>
       </p:ext>
     </p:extLst>
   </p:cSld>
@@ -9837,7 +9859,7 @@
         </p:nvSpPr>
         <p:spPr>
           <a:xfrm>
-            <a:off x="395536" y="764704"/>
+            <a:off x="251520" y="836712"/>
             <a:ext cx="8640960" cy="6480720"/>
           </a:xfrm>
         </p:spPr>
@@ -9853,7 +9875,7 @@
                   <a:schemeClr val="bg1"/>
                 </a:solidFill>
               </a:rPr>
-              <a:t>I'm coming back to the heart of worship</a:t>
+              <a:t>I'll bring You more than a song</a:t>
             </a:r>
           </a:p>
           <a:p>
@@ -9863,7 +9885,7 @@
                   <a:schemeClr val="bg1"/>
                 </a:solidFill>
               </a:rPr>
-              <a:t>And it's all about You all about You Jesus</a:t>
+              <a:t>For a song in itself is not what You have required</a:t>
             </a:r>
           </a:p>
           <a:p>
@@ -9873,7 +9895,7 @@
                   <a:schemeClr val="bg1"/>
                 </a:solidFill>
               </a:rPr>
-              <a:t>I'm sorry Lord for the thing I've made it</a:t>
+              <a:t>You search much deeper within</a:t>
             </a:r>
           </a:p>
           <a:p>
@@ -9883,7 +9905,17 @@
                   <a:schemeClr val="bg1"/>
                 </a:solidFill>
               </a:rPr>
-              <a:t>When it's all about You all about You Jesus</a:t>
+              <a:t>Through the way things appear</a:t>
+            </a:r>
+          </a:p>
+          <a:p>
+            <a:r>
+              <a:rPr lang="en-GB" sz="3600" dirty="0">
+                <a:solidFill>
+                  <a:schemeClr val="bg1"/>
+                </a:solidFill>
+              </a:rPr>
+              <a:t>You're looking into my heart</a:t>
             </a:r>
           </a:p>
         </p:txBody>
@@ -9916,7 +9948,7 @@
                   <a:schemeClr val="bg1"/>
                 </a:solidFill>
               </a:rPr>
-              <a:t>3/6</a:t>
+              <a:t>2/6</a:t>
             </a:r>
           </a:p>
         </p:txBody>
@@ -9924,7 +9956,7 @@
     </p:spTree>
     <p:extLst>
       <p:ext uri="{BB962C8B-B14F-4D97-AF65-F5344CB8AC3E}">
-        <p14:creationId xmlns:p14="http://schemas.microsoft.com/office/powerpoint/2010/main" val="1729908395"/>
+        <p14:creationId xmlns:p14="http://schemas.microsoft.com/office/powerpoint/2010/main" val="3686468432"/>
       </p:ext>
     </p:extLst>
   </p:cSld>
@@ -9963,7 +9995,7 @@
         </p:nvSpPr>
         <p:spPr>
           <a:xfrm>
-            <a:off x="395536" y="692696"/>
+            <a:off x="395536" y="764704"/>
             <a:ext cx="8640960" cy="6480720"/>
           </a:xfrm>
         </p:spPr>
@@ -9979,7 +10011,7 @@
                   <a:schemeClr val="bg1"/>
                 </a:solidFill>
               </a:rPr>
-              <a:t>King of endless worth no one could express</a:t>
+              <a:t>I'm coming back to the heart of worship</a:t>
             </a:r>
           </a:p>
           <a:p>
@@ -9989,7 +10021,7 @@
                   <a:schemeClr val="bg1"/>
                 </a:solidFill>
               </a:rPr>
-              <a:t>How much You deserve</a:t>
+              <a:t>And it's all about You all about You Jesus</a:t>
             </a:r>
           </a:p>
           <a:p>
@@ -9999,25 +10031,17 @@
                   <a:schemeClr val="bg1"/>
                 </a:solidFill>
               </a:rPr>
-              <a:t>Though I'm weak and poor all I have is Yours</a:t>
-            </a:r>
-          </a:p>
-          <a:p>
-            <a:r>
-              <a:rPr lang="en-GB" sz="3600" dirty="0" err="1">
-                <a:solidFill>
-                  <a:schemeClr val="bg1"/>
-                </a:solidFill>
-              </a:rPr>
-              <a:t>Ev'ry</a:t>
-            </a:r>
+              <a:t>I'm sorry Lord for the thing I've made it</a:t>
+            </a:r>
+          </a:p>
+          <a:p>
             <a:r>
               <a:rPr lang="en-GB" sz="3600" dirty="0">
                 <a:solidFill>
                   <a:schemeClr val="bg1"/>
                 </a:solidFill>
               </a:rPr>
-              <a:t> single breath</a:t>
+              <a:t>When it's all about You all about You Jesus</a:t>
             </a:r>
           </a:p>
         </p:txBody>
@@ -10050,7 +10074,7 @@
                   <a:schemeClr val="bg1"/>
                 </a:solidFill>
               </a:rPr>
-              <a:t>4/6</a:t>
+              <a:t>3/6</a:t>
             </a:r>
           </a:p>
         </p:txBody>
@@ -10058,7 +10082,7 @@
     </p:spTree>
     <p:extLst>
       <p:ext uri="{BB962C8B-B14F-4D97-AF65-F5344CB8AC3E}">
-        <p14:creationId xmlns:p14="http://schemas.microsoft.com/office/powerpoint/2010/main" val="4174602401"/>
+        <p14:creationId xmlns:p14="http://schemas.microsoft.com/office/powerpoint/2010/main" val="1729908395"/>
       </p:ext>
     </p:extLst>
   </p:cSld>
@@ -10097,7 +10121,7 @@
         </p:nvSpPr>
         <p:spPr>
           <a:xfrm>
-            <a:off x="251520" y="836712"/>
+            <a:off x="395536" y="692696"/>
             <a:ext cx="8640960" cy="6480720"/>
           </a:xfrm>
         </p:spPr>
@@ -10113,7 +10137,7 @@
                   <a:schemeClr val="bg1"/>
                 </a:solidFill>
               </a:rPr>
-              <a:t>I'll bring You more than a song</a:t>
+              <a:t>King of endless worth no one could express</a:t>
             </a:r>
           </a:p>
           <a:p>
@@ -10123,7 +10147,7 @@
                   <a:schemeClr val="bg1"/>
                 </a:solidFill>
               </a:rPr>
-              <a:t>For a song in itself is not what You have required</a:t>
+              <a:t>How much You deserve</a:t>
             </a:r>
           </a:p>
           <a:p>
@@ -10133,27 +10157,25 @@
                   <a:schemeClr val="bg1"/>
                 </a:solidFill>
               </a:rPr>
-              <a:t>You search much deeper within</a:t>
-            </a:r>
-          </a:p>
-          <a:p>
+              <a:t>Though I'm weak and poor all I have is Yours</a:t>
+            </a:r>
+          </a:p>
+          <a:p>
+            <a:r>
+              <a:rPr lang="en-GB" sz="3600" dirty="0" err="1">
+                <a:solidFill>
+                  <a:schemeClr val="bg1"/>
+                </a:solidFill>
+              </a:rPr>
+              <a:t>Ev'ry</a:t>
+            </a:r>
             <a:r>
               <a:rPr lang="en-GB" sz="3600" dirty="0">
                 <a:solidFill>
                   <a:schemeClr val="bg1"/>
                 </a:solidFill>
               </a:rPr>
-              <a:t>Through the way things appear</a:t>
-            </a:r>
-          </a:p>
-          <a:p>
-            <a:r>
-              <a:rPr lang="en-GB" sz="3600" dirty="0">
-                <a:solidFill>
-                  <a:schemeClr val="bg1"/>
-                </a:solidFill>
-              </a:rPr>
-              <a:t>You're looking into my heart</a:t>
+              <a:t> single breath</a:t>
             </a:r>
           </a:p>
         </p:txBody>
@@ -10186,7 +10208,7 @@
                   <a:schemeClr val="bg1"/>
                 </a:solidFill>
               </a:rPr>
-              <a:t>5/6</a:t>
+              <a:t>4/6</a:t>
             </a:r>
           </a:p>
         </p:txBody>
@@ -10194,7 +10216,7 @@
     </p:spTree>
     <p:extLst>
       <p:ext uri="{BB962C8B-B14F-4D97-AF65-F5344CB8AC3E}">
-        <p14:creationId xmlns:p14="http://schemas.microsoft.com/office/powerpoint/2010/main" val="2373438507"/>
+        <p14:creationId xmlns:p14="http://schemas.microsoft.com/office/powerpoint/2010/main" val="4174602401"/>
       </p:ext>
     </p:extLst>
   </p:cSld>
@@ -10233,6 +10255,142 @@
         </p:nvSpPr>
         <p:spPr>
           <a:xfrm>
+            <a:off x="251520" y="836712"/>
+            <a:ext cx="8640960" cy="6480720"/>
+          </a:xfrm>
+        </p:spPr>
+        <p:txBody>
+          <a:bodyPr>
+            <a:noAutofit/>
+          </a:bodyPr>
+          <a:lstStyle/>
+          <a:p>
+            <a:r>
+              <a:rPr lang="en-GB" sz="3600" dirty="0">
+                <a:solidFill>
+                  <a:schemeClr val="bg1"/>
+                </a:solidFill>
+              </a:rPr>
+              <a:t>I'll bring You more than a song</a:t>
+            </a:r>
+          </a:p>
+          <a:p>
+            <a:r>
+              <a:rPr lang="en-GB" sz="3600" dirty="0">
+                <a:solidFill>
+                  <a:schemeClr val="bg1"/>
+                </a:solidFill>
+              </a:rPr>
+              <a:t>For a song in itself is not what You have required</a:t>
+            </a:r>
+          </a:p>
+          <a:p>
+            <a:r>
+              <a:rPr lang="en-GB" sz="3600" dirty="0">
+                <a:solidFill>
+                  <a:schemeClr val="bg1"/>
+                </a:solidFill>
+              </a:rPr>
+              <a:t>You search much deeper within</a:t>
+            </a:r>
+          </a:p>
+          <a:p>
+            <a:r>
+              <a:rPr lang="en-GB" sz="3600" dirty="0">
+                <a:solidFill>
+                  <a:schemeClr val="bg1"/>
+                </a:solidFill>
+              </a:rPr>
+              <a:t>Through the way things appear</a:t>
+            </a:r>
+          </a:p>
+          <a:p>
+            <a:r>
+              <a:rPr lang="en-GB" sz="3600" dirty="0">
+                <a:solidFill>
+                  <a:schemeClr val="bg1"/>
+                </a:solidFill>
+              </a:rPr>
+              <a:t>You're looking into my heart</a:t>
+            </a:r>
+          </a:p>
+        </p:txBody>
+      </p:sp>
+      <p:sp>
+        <p:nvSpPr>
+          <p:cNvPr id="4" name="TextBox 3"/>
+          <p:cNvSpPr txBox="1"/>
+          <p:nvPr/>
+        </p:nvSpPr>
+        <p:spPr>
+          <a:xfrm>
+            <a:off x="8529729" y="0"/>
+            <a:ext cx="628698" cy="461665"/>
+          </a:xfrm>
+          <a:prstGeom prst="rect">
+            <a:avLst/>
+          </a:prstGeom>
+          <a:noFill/>
+        </p:spPr>
+        <p:txBody>
+          <a:bodyPr wrap="none" rtlCol="0">
+            <a:spAutoFit/>
+          </a:bodyPr>
+          <a:lstStyle/>
+          <a:p>
+            <a:r>
+              <a:rPr lang="en-GB" sz="2400" b="1" dirty="0">
+                <a:solidFill>
+                  <a:schemeClr val="bg1"/>
+                </a:solidFill>
+              </a:rPr>
+              <a:t>5/6</a:t>
+            </a:r>
+          </a:p>
+        </p:txBody>
+      </p:sp>
+    </p:spTree>
+    <p:extLst>
+      <p:ext uri="{BB962C8B-B14F-4D97-AF65-F5344CB8AC3E}">
+        <p14:creationId xmlns:p14="http://schemas.microsoft.com/office/powerpoint/2010/main" val="2373438507"/>
+      </p:ext>
+    </p:extLst>
+  </p:cSld>
+  <p:clrMapOvr>
+    <a:masterClrMapping/>
+  </p:clrMapOvr>
+</p:sld>
+</file>
+
+<file path=ppt/slides/slide37.xml><?xml version="1.0" encoding="utf-8"?>
+<p:sld xmlns:a="http://schemas.openxmlformats.org/drawingml/2006/main" xmlns:r="http://schemas.openxmlformats.org/officeDocument/2006/relationships" xmlns:p="http://schemas.openxmlformats.org/presentationml/2006/main">
+  <p:cSld>
+    <p:spTree>
+      <p:nvGrpSpPr>
+        <p:cNvPr id="1" name=""/>
+        <p:cNvGrpSpPr/>
+        <p:nvPr/>
+      </p:nvGrpSpPr>
+      <p:grpSpPr>
+        <a:xfrm>
+          <a:off x="0" y="0"/>
+          <a:ext cx="0" cy="0"/>
+          <a:chOff x="0" y="0"/>
+          <a:chExt cx="0" cy="0"/>
+        </a:xfrm>
+      </p:grpSpPr>
+      <p:sp>
+        <p:nvSpPr>
+          <p:cNvPr id="3" name="Subtitle 2"/>
+          <p:cNvSpPr>
+            <a:spLocks noGrp="1"/>
+          </p:cNvSpPr>
+          <p:nvPr>
+            <p:ph type="subTitle" idx="1"/>
+          </p:nvPr>
+        </p:nvSpPr>
+        <p:spPr>
+          <a:xfrm>
             <a:off x="395536" y="764704"/>
             <a:ext cx="8640960" cy="6480720"/>
           </a:xfrm>
@@ -10330,7 +10488,7 @@
 </p:sld>
 </file>
 
-<file path=ppt/slides/slide37.xml><?xml version="1.0" encoding="utf-8"?>
+<file path=ppt/slides/slide38.xml><?xml version="1.0" encoding="utf-8"?>
 <p:sld xmlns:a="http://schemas.openxmlformats.org/drawingml/2006/main" xmlns:r="http://schemas.openxmlformats.org/officeDocument/2006/relationships" xmlns:p="http://schemas.openxmlformats.org/presentationml/2006/main">
   <p:cSld>
     <p:spTree>
@@ -10843,7 +11001,7 @@
 </p:sld>
 </file>
 
-<file path=ppt/slides/slide38.xml><?xml version="1.0" encoding="utf-8"?>
+<file path=ppt/slides/slide39.xml><?xml version="1.0" encoding="utf-8"?>
 <p:sld xmlns:a="http://schemas.openxmlformats.org/drawingml/2006/main" xmlns:r="http://schemas.openxmlformats.org/officeDocument/2006/relationships" xmlns:p="http://schemas.openxmlformats.org/presentationml/2006/main">
   <p:cSld>
     <p:spTree>
@@ -10903,7 +11061,180 @@
 </p:sld>
 </file>
 
-<file path=ppt/slides/slide39.xml><?xml version="1.0" encoding="utf-8"?>
+<file path=ppt/slides/slide4.xml><?xml version="1.0" encoding="utf-8"?>
+<p:sld xmlns:a="http://schemas.openxmlformats.org/drawingml/2006/main" xmlns:r="http://schemas.openxmlformats.org/officeDocument/2006/relationships" xmlns:p="http://schemas.openxmlformats.org/presentationml/2006/main">
+  <p:cSld>
+    <p:spTree>
+      <p:nvGrpSpPr>
+        <p:cNvPr id="1" name=""/>
+        <p:cNvGrpSpPr/>
+        <p:nvPr/>
+      </p:nvGrpSpPr>
+      <p:grpSpPr>
+        <a:xfrm>
+          <a:off x="0" y="0"/>
+          <a:ext cx="0" cy="0"/>
+          <a:chOff x="0" y="0"/>
+          <a:chExt cx="0" cy="0"/>
+        </a:xfrm>
+      </p:grpSpPr>
+      <p:sp>
+        <p:nvSpPr>
+          <p:cNvPr id="3" name="Subtitle 2"/>
+          <p:cNvSpPr>
+            <a:spLocks noGrp="1"/>
+          </p:cNvSpPr>
+          <p:nvPr>
+            <p:ph type="subTitle" idx="1"/>
+          </p:nvPr>
+        </p:nvSpPr>
+        <p:spPr>
+          <a:xfrm>
+            <a:off x="251520" y="764704"/>
+            <a:ext cx="8640960" cy="6480720"/>
+          </a:xfrm>
+        </p:spPr>
+        <p:txBody>
+          <a:bodyPr>
+            <a:noAutofit/>
+          </a:bodyPr>
+          <a:lstStyle/>
+          <a:p>
+            <a:r>
+              <a:rPr lang="en-GB" sz="4400" b="1" dirty="0">
+                <a:solidFill>
+                  <a:schemeClr val="bg1"/>
+                </a:solidFill>
+              </a:rPr>
+              <a:t>Verse 1</a:t>
+            </a:r>
+          </a:p>
+          <a:p>
+            <a:r>
+              <a:rPr lang="en-GB" sz="4400" dirty="0">
+                <a:solidFill>
+                  <a:schemeClr val="bg1"/>
+                </a:solidFill>
+              </a:rPr>
+              <a:t>From </a:t>
+            </a:r>
+            <a:r>
+              <a:rPr lang="en-GB" sz="4400" dirty="0" err="1">
+                <a:solidFill>
+                  <a:schemeClr val="bg1"/>
+                </a:solidFill>
+              </a:rPr>
+              <a:t>heav'n</a:t>
+            </a:r>
+            <a:r>
+              <a:rPr lang="en-GB" sz="4400" dirty="0">
+                <a:solidFill>
+                  <a:schemeClr val="bg1"/>
+                </a:solidFill>
+              </a:rPr>
+              <a:t> You came helpless babe</a:t>
+            </a:r>
+          </a:p>
+          <a:p>
+            <a:r>
+              <a:rPr lang="en-GB" sz="4400" dirty="0" err="1">
+                <a:solidFill>
+                  <a:schemeClr val="bg1"/>
+                </a:solidFill>
+              </a:rPr>
+              <a:t>Enter'd</a:t>
+            </a:r>
+            <a:r>
+              <a:rPr lang="en-GB" sz="4400" dirty="0">
+                <a:solidFill>
+                  <a:schemeClr val="bg1"/>
+                </a:solidFill>
+              </a:rPr>
+              <a:t> our world Your glory </a:t>
+            </a:r>
+            <a:r>
+              <a:rPr lang="en-GB" sz="4400" dirty="0" err="1">
+                <a:solidFill>
+                  <a:schemeClr val="bg1"/>
+                </a:solidFill>
+              </a:rPr>
+              <a:t>veil'd</a:t>
+            </a:r>
+            <a:endParaRPr lang="en-GB" sz="4400" dirty="0">
+              <a:solidFill>
+                <a:schemeClr val="bg1"/>
+              </a:solidFill>
+            </a:endParaRPr>
+          </a:p>
+          <a:p>
+            <a:r>
+              <a:rPr lang="en-GB" sz="4400" dirty="0">
+                <a:solidFill>
+                  <a:schemeClr val="bg1"/>
+                </a:solidFill>
+              </a:rPr>
+              <a:t>Not to be served but to serve</a:t>
+            </a:r>
+          </a:p>
+          <a:p>
+            <a:r>
+              <a:rPr lang="en-GB" sz="4400" dirty="0">
+                <a:solidFill>
+                  <a:schemeClr val="bg1"/>
+                </a:solidFill>
+              </a:rPr>
+              <a:t>And give Your life that we might live</a:t>
+            </a:r>
+          </a:p>
+        </p:txBody>
+      </p:sp>
+      <p:sp>
+        <p:nvSpPr>
+          <p:cNvPr id="4" name="TextBox 3"/>
+          <p:cNvSpPr txBox="1"/>
+          <p:nvPr/>
+        </p:nvSpPr>
+        <p:spPr>
+          <a:xfrm>
+            <a:off x="8529729" y="0"/>
+            <a:ext cx="628698" cy="461665"/>
+          </a:xfrm>
+          <a:prstGeom prst="rect">
+            <a:avLst/>
+          </a:prstGeom>
+          <a:noFill/>
+        </p:spPr>
+        <p:txBody>
+          <a:bodyPr wrap="none" rtlCol="0">
+            <a:spAutoFit/>
+          </a:bodyPr>
+          <a:lstStyle/>
+          <a:p>
+            <a:r>
+              <a:rPr lang="en-GB" sz="2400" b="1" dirty="0">
+                <a:solidFill>
+                  <a:schemeClr val="bg1"/>
+                </a:solidFill>
+              </a:rPr>
+              <a:t>1/8</a:t>
+            </a:r>
+          </a:p>
+        </p:txBody>
+      </p:sp>
+    </p:spTree>
+    <p:extLst>
+      <p:ext uri="{BB962C8B-B14F-4D97-AF65-F5344CB8AC3E}">
+        <p14:creationId xmlns:p14="http://schemas.microsoft.com/office/powerpoint/2010/main" val="469044312"/>
+      </p:ext>
+    </p:extLst>
+  </p:cSld>
+  <p:clrMapOvr>
+    <a:masterClrMapping/>
+  </p:clrMapOvr>
+</p:sld>
+</file>
+
+<file path=ppt/slides/slide40.xml><?xml version="1.0" encoding="utf-8"?>
 <p:sld xmlns:a="http://schemas.openxmlformats.org/drawingml/2006/main" xmlns:r="http://schemas.openxmlformats.org/officeDocument/2006/relationships" xmlns:p="http://schemas.openxmlformats.org/presentationml/2006/main">
   <p:cSld>
     <p:spTree>
@@ -10963,180 +11294,7 @@
 </p:sld>
 </file>
 
-<file path=ppt/slides/slide4.xml><?xml version="1.0" encoding="utf-8"?>
-<p:sld xmlns:a="http://schemas.openxmlformats.org/drawingml/2006/main" xmlns:r="http://schemas.openxmlformats.org/officeDocument/2006/relationships" xmlns:p="http://schemas.openxmlformats.org/presentationml/2006/main">
-  <p:cSld>
-    <p:spTree>
-      <p:nvGrpSpPr>
-        <p:cNvPr id="1" name=""/>
-        <p:cNvGrpSpPr/>
-        <p:nvPr/>
-      </p:nvGrpSpPr>
-      <p:grpSpPr>
-        <a:xfrm>
-          <a:off x="0" y="0"/>
-          <a:ext cx="0" cy="0"/>
-          <a:chOff x="0" y="0"/>
-          <a:chExt cx="0" cy="0"/>
-        </a:xfrm>
-      </p:grpSpPr>
-      <p:sp>
-        <p:nvSpPr>
-          <p:cNvPr id="3" name="Subtitle 2"/>
-          <p:cNvSpPr>
-            <a:spLocks noGrp="1"/>
-          </p:cNvSpPr>
-          <p:nvPr>
-            <p:ph type="subTitle" idx="1"/>
-          </p:nvPr>
-        </p:nvSpPr>
-        <p:spPr>
-          <a:xfrm>
-            <a:off x="251520" y="764704"/>
-            <a:ext cx="8640960" cy="6480720"/>
-          </a:xfrm>
-        </p:spPr>
-        <p:txBody>
-          <a:bodyPr>
-            <a:noAutofit/>
-          </a:bodyPr>
-          <a:lstStyle/>
-          <a:p>
-            <a:r>
-              <a:rPr lang="en-GB" sz="4400" b="1" dirty="0">
-                <a:solidFill>
-                  <a:schemeClr val="bg1"/>
-                </a:solidFill>
-              </a:rPr>
-              <a:t>Verse 1</a:t>
-            </a:r>
-          </a:p>
-          <a:p>
-            <a:r>
-              <a:rPr lang="en-GB" sz="4400" dirty="0">
-                <a:solidFill>
-                  <a:schemeClr val="bg1"/>
-                </a:solidFill>
-              </a:rPr>
-              <a:t>From </a:t>
-            </a:r>
-            <a:r>
-              <a:rPr lang="en-GB" sz="4400" dirty="0" err="1">
-                <a:solidFill>
-                  <a:schemeClr val="bg1"/>
-                </a:solidFill>
-              </a:rPr>
-              <a:t>heav'n</a:t>
-            </a:r>
-            <a:r>
-              <a:rPr lang="en-GB" sz="4400" dirty="0">
-                <a:solidFill>
-                  <a:schemeClr val="bg1"/>
-                </a:solidFill>
-              </a:rPr>
-              <a:t> You came helpless babe</a:t>
-            </a:r>
-          </a:p>
-          <a:p>
-            <a:r>
-              <a:rPr lang="en-GB" sz="4400" dirty="0" err="1">
-                <a:solidFill>
-                  <a:schemeClr val="bg1"/>
-                </a:solidFill>
-              </a:rPr>
-              <a:t>Enter'd</a:t>
-            </a:r>
-            <a:r>
-              <a:rPr lang="en-GB" sz="4400" dirty="0">
-                <a:solidFill>
-                  <a:schemeClr val="bg1"/>
-                </a:solidFill>
-              </a:rPr>
-              <a:t> our world Your glory </a:t>
-            </a:r>
-            <a:r>
-              <a:rPr lang="en-GB" sz="4400" dirty="0" err="1">
-                <a:solidFill>
-                  <a:schemeClr val="bg1"/>
-                </a:solidFill>
-              </a:rPr>
-              <a:t>veil'd</a:t>
-            </a:r>
-            <a:endParaRPr lang="en-GB" sz="4400" dirty="0">
-              <a:solidFill>
-                <a:schemeClr val="bg1"/>
-              </a:solidFill>
-            </a:endParaRPr>
-          </a:p>
-          <a:p>
-            <a:r>
-              <a:rPr lang="en-GB" sz="4400" dirty="0">
-                <a:solidFill>
-                  <a:schemeClr val="bg1"/>
-                </a:solidFill>
-              </a:rPr>
-              <a:t>Not to be served but to serve</a:t>
-            </a:r>
-          </a:p>
-          <a:p>
-            <a:r>
-              <a:rPr lang="en-GB" sz="4400" dirty="0">
-                <a:solidFill>
-                  <a:schemeClr val="bg1"/>
-                </a:solidFill>
-              </a:rPr>
-              <a:t>And give Your life that we might live</a:t>
-            </a:r>
-          </a:p>
-        </p:txBody>
-      </p:sp>
-      <p:sp>
-        <p:nvSpPr>
-          <p:cNvPr id="4" name="TextBox 3"/>
-          <p:cNvSpPr txBox="1"/>
-          <p:nvPr/>
-        </p:nvSpPr>
-        <p:spPr>
-          <a:xfrm>
-            <a:off x="8529729" y="0"/>
-            <a:ext cx="628698" cy="461665"/>
-          </a:xfrm>
-          <a:prstGeom prst="rect">
-            <a:avLst/>
-          </a:prstGeom>
-          <a:noFill/>
-        </p:spPr>
-        <p:txBody>
-          <a:bodyPr wrap="none" rtlCol="0">
-            <a:spAutoFit/>
-          </a:bodyPr>
-          <a:lstStyle/>
-          <a:p>
-            <a:r>
-              <a:rPr lang="en-GB" sz="2400" b="1" dirty="0">
-                <a:solidFill>
-                  <a:schemeClr val="bg1"/>
-                </a:solidFill>
-              </a:rPr>
-              <a:t>1/8</a:t>
-            </a:r>
-          </a:p>
-        </p:txBody>
-      </p:sp>
-    </p:spTree>
-    <p:extLst>
-      <p:ext uri="{BB962C8B-B14F-4D97-AF65-F5344CB8AC3E}">
-        <p14:creationId xmlns:p14="http://schemas.microsoft.com/office/powerpoint/2010/main" val="469044312"/>
-      </p:ext>
-    </p:extLst>
-  </p:cSld>
-  <p:clrMapOvr>
-    <a:masterClrMapping/>
-  </p:clrMapOvr>
-</p:sld>
-</file>
-
-<file path=ppt/slides/slide40.xml><?xml version="1.0" encoding="utf-8"?>
+<file path=ppt/slides/slide41.xml><?xml version="1.0" encoding="utf-8"?>
 <p:sld xmlns:a="http://schemas.openxmlformats.org/drawingml/2006/main" xmlns:r="http://schemas.openxmlformats.org/officeDocument/2006/relationships" xmlns:p="http://schemas.openxmlformats.org/presentationml/2006/main">
   <p:cSld>
     <p:spTree>
@@ -11204,172 +11362,6 @@
 </p:sld>
 </file>
 
-<file path=ppt/slides/slide41.xml><?xml version="1.0" encoding="utf-8"?>
-<p:sld xmlns:a="http://schemas.openxmlformats.org/drawingml/2006/main" xmlns:r="http://schemas.openxmlformats.org/officeDocument/2006/relationships" xmlns:p="http://schemas.openxmlformats.org/presentationml/2006/main">
-  <p:cSld>
-    <p:spTree>
-      <p:nvGrpSpPr>
-        <p:cNvPr id="1" name=""/>
-        <p:cNvGrpSpPr/>
-        <p:nvPr/>
-      </p:nvGrpSpPr>
-      <p:grpSpPr>
-        <a:xfrm>
-          <a:off x="0" y="0"/>
-          <a:ext cx="0" cy="0"/>
-          <a:chOff x="0" y="0"/>
-          <a:chExt cx="0" cy="0"/>
-        </a:xfrm>
-      </p:grpSpPr>
-      <p:sp>
-        <p:nvSpPr>
-          <p:cNvPr id="3" name="Subtitle 2"/>
-          <p:cNvSpPr>
-            <a:spLocks noGrp="1"/>
-          </p:cNvSpPr>
-          <p:nvPr>
-            <p:ph type="subTitle" idx="1"/>
-          </p:nvPr>
-        </p:nvSpPr>
-        <p:spPr>
-          <a:xfrm>
-            <a:off x="323528" y="188640"/>
-            <a:ext cx="8640960" cy="6480720"/>
-          </a:xfrm>
-        </p:spPr>
-        <p:txBody>
-          <a:bodyPr>
-            <a:noAutofit/>
-          </a:bodyPr>
-          <a:lstStyle/>
-          <a:p>
-            <a:endParaRPr lang="en-GB" sz="5400" dirty="0">
-              <a:solidFill>
-                <a:schemeClr val="bg1"/>
-              </a:solidFill>
-            </a:endParaRPr>
-          </a:p>
-          <a:p>
-            <a:r>
-              <a:rPr lang="en-GB" sz="4400" b="0" i="0" dirty="0">
-                <a:solidFill>
-                  <a:srgbClr val="00A3E0"/>
-                </a:solidFill>
-                <a:effectLst/>
-                <a:latin typeface="akagi_probook"/>
-              </a:rPr>
-              <a:t>Still</a:t>
-            </a:r>
-          </a:p>
-          <a:p>
-            <a:br>
-              <a:rPr lang="en-GB" sz="1200" dirty="0">
-                <a:solidFill>
-                  <a:schemeClr val="bg1"/>
-                </a:solidFill>
-              </a:rPr>
-            </a:br>
-            <a:r>
-              <a:rPr lang="en-GB" sz="1200" dirty="0">
-                <a:solidFill>
-                  <a:schemeClr val="bg1"/>
-                </a:solidFill>
-              </a:rPr>
-              <a:t>CCLI Song # 3940963</a:t>
-            </a:r>
-          </a:p>
-          <a:p>
-            <a:endParaRPr lang="en-GB" sz="1200" dirty="0">
-              <a:solidFill>
-                <a:schemeClr val="bg1"/>
-              </a:solidFill>
-            </a:endParaRPr>
-          </a:p>
-          <a:p>
-            <a:r>
-              <a:rPr lang="en-GB" sz="1200" dirty="0">
-                <a:solidFill>
-                  <a:schemeClr val="bg1"/>
-                </a:solidFill>
-              </a:rPr>
-              <a:t>Reuben Morgan</a:t>
-            </a:r>
-          </a:p>
-          <a:p>
-            <a:endParaRPr lang="en-GB" sz="1200" dirty="0">
-              <a:solidFill>
-                <a:schemeClr val="bg1"/>
-              </a:solidFill>
-            </a:endParaRPr>
-          </a:p>
-          <a:p>
-            <a:r>
-              <a:rPr lang="en-GB" sz="1200" dirty="0">
-                <a:solidFill>
-                  <a:schemeClr val="bg1"/>
-                </a:solidFill>
-              </a:rPr>
-              <a:t>© 2002 Hillsong Music Publishing Australia (Admin. by Hillsong Music Publishing UK)</a:t>
-            </a:r>
-          </a:p>
-          <a:p>
-            <a:r>
-              <a:rPr lang="en-GB" sz="1200" dirty="0">
-                <a:solidFill>
-                  <a:schemeClr val="bg1"/>
-                </a:solidFill>
-              </a:rPr>
-              <a:t>For use solely with the </a:t>
-            </a:r>
-            <a:r>
-              <a:rPr lang="en-GB" sz="1200" dirty="0" err="1">
-                <a:solidFill>
-                  <a:schemeClr val="bg1"/>
-                </a:solidFill>
-              </a:rPr>
-              <a:t>SongSelect</a:t>
-            </a:r>
-            <a:r>
-              <a:rPr lang="en-GB" sz="1200" dirty="0">
-                <a:solidFill>
-                  <a:schemeClr val="bg1"/>
-                </a:solidFill>
-              </a:rPr>
-              <a:t>® Terms of Use. All rights reserved. www.ccli.com</a:t>
-            </a:r>
-          </a:p>
-          <a:p>
-            <a:endParaRPr lang="en-GB" sz="1200" dirty="0">
-              <a:solidFill>
-                <a:schemeClr val="bg1"/>
-              </a:solidFill>
-            </a:endParaRPr>
-          </a:p>
-          <a:p>
-            <a:r>
-              <a:rPr lang="en-GB" sz="1200" dirty="0">
-                <a:solidFill>
-                  <a:schemeClr val="bg1"/>
-                </a:solidFill>
-              </a:rPr>
-              <a:t>CCLI Licence No. 33265</a:t>
-            </a:r>
-          </a:p>
-        </p:txBody>
-      </p:sp>
-    </p:spTree>
-    <p:extLst>
-      <p:ext uri="{BB962C8B-B14F-4D97-AF65-F5344CB8AC3E}">
-        <p14:creationId xmlns:p14="http://schemas.microsoft.com/office/powerpoint/2010/main" val="2940382954"/>
-      </p:ext>
-    </p:extLst>
-  </p:cSld>
-  <p:clrMapOvr>
-    <a:masterClrMapping/>
-  </p:clrMapOvr>
-</p:sld>
-</file>
-
 <file path=ppt/slides/slide42.xml><?xml version="1.0" encoding="utf-8"?>
 <p:sld xmlns:a="http://schemas.openxmlformats.org/drawingml/2006/main" xmlns:r="http://schemas.openxmlformats.org/officeDocument/2006/relationships" xmlns:p="http://schemas.openxmlformats.org/presentationml/2006/main">
   <p:cSld>
@@ -11399,7 +11391,7 @@
         </p:nvSpPr>
         <p:spPr>
           <a:xfrm>
-            <a:off x="0" y="692696"/>
+            <a:off x="323528" y="188640"/>
             <a:ext cx="8640960" cy="6480720"/>
           </a:xfrm>
         </p:spPr>
@@ -11409,76 +11401,116 @@
           </a:bodyPr>
           <a:lstStyle/>
           <a:p>
-            <a:r>
-              <a:rPr lang="en-GB" sz="3600" dirty="0">
-                <a:solidFill>
-                  <a:schemeClr val="bg1"/>
-                </a:solidFill>
-              </a:rPr>
-              <a:t>Hide me now</a:t>
-            </a:r>
-          </a:p>
-          <a:p>
-            <a:r>
-              <a:rPr lang="en-GB" sz="3600" dirty="0">
-                <a:solidFill>
-                  <a:schemeClr val="bg1"/>
-                </a:solidFill>
-              </a:rPr>
-              <a:t>Under Your wings</a:t>
-            </a:r>
-          </a:p>
-          <a:p>
-            <a:r>
-              <a:rPr lang="en-GB" sz="3600" dirty="0">
-                <a:solidFill>
-                  <a:schemeClr val="bg1"/>
-                </a:solidFill>
-              </a:rPr>
-              <a:t>Cover me</a:t>
-            </a:r>
-          </a:p>
-          <a:p>
-            <a:r>
-              <a:rPr lang="en-GB" sz="3600" dirty="0">
-                <a:solidFill>
-                  <a:schemeClr val="bg1"/>
-                </a:solidFill>
-              </a:rPr>
-              <a:t>Within Your mighty hand</a:t>
-            </a:r>
-          </a:p>
-        </p:txBody>
-      </p:sp>
-      <p:sp>
-        <p:nvSpPr>
-          <p:cNvPr id="4" name="TextBox 3"/>
-          <p:cNvSpPr txBox="1"/>
-          <p:nvPr/>
-        </p:nvSpPr>
-        <p:spPr>
-          <a:xfrm>
-            <a:off x="8529729" y="0"/>
-            <a:ext cx="628698" cy="461665"/>
-          </a:xfrm>
-          <a:prstGeom prst="rect">
-            <a:avLst/>
-          </a:prstGeom>
-          <a:noFill/>
-        </p:spPr>
-        <p:txBody>
-          <a:bodyPr wrap="none" rtlCol="0">
-            <a:spAutoFit/>
-          </a:bodyPr>
-          <a:lstStyle/>
-          <a:p>
-            <a:r>
-              <a:rPr lang="en-GB" sz="2400" b="1" dirty="0">
-                <a:solidFill>
-                  <a:schemeClr val="bg1"/>
-                </a:solidFill>
-              </a:rPr>
-              <a:t>1/3</a:t>
+            <a:endParaRPr lang="en-GB" sz="5400" dirty="0">
+              <a:solidFill>
+                <a:schemeClr val="bg1"/>
+              </a:solidFill>
+            </a:endParaRPr>
+          </a:p>
+          <a:p>
+            <a:r>
+              <a:rPr lang="en-GB" sz="4400" b="0" i="0" dirty="0">
+                <a:solidFill>
+                  <a:srgbClr val="00A3E0"/>
+                </a:solidFill>
+                <a:effectLst/>
+                <a:latin typeface="akagi_probook"/>
+              </a:rPr>
+              <a:t>Still</a:t>
+            </a:r>
+          </a:p>
+          <a:p>
+            <a:br>
+              <a:rPr lang="en-GB" sz="1200" dirty="0">
+                <a:solidFill>
+                  <a:schemeClr val="bg1"/>
+                </a:solidFill>
+              </a:rPr>
+            </a:br>
+            <a:r>
+              <a:rPr lang="en-GB" sz="1200" dirty="0">
+                <a:solidFill>
+                  <a:schemeClr val="bg1"/>
+                </a:solidFill>
+              </a:rPr>
+              <a:t>CCLI Song # 3940963</a:t>
+            </a:r>
+          </a:p>
+          <a:p>
+            <a:endParaRPr lang="en-GB" sz="1200" dirty="0">
+              <a:solidFill>
+                <a:schemeClr val="bg1"/>
+              </a:solidFill>
+            </a:endParaRPr>
+          </a:p>
+          <a:p>
+            <a:r>
+              <a:rPr lang="en-GB" sz="1200" dirty="0">
+                <a:solidFill>
+                  <a:schemeClr val="bg1"/>
+                </a:solidFill>
+              </a:rPr>
+              <a:t>Reuben Morgan</a:t>
+            </a:r>
+          </a:p>
+          <a:p>
+            <a:endParaRPr lang="en-GB" sz="1200" dirty="0">
+              <a:solidFill>
+                <a:schemeClr val="bg1"/>
+              </a:solidFill>
+            </a:endParaRPr>
+          </a:p>
+          <a:p>
+            <a:r>
+              <a:rPr lang="en-GB" sz="1200" dirty="0">
+                <a:solidFill>
+                  <a:schemeClr val="bg1"/>
+                </a:solidFill>
+              </a:rPr>
+              <a:t>© 2002 Hillsong Music Publishing Australia (Admin. by Hillsong Music Publishing UK)</a:t>
+            </a:r>
+          </a:p>
+          <a:p>
+            <a:r>
+              <a:rPr lang="en-GB" sz="1200" dirty="0">
+                <a:solidFill>
+                  <a:schemeClr val="bg1"/>
+                </a:solidFill>
+              </a:rPr>
+              <a:t>For use solely with the </a:t>
+            </a:r>
+            <a:r>
+              <a:rPr lang="en-GB" sz="1200" dirty="0" err="1">
+                <a:solidFill>
+                  <a:schemeClr val="bg1"/>
+                </a:solidFill>
+              </a:rPr>
+              <a:t>SongSelect</a:t>
+            </a:r>
+            <a:r>
+              <a:rPr lang="en-GB" sz="1200" dirty="0">
+                <a:solidFill>
+                  <a:schemeClr val="bg1"/>
+                </a:solidFill>
+              </a:rPr>
+              <a:t>® Terms of Use. All rights reserved. www.ccli.com</a:t>
+            </a:r>
+          </a:p>
+          <a:p>
+            <a:endParaRPr lang="en-GB" sz="1200" dirty="0">
+              <a:solidFill>
+                <a:schemeClr val="bg1"/>
+              </a:solidFill>
+            </a:endParaRPr>
+          </a:p>
+          <a:p>
+            <a:r>
+              <a:rPr lang="en-GB" sz="1200" dirty="0">
+                <a:solidFill>
+                  <a:schemeClr val="bg1"/>
+                </a:solidFill>
+              </a:rPr>
+              <a:t>CCLI Licence No. 33265</a:t>
             </a:r>
           </a:p>
         </p:txBody>
@@ -11486,7 +11518,7 @@
     </p:spTree>
     <p:extLst>
       <p:ext uri="{BB962C8B-B14F-4D97-AF65-F5344CB8AC3E}">
-        <p14:creationId xmlns:p14="http://schemas.microsoft.com/office/powerpoint/2010/main" val="3281651247"/>
+        <p14:creationId xmlns:p14="http://schemas.microsoft.com/office/powerpoint/2010/main" val="2940382954"/>
       </p:ext>
     </p:extLst>
   </p:cSld>
@@ -11525,7 +11557,7 @@
         </p:nvSpPr>
         <p:spPr>
           <a:xfrm>
-            <a:off x="203118" y="692696"/>
+            <a:off x="0" y="692696"/>
             <a:ext cx="8640960" cy="6480720"/>
           </a:xfrm>
         </p:spPr>
@@ -11541,7 +11573,7 @@
                   <a:schemeClr val="bg1"/>
                 </a:solidFill>
               </a:rPr>
-              <a:t>When the oceans rise</a:t>
+              <a:t>Hide me now</a:t>
             </a:r>
           </a:p>
           <a:p>
@@ -11551,7 +11583,7 @@
                   <a:schemeClr val="bg1"/>
                 </a:solidFill>
               </a:rPr>
-              <a:t>And thunders roar</a:t>
+              <a:t>Under Your wings</a:t>
             </a:r>
           </a:p>
           <a:p>
@@ -11561,7 +11593,7 @@
                   <a:schemeClr val="bg1"/>
                 </a:solidFill>
               </a:rPr>
-              <a:t>I will soar with You</a:t>
+              <a:t>Cover me</a:t>
             </a:r>
           </a:p>
           <a:p>
@@ -11571,47 +11603,7 @@
                   <a:schemeClr val="bg1"/>
                 </a:solidFill>
               </a:rPr>
-              <a:t>Above the storm</a:t>
-            </a:r>
-          </a:p>
-          <a:p>
-            <a:r>
-              <a:rPr lang="en-GB" sz="3600" dirty="0">
-                <a:solidFill>
-                  <a:schemeClr val="bg1"/>
-                </a:solidFill>
-              </a:rPr>
-              <a:t>Father You are King</a:t>
-            </a:r>
-          </a:p>
-          <a:p>
-            <a:r>
-              <a:rPr lang="en-GB" sz="3600" dirty="0">
-                <a:solidFill>
-                  <a:schemeClr val="bg1"/>
-                </a:solidFill>
-              </a:rPr>
-              <a:t>Over the flood</a:t>
-            </a:r>
-          </a:p>
-          <a:p>
-            <a:r>
-              <a:rPr lang="en-GB" sz="3600" dirty="0">
-                <a:solidFill>
-                  <a:schemeClr val="bg1"/>
-                </a:solidFill>
-              </a:rPr>
-              <a:t>I will be still and know</a:t>
-            </a:r>
-          </a:p>
-          <a:p>
-            <a:r>
-              <a:rPr lang="en-GB" sz="3600" dirty="0">
-                <a:solidFill>
-                  <a:schemeClr val="bg1"/>
-                </a:solidFill>
-              </a:rPr>
-              <a:t>You are God</a:t>
+              <a:t>Within Your mighty hand</a:t>
             </a:r>
           </a:p>
         </p:txBody>
@@ -11644,7 +11636,7 @@
                   <a:schemeClr val="bg1"/>
                 </a:solidFill>
               </a:rPr>
-              <a:t>2/3</a:t>
+              <a:t>1/3</a:t>
             </a:r>
           </a:p>
         </p:txBody>
@@ -11652,7 +11644,7 @@
     </p:spTree>
     <p:extLst>
       <p:ext uri="{BB962C8B-B14F-4D97-AF65-F5344CB8AC3E}">
-        <p14:creationId xmlns:p14="http://schemas.microsoft.com/office/powerpoint/2010/main" val="2175635830"/>
+        <p14:creationId xmlns:p14="http://schemas.microsoft.com/office/powerpoint/2010/main" val="3281651247"/>
       </p:ext>
     </p:extLst>
   </p:cSld>
@@ -11691,6 +11683,172 @@
         </p:nvSpPr>
         <p:spPr>
           <a:xfrm>
+            <a:off x="203118" y="692696"/>
+            <a:ext cx="8640960" cy="6480720"/>
+          </a:xfrm>
+        </p:spPr>
+        <p:txBody>
+          <a:bodyPr>
+            <a:noAutofit/>
+          </a:bodyPr>
+          <a:lstStyle/>
+          <a:p>
+            <a:r>
+              <a:rPr lang="en-GB" sz="3600" dirty="0">
+                <a:solidFill>
+                  <a:schemeClr val="bg1"/>
+                </a:solidFill>
+              </a:rPr>
+              <a:t>When the oceans rise</a:t>
+            </a:r>
+          </a:p>
+          <a:p>
+            <a:r>
+              <a:rPr lang="en-GB" sz="3600" dirty="0">
+                <a:solidFill>
+                  <a:schemeClr val="bg1"/>
+                </a:solidFill>
+              </a:rPr>
+              <a:t>And thunders roar</a:t>
+            </a:r>
+          </a:p>
+          <a:p>
+            <a:r>
+              <a:rPr lang="en-GB" sz="3600" dirty="0">
+                <a:solidFill>
+                  <a:schemeClr val="bg1"/>
+                </a:solidFill>
+              </a:rPr>
+              <a:t>I will soar with You</a:t>
+            </a:r>
+          </a:p>
+          <a:p>
+            <a:r>
+              <a:rPr lang="en-GB" sz="3600" dirty="0">
+                <a:solidFill>
+                  <a:schemeClr val="bg1"/>
+                </a:solidFill>
+              </a:rPr>
+              <a:t>Above the storm</a:t>
+            </a:r>
+          </a:p>
+          <a:p>
+            <a:r>
+              <a:rPr lang="en-GB" sz="3600" dirty="0">
+                <a:solidFill>
+                  <a:schemeClr val="bg1"/>
+                </a:solidFill>
+              </a:rPr>
+              <a:t>Father You are King</a:t>
+            </a:r>
+          </a:p>
+          <a:p>
+            <a:r>
+              <a:rPr lang="en-GB" sz="3600" dirty="0">
+                <a:solidFill>
+                  <a:schemeClr val="bg1"/>
+                </a:solidFill>
+              </a:rPr>
+              <a:t>Over the flood</a:t>
+            </a:r>
+          </a:p>
+          <a:p>
+            <a:r>
+              <a:rPr lang="en-GB" sz="3600" dirty="0">
+                <a:solidFill>
+                  <a:schemeClr val="bg1"/>
+                </a:solidFill>
+              </a:rPr>
+              <a:t>I will be still and know</a:t>
+            </a:r>
+          </a:p>
+          <a:p>
+            <a:r>
+              <a:rPr lang="en-GB" sz="3600" dirty="0">
+                <a:solidFill>
+                  <a:schemeClr val="bg1"/>
+                </a:solidFill>
+              </a:rPr>
+              <a:t>You are God</a:t>
+            </a:r>
+          </a:p>
+        </p:txBody>
+      </p:sp>
+      <p:sp>
+        <p:nvSpPr>
+          <p:cNvPr id="4" name="TextBox 3"/>
+          <p:cNvSpPr txBox="1"/>
+          <p:nvPr/>
+        </p:nvSpPr>
+        <p:spPr>
+          <a:xfrm>
+            <a:off x="8529729" y="0"/>
+            <a:ext cx="628698" cy="461665"/>
+          </a:xfrm>
+          <a:prstGeom prst="rect">
+            <a:avLst/>
+          </a:prstGeom>
+          <a:noFill/>
+        </p:spPr>
+        <p:txBody>
+          <a:bodyPr wrap="none" rtlCol="0">
+            <a:spAutoFit/>
+          </a:bodyPr>
+          <a:lstStyle/>
+          <a:p>
+            <a:r>
+              <a:rPr lang="en-GB" sz="2400" b="1" dirty="0">
+                <a:solidFill>
+                  <a:schemeClr val="bg1"/>
+                </a:solidFill>
+              </a:rPr>
+              <a:t>2/3</a:t>
+            </a:r>
+          </a:p>
+        </p:txBody>
+      </p:sp>
+    </p:spTree>
+    <p:extLst>
+      <p:ext uri="{BB962C8B-B14F-4D97-AF65-F5344CB8AC3E}">
+        <p14:creationId xmlns:p14="http://schemas.microsoft.com/office/powerpoint/2010/main" val="2175635830"/>
+      </p:ext>
+    </p:extLst>
+  </p:cSld>
+  <p:clrMapOvr>
+    <a:masterClrMapping/>
+  </p:clrMapOvr>
+</p:sld>
+</file>
+
+<file path=ppt/slides/slide45.xml><?xml version="1.0" encoding="utf-8"?>
+<p:sld xmlns:a="http://schemas.openxmlformats.org/drawingml/2006/main" xmlns:r="http://schemas.openxmlformats.org/officeDocument/2006/relationships" xmlns:p="http://schemas.openxmlformats.org/presentationml/2006/main">
+  <p:cSld>
+    <p:spTree>
+      <p:nvGrpSpPr>
+        <p:cNvPr id="1" name=""/>
+        <p:cNvGrpSpPr/>
+        <p:nvPr/>
+      </p:nvGrpSpPr>
+      <p:grpSpPr>
+        <a:xfrm>
+          <a:off x="0" y="0"/>
+          <a:ext cx="0" cy="0"/>
+          <a:chOff x="0" y="0"/>
+          <a:chExt cx="0" cy="0"/>
+        </a:xfrm>
+      </p:grpSpPr>
+      <p:sp>
+        <p:nvSpPr>
+          <p:cNvPr id="3" name="Subtitle 2"/>
+          <p:cNvSpPr>
+            <a:spLocks noGrp="1"/>
+          </p:cNvSpPr>
+          <p:nvPr>
+            <p:ph type="subTitle" idx="1"/>
+          </p:nvPr>
+        </p:nvSpPr>
+        <p:spPr>
+          <a:xfrm>
             <a:off x="203118" y="764704"/>
             <a:ext cx="8640960" cy="6480720"/>
           </a:xfrm>
@@ -11788,7 +11946,7 @@
 </p:sld>
 </file>
 
-<file path=ppt/slides/slide45.xml><?xml version="1.0" encoding="utf-8"?>
+<file path=ppt/slides/slide46.xml><?xml version="1.0" encoding="utf-8"?>
 <p:sld xmlns:a="http://schemas.openxmlformats.org/drawingml/2006/main" xmlns:r="http://schemas.openxmlformats.org/officeDocument/2006/relationships" xmlns:p="http://schemas.openxmlformats.org/presentationml/2006/main">
   <p:cSld>
     <p:spTree>

--- a/docs/songs_2024-11-24.pptx
+++ b/docs/songs_2024-11-24.pptx
@@ -23,36 +23,36 @@
     <p:sldId id="524" r:id="rId14"/>
     <p:sldId id="525" r:id="rId15"/>
     <p:sldId id="1228" r:id="rId16"/>
-    <p:sldId id="1224" r:id="rId17"/>
-    <p:sldId id="1273" r:id="rId18"/>
-    <p:sldId id="1274" r:id="rId19"/>
-    <p:sldId id="1275" r:id="rId20"/>
-    <p:sldId id="1276" r:id="rId21"/>
-    <p:sldId id="1277" r:id="rId22"/>
-    <p:sldId id="619" r:id="rId23"/>
-    <p:sldId id="620" r:id="rId24"/>
-    <p:sldId id="621" r:id="rId25"/>
-    <p:sldId id="1252" r:id="rId26"/>
-    <p:sldId id="1278" r:id="rId27"/>
-    <p:sldId id="1279" r:id="rId28"/>
-    <p:sldId id="1280" r:id="rId29"/>
-    <p:sldId id="1281" r:id="rId30"/>
-    <p:sldId id="523" r:id="rId31"/>
-    <p:sldId id="1282" r:id="rId32"/>
-    <p:sldId id="1283" r:id="rId33"/>
-    <p:sldId id="1284" r:id="rId34"/>
-    <p:sldId id="1285" r:id="rId35"/>
-    <p:sldId id="1286" r:id="rId36"/>
-    <p:sldId id="1287" r:id="rId37"/>
-    <p:sldId id="1288" r:id="rId38"/>
-    <p:sldId id="954" r:id="rId39"/>
-    <p:sldId id="1171" r:id="rId40"/>
-    <p:sldId id="1214" r:id="rId41"/>
-    <p:sldId id="1122" r:id="rId42"/>
-    <p:sldId id="518" r:id="rId43"/>
-    <p:sldId id="522" r:id="rId44"/>
-    <p:sldId id="520" r:id="rId45"/>
-    <p:sldId id="521" r:id="rId46"/>
+    <p:sldId id="1290" r:id="rId17"/>
+    <p:sldId id="1224" r:id="rId18"/>
+    <p:sldId id="1273" r:id="rId19"/>
+    <p:sldId id="1274" r:id="rId20"/>
+    <p:sldId id="1275" r:id="rId21"/>
+    <p:sldId id="1276" r:id="rId22"/>
+    <p:sldId id="1277" r:id="rId23"/>
+    <p:sldId id="619" r:id="rId24"/>
+    <p:sldId id="620" r:id="rId25"/>
+    <p:sldId id="621" r:id="rId26"/>
+    <p:sldId id="1252" r:id="rId27"/>
+    <p:sldId id="1278" r:id="rId28"/>
+    <p:sldId id="1279" r:id="rId29"/>
+    <p:sldId id="1291" r:id="rId30"/>
+    <p:sldId id="1280" r:id="rId31"/>
+    <p:sldId id="1281" r:id="rId32"/>
+    <p:sldId id="1289" r:id="rId33"/>
+    <p:sldId id="1292" r:id="rId34"/>
+    <p:sldId id="523" r:id="rId35"/>
+    <p:sldId id="1282" r:id="rId36"/>
+    <p:sldId id="1283" r:id="rId37"/>
+    <p:sldId id="1284" r:id="rId38"/>
+    <p:sldId id="1285" r:id="rId39"/>
+    <p:sldId id="1286" r:id="rId40"/>
+    <p:sldId id="1287" r:id="rId41"/>
+    <p:sldId id="1288" r:id="rId42"/>
+    <p:sldId id="954" r:id="rId43"/>
+    <p:sldId id="1171" r:id="rId44"/>
+    <p:sldId id="1214" r:id="rId45"/>
+    <p:sldId id="1122" r:id="rId46"/>
     <p:sldId id="946" r:id="rId47"/>
   </p:sldIdLst>
   <p:sldSz cx="9144000" cy="6858000" type="screen4x3"/>
@@ -172,6 +172,7 @@
             <p14:sldId id="524"/>
             <p14:sldId id="525"/>
             <p14:sldId id="1228"/>
+            <p14:sldId id="1290"/>
             <p14:sldId id="1224"/>
             <p14:sldId id="1273"/>
             <p14:sldId id="1274"/>
@@ -184,8 +185,11 @@
             <p14:sldId id="1252"/>
             <p14:sldId id="1278"/>
             <p14:sldId id="1279"/>
+            <p14:sldId id="1291"/>
             <p14:sldId id="1280"/>
             <p14:sldId id="1281"/>
+            <p14:sldId id="1289"/>
+            <p14:sldId id="1292"/>
             <p14:sldId id="523"/>
             <p14:sldId id="1282"/>
             <p14:sldId id="1283"/>
@@ -198,10 +202,6 @@
             <p14:sldId id="1171"/>
             <p14:sldId id="1214"/>
             <p14:sldId id="1122"/>
-            <p14:sldId id="518"/>
-            <p14:sldId id="522"/>
-            <p14:sldId id="520"/>
-            <p14:sldId id="521"/>
             <p14:sldId id="946"/>
           </p14:sldIdLst>
         </p14:section>
@@ -307,7 +307,7 @@
           <a:p>
             <a:fld id="{C57EAEFC-A9C7-464E-BE3F-33D4DD72E122}" type="datetimeFigureOut">
               <a:rPr lang="en-GB" smtClean="0"/>
-              <a:t>18/11/2024</a:t>
+              <a:t>23/11/2024</a:t>
             </a:fld>
             <a:endParaRPr lang="en-GB"/>
           </a:p>
@@ -868,7 +868,7 @@
           <a:p>
             <a:fld id="{E79B61DE-1D46-4752-AF65-FA2C4EB0D1D0}" type="slidenum">
               <a:rPr lang="en-GB" smtClean="0"/>
-              <a:t>16</a:t>
+              <a:t>17</a:t>
             </a:fld>
             <a:endParaRPr lang="en-GB"/>
           </a:p>
@@ -952,7 +952,7 @@
           <a:p>
             <a:fld id="{E79B61DE-1D46-4752-AF65-FA2C4EB0D1D0}" type="slidenum">
               <a:rPr lang="en-GB" smtClean="0"/>
-              <a:t>21</a:t>
+              <a:t>22</a:t>
             </a:fld>
             <a:endParaRPr lang="en-GB"/>
           </a:p>
@@ -1036,7 +1036,7 @@
           <a:p>
             <a:fld id="{E79B61DE-1D46-4752-AF65-FA2C4EB0D1D0}" type="slidenum">
               <a:rPr lang="en-GB" smtClean="0"/>
-              <a:t>24</a:t>
+              <a:t>25</a:t>
             </a:fld>
             <a:endParaRPr lang="en-GB"/>
           </a:p>
@@ -1144,7 +1144,7 @@
           <a:p>
             <a:fld id="{E79B61DE-1D46-4752-AF65-FA2C4EB0D1D0}" type="slidenum">
               <a:rPr lang="en-GB" smtClean="0"/>
-              <a:t>25</a:t>
+              <a:t>26</a:t>
             </a:fld>
             <a:endParaRPr lang="en-GB"/>
           </a:p>
@@ -1228,7 +1228,7 @@
           <a:p>
             <a:fld id="{E79B61DE-1D46-4752-AF65-FA2C4EB0D1D0}" type="slidenum">
               <a:rPr lang="en-GB" smtClean="0"/>
-              <a:t>38</a:t>
+              <a:t>42</a:t>
             </a:fld>
             <a:endParaRPr lang="en-GB"/>
           </a:p>
@@ -1312,7 +1312,7 @@
           <a:p>
             <a:fld id="{E79B61DE-1D46-4752-AF65-FA2C4EB0D1D0}" type="slidenum">
               <a:rPr lang="en-GB" smtClean="0"/>
-              <a:t>40</a:t>
+              <a:t>44</a:t>
             </a:fld>
             <a:endParaRPr lang="en-GB"/>
           </a:p>
@@ -1595,7 +1595,7 @@
             <a:fld id="{26EA1CF3-4A15-4CBF-9A5A-6A56C368BE71}" type="datetimeFigureOut">
               <a:rPr lang="en-GB" smtClean="0"/>
               <a:pPr/>
-              <a:t>18/11/2024</a:t>
+              <a:t>23/11/2024</a:t>
             </a:fld>
             <a:endParaRPr lang="en-GB"/>
           </a:p>
@@ -1760,7 +1760,7 @@
             <a:fld id="{26EA1CF3-4A15-4CBF-9A5A-6A56C368BE71}" type="datetimeFigureOut">
               <a:rPr lang="en-GB" smtClean="0"/>
               <a:pPr/>
-              <a:t>18/11/2024</a:t>
+              <a:t>23/11/2024</a:t>
             </a:fld>
             <a:endParaRPr lang="en-GB"/>
           </a:p>
@@ -1935,7 +1935,7 @@
             <a:fld id="{26EA1CF3-4A15-4CBF-9A5A-6A56C368BE71}" type="datetimeFigureOut">
               <a:rPr lang="en-GB" smtClean="0"/>
               <a:pPr/>
-              <a:t>18/11/2024</a:t>
+              <a:t>23/11/2024</a:t>
             </a:fld>
             <a:endParaRPr lang="en-GB"/>
           </a:p>
@@ -2102,7 +2102,7 @@
             <a:fld id="{26EA1CF3-4A15-4CBF-9A5A-6A56C368BE71}" type="datetimeFigureOut">
               <a:rPr lang="en-GB" smtClean="0"/>
               <a:pPr/>
-              <a:t>18/11/2024</a:t>
+              <a:t>23/11/2024</a:t>
             </a:fld>
             <a:endParaRPr lang="en-GB"/>
           </a:p>
@@ -2344,7 +2344,7 @@
             <a:fld id="{26EA1CF3-4A15-4CBF-9A5A-6A56C368BE71}" type="datetimeFigureOut">
               <a:rPr lang="en-GB" smtClean="0"/>
               <a:pPr/>
-              <a:t>18/11/2024</a:t>
+              <a:t>23/11/2024</a:t>
             </a:fld>
             <a:endParaRPr lang="en-GB"/>
           </a:p>
@@ -2626,7 +2626,7 @@
             <a:fld id="{26EA1CF3-4A15-4CBF-9A5A-6A56C368BE71}" type="datetimeFigureOut">
               <a:rPr lang="en-GB" smtClean="0"/>
               <a:pPr/>
-              <a:t>18/11/2024</a:t>
+              <a:t>23/11/2024</a:t>
             </a:fld>
             <a:endParaRPr lang="en-GB"/>
           </a:p>
@@ -3042,7 +3042,7 @@
             <a:fld id="{26EA1CF3-4A15-4CBF-9A5A-6A56C368BE71}" type="datetimeFigureOut">
               <a:rPr lang="en-GB" smtClean="0"/>
               <a:pPr/>
-              <a:t>18/11/2024</a:t>
+              <a:t>23/11/2024</a:t>
             </a:fld>
             <a:endParaRPr lang="en-GB"/>
           </a:p>
@@ -3156,7 +3156,7 @@
             <a:fld id="{26EA1CF3-4A15-4CBF-9A5A-6A56C368BE71}" type="datetimeFigureOut">
               <a:rPr lang="en-GB" smtClean="0"/>
               <a:pPr/>
-              <a:t>18/11/2024</a:t>
+              <a:t>23/11/2024</a:t>
             </a:fld>
             <a:endParaRPr lang="en-GB"/>
           </a:p>
@@ -3248,7 +3248,7 @@
             <a:fld id="{26EA1CF3-4A15-4CBF-9A5A-6A56C368BE71}" type="datetimeFigureOut">
               <a:rPr lang="en-GB" smtClean="0"/>
               <a:pPr/>
-              <a:t>18/11/2024</a:t>
+              <a:t>23/11/2024</a:t>
             </a:fld>
             <a:endParaRPr lang="en-GB"/>
           </a:p>
@@ -3520,7 +3520,7 @@
             <a:fld id="{26EA1CF3-4A15-4CBF-9A5A-6A56C368BE71}" type="datetimeFigureOut">
               <a:rPr lang="en-GB" smtClean="0"/>
               <a:pPr/>
-              <a:t>18/11/2024</a:t>
+              <a:t>23/11/2024</a:t>
             </a:fld>
             <a:endParaRPr lang="en-GB"/>
           </a:p>
@@ -3772,7 +3772,7 @@
             <a:fld id="{26EA1CF3-4A15-4CBF-9A5A-6A56C368BE71}" type="datetimeFigureOut">
               <a:rPr lang="en-GB" smtClean="0"/>
               <a:pPr/>
-              <a:t>18/11/2024</a:t>
+              <a:t>23/11/2024</a:t>
             </a:fld>
             <a:endParaRPr lang="en-GB"/>
           </a:p>
@@ -3981,7 +3981,7 @@
             <a:fld id="{26EA1CF3-4A15-4CBF-9A5A-6A56C368BE71}" type="datetimeFigureOut">
               <a:rPr lang="en-GB" smtClean="0"/>
               <a:pPr/>
-              <a:t>18/11/2024</a:t>
+              <a:t>23/11/2024</a:t>
             </a:fld>
             <a:endParaRPr lang="en-GB"/>
           </a:p>
@@ -5642,6 +5642,28 @@
               </a:rPr>
               <a:t>Nobody but Jesus</a:t>
             </a:r>
+            <a:br>
+              <a:rPr lang="en-GB" sz="4000" dirty="0">
+                <a:solidFill>
+                  <a:schemeClr val="bg1"/>
+                </a:solidFill>
+              </a:rPr>
+            </a:br>
+            <a:br>
+              <a:rPr lang="en-GB" sz="4000" dirty="0">
+                <a:solidFill>
+                  <a:schemeClr val="bg1"/>
+                </a:solidFill>
+              </a:rPr>
+            </a:br>
+            <a:r>
+              <a:rPr lang="en-GB" sz="4000" dirty="0">
+                <a:solidFill>
+                  <a:schemeClr val="bg1"/>
+                </a:solidFill>
+              </a:rPr>
+              <a:t>(REPEAT)</a:t>
+            </a:r>
           </a:p>
         </p:txBody>
       </p:sp>
@@ -5781,6 +5803,28 @@
               </a:rPr>
               <a:t>Nobody but Jesus (Him)</a:t>
             </a:r>
+            <a:br>
+              <a:rPr lang="en-GB" sz="4000" dirty="0">
+                <a:solidFill>
+                  <a:schemeClr val="bg1"/>
+                </a:solidFill>
+              </a:rPr>
+            </a:br>
+            <a:br>
+              <a:rPr lang="en-GB" sz="4000" dirty="0">
+                <a:solidFill>
+                  <a:schemeClr val="bg1"/>
+                </a:solidFill>
+              </a:rPr>
+            </a:br>
+            <a:r>
+              <a:rPr lang="en-GB" sz="4000" dirty="0">
+                <a:solidFill>
+                  <a:schemeClr val="bg1"/>
+                </a:solidFill>
+              </a:rPr>
+              <a:t>(REPEAT)</a:t>
+            </a:r>
           </a:p>
         </p:txBody>
       </p:sp>
@@ -5987,6 +6031,130 @@
 </file>
 
 <file path=ppt/slides/slide16.xml><?xml version="1.0" encoding="utf-8"?>
+<p:sld xmlns:a="http://schemas.openxmlformats.org/drawingml/2006/main" xmlns:r="http://schemas.openxmlformats.org/officeDocument/2006/relationships" xmlns:p="http://schemas.openxmlformats.org/presentationml/2006/main">
+  <p:cSld>
+    <p:spTree>
+      <p:nvGrpSpPr>
+        <p:cNvPr id="1" name="">
+          <a:extLst>
+            <a:ext uri="{FF2B5EF4-FFF2-40B4-BE49-F238E27FC236}">
+              <a16:creationId xmlns:a16="http://schemas.microsoft.com/office/drawing/2014/main" id="{E90157F8-32A9-4913-C533-13CE4B2F47E3}"/>
+            </a:ext>
+          </a:extLst>
+        </p:cNvPr>
+        <p:cNvGrpSpPr/>
+        <p:nvPr/>
+      </p:nvGrpSpPr>
+      <p:grpSpPr>
+        <a:xfrm>
+          <a:off x="0" y="0"/>
+          <a:ext cx="0" cy="0"/>
+          <a:chOff x="0" y="0"/>
+          <a:chExt cx="0" cy="0"/>
+        </a:xfrm>
+      </p:grpSpPr>
+      <p:sp>
+        <p:nvSpPr>
+          <p:cNvPr id="3" name="Subtitle 2">
+            <a:extLst>
+              <a:ext uri="{FF2B5EF4-FFF2-40B4-BE49-F238E27FC236}">
+                <a16:creationId xmlns:a16="http://schemas.microsoft.com/office/drawing/2014/main" id="{9BA7B181-F051-E95E-0D6E-69843B25F210}"/>
+              </a:ext>
+            </a:extLst>
+          </p:cNvPr>
+          <p:cNvSpPr>
+            <a:spLocks noGrp="1"/>
+          </p:cNvSpPr>
+          <p:nvPr>
+            <p:ph type="subTitle" idx="1"/>
+          </p:nvPr>
+        </p:nvSpPr>
+        <p:spPr>
+          <a:xfrm>
+            <a:off x="251520" y="764704"/>
+            <a:ext cx="8640960" cy="6480720"/>
+          </a:xfrm>
+        </p:spPr>
+        <p:txBody>
+          <a:bodyPr>
+            <a:noAutofit/>
+          </a:bodyPr>
+          <a:lstStyle/>
+          <a:p>
+            <a:r>
+              <a:rPr lang="en-GB" sz="4400" dirty="0">
+                <a:solidFill>
+                  <a:schemeClr val="bg1"/>
+                </a:solidFill>
+              </a:rPr>
+              <a:t>Let’s bring our lives as a daily offering</a:t>
+            </a:r>
+          </a:p>
+          <a:p>
+            <a:r>
+              <a:rPr lang="en-GB" sz="4400" dirty="0">
+                <a:solidFill>
+                  <a:schemeClr val="bg1"/>
+                </a:solidFill>
+              </a:rPr>
+              <a:t>Of worship to the Servant King</a:t>
+            </a:r>
+          </a:p>
+        </p:txBody>
+      </p:sp>
+      <p:sp>
+        <p:nvSpPr>
+          <p:cNvPr id="4" name="TextBox 3">
+            <a:extLst>
+              <a:ext uri="{FF2B5EF4-FFF2-40B4-BE49-F238E27FC236}">
+                <a16:creationId xmlns:a16="http://schemas.microsoft.com/office/drawing/2014/main" id="{D80EAD95-2AB5-4C8A-18AB-49335CCFC1A5}"/>
+              </a:ext>
+            </a:extLst>
+          </p:cNvPr>
+          <p:cNvSpPr txBox="1"/>
+          <p:nvPr/>
+        </p:nvSpPr>
+        <p:spPr>
+          <a:xfrm>
+            <a:off x="8529729" y="0"/>
+            <a:ext cx="628698" cy="461665"/>
+          </a:xfrm>
+          <a:prstGeom prst="rect">
+            <a:avLst/>
+          </a:prstGeom>
+          <a:noFill/>
+        </p:spPr>
+        <p:txBody>
+          <a:bodyPr wrap="none" rtlCol="0">
+            <a:spAutoFit/>
+          </a:bodyPr>
+          <a:lstStyle/>
+          <a:p>
+            <a:r>
+              <a:rPr lang="en-GB" sz="2400" b="1" dirty="0">
+                <a:solidFill>
+                  <a:schemeClr val="bg1"/>
+                </a:solidFill>
+              </a:rPr>
+              <a:t>1/1</a:t>
+            </a:r>
+          </a:p>
+        </p:txBody>
+      </p:sp>
+    </p:spTree>
+    <p:extLst>
+      <p:ext uri="{BB962C8B-B14F-4D97-AF65-F5344CB8AC3E}">
+        <p14:creationId xmlns:p14="http://schemas.microsoft.com/office/powerpoint/2010/main" val="800191795"/>
+      </p:ext>
+    </p:extLst>
+  </p:cSld>
+  <p:clrMapOvr>
+    <a:masterClrMapping/>
+  </p:clrMapOvr>
+</p:sld>
+</file>
+
+<file path=ppt/slides/slide17.xml><?xml version="1.0" encoding="utf-8"?>
 <p:sld xmlns:a="http://schemas.openxmlformats.org/drawingml/2006/main" xmlns:r="http://schemas.openxmlformats.org/officeDocument/2006/relationships" xmlns:p="http://schemas.openxmlformats.org/presentationml/2006/main">
   <p:cSld>
     <p:spTree>
@@ -6482,179 +6650,6 @@
 </p:sld>
 </file>
 
-<file path=ppt/slides/slide17.xml><?xml version="1.0" encoding="utf-8"?>
-<p:sld xmlns:a="http://schemas.openxmlformats.org/drawingml/2006/main" xmlns:r="http://schemas.openxmlformats.org/officeDocument/2006/relationships" xmlns:p="http://schemas.openxmlformats.org/presentationml/2006/main">
-  <p:cSld>
-    <p:spTree>
-      <p:nvGrpSpPr>
-        <p:cNvPr id="1" name=""/>
-        <p:cNvGrpSpPr/>
-        <p:nvPr/>
-      </p:nvGrpSpPr>
-      <p:grpSpPr>
-        <a:xfrm>
-          <a:off x="0" y="0"/>
-          <a:ext cx="0" cy="0"/>
-          <a:chOff x="0" y="0"/>
-          <a:chExt cx="0" cy="0"/>
-        </a:xfrm>
-      </p:grpSpPr>
-      <p:sp>
-        <p:nvSpPr>
-          <p:cNvPr id="3" name="Subtitle 2"/>
-          <p:cNvSpPr>
-            <a:spLocks noGrp="1"/>
-          </p:cNvSpPr>
-          <p:nvPr>
-            <p:ph type="subTitle" idx="1"/>
-          </p:nvPr>
-        </p:nvSpPr>
-        <p:spPr>
-          <a:xfrm>
-            <a:off x="323528" y="188640"/>
-            <a:ext cx="8640960" cy="6480720"/>
-          </a:xfrm>
-        </p:spPr>
-        <p:txBody>
-          <a:bodyPr>
-            <a:noAutofit/>
-          </a:bodyPr>
-          <a:lstStyle/>
-          <a:p>
-            <a:endParaRPr lang="en-GB" sz="5400" dirty="0">
-              <a:solidFill>
-                <a:schemeClr val="bg1"/>
-              </a:solidFill>
-            </a:endParaRPr>
-          </a:p>
-          <a:p>
-            <a:r>
-              <a:rPr lang="en-GB" sz="4400" b="0" i="0" dirty="0">
-                <a:solidFill>
-                  <a:srgbClr val="00A3E0"/>
-                </a:solidFill>
-                <a:effectLst/>
-                <a:latin typeface="akagi_probook"/>
-              </a:rPr>
-              <a:t>Here I am to Worship</a:t>
-            </a:r>
-          </a:p>
-          <a:p>
-            <a:br>
-              <a:rPr lang="en-GB" sz="1200" dirty="0">
-                <a:solidFill>
-                  <a:schemeClr val="bg1"/>
-                </a:solidFill>
-              </a:rPr>
-            </a:br>
-            <a:br>
-              <a:rPr lang="en-GB" sz="1200" dirty="0">
-                <a:solidFill>
-                  <a:schemeClr val="bg1"/>
-                </a:solidFill>
-              </a:rPr>
-            </a:br>
-            <a:r>
-              <a:rPr lang="en-GB" sz="1200" dirty="0">
-                <a:solidFill>
-                  <a:schemeClr val="bg1"/>
-                </a:solidFill>
-              </a:rPr>
-              <a:t>CCLI Song # 3266032</a:t>
-            </a:r>
-          </a:p>
-          <a:p>
-            <a:endParaRPr lang="en-GB" sz="1200" dirty="0">
-              <a:solidFill>
-                <a:schemeClr val="bg1"/>
-              </a:solidFill>
-            </a:endParaRPr>
-          </a:p>
-          <a:p>
-            <a:r>
-              <a:rPr lang="en-GB" sz="1200" dirty="0">
-                <a:solidFill>
-                  <a:schemeClr val="bg1"/>
-                </a:solidFill>
-              </a:rPr>
-              <a:t>Tim Hughes</a:t>
-            </a:r>
-          </a:p>
-          <a:p>
-            <a:endParaRPr lang="en-GB" sz="1200" dirty="0">
-              <a:solidFill>
-                <a:schemeClr val="bg1"/>
-              </a:solidFill>
-            </a:endParaRPr>
-          </a:p>
-          <a:p>
-            <a:r>
-              <a:rPr lang="en-GB" sz="1200" dirty="0">
-                <a:solidFill>
-                  <a:schemeClr val="bg1"/>
-                </a:solidFill>
-              </a:rPr>
-              <a:t>© 2000 Thankyou Music (Admin. by Integrity Music Ltd)</a:t>
-            </a:r>
-          </a:p>
-          <a:p>
-            <a:r>
-              <a:rPr lang="en-GB" sz="1200" dirty="0">
-                <a:solidFill>
-                  <a:schemeClr val="bg1"/>
-                </a:solidFill>
-              </a:rPr>
-              <a:t>For use solely with the </a:t>
-            </a:r>
-            <a:r>
-              <a:rPr lang="en-GB" sz="1200" dirty="0" err="1">
-                <a:solidFill>
-                  <a:schemeClr val="bg1"/>
-                </a:solidFill>
-              </a:rPr>
-              <a:t>SongSelect</a:t>
-            </a:r>
-            <a:r>
-              <a:rPr lang="en-GB" sz="1200" dirty="0">
-                <a:solidFill>
-                  <a:schemeClr val="bg1"/>
-                </a:solidFill>
-              </a:rPr>
-              <a:t>® Terms of Use. All rights reserved. www.ccli.com</a:t>
-            </a:r>
-          </a:p>
-          <a:p>
-            <a:endParaRPr lang="en-GB" sz="1200" dirty="0">
-              <a:solidFill>
-                <a:schemeClr val="bg1"/>
-              </a:solidFill>
-            </a:endParaRPr>
-          </a:p>
-          <a:p>
-            <a:r>
-              <a:rPr lang="en-GB" sz="1200" dirty="0">
-                <a:solidFill>
-                  <a:schemeClr val="bg1"/>
-                </a:solidFill>
-              </a:rPr>
-              <a:t>CCLI Licence No. 33265</a:t>
-            </a:r>
-          </a:p>
-        </p:txBody>
-      </p:sp>
-    </p:spTree>
-    <p:extLst>
-      <p:ext uri="{BB962C8B-B14F-4D97-AF65-F5344CB8AC3E}">
-        <p14:creationId xmlns:p14="http://schemas.microsoft.com/office/powerpoint/2010/main" val="437537741"/>
-      </p:ext>
-    </p:extLst>
-  </p:cSld>
-  <p:clrMapOvr>
-    <a:masterClrMapping/>
-  </p:clrMapOvr>
-</p:sld>
-</file>
-
 <file path=ppt/slides/slide18.xml><?xml version="1.0" encoding="utf-8"?>
 <p:sld xmlns:a="http://schemas.openxmlformats.org/drawingml/2006/main" xmlns:r="http://schemas.openxmlformats.org/officeDocument/2006/relationships" xmlns:p="http://schemas.openxmlformats.org/presentationml/2006/main">
   <p:cSld>
@@ -6684,7 +6679,7 @@
         </p:nvSpPr>
         <p:spPr>
           <a:xfrm>
-            <a:off x="203118" y="764704"/>
+            <a:off x="323528" y="188640"/>
             <a:ext cx="8640960" cy="6480720"/>
           </a:xfrm>
         </p:spPr>
@@ -6694,96 +6689,123 @@
           </a:bodyPr>
           <a:lstStyle/>
           <a:p>
-            <a:r>
-              <a:rPr lang="en-GB" sz="3600" dirty="0">
-                <a:solidFill>
-                  <a:schemeClr val="bg1"/>
-                </a:solidFill>
-              </a:rPr>
-              <a:t>Light of the world</a:t>
-            </a:r>
-          </a:p>
-          <a:p>
-            <a:r>
-              <a:rPr lang="en-GB" sz="3600" dirty="0">
-                <a:solidFill>
-                  <a:schemeClr val="bg1"/>
-                </a:solidFill>
-              </a:rPr>
-              <a:t>You stepped down into darkness</a:t>
-            </a:r>
-          </a:p>
-          <a:p>
-            <a:r>
-              <a:rPr lang="en-GB" sz="3600" dirty="0">
-                <a:solidFill>
-                  <a:schemeClr val="bg1"/>
-                </a:solidFill>
-              </a:rPr>
-              <a:t>Opened my eyes let me see</a:t>
-            </a:r>
-          </a:p>
-          <a:p>
-            <a:r>
-              <a:rPr lang="en-GB" sz="3600" dirty="0">
-                <a:solidFill>
-                  <a:schemeClr val="bg1"/>
-                </a:solidFill>
-              </a:rPr>
-              <a:t>Beauty that made</a:t>
-            </a:r>
-          </a:p>
-          <a:p>
-            <a:r>
-              <a:rPr lang="en-GB" sz="3600" dirty="0">
-                <a:solidFill>
-                  <a:schemeClr val="bg1"/>
-                </a:solidFill>
-              </a:rPr>
-              <a:t>This heart adore You</a:t>
-            </a:r>
-          </a:p>
-          <a:p>
-            <a:r>
-              <a:rPr lang="en-GB" sz="3600" dirty="0">
-                <a:solidFill>
-                  <a:schemeClr val="bg1"/>
-                </a:solidFill>
-              </a:rPr>
-              <a:t>Hope of a life spent with You</a:t>
-            </a:r>
-          </a:p>
-        </p:txBody>
-      </p:sp>
-      <p:sp>
-        <p:nvSpPr>
-          <p:cNvPr id="4" name="TextBox 3"/>
-          <p:cNvSpPr txBox="1"/>
-          <p:nvPr/>
-        </p:nvSpPr>
-        <p:spPr>
-          <a:xfrm>
-            <a:off x="8529729" y="0"/>
-            <a:ext cx="628698" cy="461665"/>
-          </a:xfrm>
-          <a:prstGeom prst="rect">
-            <a:avLst/>
-          </a:prstGeom>
-          <a:noFill/>
-        </p:spPr>
-        <p:txBody>
-          <a:bodyPr wrap="none" rtlCol="0">
-            <a:spAutoFit/>
-          </a:bodyPr>
-          <a:lstStyle/>
-          <a:p>
-            <a:r>
-              <a:rPr lang="en-GB" sz="2400" b="1" dirty="0">
-                <a:solidFill>
-                  <a:schemeClr val="bg1"/>
-                </a:solidFill>
-              </a:rPr>
-              <a:t>1/4</a:t>
+            <a:endParaRPr lang="en-GB" sz="5400" dirty="0">
+              <a:solidFill>
+                <a:schemeClr val="bg1"/>
+              </a:solidFill>
+            </a:endParaRPr>
+          </a:p>
+          <a:p>
+            <a:r>
+              <a:rPr lang="en-GB" sz="4400" b="0" i="0" dirty="0">
+                <a:solidFill>
+                  <a:srgbClr val="00A3E0"/>
+                </a:solidFill>
+                <a:effectLst/>
+                <a:latin typeface="akagi_probook"/>
+              </a:rPr>
+              <a:t>Here I am to Worship</a:t>
+            </a:r>
+          </a:p>
+          <a:p>
+            <a:br>
+              <a:rPr lang="en-GB" sz="1200" dirty="0">
+                <a:solidFill>
+                  <a:schemeClr val="bg1"/>
+                </a:solidFill>
+              </a:rPr>
+            </a:br>
+            <a:br>
+              <a:rPr lang="en-GB" sz="1200" dirty="0">
+                <a:solidFill>
+                  <a:schemeClr val="bg1"/>
+                </a:solidFill>
+              </a:rPr>
+            </a:br>
+            <a:r>
+              <a:rPr lang="en-GB" sz="1200" dirty="0">
+                <a:solidFill>
+                  <a:schemeClr val="bg1"/>
+                </a:solidFill>
+              </a:rPr>
+              <a:t>CCLI Song # 3266032</a:t>
+            </a:r>
+          </a:p>
+          <a:p>
+            <a:endParaRPr lang="en-GB" sz="1200" dirty="0">
+              <a:solidFill>
+                <a:schemeClr val="bg1"/>
+              </a:solidFill>
+            </a:endParaRPr>
+          </a:p>
+          <a:p>
+            <a:r>
+              <a:rPr lang="en-GB" sz="1200" dirty="0">
+                <a:solidFill>
+                  <a:schemeClr val="bg1"/>
+                </a:solidFill>
+              </a:rPr>
+              <a:t>Tim Hughes</a:t>
+            </a:r>
+          </a:p>
+          <a:p>
+            <a:endParaRPr lang="en-GB" sz="1200" dirty="0">
+              <a:solidFill>
+                <a:schemeClr val="bg1"/>
+              </a:solidFill>
+            </a:endParaRPr>
+          </a:p>
+          <a:p>
+            <a:r>
+              <a:rPr lang="en-GB" sz="1200" dirty="0">
+                <a:solidFill>
+                  <a:schemeClr val="bg1"/>
+                </a:solidFill>
+              </a:rPr>
+              <a:t>© 2000 Thankyou Music (Admin. by Integrity Music Ltd)</a:t>
+            </a:r>
+          </a:p>
+          <a:p>
+            <a:r>
+              <a:rPr lang="en-GB" sz="1200" dirty="0">
+                <a:solidFill>
+                  <a:schemeClr val="bg1"/>
+                </a:solidFill>
+              </a:rPr>
+              <a:t>For use solely with the </a:t>
+            </a:r>
+            <a:r>
+              <a:rPr lang="en-GB" sz="1200" dirty="0" err="1">
+                <a:solidFill>
+                  <a:schemeClr val="bg1"/>
+                </a:solidFill>
+              </a:rPr>
+              <a:t>SongSelect</a:t>
+            </a:r>
+            <a:r>
+              <a:rPr lang="en-GB" sz="1200" dirty="0">
+                <a:solidFill>
+                  <a:schemeClr val="bg1"/>
+                </a:solidFill>
+              </a:rPr>
+              <a:t>® Terms of Use. All rights reserved. www.ccli.com</a:t>
+            </a:r>
+          </a:p>
+          <a:p>
+            <a:endParaRPr lang="en-GB" sz="1200" dirty="0">
+              <a:solidFill>
+                <a:schemeClr val="bg1"/>
+              </a:solidFill>
+            </a:endParaRPr>
+          </a:p>
+          <a:p>
+            <a:r>
+              <a:rPr lang="en-GB" sz="1200" dirty="0">
+                <a:solidFill>
+                  <a:schemeClr val="bg1"/>
+                </a:solidFill>
+              </a:rPr>
+              <a:t>CCLI Licence No. 33265</a:t>
             </a:r>
           </a:p>
         </p:txBody>
@@ -6791,7 +6813,7 @@
     </p:spTree>
     <p:extLst>
       <p:ext uri="{BB962C8B-B14F-4D97-AF65-F5344CB8AC3E}">
-        <p14:creationId xmlns:p14="http://schemas.microsoft.com/office/powerpoint/2010/main" val="537373158"/>
+        <p14:creationId xmlns:p14="http://schemas.microsoft.com/office/powerpoint/2010/main" val="437537741"/>
       </p:ext>
     </p:extLst>
   </p:cSld>
@@ -6830,7 +6852,7 @@
         </p:nvSpPr>
         <p:spPr>
           <a:xfrm>
-            <a:off x="251520" y="764704"/>
+            <a:off x="203118" y="764704"/>
             <a:ext cx="8640960" cy="6480720"/>
           </a:xfrm>
         </p:spPr>
@@ -6846,7 +6868,7 @@
                   <a:schemeClr val="bg1"/>
                 </a:solidFill>
               </a:rPr>
-              <a:t>So here I am to worship</a:t>
+              <a:t>Light of the world</a:t>
             </a:r>
           </a:p>
           <a:p>
@@ -6856,7 +6878,7 @@
                   <a:schemeClr val="bg1"/>
                 </a:solidFill>
               </a:rPr>
-              <a:t>Here I am to bow down</a:t>
+              <a:t>You stepped down into darkness</a:t>
             </a:r>
           </a:p>
           <a:p>
@@ -6866,7 +6888,7 @@
                   <a:schemeClr val="bg1"/>
                 </a:solidFill>
               </a:rPr>
-              <a:t>Here I am to say that You're my God</a:t>
+              <a:t>Opened my eyes let me see</a:t>
             </a:r>
           </a:p>
           <a:p>
@@ -6876,7 +6898,7 @@
                   <a:schemeClr val="bg1"/>
                 </a:solidFill>
               </a:rPr>
-              <a:t>And You're altogether lovely</a:t>
+              <a:t>Beauty that made</a:t>
             </a:r>
           </a:p>
           <a:p>
@@ -6886,7 +6908,7 @@
                   <a:schemeClr val="bg1"/>
                 </a:solidFill>
               </a:rPr>
-              <a:t>Altogether worthy</a:t>
+              <a:t>This heart adore You</a:t>
             </a:r>
           </a:p>
           <a:p>
@@ -6896,7 +6918,7 @@
                   <a:schemeClr val="bg1"/>
                 </a:solidFill>
               </a:rPr>
-              <a:t>Altogether wonderful to me</a:t>
+              <a:t>Hope of a life spent with You</a:t>
             </a:r>
           </a:p>
         </p:txBody>
@@ -6929,7 +6951,7 @@
                   <a:schemeClr val="bg1"/>
                 </a:solidFill>
               </a:rPr>
-              <a:t>2/4</a:t>
+              <a:t>1/4</a:t>
             </a:r>
           </a:p>
         </p:txBody>
@@ -6937,7 +6959,7 @@
     </p:spTree>
     <p:extLst>
       <p:ext uri="{BB962C8B-B14F-4D97-AF65-F5344CB8AC3E}">
-        <p14:creationId xmlns:p14="http://schemas.microsoft.com/office/powerpoint/2010/main" val="1987109791"/>
+        <p14:creationId xmlns:p14="http://schemas.microsoft.com/office/powerpoint/2010/main" val="537373158"/>
       </p:ext>
     </p:extLst>
   </p:cSld>
@@ -7472,7 +7494,7 @@
         </p:nvSpPr>
         <p:spPr>
           <a:xfrm>
-            <a:off x="200011" y="692696"/>
+            <a:off x="251520" y="764704"/>
             <a:ext cx="8640960" cy="6480720"/>
           </a:xfrm>
         </p:spPr>
@@ -7488,7 +7510,7 @@
                   <a:schemeClr val="bg1"/>
                 </a:solidFill>
               </a:rPr>
-              <a:t>King of all days</a:t>
+              <a:t>So here I am to worship</a:t>
             </a:r>
           </a:p>
           <a:p>
@@ -7498,7 +7520,7 @@
                   <a:schemeClr val="bg1"/>
                 </a:solidFill>
               </a:rPr>
-              <a:t>Oh so highly exalted</a:t>
+              <a:t>Here I am to bow down</a:t>
             </a:r>
           </a:p>
           <a:p>
@@ -7508,7 +7530,7 @@
                   <a:schemeClr val="bg1"/>
                 </a:solidFill>
               </a:rPr>
-              <a:t>Glorious in heaven above</a:t>
+              <a:t>Here I am to say that You're my God</a:t>
             </a:r>
           </a:p>
           <a:p>
@@ -7518,7 +7540,7 @@
                   <a:schemeClr val="bg1"/>
                 </a:solidFill>
               </a:rPr>
-              <a:t>Humbly You came</a:t>
+              <a:t>And You're altogether lovely</a:t>
             </a:r>
           </a:p>
           <a:p>
@@ -7528,7 +7550,7 @@
                   <a:schemeClr val="bg1"/>
                 </a:solidFill>
               </a:rPr>
-              <a:t>To the earth You created</a:t>
+              <a:t>Altogether worthy</a:t>
             </a:r>
           </a:p>
           <a:p>
@@ -7538,7 +7560,7 @@
                   <a:schemeClr val="bg1"/>
                 </a:solidFill>
               </a:rPr>
-              <a:t>All for love's sake became poor</a:t>
+              <a:t>Altogether wonderful to me</a:t>
             </a:r>
           </a:p>
         </p:txBody>
@@ -7571,7 +7593,7 @@
                   <a:schemeClr val="bg1"/>
                 </a:solidFill>
               </a:rPr>
-              <a:t>3/4</a:t>
+              <a:t>2/4</a:t>
             </a:r>
           </a:p>
         </p:txBody>
@@ -7579,7 +7601,7 @@
     </p:spTree>
     <p:extLst>
       <p:ext uri="{BB962C8B-B14F-4D97-AF65-F5344CB8AC3E}">
-        <p14:creationId xmlns:p14="http://schemas.microsoft.com/office/powerpoint/2010/main" val="1984553941"/>
+        <p14:creationId xmlns:p14="http://schemas.microsoft.com/office/powerpoint/2010/main" val="1987109791"/>
       </p:ext>
     </p:extLst>
   </p:cSld>
@@ -7618,7 +7640,7 @@
         </p:nvSpPr>
         <p:spPr>
           <a:xfrm>
-            <a:off x="395536" y="836712"/>
+            <a:off x="200011" y="692696"/>
             <a:ext cx="8640960" cy="6480720"/>
           </a:xfrm>
         </p:spPr>
@@ -7634,7 +7656,7 @@
                   <a:schemeClr val="bg1"/>
                 </a:solidFill>
               </a:rPr>
-              <a:t>And I'll never know how much it cost</a:t>
+              <a:t>King of all days</a:t>
             </a:r>
           </a:p>
           <a:p>
@@ -7644,7 +7666,7 @@
                   <a:schemeClr val="bg1"/>
                 </a:solidFill>
               </a:rPr>
-              <a:t>To see my sin upon that cross</a:t>
+              <a:t>Oh so highly exalted</a:t>
             </a:r>
           </a:p>
           <a:p>
@@ -7654,7 +7676,7 @@
                   <a:schemeClr val="bg1"/>
                 </a:solidFill>
               </a:rPr>
-              <a:t>And I'll never know how much it cost</a:t>
+              <a:t>Glorious in heaven above</a:t>
             </a:r>
           </a:p>
           <a:p>
@@ -7664,7 +7686,27 @@
                   <a:schemeClr val="bg1"/>
                 </a:solidFill>
               </a:rPr>
-              <a:t>To see my sin upon that cross</a:t>
+              <a:t>Humbly You came</a:t>
+            </a:r>
+          </a:p>
+          <a:p>
+            <a:r>
+              <a:rPr lang="en-GB" sz="3600" dirty="0">
+                <a:solidFill>
+                  <a:schemeClr val="bg1"/>
+                </a:solidFill>
+              </a:rPr>
+              <a:t>To the earth You created</a:t>
+            </a:r>
+          </a:p>
+          <a:p>
+            <a:r>
+              <a:rPr lang="en-GB" sz="3600" dirty="0">
+                <a:solidFill>
+                  <a:schemeClr val="bg1"/>
+                </a:solidFill>
+              </a:rPr>
+              <a:t>All for love's sake became poor</a:t>
             </a:r>
           </a:p>
         </p:txBody>
@@ -7697,7 +7739,7 @@
                   <a:schemeClr val="bg1"/>
                 </a:solidFill>
               </a:rPr>
-              <a:t>4/4</a:t>
+              <a:t>3/4</a:t>
             </a:r>
           </a:p>
         </p:txBody>
@@ -7705,7 +7747,7 @@
     </p:spTree>
     <p:extLst>
       <p:ext uri="{BB962C8B-B14F-4D97-AF65-F5344CB8AC3E}">
-        <p14:creationId xmlns:p14="http://schemas.microsoft.com/office/powerpoint/2010/main" val="2538617842"/>
+        <p14:creationId xmlns:p14="http://schemas.microsoft.com/office/powerpoint/2010/main" val="1984553941"/>
       </p:ext>
     </p:extLst>
   </p:cSld>
@@ -7744,7 +7786,7 @@
         </p:nvSpPr>
         <p:spPr>
           <a:xfrm>
-            <a:off x="323528" y="188640"/>
+            <a:off x="395536" y="836712"/>
             <a:ext cx="8640960" cy="6480720"/>
           </a:xfrm>
         </p:spPr>
@@ -7754,125 +7796,76 @@
           </a:bodyPr>
           <a:lstStyle/>
           <a:p>
-            <a:endParaRPr lang="en-GB" sz="6600" dirty="0">
-              <a:solidFill>
-                <a:srgbClr val="00A3E0"/>
-              </a:solidFill>
-              <a:latin typeface="akagi_probook"/>
-            </a:endParaRPr>
-          </a:p>
-          <a:p>
-            <a:r>
-              <a:rPr lang="en-GB" sz="6600" dirty="0">
-                <a:solidFill>
-                  <a:srgbClr val="00A3E0"/>
-                </a:solidFill>
-                <a:latin typeface="akagi_probook"/>
-              </a:rPr>
-              <a:t>There is None Like You</a:t>
-            </a:r>
-            <a:br>
-              <a:rPr lang="en-GB" sz="1200" dirty="0">
-                <a:solidFill>
-                  <a:schemeClr val="bg1"/>
-                </a:solidFill>
-              </a:rPr>
-            </a:br>
-            <a:r>
-              <a:rPr lang="en-GB" sz="1200" dirty="0" err="1">
-                <a:solidFill>
-                  <a:schemeClr val="bg1"/>
-                </a:solidFill>
-              </a:rPr>
-              <a:t>G.CcliSongNumber</a:t>
-            </a:r>
-            <a:r>
-              <a:rPr lang="en-GB" sz="1200" dirty="0">
-                <a:solidFill>
-                  <a:schemeClr val="bg1"/>
-                </a:solidFill>
-              </a:rPr>
-              <a:t> 674545</a:t>
-            </a:r>
-          </a:p>
-          <a:p>
-            <a:r>
-              <a:rPr lang="en-GB" sz="1200" dirty="0">
-                <a:solidFill>
-                  <a:schemeClr val="bg1"/>
-                </a:solidFill>
-              </a:rPr>
-              <a:t>Lenny LeBlanc</a:t>
-            </a:r>
-          </a:p>
-          <a:p>
-            <a:r>
-              <a:rPr lang="en-GB" sz="1200" dirty="0">
-                <a:solidFill>
-                  <a:schemeClr val="bg1"/>
-                </a:solidFill>
-              </a:rPr>
-              <a:t>© 1991 Integrity's Hosanna! Music</a:t>
-            </a:r>
-          </a:p>
-          <a:p>
-            <a:r>
-              <a:rPr lang="en-GB" sz="1200" dirty="0">
-                <a:solidFill>
-                  <a:schemeClr val="bg1"/>
-                </a:solidFill>
-              </a:rPr>
-              <a:t>For use solely with the </a:t>
-            </a:r>
-            <a:r>
-              <a:rPr lang="en-GB" sz="1200" dirty="0" err="1">
-                <a:solidFill>
-                  <a:schemeClr val="bg1"/>
-                </a:solidFill>
-              </a:rPr>
-              <a:t>SongSelect</a:t>
-            </a:r>
-            <a:r>
-              <a:rPr lang="en-GB" sz="1200" dirty="0">
-                <a:solidFill>
-                  <a:schemeClr val="bg1"/>
-                </a:solidFill>
-              </a:rPr>
-              <a:t>® </a:t>
-            </a:r>
-            <a:r>
-              <a:rPr lang="en-GB" sz="1200" dirty="0" err="1">
-                <a:solidFill>
-                  <a:schemeClr val="bg1"/>
-                </a:solidFill>
-              </a:rPr>
-              <a:t>G.LIT_TermsOfUse</a:t>
-            </a:r>
-            <a:r>
-              <a:rPr lang="en-GB" sz="1200" dirty="0">
-                <a:solidFill>
-                  <a:schemeClr val="bg1"/>
-                </a:solidFill>
-              </a:rPr>
-              <a:t>. All rights reserved. www.ccli.com</a:t>
-            </a:r>
-          </a:p>
-          <a:p>
-            <a:r>
-              <a:rPr lang="en-GB" sz="1200" dirty="0" err="1">
-                <a:solidFill>
-                  <a:schemeClr val="bg1"/>
-                </a:solidFill>
-              </a:rPr>
-              <a:t>G.CcliLicenseNumber</a:t>
-            </a:r>
-            <a:r>
-              <a:rPr lang="en-GB" sz="1200" dirty="0">
-                <a:solidFill>
-                  <a:schemeClr val="bg1"/>
-                </a:solidFill>
-              </a:rPr>
-              <a:t> 33265</a:t>
+            <a:r>
+              <a:rPr lang="en-GB" sz="3600" dirty="0">
+                <a:solidFill>
+                  <a:schemeClr val="bg1"/>
+                </a:solidFill>
+              </a:rPr>
+              <a:t>And I'll never know how much it cost</a:t>
+            </a:r>
+          </a:p>
+          <a:p>
+            <a:r>
+              <a:rPr lang="en-GB" sz="3600" dirty="0">
+                <a:solidFill>
+                  <a:schemeClr val="bg1"/>
+                </a:solidFill>
+              </a:rPr>
+              <a:t>To see my sin upon that cross</a:t>
+            </a:r>
+          </a:p>
+          <a:p>
+            <a:r>
+              <a:rPr lang="en-GB" sz="3600" dirty="0">
+                <a:solidFill>
+                  <a:schemeClr val="bg1"/>
+                </a:solidFill>
+              </a:rPr>
+              <a:t>And I'll never know how much it cost</a:t>
+            </a:r>
+          </a:p>
+          <a:p>
+            <a:r>
+              <a:rPr lang="en-GB" sz="3600" dirty="0">
+                <a:solidFill>
+                  <a:schemeClr val="bg1"/>
+                </a:solidFill>
+              </a:rPr>
+              <a:t>To see my sin upon that cross</a:t>
+            </a:r>
+          </a:p>
+        </p:txBody>
+      </p:sp>
+      <p:sp>
+        <p:nvSpPr>
+          <p:cNvPr id="4" name="TextBox 3"/>
+          <p:cNvSpPr txBox="1"/>
+          <p:nvPr/>
+        </p:nvSpPr>
+        <p:spPr>
+          <a:xfrm>
+            <a:off x="8529729" y="0"/>
+            <a:ext cx="628698" cy="461665"/>
+          </a:xfrm>
+          <a:prstGeom prst="rect">
+            <a:avLst/>
+          </a:prstGeom>
+          <a:noFill/>
+        </p:spPr>
+        <p:txBody>
+          <a:bodyPr wrap="none" rtlCol="0">
+            <a:spAutoFit/>
+          </a:bodyPr>
+          <a:lstStyle/>
+          <a:p>
+            <a:r>
+              <a:rPr lang="en-GB" sz="2400" b="1" dirty="0">
+                <a:solidFill>
+                  <a:schemeClr val="bg1"/>
+                </a:solidFill>
+              </a:rPr>
+              <a:t>4/4</a:t>
             </a:r>
           </a:p>
         </p:txBody>
@@ -7880,7 +7873,7 @@
     </p:spTree>
     <p:extLst>
       <p:ext uri="{BB962C8B-B14F-4D97-AF65-F5344CB8AC3E}">
-        <p14:creationId xmlns:p14="http://schemas.microsoft.com/office/powerpoint/2010/main" val="1444287553"/>
+        <p14:creationId xmlns:p14="http://schemas.microsoft.com/office/powerpoint/2010/main" val="2538617842"/>
       </p:ext>
     </p:extLst>
   </p:cSld>
@@ -7919,7 +7912,7 @@
         </p:nvSpPr>
         <p:spPr>
           <a:xfrm>
-            <a:off x="395536" y="836712"/>
+            <a:off x="323528" y="188640"/>
             <a:ext cx="8640960" cy="6480720"/>
           </a:xfrm>
         </p:spPr>
@@ -7929,96 +7922,125 @@
           </a:bodyPr>
           <a:lstStyle/>
           <a:p>
-            <a:r>
-              <a:rPr lang="en-GB" sz="3600" dirty="0">
-                <a:solidFill>
-                  <a:schemeClr val="bg1"/>
-                </a:solidFill>
-              </a:rPr>
-              <a:t>There is none like You</a:t>
-            </a:r>
-          </a:p>
-          <a:p>
-            <a:r>
-              <a:rPr lang="en-GB" sz="3600" dirty="0">
-                <a:solidFill>
-                  <a:schemeClr val="bg1"/>
-                </a:solidFill>
-              </a:rPr>
-              <a:t>No one else can touch</a:t>
-            </a:r>
-          </a:p>
-          <a:p>
-            <a:r>
-              <a:rPr lang="en-GB" sz="3600" dirty="0">
-                <a:solidFill>
-                  <a:schemeClr val="bg1"/>
-                </a:solidFill>
-              </a:rPr>
-              <a:t>My heart like You do</a:t>
-            </a:r>
-          </a:p>
-          <a:p>
-            <a:r>
-              <a:rPr lang="en-GB" sz="3600" dirty="0">
-                <a:solidFill>
-                  <a:schemeClr val="bg1"/>
-                </a:solidFill>
-              </a:rPr>
-              <a:t>I could search</a:t>
-            </a:r>
-          </a:p>
-          <a:p>
-            <a:r>
-              <a:rPr lang="en-GB" sz="3600" dirty="0">
-                <a:solidFill>
-                  <a:schemeClr val="bg1"/>
-                </a:solidFill>
-              </a:rPr>
-              <a:t>For all eternity long and find</a:t>
-            </a:r>
-          </a:p>
-          <a:p>
-            <a:r>
-              <a:rPr lang="en-GB" sz="3600" dirty="0">
-                <a:solidFill>
-                  <a:schemeClr val="bg1"/>
-                </a:solidFill>
-              </a:rPr>
-              <a:t>There is none like You</a:t>
-            </a:r>
-          </a:p>
-        </p:txBody>
-      </p:sp>
-      <p:sp>
-        <p:nvSpPr>
-          <p:cNvPr id="4" name="TextBox 3"/>
-          <p:cNvSpPr txBox="1"/>
-          <p:nvPr/>
-        </p:nvSpPr>
-        <p:spPr>
-          <a:xfrm>
-            <a:off x="8529729" y="0"/>
-            <a:ext cx="628698" cy="461665"/>
-          </a:xfrm>
-          <a:prstGeom prst="rect">
-            <a:avLst/>
-          </a:prstGeom>
-          <a:noFill/>
-        </p:spPr>
-        <p:txBody>
-          <a:bodyPr wrap="none" rtlCol="0">
-            <a:spAutoFit/>
-          </a:bodyPr>
-          <a:lstStyle/>
-          <a:p>
-            <a:r>
-              <a:rPr lang="en-GB" sz="2400" b="1" dirty="0">
-                <a:solidFill>
-                  <a:schemeClr val="bg1"/>
-                </a:solidFill>
-              </a:rPr>
-              <a:t>1/2</a:t>
+            <a:endParaRPr lang="en-GB" sz="6600" dirty="0">
+              <a:solidFill>
+                <a:srgbClr val="00A3E0"/>
+              </a:solidFill>
+              <a:latin typeface="akagi_probook"/>
+            </a:endParaRPr>
+          </a:p>
+          <a:p>
+            <a:r>
+              <a:rPr lang="en-GB" sz="6600" dirty="0">
+                <a:solidFill>
+                  <a:srgbClr val="00A3E0"/>
+                </a:solidFill>
+                <a:latin typeface="akagi_probook"/>
+              </a:rPr>
+              <a:t>There is None Like You</a:t>
+            </a:r>
+            <a:br>
+              <a:rPr lang="en-GB" sz="1200" dirty="0">
+                <a:solidFill>
+                  <a:schemeClr val="bg1"/>
+                </a:solidFill>
+              </a:rPr>
+            </a:br>
+            <a:r>
+              <a:rPr lang="en-GB" sz="1200" dirty="0" err="1">
+                <a:solidFill>
+                  <a:schemeClr val="bg1"/>
+                </a:solidFill>
+              </a:rPr>
+              <a:t>G.CcliSongNumber</a:t>
+            </a:r>
+            <a:r>
+              <a:rPr lang="en-GB" sz="1200" dirty="0">
+                <a:solidFill>
+                  <a:schemeClr val="bg1"/>
+                </a:solidFill>
+              </a:rPr>
+              <a:t> 674545</a:t>
+            </a:r>
+          </a:p>
+          <a:p>
+            <a:r>
+              <a:rPr lang="en-GB" sz="1200" dirty="0">
+                <a:solidFill>
+                  <a:schemeClr val="bg1"/>
+                </a:solidFill>
+              </a:rPr>
+              <a:t>Lenny LeBlanc</a:t>
+            </a:r>
+          </a:p>
+          <a:p>
+            <a:r>
+              <a:rPr lang="en-GB" sz="1200" dirty="0">
+                <a:solidFill>
+                  <a:schemeClr val="bg1"/>
+                </a:solidFill>
+              </a:rPr>
+              <a:t>© 1991 Integrity's Hosanna! Music</a:t>
+            </a:r>
+          </a:p>
+          <a:p>
+            <a:r>
+              <a:rPr lang="en-GB" sz="1200" dirty="0">
+                <a:solidFill>
+                  <a:schemeClr val="bg1"/>
+                </a:solidFill>
+              </a:rPr>
+              <a:t>For use solely with the </a:t>
+            </a:r>
+            <a:r>
+              <a:rPr lang="en-GB" sz="1200" dirty="0" err="1">
+                <a:solidFill>
+                  <a:schemeClr val="bg1"/>
+                </a:solidFill>
+              </a:rPr>
+              <a:t>SongSelect</a:t>
+            </a:r>
+            <a:r>
+              <a:rPr lang="en-GB" sz="1200" dirty="0">
+                <a:solidFill>
+                  <a:schemeClr val="bg1"/>
+                </a:solidFill>
+              </a:rPr>
+              <a:t>® </a:t>
+            </a:r>
+            <a:r>
+              <a:rPr lang="en-GB" sz="1200" dirty="0" err="1">
+                <a:solidFill>
+                  <a:schemeClr val="bg1"/>
+                </a:solidFill>
+              </a:rPr>
+              <a:t>G.LIT_TermsOfUse</a:t>
+            </a:r>
+            <a:r>
+              <a:rPr lang="en-GB" sz="1200" dirty="0">
+                <a:solidFill>
+                  <a:schemeClr val="bg1"/>
+                </a:solidFill>
+              </a:rPr>
+              <a:t>. All rights reserved. www.ccli.com</a:t>
+            </a:r>
+          </a:p>
+          <a:p>
+            <a:r>
+              <a:rPr lang="en-GB" sz="1200" dirty="0" err="1">
+                <a:solidFill>
+                  <a:schemeClr val="bg1"/>
+                </a:solidFill>
+              </a:rPr>
+              <a:t>G.CcliLicenseNumber</a:t>
+            </a:r>
+            <a:r>
+              <a:rPr lang="en-GB" sz="1200" dirty="0">
+                <a:solidFill>
+                  <a:schemeClr val="bg1"/>
+                </a:solidFill>
+              </a:rPr>
+              <a:t> 33265</a:t>
             </a:r>
           </a:p>
         </p:txBody>
@@ -8026,7 +8048,7 @@
     </p:spTree>
     <p:extLst>
       <p:ext uri="{BB962C8B-B14F-4D97-AF65-F5344CB8AC3E}">
-        <p14:creationId xmlns:p14="http://schemas.microsoft.com/office/powerpoint/2010/main" val="3163490425"/>
+        <p14:creationId xmlns:p14="http://schemas.microsoft.com/office/powerpoint/2010/main" val="1444287553"/>
       </p:ext>
     </p:extLst>
   </p:cSld>
@@ -8081,6 +8103,152 @@
                   <a:schemeClr val="bg1"/>
                 </a:solidFill>
               </a:rPr>
+              <a:t>There is none like You</a:t>
+            </a:r>
+          </a:p>
+          <a:p>
+            <a:r>
+              <a:rPr lang="en-GB" sz="3600" dirty="0">
+                <a:solidFill>
+                  <a:schemeClr val="bg1"/>
+                </a:solidFill>
+              </a:rPr>
+              <a:t>No one else can touch</a:t>
+            </a:r>
+          </a:p>
+          <a:p>
+            <a:r>
+              <a:rPr lang="en-GB" sz="3600" dirty="0">
+                <a:solidFill>
+                  <a:schemeClr val="bg1"/>
+                </a:solidFill>
+              </a:rPr>
+              <a:t>My heart like You do</a:t>
+            </a:r>
+          </a:p>
+          <a:p>
+            <a:r>
+              <a:rPr lang="en-GB" sz="3600" dirty="0">
+                <a:solidFill>
+                  <a:schemeClr val="bg1"/>
+                </a:solidFill>
+              </a:rPr>
+              <a:t>I could search</a:t>
+            </a:r>
+          </a:p>
+          <a:p>
+            <a:r>
+              <a:rPr lang="en-GB" sz="3600" dirty="0">
+                <a:solidFill>
+                  <a:schemeClr val="bg1"/>
+                </a:solidFill>
+              </a:rPr>
+              <a:t>For all eternity long and find</a:t>
+            </a:r>
+          </a:p>
+          <a:p>
+            <a:r>
+              <a:rPr lang="en-GB" sz="3600" dirty="0">
+                <a:solidFill>
+                  <a:schemeClr val="bg1"/>
+                </a:solidFill>
+              </a:rPr>
+              <a:t>There is none like You</a:t>
+            </a:r>
+          </a:p>
+        </p:txBody>
+      </p:sp>
+      <p:sp>
+        <p:nvSpPr>
+          <p:cNvPr id="4" name="TextBox 3"/>
+          <p:cNvSpPr txBox="1"/>
+          <p:nvPr/>
+        </p:nvSpPr>
+        <p:spPr>
+          <a:xfrm>
+            <a:off x="8529729" y="0"/>
+            <a:ext cx="628698" cy="461665"/>
+          </a:xfrm>
+          <a:prstGeom prst="rect">
+            <a:avLst/>
+          </a:prstGeom>
+          <a:noFill/>
+        </p:spPr>
+        <p:txBody>
+          <a:bodyPr wrap="none" rtlCol="0">
+            <a:spAutoFit/>
+          </a:bodyPr>
+          <a:lstStyle/>
+          <a:p>
+            <a:r>
+              <a:rPr lang="en-GB" sz="2400" b="1" dirty="0">
+                <a:solidFill>
+                  <a:schemeClr val="bg1"/>
+                </a:solidFill>
+              </a:rPr>
+              <a:t>1/2</a:t>
+            </a:r>
+          </a:p>
+        </p:txBody>
+      </p:sp>
+    </p:spTree>
+    <p:extLst>
+      <p:ext uri="{BB962C8B-B14F-4D97-AF65-F5344CB8AC3E}">
+        <p14:creationId xmlns:p14="http://schemas.microsoft.com/office/powerpoint/2010/main" val="3163490425"/>
+      </p:ext>
+    </p:extLst>
+  </p:cSld>
+  <p:clrMapOvr>
+    <a:masterClrMapping/>
+  </p:clrMapOvr>
+</p:sld>
+</file>
+
+<file path=ppt/slides/slide25.xml><?xml version="1.0" encoding="utf-8"?>
+<p:sld xmlns:a="http://schemas.openxmlformats.org/drawingml/2006/main" xmlns:r="http://schemas.openxmlformats.org/officeDocument/2006/relationships" xmlns:p="http://schemas.openxmlformats.org/presentationml/2006/main">
+  <p:cSld>
+    <p:spTree>
+      <p:nvGrpSpPr>
+        <p:cNvPr id="1" name=""/>
+        <p:cNvGrpSpPr/>
+        <p:nvPr/>
+      </p:nvGrpSpPr>
+      <p:grpSpPr>
+        <a:xfrm>
+          <a:off x="0" y="0"/>
+          <a:ext cx="0" cy="0"/>
+          <a:chOff x="0" y="0"/>
+          <a:chExt cx="0" cy="0"/>
+        </a:xfrm>
+      </p:grpSpPr>
+      <p:sp>
+        <p:nvSpPr>
+          <p:cNvPr id="3" name="Subtitle 2"/>
+          <p:cNvSpPr>
+            <a:spLocks noGrp="1"/>
+          </p:cNvSpPr>
+          <p:nvPr>
+            <p:ph type="subTitle" idx="1"/>
+          </p:nvPr>
+        </p:nvSpPr>
+        <p:spPr>
+          <a:xfrm>
+            <a:off x="395536" y="836712"/>
+            <a:ext cx="8640960" cy="6480720"/>
+          </a:xfrm>
+        </p:spPr>
+        <p:txBody>
+          <a:bodyPr>
+            <a:noAutofit/>
+          </a:bodyPr>
+          <a:lstStyle/>
+          <a:p>
+            <a:r>
+              <a:rPr lang="en-GB" sz="3600" dirty="0">
+                <a:solidFill>
+                  <a:schemeClr val="bg1"/>
+                </a:solidFill>
+              </a:rPr>
               <a:t>Your mercy flows like a river wide</a:t>
             </a:r>
           </a:p>
@@ -8162,7 +8330,7 @@
 </p:sld>
 </file>
 
-<file path=ppt/slides/slide25.xml><?xml version="1.0" encoding="utf-8"?>
+<file path=ppt/slides/slide26.xml><?xml version="1.0" encoding="utf-8"?>
 <p:sld xmlns:a="http://schemas.openxmlformats.org/drawingml/2006/main" xmlns:r="http://schemas.openxmlformats.org/officeDocument/2006/relationships" xmlns:p="http://schemas.openxmlformats.org/presentationml/2006/main">
   <p:cSld>
     <p:spTree>
@@ -8664,192 +8832,6 @@
 </p:sld>
 </file>
 
-<file path=ppt/slides/slide26.xml><?xml version="1.0" encoding="utf-8"?>
-<p:sld xmlns:a="http://schemas.openxmlformats.org/drawingml/2006/main" xmlns:r="http://schemas.openxmlformats.org/officeDocument/2006/relationships" xmlns:p="http://schemas.openxmlformats.org/presentationml/2006/main">
-  <p:cSld>
-    <p:spTree>
-      <p:nvGrpSpPr>
-        <p:cNvPr id="1" name=""/>
-        <p:cNvGrpSpPr/>
-        <p:nvPr/>
-      </p:nvGrpSpPr>
-      <p:grpSpPr>
-        <a:xfrm>
-          <a:off x="0" y="0"/>
-          <a:ext cx="0" cy="0"/>
-          <a:chOff x="0" y="0"/>
-          <a:chExt cx="0" cy="0"/>
-        </a:xfrm>
-      </p:grpSpPr>
-      <p:sp>
-        <p:nvSpPr>
-          <p:cNvPr id="3" name="Subtitle 2"/>
-          <p:cNvSpPr>
-            <a:spLocks noGrp="1"/>
-          </p:cNvSpPr>
-          <p:nvPr>
-            <p:ph type="subTitle" idx="1"/>
-          </p:nvPr>
-        </p:nvSpPr>
-        <p:spPr>
-          <a:xfrm>
-            <a:off x="323528" y="188640"/>
-            <a:ext cx="8640960" cy="6480720"/>
-          </a:xfrm>
-        </p:spPr>
-        <p:txBody>
-          <a:bodyPr>
-            <a:noAutofit/>
-          </a:bodyPr>
-          <a:lstStyle/>
-          <a:p>
-            <a:endParaRPr lang="en-GB" sz="5400" dirty="0">
-              <a:solidFill>
-                <a:schemeClr val="bg1"/>
-              </a:solidFill>
-            </a:endParaRPr>
-          </a:p>
-          <a:p>
-            <a:r>
-              <a:rPr lang="en-GB" sz="4400" b="0" i="0" dirty="0">
-                <a:solidFill>
-                  <a:srgbClr val="00A3E0"/>
-                </a:solidFill>
-                <a:effectLst/>
-                <a:latin typeface="akagi_probook"/>
-              </a:rPr>
-              <a:t>Nothing Else</a:t>
-            </a:r>
-          </a:p>
-          <a:p>
-            <a:br>
-              <a:rPr lang="en-GB" sz="1200" dirty="0">
-                <a:solidFill>
-                  <a:schemeClr val="bg1"/>
-                </a:solidFill>
-              </a:rPr>
-            </a:br>
-            <a:r>
-              <a:rPr lang="en-GB" sz="1200" dirty="0">
-                <a:solidFill>
-                  <a:schemeClr val="bg1"/>
-                </a:solidFill>
-              </a:rPr>
-              <a:t>CCLI Song # 7123436</a:t>
-            </a:r>
-          </a:p>
-          <a:p>
-            <a:endParaRPr lang="en-GB" sz="1200" dirty="0">
-              <a:solidFill>
-                <a:schemeClr val="bg1"/>
-              </a:solidFill>
-            </a:endParaRPr>
-          </a:p>
-          <a:p>
-            <a:r>
-              <a:rPr lang="en-GB" sz="1200" dirty="0">
-                <a:solidFill>
-                  <a:schemeClr val="bg1"/>
-                </a:solidFill>
-              </a:rPr>
-              <a:t>Cody Carnes | Hank Bentley | Jessie Early</a:t>
-            </a:r>
-          </a:p>
-          <a:p>
-            <a:endParaRPr lang="en-GB" sz="1200" dirty="0">
-              <a:solidFill>
-                <a:schemeClr val="bg1"/>
-              </a:solidFill>
-            </a:endParaRPr>
-          </a:p>
-          <a:p>
-            <a:r>
-              <a:rPr lang="en-GB" sz="1200" dirty="0">
-                <a:solidFill>
-                  <a:schemeClr val="bg1"/>
-                </a:solidFill>
-              </a:rPr>
-              <a:t>© 2019 Capitol CMG Paragon (Admin. by Capitol CMG Publishing)</a:t>
-            </a:r>
-          </a:p>
-          <a:p>
-            <a:r>
-              <a:rPr lang="en-GB" sz="1200" dirty="0">
-                <a:solidFill>
-                  <a:schemeClr val="bg1"/>
-                </a:solidFill>
-              </a:rPr>
-              <a:t>Songs By That Dog Will Hunt (Admin. by Capitol CMG Publishing)</a:t>
-            </a:r>
-          </a:p>
-          <a:p>
-            <a:r>
-              <a:rPr lang="en-GB" sz="1200" dirty="0">
-                <a:solidFill>
-                  <a:schemeClr val="bg1"/>
-                </a:solidFill>
-              </a:rPr>
-              <a:t>Writer's Roof Publishing (Admin. by Capitol CMG Publishing)</a:t>
-            </a:r>
-          </a:p>
-          <a:p>
-            <a:r>
-              <a:rPr lang="en-GB" sz="1200" dirty="0">
-                <a:solidFill>
-                  <a:schemeClr val="bg1"/>
-                </a:solidFill>
-              </a:rPr>
-              <a:t>For use solely with the </a:t>
-            </a:r>
-            <a:r>
-              <a:rPr lang="en-GB" sz="1200" dirty="0" err="1">
-                <a:solidFill>
-                  <a:schemeClr val="bg1"/>
-                </a:solidFill>
-              </a:rPr>
-              <a:t>SongSelect</a:t>
-            </a:r>
-            <a:r>
-              <a:rPr lang="en-GB" sz="1200" dirty="0">
-                <a:solidFill>
-                  <a:schemeClr val="bg1"/>
-                </a:solidFill>
-              </a:rPr>
-              <a:t>® Terms of Use. All rights reserved. www.ccli.com</a:t>
-            </a:r>
-          </a:p>
-          <a:p>
-            <a:endParaRPr lang="en-GB" sz="1200" dirty="0">
-              <a:solidFill>
-                <a:schemeClr val="bg1"/>
-              </a:solidFill>
-            </a:endParaRPr>
-          </a:p>
-          <a:p>
-            <a:r>
-              <a:rPr lang="en-GB" sz="1200" dirty="0">
-                <a:solidFill>
-                  <a:schemeClr val="bg1"/>
-                </a:solidFill>
-              </a:rPr>
-              <a:t>CCLI Licence No. 33265</a:t>
-            </a:r>
-          </a:p>
-        </p:txBody>
-      </p:sp>
-    </p:spTree>
-    <p:extLst>
-      <p:ext uri="{BB962C8B-B14F-4D97-AF65-F5344CB8AC3E}">
-        <p14:creationId xmlns:p14="http://schemas.microsoft.com/office/powerpoint/2010/main" val="2625751196"/>
-      </p:ext>
-    </p:extLst>
-  </p:cSld>
-  <p:clrMapOvr>
-    <a:masterClrMapping/>
-  </p:clrMapOvr>
-</p:sld>
-</file>
-
 <file path=ppt/slides/slide27.xml><?xml version="1.0" encoding="utf-8"?>
 <p:sld xmlns:a="http://schemas.openxmlformats.org/drawingml/2006/main" xmlns:r="http://schemas.openxmlformats.org/officeDocument/2006/relationships" xmlns:p="http://schemas.openxmlformats.org/presentationml/2006/main">
   <p:cSld>
@@ -8879,7 +8861,7 @@
         </p:nvSpPr>
         <p:spPr>
           <a:xfrm>
-            <a:off x="203118" y="692696"/>
+            <a:off x="323528" y="188640"/>
             <a:ext cx="8640960" cy="6480720"/>
           </a:xfrm>
         </p:spPr>
@@ -8889,116 +8871,136 @@
           </a:bodyPr>
           <a:lstStyle/>
           <a:p>
-            <a:r>
-              <a:rPr lang="en-GB" sz="3600" dirty="0">
-                <a:solidFill>
-                  <a:schemeClr val="bg1"/>
-                </a:solidFill>
-              </a:rPr>
-              <a:t>I'm caught up in Your presence</a:t>
-            </a:r>
-          </a:p>
-          <a:p>
-            <a:r>
-              <a:rPr lang="en-GB" sz="3600" dirty="0">
-                <a:solidFill>
-                  <a:schemeClr val="bg1"/>
-                </a:solidFill>
-              </a:rPr>
-              <a:t>I just want to sit here at Your feet</a:t>
-            </a:r>
-          </a:p>
-          <a:p>
-            <a:r>
-              <a:rPr lang="en-GB" sz="3600" dirty="0">
-                <a:solidFill>
-                  <a:schemeClr val="bg1"/>
-                </a:solidFill>
-              </a:rPr>
-              <a:t>I'm caught up in this holy moment</a:t>
-            </a:r>
-          </a:p>
-          <a:p>
-            <a:r>
-              <a:rPr lang="en-GB" sz="3600" dirty="0">
-                <a:solidFill>
-                  <a:schemeClr val="bg1"/>
-                </a:solidFill>
-              </a:rPr>
-              <a:t>I never want to leave</a:t>
-            </a:r>
-          </a:p>
-          <a:p>
-            <a:r>
-              <a:rPr lang="en-GB" sz="3600" dirty="0">
-                <a:solidFill>
-                  <a:schemeClr val="bg1"/>
-                </a:solidFill>
-              </a:rPr>
-              <a:t>Oh I'm not here for blessings</a:t>
-            </a:r>
-          </a:p>
-          <a:p>
-            <a:r>
-              <a:rPr lang="en-GB" sz="3600" dirty="0">
-                <a:solidFill>
-                  <a:schemeClr val="bg1"/>
-                </a:solidFill>
-              </a:rPr>
-              <a:t>Jesus You don't owe me anything</a:t>
-            </a:r>
-          </a:p>
-          <a:p>
-            <a:r>
-              <a:rPr lang="en-GB" sz="3600" dirty="0">
-                <a:solidFill>
-                  <a:schemeClr val="bg1"/>
-                </a:solidFill>
-              </a:rPr>
-              <a:t>More than anything that You can do</a:t>
-            </a:r>
-          </a:p>
-          <a:p>
-            <a:r>
-              <a:rPr lang="en-GB" sz="3600" dirty="0">
-                <a:solidFill>
-                  <a:schemeClr val="bg1"/>
-                </a:solidFill>
-              </a:rPr>
-              <a:t>I just want You</a:t>
-            </a:r>
-          </a:p>
-        </p:txBody>
-      </p:sp>
-      <p:sp>
-        <p:nvSpPr>
-          <p:cNvPr id="4" name="TextBox 3"/>
-          <p:cNvSpPr txBox="1"/>
-          <p:nvPr/>
-        </p:nvSpPr>
-        <p:spPr>
-          <a:xfrm>
-            <a:off x="8529729" y="0"/>
-            <a:ext cx="628698" cy="461665"/>
-          </a:xfrm>
-          <a:prstGeom prst="rect">
-            <a:avLst/>
-          </a:prstGeom>
-          <a:noFill/>
-        </p:spPr>
-        <p:txBody>
-          <a:bodyPr wrap="none" rtlCol="0">
-            <a:spAutoFit/>
-          </a:bodyPr>
-          <a:lstStyle/>
-          <a:p>
-            <a:r>
-              <a:rPr lang="en-GB" sz="2400" b="1" dirty="0">
-                <a:solidFill>
-                  <a:schemeClr val="bg1"/>
-                </a:solidFill>
-              </a:rPr>
-              <a:t>1/4</a:t>
+            <a:endParaRPr lang="en-GB" sz="5400" dirty="0">
+              <a:solidFill>
+                <a:schemeClr val="bg1"/>
+              </a:solidFill>
+            </a:endParaRPr>
+          </a:p>
+          <a:p>
+            <a:r>
+              <a:rPr lang="en-GB" sz="4400" b="0" i="0" dirty="0">
+                <a:solidFill>
+                  <a:srgbClr val="00A3E0"/>
+                </a:solidFill>
+                <a:effectLst/>
+                <a:latin typeface="akagi_probook"/>
+              </a:rPr>
+              <a:t>Nothing Else</a:t>
+            </a:r>
+          </a:p>
+          <a:p>
+            <a:br>
+              <a:rPr lang="en-GB" sz="1200" dirty="0">
+                <a:solidFill>
+                  <a:schemeClr val="bg1"/>
+                </a:solidFill>
+              </a:rPr>
+            </a:br>
+            <a:r>
+              <a:rPr lang="en-GB" sz="1200" dirty="0">
+                <a:solidFill>
+                  <a:schemeClr val="bg1"/>
+                </a:solidFill>
+              </a:rPr>
+              <a:t>CCLI Song # 7123436</a:t>
+            </a:r>
+          </a:p>
+          <a:p>
+            <a:endParaRPr lang="en-GB" sz="1200" dirty="0">
+              <a:solidFill>
+                <a:schemeClr val="bg1"/>
+              </a:solidFill>
+            </a:endParaRPr>
+          </a:p>
+          <a:p>
+            <a:r>
+              <a:rPr lang="en-GB" sz="1200" dirty="0">
+                <a:solidFill>
+                  <a:schemeClr val="bg1"/>
+                </a:solidFill>
+              </a:rPr>
+              <a:t>Cody Carnes | Hank Bentley | Jessie Early</a:t>
+            </a:r>
+          </a:p>
+          <a:p>
+            <a:endParaRPr lang="en-GB" sz="1200" dirty="0">
+              <a:solidFill>
+                <a:schemeClr val="bg1"/>
+              </a:solidFill>
+            </a:endParaRPr>
+          </a:p>
+          <a:p>
+            <a:r>
+              <a:rPr lang="en-GB" sz="1200" dirty="0">
+                <a:solidFill>
+                  <a:schemeClr val="bg1"/>
+                </a:solidFill>
+              </a:rPr>
+              <a:t>© 2019 Capitol CMG Paragon (Admin. by Capitol CMG Publishing)</a:t>
+            </a:r>
+          </a:p>
+          <a:p>
+            <a:r>
+              <a:rPr lang="en-GB" sz="1200" dirty="0">
+                <a:solidFill>
+                  <a:schemeClr val="bg1"/>
+                </a:solidFill>
+              </a:rPr>
+              <a:t>Songs By That Dog Will Hunt (Admin. by Capitol CMG Publishing)</a:t>
+            </a:r>
+          </a:p>
+          <a:p>
+            <a:r>
+              <a:rPr lang="en-GB" sz="1200" dirty="0">
+                <a:solidFill>
+                  <a:schemeClr val="bg1"/>
+                </a:solidFill>
+              </a:rPr>
+              <a:t>Writer's Roof Publishing (Admin. by Capitol CMG Publishing)</a:t>
+            </a:r>
+          </a:p>
+          <a:p>
+            <a:r>
+              <a:rPr lang="en-GB" sz="1200" dirty="0">
+                <a:solidFill>
+                  <a:schemeClr val="bg1"/>
+                </a:solidFill>
+              </a:rPr>
+              <a:t>For use solely with the </a:t>
+            </a:r>
+            <a:r>
+              <a:rPr lang="en-GB" sz="1200" dirty="0" err="1">
+                <a:solidFill>
+                  <a:schemeClr val="bg1"/>
+                </a:solidFill>
+              </a:rPr>
+              <a:t>SongSelect</a:t>
+            </a:r>
+            <a:r>
+              <a:rPr lang="en-GB" sz="1200" dirty="0">
+                <a:solidFill>
+                  <a:schemeClr val="bg1"/>
+                </a:solidFill>
+              </a:rPr>
+              <a:t>® Terms of Use. All rights reserved. www.ccli.com</a:t>
+            </a:r>
+          </a:p>
+          <a:p>
+            <a:endParaRPr lang="en-GB" sz="1200" dirty="0">
+              <a:solidFill>
+                <a:schemeClr val="bg1"/>
+              </a:solidFill>
+            </a:endParaRPr>
+          </a:p>
+          <a:p>
+            <a:r>
+              <a:rPr lang="en-GB" sz="1200" dirty="0">
+                <a:solidFill>
+                  <a:schemeClr val="bg1"/>
+                </a:solidFill>
+              </a:rPr>
+              <a:t>CCLI Licence No. 33265</a:t>
             </a:r>
           </a:p>
         </p:txBody>
@@ -9006,7 +9008,7 @@
     </p:spTree>
     <p:extLst>
       <p:ext uri="{BB962C8B-B14F-4D97-AF65-F5344CB8AC3E}">
-        <p14:creationId xmlns:p14="http://schemas.microsoft.com/office/powerpoint/2010/main" val="2333015120"/>
+        <p14:creationId xmlns:p14="http://schemas.microsoft.com/office/powerpoint/2010/main" val="2625751196"/>
       </p:ext>
     </p:extLst>
   </p:cSld>
@@ -9045,7 +9047,7 @@
         </p:nvSpPr>
         <p:spPr>
           <a:xfrm>
-            <a:off x="395536" y="692696"/>
+            <a:off x="203118" y="692696"/>
             <a:ext cx="8640960" cy="6480720"/>
           </a:xfrm>
         </p:spPr>
@@ -9061,7 +9063,7 @@
                   <a:schemeClr val="bg1"/>
                 </a:solidFill>
               </a:rPr>
-              <a:t>I'm sorry when I've just gone through the motions</a:t>
+              <a:t>I'm caught up in Your presence</a:t>
             </a:r>
           </a:p>
           <a:p>
@@ -9071,7 +9073,7 @@
                   <a:schemeClr val="bg1"/>
                 </a:solidFill>
               </a:rPr>
-              <a:t>I'm sorry when I just sang another song</a:t>
+              <a:t>I just want to sit here at Your feet</a:t>
             </a:r>
           </a:p>
           <a:p>
@@ -9081,7 +9083,7 @@
                   <a:schemeClr val="bg1"/>
                 </a:solidFill>
               </a:rPr>
-              <a:t>Take me back to where we started</a:t>
+              <a:t>I'm caught up in this holy moment</a:t>
             </a:r>
           </a:p>
           <a:p>
@@ -9091,7 +9093,7 @@
                   <a:schemeClr val="bg1"/>
                 </a:solidFill>
               </a:rPr>
-              <a:t>I open up my heart to You</a:t>
+              <a:t>I never want to leave</a:t>
             </a:r>
           </a:p>
         </p:txBody>
@@ -9124,7 +9126,7 @@
                   <a:schemeClr val="bg1"/>
                 </a:solidFill>
               </a:rPr>
-              <a:t>2/4</a:t>
+              <a:t>1/7</a:t>
             </a:r>
           </a:p>
         </p:txBody>
@@ -9132,7 +9134,7 @@
     </p:spTree>
     <p:extLst>
       <p:ext uri="{BB962C8B-B14F-4D97-AF65-F5344CB8AC3E}">
-        <p14:creationId xmlns:p14="http://schemas.microsoft.com/office/powerpoint/2010/main" val="3004002821"/>
+        <p14:creationId xmlns:p14="http://schemas.microsoft.com/office/powerpoint/2010/main" val="2333015120"/>
       </p:ext>
     </p:extLst>
   </p:cSld>
@@ -9147,7 +9149,13 @@
   <p:cSld>
     <p:spTree>
       <p:nvGrpSpPr>
-        <p:cNvPr id="1" name=""/>
+        <p:cNvPr id="1" name="">
+          <a:extLst>
+            <a:ext uri="{FF2B5EF4-FFF2-40B4-BE49-F238E27FC236}">
+              <a16:creationId xmlns:a16="http://schemas.microsoft.com/office/drawing/2014/main" id="{8CF16C39-5A2D-6BD2-CB09-A310BE579B18}"/>
+            </a:ext>
+          </a:extLst>
+        </p:cNvPr>
         <p:cNvGrpSpPr/>
         <p:nvPr/>
       </p:nvGrpSpPr>
@@ -9161,7 +9169,13 @@
       </p:grpSpPr>
       <p:sp>
         <p:nvSpPr>
-          <p:cNvPr id="3" name="Subtitle 2"/>
+          <p:cNvPr id="3" name="Subtitle 2">
+            <a:extLst>
+              <a:ext uri="{FF2B5EF4-FFF2-40B4-BE49-F238E27FC236}">
+                <a16:creationId xmlns:a16="http://schemas.microsoft.com/office/drawing/2014/main" id="{0192C254-5122-ABBD-6CC0-4A3C53F8087F}"/>
+              </a:ext>
+            </a:extLst>
+          </p:cNvPr>
           <p:cNvSpPr>
             <a:spLocks noGrp="1"/>
           </p:cNvSpPr>
@@ -9171,7 +9185,7 @@
         </p:nvSpPr>
         <p:spPr>
           <a:xfrm>
-            <a:off x="203118" y="764704"/>
+            <a:off x="203118" y="692696"/>
             <a:ext cx="8640960" cy="6480720"/>
           </a:xfrm>
         </p:spPr>
@@ -9187,7 +9201,7 @@
                   <a:schemeClr val="bg1"/>
                 </a:solidFill>
               </a:rPr>
-              <a:t>I'm sorry when I've come with my agenda</a:t>
+              <a:t>Oh, I'm not here for blessings</a:t>
             </a:r>
           </a:p>
           <a:p>
@@ -9197,7 +9211,7 @@
                   <a:schemeClr val="bg1"/>
                 </a:solidFill>
               </a:rPr>
-              <a:t>I'm sorry when I forgot that You're enough</a:t>
+              <a:t>Jesus, You don't owe me anything</a:t>
             </a:r>
           </a:p>
           <a:p>
@@ -9207,7 +9221,7 @@
                   <a:schemeClr val="bg1"/>
                 </a:solidFill>
               </a:rPr>
-              <a:t>Take me back to where we started</a:t>
+              <a:t>More than anything that You can do</a:t>
             </a:r>
           </a:p>
           <a:p>
@@ -9217,14 +9231,20 @@
                   <a:schemeClr val="bg1"/>
                 </a:solidFill>
               </a:rPr>
-              <a:t>I open up my heart to You</a:t>
-            </a:r>
-          </a:p>
-        </p:txBody>
-      </p:sp>
-      <p:sp>
-        <p:nvSpPr>
-          <p:cNvPr id="4" name="TextBox 3"/>
+              <a:t>I just want You</a:t>
+            </a:r>
+          </a:p>
+        </p:txBody>
+      </p:sp>
+      <p:sp>
+        <p:nvSpPr>
+          <p:cNvPr id="4" name="TextBox 3">
+            <a:extLst>
+              <a:ext uri="{FF2B5EF4-FFF2-40B4-BE49-F238E27FC236}">
+                <a16:creationId xmlns:a16="http://schemas.microsoft.com/office/drawing/2014/main" id="{D169C2FE-F4A9-5171-FCAA-58621FA0DDD5}"/>
+              </a:ext>
+            </a:extLst>
+          </p:cNvPr>
           <p:cNvSpPr txBox="1"/>
           <p:nvPr/>
         </p:nvSpPr>
@@ -9250,7 +9270,7 @@
                   <a:schemeClr val="bg1"/>
                 </a:solidFill>
               </a:rPr>
-              <a:t>3/4</a:t>
+              <a:t>2/7</a:t>
             </a:r>
           </a:p>
         </p:txBody>
@@ -9258,7 +9278,7 @@
     </p:spTree>
     <p:extLst>
       <p:ext uri="{BB962C8B-B14F-4D97-AF65-F5344CB8AC3E}">
-        <p14:creationId xmlns:p14="http://schemas.microsoft.com/office/powerpoint/2010/main" val="3744124914"/>
+        <p14:creationId xmlns:p14="http://schemas.microsoft.com/office/powerpoint/2010/main" val="121045994"/>
       </p:ext>
     </p:extLst>
   </p:cSld>
@@ -9434,7 +9454,7 @@
         </p:nvSpPr>
         <p:spPr>
           <a:xfrm>
-            <a:off x="191489" y="836712"/>
+            <a:off x="395536" y="692696"/>
             <a:ext cx="8640960" cy="6480720"/>
           </a:xfrm>
         </p:spPr>
@@ -9450,7 +9470,7 @@
                   <a:schemeClr val="bg1"/>
                 </a:solidFill>
               </a:rPr>
-              <a:t>I just want You</a:t>
+              <a:t>I'm sorry when I've just gone through the motions</a:t>
             </a:r>
           </a:p>
           <a:p>
@@ -9460,7 +9480,7 @@
                   <a:schemeClr val="bg1"/>
                 </a:solidFill>
               </a:rPr>
-              <a:t>Nothing else</a:t>
+              <a:t>I'm sorry when I just sang another song</a:t>
             </a:r>
           </a:p>
           <a:p>
@@ -9470,7 +9490,7 @@
                   <a:schemeClr val="bg1"/>
                 </a:solidFill>
               </a:rPr>
-              <a:t>Nothing else (Jesus)</a:t>
+              <a:t>Take me back to where we started</a:t>
             </a:r>
           </a:p>
           <a:p>
@@ -9480,7 +9500,7 @@
                   <a:schemeClr val="bg1"/>
                 </a:solidFill>
               </a:rPr>
-              <a:t>Nothing else will do</a:t>
+              <a:t>I open up my heart to You</a:t>
             </a:r>
           </a:p>
         </p:txBody>
@@ -9513,7 +9533,7 @@
                   <a:schemeClr val="bg1"/>
                 </a:solidFill>
               </a:rPr>
-              <a:t>4/4</a:t>
+              <a:t>3/7</a:t>
             </a:r>
           </a:p>
         </p:txBody>
@@ -9521,7 +9541,7 @@
     </p:spTree>
     <p:extLst>
       <p:ext uri="{BB962C8B-B14F-4D97-AF65-F5344CB8AC3E}">
-        <p14:creationId xmlns:p14="http://schemas.microsoft.com/office/powerpoint/2010/main" val="261478187"/>
+        <p14:creationId xmlns:p14="http://schemas.microsoft.com/office/powerpoint/2010/main" val="3004002821"/>
       </p:ext>
     </p:extLst>
   </p:cSld>
@@ -9560,7 +9580,7 @@
         </p:nvSpPr>
         <p:spPr>
           <a:xfrm>
-            <a:off x="323528" y="188640"/>
+            <a:off x="203118" y="764704"/>
             <a:ext cx="8640960" cy="6480720"/>
           </a:xfrm>
         </p:spPr>
@@ -9570,123 +9590,76 @@
           </a:bodyPr>
           <a:lstStyle/>
           <a:p>
-            <a:endParaRPr lang="en-GB" sz="5400" dirty="0">
-              <a:solidFill>
-                <a:schemeClr val="bg1"/>
-              </a:solidFill>
-            </a:endParaRPr>
-          </a:p>
-          <a:p>
-            <a:r>
-              <a:rPr lang="en-GB" sz="4400" b="0" i="0" dirty="0">
-                <a:solidFill>
-                  <a:srgbClr val="00A3E0"/>
-                </a:solidFill>
-                <a:effectLst/>
-                <a:latin typeface="akagi_probook"/>
-              </a:rPr>
-              <a:t>Heart Of Worship</a:t>
-            </a:r>
-            <a:br>
-              <a:rPr lang="en-GB" sz="4400" b="0" i="0" dirty="0">
-                <a:solidFill>
-                  <a:srgbClr val="00A3E0"/>
-                </a:solidFill>
-                <a:effectLst/>
-                <a:latin typeface="akagi_probook"/>
-              </a:rPr>
-            </a:br>
-            <a:br>
-              <a:rPr lang="en-GB" sz="1200" dirty="0">
-                <a:solidFill>
-                  <a:schemeClr val="bg1"/>
-                </a:solidFill>
-              </a:rPr>
-            </a:br>
-            <a:r>
-              <a:rPr lang="en-GB" sz="1200" dirty="0">
-                <a:solidFill>
-                  <a:schemeClr val="bg1"/>
-                </a:solidFill>
-              </a:rPr>
-              <a:t>CCLI Song # 2296522</a:t>
-            </a:r>
-          </a:p>
-          <a:p>
-            <a:endParaRPr lang="en-GB" sz="1200" dirty="0">
-              <a:solidFill>
-                <a:schemeClr val="bg1"/>
-              </a:solidFill>
-            </a:endParaRPr>
-          </a:p>
-          <a:p>
-            <a:r>
-              <a:rPr lang="en-GB" sz="1200" dirty="0">
-                <a:solidFill>
-                  <a:schemeClr val="bg1"/>
-                </a:solidFill>
-              </a:rPr>
-              <a:t>Matt Redman</a:t>
-            </a:r>
-          </a:p>
-          <a:p>
-            <a:endParaRPr lang="en-GB" sz="1200" dirty="0">
-              <a:solidFill>
-                <a:schemeClr val="bg1"/>
-              </a:solidFill>
-            </a:endParaRPr>
-          </a:p>
-          <a:p>
-            <a:r>
-              <a:rPr lang="en-GB" sz="1200" dirty="0">
-                <a:solidFill>
-                  <a:schemeClr val="bg1"/>
-                </a:solidFill>
-              </a:rPr>
-              <a:t>© 1997 Thankyou Music (Admin. by Integrity Music Ltd)</a:t>
-            </a:r>
-          </a:p>
-          <a:p>
-            <a:r>
-              <a:rPr lang="en-GB" sz="1200" dirty="0">
-                <a:solidFill>
-                  <a:schemeClr val="bg1"/>
-                </a:solidFill>
-              </a:rPr>
-              <a:t>For use solely with the </a:t>
-            </a:r>
-            <a:r>
-              <a:rPr lang="en-GB" sz="1200" dirty="0" err="1">
-                <a:solidFill>
-                  <a:schemeClr val="bg1"/>
-                </a:solidFill>
-              </a:rPr>
-              <a:t>SongSelect</a:t>
-            </a:r>
-            <a:r>
-              <a:rPr lang="en-GB" sz="1200" dirty="0">
-                <a:solidFill>
-                  <a:schemeClr val="bg1"/>
-                </a:solidFill>
-              </a:rPr>
-              <a:t>® Terms of Use. All rights reserved. www.ccli.com</a:t>
-            </a:r>
-          </a:p>
-          <a:p>
-            <a:endParaRPr lang="en-GB" sz="1200" dirty="0">
-              <a:solidFill>
-                <a:schemeClr val="bg1"/>
-              </a:solidFill>
-            </a:endParaRPr>
-          </a:p>
-          <a:p>
-            <a:r>
-              <a:rPr lang="en-GB" sz="1200" dirty="0">
-                <a:solidFill>
-                  <a:schemeClr val="bg1"/>
-                </a:solidFill>
-              </a:rPr>
-              <a:t>CCLI Licence No. 33265</a:t>
+            <a:r>
+              <a:rPr lang="en-GB" sz="3600" dirty="0">
+                <a:solidFill>
+                  <a:schemeClr val="bg1"/>
+                </a:solidFill>
+              </a:rPr>
+              <a:t>I'm sorry when I've come with my agenda</a:t>
+            </a:r>
+          </a:p>
+          <a:p>
+            <a:r>
+              <a:rPr lang="en-GB" sz="3600" dirty="0">
+                <a:solidFill>
+                  <a:schemeClr val="bg1"/>
+                </a:solidFill>
+              </a:rPr>
+              <a:t>I'm sorry when I forgot that You're enough</a:t>
+            </a:r>
+          </a:p>
+          <a:p>
+            <a:r>
+              <a:rPr lang="en-GB" sz="3600" dirty="0">
+                <a:solidFill>
+                  <a:schemeClr val="bg1"/>
+                </a:solidFill>
+              </a:rPr>
+              <a:t>Take me back to where we started</a:t>
+            </a:r>
+          </a:p>
+          <a:p>
+            <a:r>
+              <a:rPr lang="en-GB" sz="3600" dirty="0">
+                <a:solidFill>
+                  <a:schemeClr val="bg1"/>
+                </a:solidFill>
+              </a:rPr>
+              <a:t>I open up my heart to You</a:t>
+            </a:r>
+          </a:p>
+        </p:txBody>
+      </p:sp>
+      <p:sp>
+        <p:nvSpPr>
+          <p:cNvPr id="4" name="TextBox 3"/>
+          <p:cNvSpPr txBox="1"/>
+          <p:nvPr/>
+        </p:nvSpPr>
+        <p:spPr>
+          <a:xfrm>
+            <a:off x="8529729" y="0"/>
+            <a:ext cx="628698" cy="461665"/>
+          </a:xfrm>
+          <a:prstGeom prst="rect">
+            <a:avLst/>
+          </a:prstGeom>
+          <a:noFill/>
+        </p:spPr>
+        <p:txBody>
+          <a:bodyPr wrap="none" rtlCol="0">
+            <a:spAutoFit/>
+          </a:bodyPr>
+          <a:lstStyle/>
+          <a:p>
+            <a:r>
+              <a:rPr lang="en-GB" sz="2400" b="1" dirty="0">
+                <a:solidFill>
+                  <a:schemeClr val="bg1"/>
+                </a:solidFill>
+              </a:rPr>
+              <a:t>4/7</a:t>
             </a:r>
           </a:p>
         </p:txBody>
@@ -9694,7 +9667,7 @@
     </p:spTree>
     <p:extLst>
       <p:ext uri="{BB962C8B-B14F-4D97-AF65-F5344CB8AC3E}">
-        <p14:creationId xmlns:p14="http://schemas.microsoft.com/office/powerpoint/2010/main" val="1348945171"/>
+        <p14:creationId xmlns:p14="http://schemas.microsoft.com/office/powerpoint/2010/main" val="3744124914"/>
       </p:ext>
     </p:extLst>
   </p:cSld>
@@ -9709,7 +9682,13 @@
   <p:cSld>
     <p:spTree>
       <p:nvGrpSpPr>
-        <p:cNvPr id="1" name=""/>
+        <p:cNvPr id="1" name="">
+          <a:extLst>
+            <a:ext uri="{FF2B5EF4-FFF2-40B4-BE49-F238E27FC236}">
+              <a16:creationId xmlns:a16="http://schemas.microsoft.com/office/drawing/2014/main" id="{CA164F80-9401-47D7-1210-4BB5A3B4FF74}"/>
+            </a:ext>
+          </a:extLst>
+        </p:cNvPr>
         <p:cNvGrpSpPr/>
         <p:nvPr/>
       </p:nvGrpSpPr>
@@ -9723,7 +9702,13 @@
       </p:grpSpPr>
       <p:sp>
         <p:nvSpPr>
-          <p:cNvPr id="3" name="Subtitle 2"/>
+          <p:cNvPr id="3" name="Subtitle 2">
+            <a:extLst>
+              <a:ext uri="{FF2B5EF4-FFF2-40B4-BE49-F238E27FC236}">
+                <a16:creationId xmlns:a16="http://schemas.microsoft.com/office/drawing/2014/main" id="{E867ED59-239A-B3A2-B0CF-C995CCD03482}"/>
+              </a:ext>
+            </a:extLst>
+          </p:cNvPr>
           <p:cNvSpPr>
             <a:spLocks noGrp="1"/>
           </p:cNvSpPr>
@@ -9749,7 +9734,7 @@
                   <a:schemeClr val="bg1"/>
                 </a:solidFill>
               </a:rPr>
-              <a:t>When the music fades all is stripped away</a:t>
+              <a:t>I'm caught up in Your presence</a:t>
             </a:r>
           </a:p>
           <a:p>
@@ -9759,7 +9744,7 @@
                   <a:schemeClr val="bg1"/>
                 </a:solidFill>
               </a:rPr>
-              <a:t>And I simply come</a:t>
+              <a:t>I just want to sit here at Your feet</a:t>
             </a:r>
           </a:p>
           <a:p>
@@ -9769,7 +9754,7 @@
                   <a:schemeClr val="bg1"/>
                 </a:solidFill>
               </a:rPr>
-              <a:t>Longing just to bring something that's of worth</a:t>
+              <a:t>I'm caught up in this holy moment</a:t>
             </a:r>
           </a:p>
           <a:p>
@@ -9779,14 +9764,20 @@
                   <a:schemeClr val="bg1"/>
                 </a:solidFill>
               </a:rPr>
-              <a:t>That will bless Your heart</a:t>
-            </a:r>
-          </a:p>
-        </p:txBody>
-      </p:sp>
-      <p:sp>
-        <p:nvSpPr>
-          <p:cNvPr id="4" name="TextBox 3"/>
+              <a:t>I never want to leave</a:t>
+            </a:r>
+          </a:p>
+        </p:txBody>
+      </p:sp>
+      <p:sp>
+        <p:nvSpPr>
+          <p:cNvPr id="4" name="TextBox 3">
+            <a:extLst>
+              <a:ext uri="{FF2B5EF4-FFF2-40B4-BE49-F238E27FC236}">
+                <a16:creationId xmlns:a16="http://schemas.microsoft.com/office/drawing/2014/main" id="{49171D90-8A10-2662-9A88-C9CD2FD41B24}"/>
+              </a:ext>
+            </a:extLst>
+          </p:cNvPr>
           <p:cNvSpPr txBox="1"/>
           <p:nvPr/>
         </p:nvSpPr>
@@ -9812,7 +9803,7 @@
                   <a:schemeClr val="bg1"/>
                 </a:solidFill>
               </a:rPr>
-              <a:t>1/6</a:t>
+              <a:t>5/7</a:t>
             </a:r>
           </a:p>
         </p:txBody>
@@ -9820,7 +9811,7 @@
     </p:spTree>
     <p:extLst>
       <p:ext uri="{BB962C8B-B14F-4D97-AF65-F5344CB8AC3E}">
-        <p14:creationId xmlns:p14="http://schemas.microsoft.com/office/powerpoint/2010/main" val="4225582275"/>
+        <p14:creationId xmlns:p14="http://schemas.microsoft.com/office/powerpoint/2010/main" val="2895802023"/>
       </p:ext>
     </p:extLst>
   </p:cSld>
@@ -9835,7 +9826,13 @@
   <p:cSld>
     <p:spTree>
       <p:nvGrpSpPr>
-        <p:cNvPr id="1" name=""/>
+        <p:cNvPr id="1" name="">
+          <a:extLst>
+            <a:ext uri="{FF2B5EF4-FFF2-40B4-BE49-F238E27FC236}">
+              <a16:creationId xmlns:a16="http://schemas.microsoft.com/office/drawing/2014/main" id="{38C2A2BB-20C6-9C96-2710-B8CA397E22EE}"/>
+            </a:ext>
+          </a:extLst>
+        </p:cNvPr>
         <p:cNvGrpSpPr/>
         <p:nvPr/>
       </p:nvGrpSpPr>
@@ -9849,7 +9846,13 @@
       </p:grpSpPr>
       <p:sp>
         <p:nvSpPr>
-          <p:cNvPr id="3" name="Subtitle 2"/>
+          <p:cNvPr id="3" name="Subtitle 2">
+            <a:extLst>
+              <a:ext uri="{FF2B5EF4-FFF2-40B4-BE49-F238E27FC236}">
+                <a16:creationId xmlns:a16="http://schemas.microsoft.com/office/drawing/2014/main" id="{6AD23BE1-A04D-87ED-ADB3-FF6C00F481D9}"/>
+              </a:ext>
+            </a:extLst>
+          </p:cNvPr>
           <p:cNvSpPr>
             <a:spLocks noGrp="1"/>
           </p:cNvSpPr>
@@ -9859,7 +9862,7 @@
         </p:nvSpPr>
         <p:spPr>
           <a:xfrm>
-            <a:off x="251520" y="836712"/>
+            <a:off x="203118" y="692696"/>
             <a:ext cx="8640960" cy="6480720"/>
           </a:xfrm>
         </p:spPr>
@@ -9875,7 +9878,7 @@
                   <a:schemeClr val="bg1"/>
                 </a:solidFill>
               </a:rPr>
-              <a:t>I'll bring You more than a song</a:t>
+              <a:t>Oh, I'm not here for blessings</a:t>
             </a:r>
           </a:p>
           <a:p>
@@ -9885,7 +9888,7 @@
                   <a:schemeClr val="bg1"/>
                 </a:solidFill>
               </a:rPr>
-              <a:t>For a song in itself is not what You have required</a:t>
+              <a:t>Jesus, You don't owe me anything</a:t>
             </a:r>
           </a:p>
           <a:p>
@@ -9895,7 +9898,7 @@
                   <a:schemeClr val="bg1"/>
                 </a:solidFill>
               </a:rPr>
-              <a:t>You search much deeper within</a:t>
+              <a:t>More than anything that You can do</a:t>
             </a:r>
           </a:p>
           <a:p>
@@ -9905,24 +9908,20 @@
                   <a:schemeClr val="bg1"/>
                 </a:solidFill>
               </a:rPr>
-              <a:t>Through the way things appear</a:t>
-            </a:r>
-          </a:p>
-          <a:p>
-            <a:r>
-              <a:rPr lang="en-GB" sz="3600" dirty="0">
-                <a:solidFill>
-                  <a:schemeClr val="bg1"/>
-                </a:solidFill>
-              </a:rPr>
-              <a:t>You're looking into my heart</a:t>
-            </a:r>
-          </a:p>
-        </p:txBody>
-      </p:sp>
-      <p:sp>
-        <p:nvSpPr>
-          <p:cNvPr id="4" name="TextBox 3"/>
+              <a:t>I just want You</a:t>
+            </a:r>
+          </a:p>
+        </p:txBody>
+      </p:sp>
+      <p:sp>
+        <p:nvSpPr>
+          <p:cNvPr id="4" name="TextBox 3">
+            <a:extLst>
+              <a:ext uri="{FF2B5EF4-FFF2-40B4-BE49-F238E27FC236}">
+                <a16:creationId xmlns:a16="http://schemas.microsoft.com/office/drawing/2014/main" id="{9AAE38FB-2B6C-3A7D-70EF-29B8EAD4F54F}"/>
+              </a:ext>
+            </a:extLst>
+          </p:cNvPr>
           <p:cNvSpPr txBox="1"/>
           <p:nvPr/>
         </p:nvSpPr>
@@ -9948,7 +9947,7 @@
                   <a:schemeClr val="bg1"/>
                 </a:solidFill>
               </a:rPr>
-              <a:t>2/6</a:t>
+              <a:t>6/7</a:t>
             </a:r>
           </a:p>
         </p:txBody>
@@ -9956,7 +9955,7 @@
     </p:spTree>
     <p:extLst>
       <p:ext uri="{BB962C8B-B14F-4D97-AF65-F5344CB8AC3E}">
-        <p14:creationId xmlns:p14="http://schemas.microsoft.com/office/powerpoint/2010/main" val="3686468432"/>
+        <p14:creationId xmlns:p14="http://schemas.microsoft.com/office/powerpoint/2010/main" val="3701986401"/>
       </p:ext>
     </p:extLst>
   </p:cSld>
@@ -9995,7 +9994,7 @@
         </p:nvSpPr>
         <p:spPr>
           <a:xfrm>
-            <a:off x="395536" y="764704"/>
+            <a:off x="191489" y="836712"/>
             <a:ext cx="8640960" cy="6480720"/>
           </a:xfrm>
         </p:spPr>
@@ -10011,7 +10010,7 @@
                   <a:schemeClr val="bg1"/>
                 </a:solidFill>
               </a:rPr>
-              <a:t>I'm coming back to the heart of worship</a:t>
+              <a:t>I just want You</a:t>
             </a:r>
           </a:p>
           <a:p>
@@ -10021,7 +10020,7 @@
                   <a:schemeClr val="bg1"/>
                 </a:solidFill>
               </a:rPr>
-              <a:t>And it's all about You all about You Jesus</a:t>
+              <a:t>Nothing else</a:t>
             </a:r>
           </a:p>
           <a:p>
@@ -10031,7 +10030,7 @@
                   <a:schemeClr val="bg1"/>
                 </a:solidFill>
               </a:rPr>
-              <a:t>I'm sorry Lord for the thing I've made it</a:t>
+              <a:t>Nothing else (Jesus)</a:t>
             </a:r>
           </a:p>
           <a:p>
@@ -10041,7 +10040,7 @@
                   <a:schemeClr val="bg1"/>
                 </a:solidFill>
               </a:rPr>
-              <a:t>When it's all about You all about You Jesus</a:t>
+              <a:t>Nothing else will do</a:t>
             </a:r>
           </a:p>
         </p:txBody>
@@ -10074,7 +10073,7 @@
                   <a:schemeClr val="bg1"/>
                 </a:solidFill>
               </a:rPr>
-              <a:t>3/6</a:t>
+              <a:t>7/7</a:t>
             </a:r>
           </a:p>
         </p:txBody>
@@ -10082,7 +10081,7 @@
     </p:spTree>
     <p:extLst>
       <p:ext uri="{BB962C8B-B14F-4D97-AF65-F5344CB8AC3E}">
-        <p14:creationId xmlns:p14="http://schemas.microsoft.com/office/powerpoint/2010/main" val="1729908395"/>
+        <p14:creationId xmlns:p14="http://schemas.microsoft.com/office/powerpoint/2010/main" val="261478187"/>
       </p:ext>
     </p:extLst>
   </p:cSld>
@@ -10121,7 +10120,7 @@
         </p:nvSpPr>
         <p:spPr>
           <a:xfrm>
-            <a:off x="395536" y="692696"/>
+            <a:off x="323528" y="188640"/>
             <a:ext cx="8640960" cy="6480720"/>
           </a:xfrm>
         </p:spPr>
@@ -10131,84 +10130,123 @@
           </a:bodyPr>
           <a:lstStyle/>
           <a:p>
-            <a:r>
-              <a:rPr lang="en-GB" sz="3600" dirty="0">
-                <a:solidFill>
-                  <a:schemeClr val="bg1"/>
-                </a:solidFill>
-              </a:rPr>
-              <a:t>King of endless worth no one could express</a:t>
-            </a:r>
-          </a:p>
-          <a:p>
-            <a:r>
-              <a:rPr lang="en-GB" sz="3600" dirty="0">
-                <a:solidFill>
-                  <a:schemeClr val="bg1"/>
-                </a:solidFill>
-              </a:rPr>
-              <a:t>How much You deserve</a:t>
-            </a:r>
-          </a:p>
-          <a:p>
-            <a:r>
-              <a:rPr lang="en-GB" sz="3600" dirty="0">
-                <a:solidFill>
-                  <a:schemeClr val="bg1"/>
-                </a:solidFill>
-              </a:rPr>
-              <a:t>Though I'm weak and poor all I have is Yours</a:t>
-            </a:r>
-          </a:p>
-          <a:p>
-            <a:r>
-              <a:rPr lang="en-GB" sz="3600" dirty="0" err="1">
-                <a:solidFill>
-                  <a:schemeClr val="bg1"/>
-                </a:solidFill>
-              </a:rPr>
-              <a:t>Ev'ry</a:t>
-            </a:r>
-            <a:r>
-              <a:rPr lang="en-GB" sz="3600" dirty="0">
-                <a:solidFill>
-                  <a:schemeClr val="bg1"/>
-                </a:solidFill>
-              </a:rPr>
-              <a:t> single breath</a:t>
-            </a:r>
-          </a:p>
-        </p:txBody>
-      </p:sp>
-      <p:sp>
-        <p:nvSpPr>
-          <p:cNvPr id="4" name="TextBox 3"/>
-          <p:cNvSpPr txBox="1"/>
-          <p:nvPr/>
-        </p:nvSpPr>
-        <p:spPr>
-          <a:xfrm>
-            <a:off x="8529729" y="0"/>
-            <a:ext cx="628698" cy="461665"/>
-          </a:xfrm>
-          <a:prstGeom prst="rect">
-            <a:avLst/>
-          </a:prstGeom>
-          <a:noFill/>
-        </p:spPr>
-        <p:txBody>
-          <a:bodyPr wrap="none" rtlCol="0">
-            <a:spAutoFit/>
-          </a:bodyPr>
-          <a:lstStyle/>
-          <a:p>
-            <a:r>
-              <a:rPr lang="en-GB" sz="2400" b="1" dirty="0">
-                <a:solidFill>
-                  <a:schemeClr val="bg1"/>
-                </a:solidFill>
-              </a:rPr>
-              <a:t>4/6</a:t>
+            <a:endParaRPr lang="en-GB" sz="5400" dirty="0">
+              <a:solidFill>
+                <a:schemeClr val="bg1"/>
+              </a:solidFill>
+            </a:endParaRPr>
+          </a:p>
+          <a:p>
+            <a:r>
+              <a:rPr lang="en-GB" sz="4400" b="0" i="0" dirty="0">
+                <a:solidFill>
+                  <a:srgbClr val="00A3E0"/>
+                </a:solidFill>
+                <a:effectLst/>
+                <a:latin typeface="akagi_probook"/>
+              </a:rPr>
+              <a:t>Heart Of Worship</a:t>
+            </a:r>
+            <a:br>
+              <a:rPr lang="en-GB" sz="4400" b="0" i="0" dirty="0">
+                <a:solidFill>
+                  <a:srgbClr val="00A3E0"/>
+                </a:solidFill>
+                <a:effectLst/>
+                <a:latin typeface="akagi_probook"/>
+              </a:rPr>
+            </a:br>
+            <a:br>
+              <a:rPr lang="en-GB" sz="1200" dirty="0">
+                <a:solidFill>
+                  <a:schemeClr val="bg1"/>
+                </a:solidFill>
+              </a:rPr>
+            </a:br>
+            <a:r>
+              <a:rPr lang="en-GB" sz="1200" dirty="0">
+                <a:solidFill>
+                  <a:schemeClr val="bg1"/>
+                </a:solidFill>
+              </a:rPr>
+              <a:t>CCLI Song # 2296522</a:t>
+            </a:r>
+          </a:p>
+          <a:p>
+            <a:endParaRPr lang="en-GB" sz="1200" dirty="0">
+              <a:solidFill>
+                <a:schemeClr val="bg1"/>
+              </a:solidFill>
+            </a:endParaRPr>
+          </a:p>
+          <a:p>
+            <a:r>
+              <a:rPr lang="en-GB" sz="1200" dirty="0">
+                <a:solidFill>
+                  <a:schemeClr val="bg1"/>
+                </a:solidFill>
+              </a:rPr>
+              <a:t>Matt Redman</a:t>
+            </a:r>
+          </a:p>
+          <a:p>
+            <a:endParaRPr lang="en-GB" sz="1200" dirty="0">
+              <a:solidFill>
+                <a:schemeClr val="bg1"/>
+              </a:solidFill>
+            </a:endParaRPr>
+          </a:p>
+          <a:p>
+            <a:r>
+              <a:rPr lang="en-GB" sz="1200" dirty="0">
+                <a:solidFill>
+                  <a:schemeClr val="bg1"/>
+                </a:solidFill>
+              </a:rPr>
+              <a:t>© 1997 Thankyou Music (Admin. by Integrity Music Ltd)</a:t>
+            </a:r>
+          </a:p>
+          <a:p>
+            <a:r>
+              <a:rPr lang="en-GB" sz="1200" dirty="0">
+                <a:solidFill>
+                  <a:schemeClr val="bg1"/>
+                </a:solidFill>
+              </a:rPr>
+              <a:t>For use solely with the </a:t>
+            </a:r>
+            <a:r>
+              <a:rPr lang="en-GB" sz="1200" dirty="0" err="1">
+                <a:solidFill>
+                  <a:schemeClr val="bg1"/>
+                </a:solidFill>
+              </a:rPr>
+              <a:t>SongSelect</a:t>
+            </a:r>
+            <a:r>
+              <a:rPr lang="en-GB" sz="1200" dirty="0">
+                <a:solidFill>
+                  <a:schemeClr val="bg1"/>
+                </a:solidFill>
+              </a:rPr>
+              <a:t>® Terms of Use. All rights reserved. www.ccli.com</a:t>
+            </a:r>
+          </a:p>
+          <a:p>
+            <a:endParaRPr lang="en-GB" sz="1200" dirty="0">
+              <a:solidFill>
+                <a:schemeClr val="bg1"/>
+              </a:solidFill>
+            </a:endParaRPr>
+          </a:p>
+          <a:p>
+            <a:r>
+              <a:rPr lang="en-GB" sz="1200" dirty="0">
+                <a:solidFill>
+                  <a:schemeClr val="bg1"/>
+                </a:solidFill>
+              </a:rPr>
+              <a:t>CCLI Licence No. 33265</a:t>
             </a:r>
           </a:p>
         </p:txBody>
@@ -10216,7 +10254,7 @@
     </p:spTree>
     <p:extLst>
       <p:ext uri="{BB962C8B-B14F-4D97-AF65-F5344CB8AC3E}">
-        <p14:creationId xmlns:p14="http://schemas.microsoft.com/office/powerpoint/2010/main" val="4174602401"/>
+        <p14:creationId xmlns:p14="http://schemas.microsoft.com/office/powerpoint/2010/main" val="1348945171"/>
       </p:ext>
     </p:extLst>
   </p:cSld>
@@ -10255,7 +10293,7 @@
         </p:nvSpPr>
         <p:spPr>
           <a:xfrm>
-            <a:off x="251520" y="836712"/>
+            <a:off x="203118" y="692696"/>
             <a:ext cx="8640960" cy="6480720"/>
           </a:xfrm>
         </p:spPr>
@@ -10271,7 +10309,7 @@
                   <a:schemeClr val="bg1"/>
                 </a:solidFill>
               </a:rPr>
-              <a:t>I'll bring You more than a song</a:t>
+              <a:t>When the music fades all is stripped away</a:t>
             </a:r>
           </a:p>
           <a:p>
@@ -10281,7 +10319,7 @@
                   <a:schemeClr val="bg1"/>
                 </a:solidFill>
               </a:rPr>
-              <a:t>For a song in itself is not what You have required</a:t>
+              <a:t>And I simply come</a:t>
             </a:r>
           </a:p>
           <a:p>
@@ -10291,7 +10329,7 @@
                   <a:schemeClr val="bg1"/>
                 </a:solidFill>
               </a:rPr>
-              <a:t>You search much deeper within</a:t>
+              <a:t>Longing just to bring something that's of worth</a:t>
             </a:r>
           </a:p>
           <a:p>
@@ -10301,17 +10339,7 @@
                   <a:schemeClr val="bg1"/>
                 </a:solidFill>
               </a:rPr>
-              <a:t>Through the way things appear</a:t>
-            </a:r>
-          </a:p>
-          <a:p>
-            <a:r>
-              <a:rPr lang="en-GB" sz="3600" dirty="0">
-                <a:solidFill>
-                  <a:schemeClr val="bg1"/>
-                </a:solidFill>
-              </a:rPr>
-              <a:t>You're looking into my heart</a:t>
+              <a:t>That will bless Your heart</a:t>
             </a:r>
           </a:p>
         </p:txBody>
@@ -10344,7 +10372,7 @@
                   <a:schemeClr val="bg1"/>
                 </a:solidFill>
               </a:rPr>
-              <a:t>5/6</a:t>
+              <a:t>1/6</a:t>
             </a:r>
           </a:p>
         </p:txBody>
@@ -10352,7 +10380,7 @@
     </p:spTree>
     <p:extLst>
       <p:ext uri="{BB962C8B-B14F-4D97-AF65-F5344CB8AC3E}">
-        <p14:creationId xmlns:p14="http://schemas.microsoft.com/office/powerpoint/2010/main" val="2373438507"/>
+        <p14:creationId xmlns:p14="http://schemas.microsoft.com/office/powerpoint/2010/main" val="4225582275"/>
       </p:ext>
     </p:extLst>
   </p:cSld>
@@ -10391,6 +10419,711 @@
         </p:nvSpPr>
         <p:spPr>
           <a:xfrm>
+            <a:off x="251520" y="836712"/>
+            <a:ext cx="8640960" cy="6480720"/>
+          </a:xfrm>
+        </p:spPr>
+        <p:txBody>
+          <a:bodyPr>
+            <a:noAutofit/>
+          </a:bodyPr>
+          <a:lstStyle/>
+          <a:p>
+            <a:r>
+              <a:rPr lang="en-GB" sz="3600" dirty="0">
+                <a:solidFill>
+                  <a:schemeClr val="bg1"/>
+                </a:solidFill>
+              </a:rPr>
+              <a:t>I'll bring You more than a song</a:t>
+            </a:r>
+          </a:p>
+          <a:p>
+            <a:r>
+              <a:rPr lang="en-GB" sz="3600" dirty="0">
+                <a:solidFill>
+                  <a:schemeClr val="bg1"/>
+                </a:solidFill>
+              </a:rPr>
+              <a:t>For a song in itself is not what You have required</a:t>
+            </a:r>
+          </a:p>
+          <a:p>
+            <a:r>
+              <a:rPr lang="en-GB" sz="3600" dirty="0">
+                <a:solidFill>
+                  <a:schemeClr val="bg1"/>
+                </a:solidFill>
+              </a:rPr>
+              <a:t>You search much deeper within</a:t>
+            </a:r>
+          </a:p>
+          <a:p>
+            <a:r>
+              <a:rPr lang="en-GB" sz="3600" dirty="0">
+                <a:solidFill>
+                  <a:schemeClr val="bg1"/>
+                </a:solidFill>
+              </a:rPr>
+              <a:t>Through the way things appear</a:t>
+            </a:r>
+          </a:p>
+          <a:p>
+            <a:r>
+              <a:rPr lang="en-GB" sz="3600" dirty="0">
+                <a:solidFill>
+                  <a:schemeClr val="bg1"/>
+                </a:solidFill>
+              </a:rPr>
+              <a:t>You're looking into my heart</a:t>
+            </a:r>
+          </a:p>
+        </p:txBody>
+      </p:sp>
+      <p:sp>
+        <p:nvSpPr>
+          <p:cNvPr id="4" name="TextBox 3"/>
+          <p:cNvSpPr txBox="1"/>
+          <p:nvPr/>
+        </p:nvSpPr>
+        <p:spPr>
+          <a:xfrm>
+            <a:off x="8529729" y="0"/>
+            <a:ext cx="628698" cy="461665"/>
+          </a:xfrm>
+          <a:prstGeom prst="rect">
+            <a:avLst/>
+          </a:prstGeom>
+          <a:noFill/>
+        </p:spPr>
+        <p:txBody>
+          <a:bodyPr wrap="none" rtlCol="0">
+            <a:spAutoFit/>
+          </a:bodyPr>
+          <a:lstStyle/>
+          <a:p>
+            <a:r>
+              <a:rPr lang="en-GB" sz="2400" b="1" dirty="0">
+                <a:solidFill>
+                  <a:schemeClr val="bg1"/>
+                </a:solidFill>
+              </a:rPr>
+              <a:t>2/6</a:t>
+            </a:r>
+          </a:p>
+        </p:txBody>
+      </p:sp>
+    </p:spTree>
+    <p:extLst>
+      <p:ext uri="{BB962C8B-B14F-4D97-AF65-F5344CB8AC3E}">
+        <p14:creationId xmlns:p14="http://schemas.microsoft.com/office/powerpoint/2010/main" val="3686468432"/>
+      </p:ext>
+    </p:extLst>
+  </p:cSld>
+  <p:clrMapOvr>
+    <a:masterClrMapping/>
+  </p:clrMapOvr>
+</p:sld>
+</file>
+
+<file path=ppt/slides/slide38.xml><?xml version="1.0" encoding="utf-8"?>
+<p:sld xmlns:a="http://schemas.openxmlformats.org/drawingml/2006/main" xmlns:r="http://schemas.openxmlformats.org/officeDocument/2006/relationships" xmlns:p="http://schemas.openxmlformats.org/presentationml/2006/main">
+  <p:cSld>
+    <p:spTree>
+      <p:nvGrpSpPr>
+        <p:cNvPr id="1" name=""/>
+        <p:cNvGrpSpPr/>
+        <p:nvPr/>
+      </p:nvGrpSpPr>
+      <p:grpSpPr>
+        <a:xfrm>
+          <a:off x="0" y="0"/>
+          <a:ext cx="0" cy="0"/>
+          <a:chOff x="0" y="0"/>
+          <a:chExt cx="0" cy="0"/>
+        </a:xfrm>
+      </p:grpSpPr>
+      <p:sp>
+        <p:nvSpPr>
+          <p:cNvPr id="3" name="Subtitle 2"/>
+          <p:cNvSpPr>
+            <a:spLocks noGrp="1"/>
+          </p:cNvSpPr>
+          <p:nvPr>
+            <p:ph type="subTitle" idx="1"/>
+          </p:nvPr>
+        </p:nvSpPr>
+        <p:spPr>
+          <a:xfrm>
+            <a:off x="395536" y="764704"/>
+            <a:ext cx="8640960" cy="6480720"/>
+          </a:xfrm>
+        </p:spPr>
+        <p:txBody>
+          <a:bodyPr>
+            <a:noAutofit/>
+          </a:bodyPr>
+          <a:lstStyle/>
+          <a:p>
+            <a:r>
+              <a:rPr lang="en-GB" sz="3600" dirty="0">
+                <a:solidFill>
+                  <a:schemeClr val="bg1"/>
+                </a:solidFill>
+              </a:rPr>
+              <a:t>I'm coming back to the heart of worship</a:t>
+            </a:r>
+          </a:p>
+          <a:p>
+            <a:r>
+              <a:rPr lang="en-GB" sz="3600" dirty="0">
+                <a:solidFill>
+                  <a:schemeClr val="bg1"/>
+                </a:solidFill>
+              </a:rPr>
+              <a:t>And it's all about You all about You Jesus</a:t>
+            </a:r>
+          </a:p>
+          <a:p>
+            <a:r>
+              <a:rPr lang="en-GB" sz="3600" dirty="0">
+                <a:solidFill>
+                  <a:schemeClr val="bg1"/>
+                </a:solidFill>
+              </a:rPr>
+              <a:t>I'm sorry Lord for the thing I've made it</a:t>
+            </a:r>
+          </a:p>
+          <a:p>
+            <a:r>
+              <a:rPr lang="en-GB" sz="3600" dirty="0">
+                <a:solidFill>
+                  <a:schemeClr val="bg1"/>
+                </a:solidFill>
+              </a:rPr>
+              <a:t>When it's all about You all about You Jesus</a:t>
+            </a:r>
+          </a:p>
+        </p:txBody>
+      </p:sp>
+      <p:sp>
+        <p:nvSpPr>
+          <p:cNvPr id="4" name="TextBox 3"/>
+          <p:cNvSpPr txBox="1"/>
+          <p:nvPr/>
+        </p:nvSpPr>
+        <p:spPr>
+          <a:xfrm>
+            <a:off x="8529729" y="0"/>
+            <a:ext cx="628698" cy="461665"/>
+          </a:xfrm>
+          <a:prstGeom prst="rect">
+            <a:avLst/>
+          </a:prstGeom>
+          <a:noFill/>
+        </p:spPr>
+        <p:txBody>
+          <a:bodyPr wrap="none" rtlCol="0">
+            <a:spAutoFit/>
+          </a:bodyPr>
+          <a:lstStyle/>
+          <a:p>
+            <a:r>
+              <a:rPr lang="en-GB" sz="2400" b="1" dirty="0">
+                <a:solidFill>
+                  <a:schemeClr val="bg1"/>
+                </a:solidFill>
+              </a:rPr>
+              <a:t>3/6</a:t>
+            </a:r>
+          </a:p>
+        </p:txBody>
+      </p:sp>
+    </p:spTree>
+    <p:extLst>
+      <p:ext uri="{BB962C8B-B14F-4D97-AF65-F5344CB8AC3E}">
+        <p14:creationId xmlns:p14="http://schemas.microsoft.com/office/powerpoint/2010/main" val="1729908395"/>
+      </p:ext>
+    </p:extLst>
+  </p:cSld>
+  <p:clrMapOvr>
+    <a:masterClrMapping/>
+  </p:clrMapOvr>
+</p:sld>
+</file>
+
+<file path=ppt/slides/slide39.xml><?xml version="1.0" encoding="utf-8"?>
+<p:sld xmlns:a="http://schemas.openxmlformats.org/drawingml/2006/main" xmlns:r="http://schemas.openxmlformats.org/officeDocument/2006/relationships" xmlns:p="http://schemas.openxmlformats.org/presentationml/2006/main">
+  <p:cSld>
+    <p:spTree>
+      <p:nvGrpSpPr>
+        <p:cNvPr id="1" name=""/>
+        <p:cNvGrpSpPr/>
+        <p:nvPr/>
+      </p:nvGrpSpPr>
+      <p:grpSpPr>
+        <a:xfrm>
+          <a:off x="0" y="0"/>
+          <a:ext cx="0" cy="0"/>
+          <a:chOff x="0" y="0"/>
+          <a:chExt cx="0" cy="0"/>
+        </a:xfrm>
+      </p:grpSpPr>
+      <p:sp>
+        <p:nvSpPr>
+          <p:cNvPr id="3" name="Subtitle 2"/>
+          <p:cNvSpPr>
+            <a:spLocks noGrp="1"/>
+          </p:cNvSpPr>
+          <p:nvPr>
+            <p:ph type="subTitle" idx="1"/>
+          </p:nvPr>
+        </p:nvSpPr>
+        <p:spPr>
+          <a:xfrm>
+            <a:off x="395536" y="692696"/>
+            <a:ext cx="8640960" cy="6480720"/>
+          </a:xfrm>
+        </p:spPr>
+        <p:txBody>
+          <a:bodyPr>
+            <a:noAutofit/>
+          </a:bodyPr>
+          <a:lstStyle/>
+          <a:p>
+            <a:r>
+              <a:rPr lang="en-GB" sz="3600" dirty="0">
+                <a:solidFill>
+                  <a:schemeClr val="bg1"/>
+                </a:solidFill>
+              </a:rPr>
+              <a:t>King of endless worth no one could express</a:t>
+            </a:r>
+          </a:p>
+          <a:p>
+            <a:r>
+              <a:rPr lang="en-GB" sz="3600" dirty="0">
+                <a:solidFill>
+                  <a:schemeClr val="bg1"/>
+                </a:solidFill>
+              </a:rPr>
+              <a:t>How much You deserve</a:t>
+            </a:r>
+          </a:p>
+          <a:p>
+            <a:r>
+              <a:rPr lang="en-GB" sz="3600" dirty="0">
+                <a:solidFill>
+                  <a:schemeClr val="bg1"/>
+                </a:solidFill>
+              </a:rPr>
+              <a:t>Though I'm weak and poor all I have is Yours</a:t>
+            </a:r>
+          </a:p>
+          <a:p>
+            <a:r>
+              <a:rPr lang="en-GB" sz="3600" dirty="0" err="1">
+                <a:solidFill>
+                  <a:schemeClr val="bg1"/>
+                </a:solidFill>
+              </a:rPr>
+              <a:t>Ev'ry</a:t>
+            </a:r>
+            <a:r>
+              <a:rPr lang="en-GB" sz="3600" dirty="0">
+                <a:solidFill>
+                  <a:schemeClr val="bg1"/>
+                </a:solidFill>
+              </a:rPr>
+              <a:t> single breath</a:t>
+            </a:r>
+          </a:p>
+        </p:txBody>
+      </p:sp>
+      <p:sp>
+        <p:nvSpPr>
+          <p:cNvPr id="4" name="TextBox 3"/>
+          <p:cNvSpPr txBox="1"/>
+          <p:nvPr/>
+        </p:nvSpPr>
+        <p:spPr>
+          <a:xfrm>
+            <a:off x="8529729" y="0"/>
+            <a:ext cx="628698" cy="461665"/>
+          </a:xfrm>
+          <a:prstGeom prst="rect">
+            <a:avLst/>
+          </a:prstGeom>
+          <a:noFill/>
+        </p:spPr>
+        <p:txBody>
+          <a:bodyPr wrap="none" rtlCol="0">
+            <a:spAutoFit/>
+          </a:bodyPr>
+          <a:lstStyle/>
+          <a:p>
+            <a:r>
+              <a:rPr lang="en-GB" sz="2400" b="1" dirty="0">
+                <a:solidFill>
+                  <a:schemeClr val="bg1"/>
+                </a:solidFill>
+              </a:rPr>
+              <a:t>4/6</a:t>
+            </a:r>
+          </a:p>
+        </p:txBody>
+      </p:sp>
+    </p:spTree>
+    <p:extLst>
+      <p:ext uri="{BB962C8B-B14F-4D97-AF65-F5344CB8AC3E}">
+        <p14:creationId xmlns:p14="http://schemas.microsoft.com/office/powerpoint/2010/main" val="4174602401"/>
+      </p:ext>
+    </p:extLst>
+  </p:cSld>
+  <p:clrMapOvr>
+    <a:masterClrMapping/>
+  </p:clrMapOvr>
+</p:sld>
+</file>
+
+<file path=ppt/slides/slide4.xml><?xml version="1.0" encoding="utf-8"?>
+<p:sld xmlns:a="http://schemas.openxmlformats.org/drawingml/2006/main" xmlns:r="http://schemas.openxmlformats.org/officeDocument/2006/relationships" xmlns:p="http://schemas.openxmlformats.org/presentationml/2006/main">
+  <p:cSld>
+    <p:spTree>
+      <p:nvGrpSpPr>
+        <p:cNvPr id="1" name=""/>
+        <p:cNvGrpSpPr/>
+        <p:nvPr/>
+      </p:nvGrpSpPr>
+      <p:grpSpPr>
+        <a:xfrm>
+          <a:off x="0" y="0"/>
+          <a:ext cx="0" cy="0"/>
+          <a:chOff x="0" y="0"/>
+          <a:chExt cx="0" cy="0"/>
+        </a:xfrm>
+      </p:grpSpPr>
+      <p:sp>
+        <p:nvSpPr>
+          <p:cNvPr id="3" name="Subtitle 2"/>
+          <p:cNvSpPr>
+            <a:spLocks noGrp="1"/>
+          </p:cNvSpPr>
+          <p:nvPr>
+            <p:ph type="subTitle" idx="1"/>
+          </p:nvPr>
+        </p:nvSpPr>
+        <p:spPr>
+          <a:xfrm>
+            <a:off x="251520" y="764704"/>
+            <a:ext cx="8640960" cy="6480720"/>
+          </a:xfrm>
+        </p:spPr>
+        <p:txBody>
+          <a:bodyPr>
+            <a:noAutofit/>
+          </a:bodyPr>
+          <a:lstStyle/>
+          <a:p>
+            <a:r>
+              <a:rPr lang="en-GB" sz="4400" b="1" dirty="0">
+                <a:solidFill>
+                  <a:schemeClr val="bg1"/>
+                </a:solidFill>
+              </a:rPr>
+              <a:t>Verse 1</a:t>
+            </a:r>
+          </a:p>
+          <a:p>
+            <a:r>
+              <a:rPr lang="en-GB" sz="4400" dirty="0">
+                <a:solidFill>
+                  <a:schemeClr val="bg1"/>
+                </a:solidFill>
+              </a:rPr>
+              <a:t>From </a:t>
+            </a:r>
+            <a:r>
+              <a:rPr lang="en-GB" sz="4400" dirty="0" err="1">
+                <a:solidFill>
+                  <a:schemeClr val="bg1"/>
+                </a:solidFill>
+              </a:rPr>
+              <a:t>heav'n</a:t>
+            </a:r>
+            <a:r>
+              <a:rPr lang="en-GB" sz="4400" dirty="0">
+                <a:solidFill>
+                  <a:schemeClr val="bg1"/>
+                </a:solidFill>
+              </a:rPr>
+              <a:t> You came helpless babe</a:t>
+            </a:r>
+          </a:p>
+          <a:p>
+            <a:r>
+              <a:rPr lang="en-GB" sz="4400" dirty="0" err="1">
+                <a:solidFill>
+                  <a:schemeClr val="bg1"/>
+                </a:solidFill>
+              </a:rPr>
+              <a:t>Enter'd</a:t>
+            </a:r>
+            <a:r>
+              <a:rPr lang="en-GB" sz="4400" dirty="0">
+                <a:solidFill>
+                  <a:schemeClr val="bg1"/>
+                </a:solidFill>
+              </a:rPr>
+              <a:t> our world Your glory </a:t>
+            </a:r>
+            <a:r>
+              <a:rPr lang="en-GB" sz="4400" dirty="0" err="1">
+                <a:solidFill>
+                  <a:schemeClr val="bg1"/>
+                </a:solidFill>
+              </a:rPr>
+              <a:t>veil'd</a:t>
+            </a:r>
+            <a:endParaRPr lang="en-GB" sz="4400" dirty="0">
+              <a:solidFill>
+                <a:schemeClr val="bg1"/>
+              </a:solidFill>
+            </a:endParaRPr>
+          </a:p>
+          <a:p>
+            <a:r>
+              <a:rPr lang="en-GB" sz="4400" dirty="0">
+                <a:solidFill>
+                  <a:schemeClr val="bg1"/>
+                </a:solidFill>
+              </a:rPr>
+              <a:t>Not to be served but to serve</a:t>
+            </a:r>
+          </a:p>
+          <a:p>
+            <a:r>
+              <a:rPr lang="en-GB" sz="4400" dirty="0">
+                <a:solidFill>
+                  <a:schemeClr val="bg1"/>
+                </a:solidFill>
+              </a:rPr>
+              <a:t>And give Your life that we might live</a:t>
+            </a:r>
+          </a:p>
+        </p:txBody>
+      </p:sp>
+      <p:sp>
+        <p:nvSpPr>
+          <p:cNvPr id="4" name="TextBox 3"/>
+          <p:cNvSpPr txBox="1"/>
+          <p:nvPr/>
+        </p:nvSpPr>
+        <p:spPr>
+          <a:xfrm>
+            <a:off x="8529729" y="0"/>
+            <a:ext cx="628698" cy="461665"/>
+          </a:xfrm>
+          <a:prstGeom prst="rect">
+            <a:avLst/>
+          </a:prstGeom>
+          <a:noFill/>
+        </p:spPr>
+        <p:txBody>
+          <a:bodyPr wrap="none" rtlCol="0">
+            <a:spAutoFit/>
+          </a:bodyPr>
+          <a:lstStyle/>
+          <a:p>
+            <a:r>
+              <a:rPr lang="en-GB" sz="2400" b="1" dirty="0">
+                <a:solidFill>
+                  <a:schemeClr val="bg1"/>
+                </a:solidFill>
+              </a:rPr>
+              <a:t>1/8</a:t>
+            </a:r>
+          </a:p>
+        </p:txBody>
+      </p:sp>
+    </p:spTree>
+    <p:extLst>
+      <p:ext uri="{BB962C8B-B14F-4D97-AF65-F5344CB8AC3E}">
+        <p14:creationId xmlns:p14="http://schemas.microsoft.com/office/powerpoint/2010/main" val="469044312"/>
+      </p:ext>
+    </p:extLst>
+  </p:cSld>
+  <p:clrMapOvr>
+    <a:masterClrMapping/>
+  </p:clrMapOvr>
+</p:sld>
+</file>
+
+<file path=ppt/slides/slide40.xml><?xml version="1.0" encoding="utf-8"?>
+<p:sld xmlns:a="http://schemas.openxmlformats.org/drawingml/2006/main" xmlns:r="http://schemas.openxmlformats.org/officeDocument/2006/relationships" xmlns:p="http://schemas.openxmlformats.org/presentationml/2006/main">
+  <p:cSld>
+    <p:spTree>
+      <p:nvGrpSpPr>
+        <p:cNvPr id="1" name=""/>
+        <p:cNvGrpSpPr/>
+        <p:nvPr/>
+      </p:nvGrpSpPr>
+      <p:grpSpPr>
+        <a:xfrm>
+          <a:off x="0" y="0"/>
+          <a:ext cx="0" cy="0"/>
+          <a:chOff x="0" y="0"/>
+          <a:chExt cx="0" cy="0"/>
+        </a:xfrm>
+      </p:grpSpPr>
+      <p:sp>
+        <p:nvSpPr>
+          <p:cNvPr id="3" name="Subtitle 2"/>
+          <p:cNvSpPr>
+            <a:spLocks noGrp="1"/>
+          </p:cNvSpPr>
+          <p:nvPr>
+            <p:ph type="subTitle" idx="1"/>
+          </p:nvPr>
+        </p:nvSpPr>
+        <p:spPr>
+          <a:xfrm>
+            <a:off x="251520" y="836712"/>
+            <a:ext cx="8640960" cy="6480720"/>
+          </a:xfrm>
+        </p:spPr>
+        <p:txBody>
+          <a:bodyPr>
+            <a:noAutofit/>
+          </a:bodyPr>
+          <a:lstStyle/>
+          <a:p>
+            <a:r>
+              <a:rPr lang="en-GB" sz="3600" dirty="0">
+                <a:solidFill>
+                  <a:schemeClr val="bg1"/>
+                </a:solidFill>
+              </a:rPr>
+              <a:t>I'll bring You more than a song</a:t>
+            </a:r>
+          </a:p>
+          <a:p>
+            <a:r>
+              <a:rPr lang="en-GB" sz="3600" dirty="0">
+                <a:solidFill>
+                  <a:schemeClr val="bg1"/>
+                </a:solidFill>
+              </a:rPr>
+              <a:t>For a song in itself is not what You have required</a:t>
+            </a:r>
+          </a:p>
+          <a:p>
+            <a:r>
+              <a:rPr lang="en-GB" sz="3600" dirty="0">
+                <a:solidFill>
+                  <a:schemeClr val="bg1"/>
+                </a:solidFill>
+              </a:rPr>
+              <a:t>You search much deeper within</a:t>
+            </a:r>
+          </a:p>
+          <a:p>
+            <a:r>
+              <a:rPr lang="en-GB" sz="3600" dirty="0">
+                <a:solidFill>
+                  <a:schemeClr val="bg1"/>
+                </a:solidFill>
+              </a:rPr>
+              <a:t>Through the way things appear</a:t>
+            </a:r>
+          </a:p>
+          <a:p>
+            <a:r>
+              <a:rPr lang="en-GB" sz="3600" dirty="0">
+                <a:solidFill>
+                  <a:schemeClr val="bg1"/>
+                </a:solidFill>
+              </a:rPr>
+              <a:t>You're looking into my heart</a:t>
+            </a:r>
+          </a:p>
+        </p:txBody>
+      </p:sp>
+      <p:sp>
+        <p:nvSpPr>
+          <p:cNvPr id="4" name="TextBox 3"/>
+          <p:cNvSpPr txBox="1"/>
+          <p:nvPr/>
+        </p:nvSpPr>
+        <p:spPr>
+          <a:xfrm>
+            <a:off x="8529729" y="0"/>
+            <a:ext cx="628698" cy="461665"/>
+          </a:xfrm>
+          <a:prstGeom prst="rect">
+            <a:avLst/>
+          </a:prstGeom>
+          <a:noFill/>
+        </p:spPr>
+        <p:txBody>
+          <a:bodyPr wrap="none" rtlCol="0">
+            <a:spAutoFit/>
+          </a:bodyPr>
+          <a:lstStyle/>
+          <a:p>
+            <a:r>
+              <a:rPr lang="en-GB" sz="2400" b="1" dirty="0">
+                <a:solidFill>
+                  <a:schemeClr val="bg1"/>
+                </a:solidFill>
+              </a:rPr>
+              <a:t>5/6</a:t>
+            </a:r>
+          </a:p>
+        </p:txBody>
+      </p:sp>
+    </p:spTree>
+    <p:extLst>
+      <p:ext uri="{BB962C8B-B14F-4D97-AF65-F5344CB8AC3E}">
+        <p14:creationId xmlns:p14="http://schemas.microsoft.com/office/powerpoint/2010/main" val="2373438507"/>
+      </p:ext>
+    </p:extLst>
+  </p:cSld>
+  <p:clrMapOvr>
+    <a:masterClrMapping/>
+  </p:clrMapOvr>
+</p:sld>
+</file>
+
+<file path=ppt/slides/slide41.xml><?xml version="1.0" encoding="utf-8"?>
+<p:sld xmlns:a="http://schemas.openxmlformats.org/drawingml/2006/main" xmlns:r="http://schemas.openxmlformats.org/officeDocument/2006/relationships" xmlns:p="http://schemas.openxmlformats.org/presentationml/2006/main">
+  <p:cSld>
+    <p:spTree>
+      <p:nvGrpSpPr>
+        <p:cNvPr id="1" name=""/>
+        <p:cNvGrpSpPr/>
+        <p:nvPr/>
+      </p:nvGrpSpPr>
+      <p:grpSpPr>
+        <a:xfrm>
+          <a:off x="0" y="0"/>
+          <a:ext cx="0" cy="0"/>
+          <a:chOff x="0" y="0"/>
+          <a:chExt cx="0" cy="0"/>
+        </a:xfrm>
+      </p:grpSpPr>
+      <p:sp>
+        <p:nvSpPr>
+          <p:cNvPr id="3" name="Subtitle 2"/>
+          <p:cNvSpPr>
+            <a:spLocks noGrp="1"/>
+          </p:cNvSpPr>
+          <p:nvPr>
+            <p:ph type="subTitle" idx="1"/>
+          </p:nvPr>
+        </p:nvSpPr>
+        <p:spPr>
+          <a:xfrm>
             <a:off x="395536" y="764704"/>
             <a:ext cx="8640960" cy="6480720"/>
           </a:xfrm>
@@ -10488,7 +11221,7 @@
 </p:sld>
 </file>
 
-<file path=ppt/slides/slide38.xml><?xml version="1.0" encoding="utf-8"?>
+<file path=ppt/slides/slide42.xml><?xml version="1.0" encoding="utf-8"?>
 <p:sld xmlns:a="http://schemas.openxmlformats.org/drawingml/2006/main" xmlns:r="http://schemas.openxmlformats.org/officeDocument/2006/relationships" xmlns:p="http://schemas.openxmlformats.org/presentationml/2006/main">
   <p:cSld>
     <p:spTree>
@@ -11001,7 +11734,7 @@
 </p:sld>
 </file>
 
-<file path=ppt/slides/slide39.xml><?xml version="1.0" encoding="utf-8"?>
+<file path=ppt/slides/slide43.xml><?xml version="1.0" encoding="utf-8"?>
 <p:sld xmlns:a="http://schemas.openxmlformats.org/drawingml/2006/main" xmlns:r="http://schemas.openxmlformats.org/officeDocument/2006/relationships" xmlns:p="http://schemas.openxmlformats.org/presentationml/2006/main">
   <p:cSld>
     <p:spTree>
@@ -11061,180 +11794,7 @@
 </p:sld>
 </file>
 
-<file path=ppt/slides/slide4.xml><?xml version="1.0" encoding="utf-8"?>
-<p:sld xmlns:a="http://schemas.openxmlformats.org/drawingml/2006/main" xmlns:r="http://schemas.openxmlformats.org/officeDocument/2006/relationships" xmlns:p="http://schemas.openxmlformats.org/presentationml/2006/main">
-  <p:cSld>
-    <p:spTree>
-      <p:nvGrpSpPr>
-        <p:cNvPr id="1" name=""/>
-        <p:cNvGrpSpPr/>
-        <p:nvPr/>
-      </p:nvGrpSpPr>
-      <p:grpSpPr>
-        <a:xfrm>
-          <a:off x="0" y="0"/>
-          <a:ext cx="0" cy="0"/>
-          <a:chOff x="0" y="0"/>
-          <a:chExt cx="0" cy="0"/>
-        </a:xfrm>
-      </p:grpSpPr>
-      <p:sp>
-        <p:nvSpPr>
-          <p:cNvPr id="3" name="Subtitle 2"/>
-          <p:cNvSpPr>
-            <a:spLocks noGrp="1"/>
-          </p:cNvSpPr>
-          <p:nvPr>
-            <p:ph type="subTitle" idx="1"/>
-          </p:nvPr>
-        </p:nvSpPr>
-        <p:spPr>
-          <a:xfrm>
-            <a:off x="251520" y="764704"/>
-            <a:ext cx="8640960" cy="6480720"/>
-          </a:xfrm>
-        </p:spPr>
-        <p:txBody>
-          <a:bodyPr>
-            <a:noAutofit/>
-          </a:bodyPr>
-          <a:lstStyle/>
-          <a:p>
-            <a:r>
-              <a:rPr lang="en-GB" sz="4400" b="1" dirty="0">
-                <a:solidFill>
-                  <a:schemeClr val="bg1"/>
-                </a:solidFill>
-              </a:rPr>
-              <a:t>Verse 1</a:t>
-            </a:r>
-          </a:p>
-          <a:p>
-            <a:r>
-              <a:rPr lang="en-GB" sz="4400" dirty="0">
-                <a:solidFill>
-                  <a:schemeClr val="bg1"/>
-                </a:solidFill>
-              </a:rPr>
-              <a:t>From </a:t>
-            </a:r>
-            <a:r>
-              <a:rPr lang="en-GB" sz="4400" dirty="0" err="1">
-                <a:solidFill>
-                  <a:schemeClr val="bg1"/>
-                </a:solidFill>
-              </a:rPr>
-              <a:t>heav'n</a:t>
-            </a:r>
-            <a:r>
-              <a:rPr lang="en-GB" sz="4400" dirty="0">
-                <a:solidFill>
-                  <a:schemeClr val="bg1"/>
-                </a:solidFill>
-              </a:rPr>
-              <a:t> You came helpless babe</a:t>
-            </a:r>
-          </a:p>
-          <a:p>
-            <a:r>
-              <a:rPr lang="en-GB" sz="4400" dirty="0" err="1">
-                <a:solidFill>
-                  <a:schemeClr val="bg1"/>
-                </a:solidFill>
-              </a:rPr>
-              <a:t>Enter'd</a:t>
-            </a:r>
-            <a:r>
-              <a:rPr lang="en-GB" sz="4400" dirty="0">
-                <a:solidFill>
-                  <a:schemeClr val="bg1"/>
-                </a:solidFill>
-              </a:rPr>
-              <a:t> our world Your glory </a:t>
-            </a:r>
-            <a:r>
-              <a:rPr lang="en-GB" sz="4400" dirty="0" err="1">
-                <a:solidFill>
-                  <a:schemeClr val="bg1"/>
-                </a:solidFill>
-              </a:rPr>
-              <a:t>veil'd</a:t>
-            </a:r>
-            <a:endParaRPr lang="en-GB" sz="4400" dirty="0">
-              <a:solidFill>
-                <a:schemeClr val="bg1"/>
-              </a:solidFill>
-            </a:endParaRPr>
-          </a:p>
-          <a:p>
-            <a:r>
-              <a:rPr lang="en-GB" sz="4400" dirty="0">
-                <a:solidFill>
-                  <a:schemeClr val="bg1"/>
-                </a:solidFill>
-              </a:rPr>
-              <a:t>Not to be served but to serve</a:t>
-            </a:r>
-          </a:p>
-          <a:p>
-            <a:r>
-              <a:rPr lang="en-GB" sz="4400" dirty="0">
-                <a:solidFill>
-                  <a:schemeClr val="bg1"/>
-                </a:solidFill>
-              </a:rPr>
-              <a:t>And give Your life that we might live</a:t>
-            </a:r>
-          </a:p>
-        </p:txBody>
-      </p:sp>
-      <p:sp>
-        <p:nvSpPr>
-          <p:cNvPr id="4" name="TextBox 3"/>
-          <p:cNvSpPr txBox="1"/>
-          <p:nvPr/>
-        </p:nvSpPr>
-        <p:spPr>
-          <a:xfrm>
-            <a:off x="8529729" y="0"/>
-            <a:ext cx="628698" cy="461665"/>
-          </a:xfrm>
-          <a:prstGeom prst="rect">
-            <a:avLst/>
-          </a:prstGeom>
-          <a:noFill/>
-        </p:spPr>
-        <p:txBody>
-          <a:bodyPr wrap="none" rtlCol="0">
-            <a:spAutoFit/>
-          </a:bodyPr>
-          <a:lstStyle/>
-          <a:p>
-            <a:r>
-              <a:rPr lang="en-GB" sz="2400" b="1" dirty="0">
-                <a:solidFill>
-                  <a:schemeClr val="bg1"/>
-                </a:solidFill>
-              </a:rPr>
-              <a:t>1/8</a:t>
-            </a:r>
-          </a:p>
-        </p:txBody>
-      </p:sp>
-    </p:spTree>
-    <p:extLst>
-      <p:ext uri="{BB962C8B-B14F-4D97-AF65-F5344CB8AC3E}">
-        <p14:creationId xmlns:p14="http://schemas.microsoft.com/office/powerpoint/2010/main" val="469044312"/>
-      </p:ext>
-    </p:extLst>
-  </p:cSld>
-  <p:clrMapOvr>
-    <a:masterClrMapping/>
-  </p:clrMapOvr>
-</p:sld>
-</file>
-
-<file path=ppt/slides/slide40.xml><?xml version="1.0" encoding="utf-8"?>
+<file path=ppt/slides/slide44.xml><?xml version="1.0" encoding="utf-8"?>
 <p:sld xmlns:a="http://schemas.openxmlformats.org/drawingml/2006/main" xmlns:r="http://schemas.openxmlformats.org/officeDocument/2006/relationships" xmlns:p="http://schemas.openxmlformats.org/presentationml/2006/main">
   <p:cSld>
     <p:spTree>
@@ -11294,7 +11854,7 @@
 </p:sld>
 </file>
 
-<file path=ppt/slides/slide41.xml><?xml version="1.0" encoding="utf-8"?>
+<file path=ppt/slides/slide45.xml><?xml version="1.0" encoding="utf-8"?>
 <p:sld xmlns:a="http://schemas.openxmlformats.org/drawingml/2006/main" xmlns:r="http://schemas.openxmlformats.org/officeDocument/2006/relationships" xmlns:p="http://schemas.openxmlformats.org/presentationml/2006/main">
   <p:cSld>
     <p:spTree>
@@ -11353,590 +11913,6 @@
     <p:extLst>
       <p:ext uri="{BB962C8B-B14F-4D97-AF65-F5344CB8AC3E}">
         <p14:creationId xmlns:p14="http://schemas.microsoft.com/office/powerpoint/2010/main" val="3038589890"/>
-      </p:ext>
-    </p:extLst>
-  </p:cSld>
-  <p:clrMapOvr>
-    <a:masterClrMapping/>
-  </p:clrMapOvr>
-</p:sld>
-</file>
-
-<file path=ppt/slides/slide42.xml><?xml version="1.0" encoding="utf-8"?>
-<p:sld xmlns:a="http://schemas.openxmlformats.org/drawingml/2006/main" xmlns:r="http://schemas.openxmlformats.org/officeDocument/2006/relationships" xmlns:p="http://schemas.openxmlformats.org/presentationml/2006/main">
-  <p:cSld>
-    <p:spTree>
-      <p:nvGrpSpPr>
-        <p:cNvPr id="1" name=""/>
-        <p:cNvGrpSpPr/>
-        <p:nvPr/>
-      </p:nvGrpSpPr>
-      <p:grpSpPr>
-        <a:xfrm>
-          <a:off x="0" y="0"/>
-          <a:ext cx="0" cy="0"/>
-          <a:chOff x="0" y="0"/>
-          <a:chExt cx="0" cy="0"/>
-        </a:xfrm>
-      </p:grpSpPr>
-      <p:sp>
-        <p:nvSpPr>
-          <p:cNvPr id="3" name="Subtitle 2"/>
-          <p:cNvSpPr>
-            <a:spLocks noGrp="1"/>
-          </p:cNvSpPr>
-          <p:nvPr>
-            <p:ph type="subTitle" idx="1"/>
-          </p:nvPr>
-        </p:nvSpPr>
-        <p:spPr>
-          <a:xfrm>
-            <a:off x="323528" y="188640"/>
-            <a:ext cx="8640960" cy="6480720"/>
-          </a:xfrm>
-        </p:spPr>
-        <p:txBody>
-          <a:bodyPr>
-            <a:noAutofit/>
-          </a:bodyPr>
-          <a:lstStyle/>
-          <a:p>
-            <a:endParaRPr lang="en-GB" sz="5400" dirty="0">
-              <a:solidFill>
-                <a:schemeClr val="bg1"/>
-              </a:solidFill>
-            </a:endParaRPr>
-          </a:p>
-          <a:p>
-            <a:r>
-              <a:rPr lang="en-GB" sz="4400" b="0" i="0" dirty="0">
-                <a:solidFill>
-                  <a:srgbClr val="00A3E0"/>
-                </a:solidFill>
-                <a:effectLst/>
-                <a:latin typeface="akagi_probook"/>
-              </a:rPr>
-              <a:t>Still</a:t>
-            </a:r>
-          </a:p>
-          <a:p>
-            <a:br>
-              <a:rPr lang="en-GB" sz="1200" dirty="0">
-                <a:solidFill>
-                  <a:schemeClr val="bg1"/>
-                </a:solidFill>
-              </a:rPr>
-            </a:br>
-            <a:r>
-              <a:rPr lang="en-GB" sz="1200" dirty="0">
-                <a:solidFill>
-                  <a:schemeClr val="bg1"/>
-                </a:solidFill>
-              </a:rPr>
-              <a:t>CCLI Song # 3940963</a:t>
-            </a:r>
-          </a:p>
-          <a:p>
-            <a:endParaRPr lang="en-GB" sz="1200" dirty="0">
-              <a:solidFill>
-                <a:schemeClr val="bg1"/>
-              </a:solidFill>
-            </a:endParaRPr>
-          </a:p>
-          <a:p>
-            <a:r>
-              <a:rPr lang="en-GB" sz="1200" dirty="0">
-                <a:solidFill>
-                  <a:schemeClr val="bg1"/>
-                </a:solidFill>
-              </a:rPr>
-              <a:t>Reuben Morgan</a:t>
-            </a:r>
-          </a:p>
-          <a:p>
-            <a:endParaRPr lang="en-GB" sz="1200" dirty="0">
-              <a:solidFill>
-                <a:schemeClr val="bg1"/>
-              </a:solidFill>
-            </a:endParaRPr>
-          </a:p>
-          <a:p>
-            <a:r>
-              <a:rPr lang="en-GB" sz="1200" dirty="0">
-                <a:solidFill>
-                  <a:schemeClr val="bg1"/>
-                </a:solidFill>
-              </a:rPr>
-              <a:t>© 2002 Hillsong Music Publishing Australia (Admin. by Hillsong Music Publishing UK)</a:t>
-            </a:r>
-          </a:p>
-          <a:p>
-            <a:r>
-              <a:rPr lang="en-GB" sz="1200" dirty="0">
-                <a:solidFill>
-                  <a:schemeClr val="bg1"/>
-                </a:solidFill>
-              </a:rPr>
-              <a:t>For use solely with the </a:t>
-            </a:r>
-            <a:r>
-              <a:rPr lang="en-GB" sz="1200" dirty="0" err="1">
-                <a:solidFill>
-                  <a:schemeClr val="bg1"/>
-                </a:solidFill>
-              </a:rPr>
-              <a:t>SongSelect</a:t>
-            </a:r>
-            <a:r>
-              <a:rPr lang="en-GB" sz="1200" dirty="0">
-                <a:solidFill>
-                  <a:schemeClr val="bg1"/>
-                </a:solidFill>
-              </a:rPr>
-              <a:t>® Terms of Use. All rights reserved. www.ccli.com</a:t>
-            </a:r>
-          </a:p>
-          <a:p>
-            <a:endParaRPr lang="en-GB" sz="1200" dirty="0">
-              <a:solidFill>
-                <a:schemeClr val="bg1"/>
-              </a:solidFill>
-            </a:endParaRPr>
-          </a:p>
-          <a:p>
-            <a:r>
-              <a:rPr lang="en-GB" sz="1200" dirty="0">
-                <a:solidFill>
-                  <a:schemeClr val="bg1"/>
-                </a:solidFill>
-              </a:rPr>
-              <a:t>CCLI Licence No. 33265</a:t>
-            </a:r>
-          </a:p>
-        </p:txBody>
-      </p:sp>
-    </p:spTree>
-    <p:extLst>
-      <p:ext uri="{BB962C8B-B14F-4D97-AF65-F5344CB8AC3E}">
-        <p14:creationId xmlns:p14="http://schemas.microsoft.com/office/powerpoint/2010/main" val="2940382954"/>
-      </p:ext>
-    </p:extLst>
-  </p:cSld>
-  <p:clrMapOvr>
-    <a:masterClrMapping/>
-  </p:clrMapOvr>
-</p:sld>
-</file>
-
-<file path=ppt/slides/slide43.xml><?xml version="1.0" encoding="utf-8"?>
-<p:sld xmlns:a="http://schemas.openxmlformats.org/drawingml/2006/main" xmlns:r="http://schemas.openxmlformats.org/officeDocument/2006/relationships" xmlns:p="http://schemas.openxmlformats.org/presentationml/2006/main">
-  <p:cSld>
-    <p:spTree>
-      <p:nvGrpSpPr>
-        <p:cNvPr id="1" name=""/>
-        <p:cNvGrpSpPr/>
-        <p:nvPr/>
-      </p:nvGrpSpPr>
-      <p:grpSpPr>
-        <a:xfrm>
-          <a:off x="0" y="0"/>
-          <a:ext cx="0" cy="0"/>
-          <a:chOff x="0" y="0"/>
-          <a:chExt cx="0" cy="0"/>
-        </a:xfrm>
-      </p:grpSpPr>
-      <p:sp>
-        <p:nvSpPr>
-          <p:cNvPr id="3" name="Subtitle 2"/>
-          <p:cNvSpPr>
-            <a:spLocks noGrp="1"/>
-          </p:cNvSpPr>
-          <p:nvPr>
-            <p:ph type="subTitle" idx="1"/>
-          </p:nvPr>
-        </p:nvSpPr>
-        <p:spPr>
-          <a:xfrm>
-            <a:off x="0" y="692696"/>
-            <a:ext cx="8640960" cy="6480720"/>
-          </a:xfrm>
-        </p:spPr>
-        <p:txBody>
-          <a:bodyPr>
-            <a:noAutofit/>
-          </a:bodyPr>
-          <a:lstStyle/>
-          <a:p>
-            <a:r>
-              <a:rPr lang="en-GB" sz="3600" dirty="0">
-                <a:solidFill>
-                  <a:schemeClr val="bg1"/>
-                </a:solidFill>
-              </a:rPr>
-              <a:t>Hide me now</a:t>
-            </a:r>
-          </a:p>
-          <a:p>
-            <a:r>
-              <a:rPr lang="en-GB" sz="3600" dirty="0">
-                <a:solidFill>
-                  <a:schemeClr val="bg1"/>
-                </a:solidFill>
-              </a:rPr>
-              <a:t>Under Your wings</a:t>
-            </a:r>
-          </a:p>
-          <a:p>
-            <a:r>
-              <a:rPr lang="en-GB" sz="3600" dirty="0">
-                <a:solidFill>
-                  <a:schemeClr val="bg1"/>
-                </a:solidFill>
-              </a:rPr>
-              <a:t>Cover me</a:t>
-            </a:r>
-          </a:p>
-          <a:p>
-            <a:r>
-              <a:rPr lang="en-GB" sz="3600" dirty="0">
-                <a:solidFill>
-                  <a:schemeClr val="bg1"/>
-                </a:solidFill>
-              </a:rPr>
-              <a:t>Within Your mighty hand</a:t>
-            </a:r>
-          </a:p>
-        </p:txBody>
-      </p:sp>
-      <p:sp>
-        <p:nvSpPr>
-          <p:cNvPr id="4" name="TextBox 3"/>
-          <p:cNvSpPr txBox="1"/>
-          <p:nvPr/>
-        </p:nvSpPr>
-        <p:spPr>
-          <a:xfrm>
-            <a:off x="8529729" y="0"/>
-            <a:ext cx="628698" cy="461665"/>
-          </a:xfrm>
-          <a:prstGeom prst="rect">
-            <a:avLst/>
-          </a:prstGeom>
-          <a:noFill/>
-        </p:spPr>
-        <p:txBody>
-          <a:bodyPr wrap="none" rtlCol="0">
-            <a:spAutoFit/>
-          </a:bodyPr>
-          <a:lstStyle/>
-          <a:p>
-            <a:r>
-              <a:rPr lang="en-GB" sz="2400" b="1" dirty="0">
-                <a:solidFill>
-                  <a:schemeClr val="bg1"/>
-                </a:solidFill>
-              </a:rPr>
-              <a:t>1/3</a:t>
-            </a:r>
-          </a:p>
-        </p:txBody>
-      </p:sp>
-    </p:spTree>
-    <p:extLst>
-      <p:ext uri="{BB962C8B-B14F-4D97-AF65-F5344CB8AC3E}">
-        <p14:creationId xmlns:p14="http://schemas.microsoft.com/office/powerpoint/2010/main" val="3281651247"/>
-      </p:ext>
-    </p:extLst>
-  </p:cSld>
-  <p:clrMapOvr>
-    <a:masterClrMapping/>
-  </p:clrMapOvr>
-</p:sld>
-</file>
-
-<file path=ppt/slides/slide44.xml><?xml version="1.0" encoding="utf-8"?>
-<p:sld xmlns:a="http://schemas.openxmlformats.org/drawingml/2006/main" xmlns:r="http://schemas.openxmlformats.org/officeDocument/2006/relationships" xmlns:p="http://schemas.openxmlformats.org/presentationml/2006/main">
-  <p:cSld>
-    <p:spTree>
-      <p:nvGrpSpPr>
-        <p:cNvPr id="1" name=""/>
-        <p:cNvGrpSpPr/>
-        <p:nvPr/>
-      </p:nvGrpSpPr>
-      <p:grpSpPr>
-        <a:xfrm>
-          <a:off x="0" y="0"/>
-          <a:ext cx="0" cy="0"/>
-          <a:chOff x="0" y="0"/>
-          <a:chExt cx="0" cy="0"/>
-        </a:xfrm>
-      </p:grpSpPr>
-      <p:sp>
-        <p:nvSpPr>
-          <p:cNvPr id="3" name="Subtitle 2"/>
-          <p:cNvSpPr>
-            <a:spLocks noGrp="1"/>
-          </p:cNvSpPr>
-          <p:nvPr>
-            <p:ph type="subTitle" idx="1"/>
-          </p:nvPr>
-        </p:nvSpPr>
-        <p:spPr>
-          <a:xfrm>
-            <a:off x="203118" y="692696"/>
-            <a:ext cx="8640960" cy="6480720"/>
-          </a:xfrm>
-        </p:spPr>
-        <p:txBody>
-          <a:bodyPr>
-            <a:noAutofit/>
-          </a:bodyPr>
-          <a:lstStyle/>
-          <a:p>
-            <a:r>
-              <a:rPr lang="en-GB" sz="3600" dirty="0">
-                <a:solidFill>
-                  <a:schemeClr val="bg1"/>
-                </a:solidFill>
-              </a:rPr>
-              <a:t>When the oceans rise</a:t>
-            </a:r>
-          </a:p>
-          <a:p>
-            <a:r>
-              <a:rPr lang="en-GB" sz="3600" dirty="0">
-                <a:solidFill>
-                  <a:schemeClr val="bg1"/>
-                </a:solidFill>
-              </a:rPr>
-              <a:t>And thunders roar</a:t>
-            </a:r>
-          </a:p>
-          <a:p>
-            <a:r>
-              <a:rPr lang="en-GB" sz="3600" dirty="0">
-                <a:solidFill>
-                  <a:schemeClr val="bg1"/>
-                </a:solidFill>
-              </a:rPr>
-              <a:t>I will soar with You</a:t>
-            </a:r>
-          </a:p>
-          <a:p>
-            <a:r>
-              <a:rPr lang="en-GB" sz="3600" dirty="0">
-                <a:solidFill>
-                  <a:schemeClr val="bg1"/>
-                </a:solidFill>
-              </a:rPr>
-              <a:t>Above the storm</a:t>
-            </a:r>
-          </a:p>
-          <a:p>
-            <a:r>
-              <a:rPr lang="en-GB" sz="3600" dirty="0">
-                <a:solidFill>
-                  <a:schemeClr val="bg1"/>
-                </a:solidFill>
-              </a:rPr>
-              <a:t>Father You are King</a:t>
-            </a:r>
-          </a:p>
-          <a:p>
-            <a:r>
-              <a:rPr lang="en-GB" sz="3600" dirty="0">
-                <a:solidFill>
-                  <a:schemeClr val="bg1"/>
-                </a:solidFill>
-              </a:rPr>
-              <a:t>Over the flood</a:t>
-            </a:r>
-          </a:p>
-          <a:p>
-            <a:r>
-              <a:rPr lang="en-GB" sz="3600" dirty="0">
-                <a:solidFill>
-                  <a:schemeClr val="bg1"/>
-                </a:solidFill>
-              </a:rPr>
-              <a:t>I will be still and know</a:t>
-            </a:r>
-          </a:p>
-          <a:p>
-            <a:r>
-              <a:rPr lang="en-GB" sz="3600" dirty="0">
-                <a:solidFill>
-                  <a:schemeClr val="bg1"/>
-                </a:solidFill>
-              </a:rPr>
-              <a:t>You are God</a:t>
-            </a:r>
-          </a:p>
-        </p:txBody>
-      </p:sp>
-      <p:sp>
-        <p:nvSpPr>
-          <p:cNvPr id="4" name="TextBox 3"/>
-          <p:cNvSpPr txBox="1"/>
-          <p:nvPr/>
-        </p:nvSpPr>
-        <p:spPr>
-          <a:xfrm>
-            <a:off x="8529729" y="0"/>
-            <a:ext cx="628698" cy="461665"/>
-          </a:xfrm>
-          <a:prstGeom prst="rect">
-            <a:avLst/>
-          </a:prstGeom>
-          <a:noFill/>
-        </p:spPr>
-        <p:txBody>
-          <a:bodyPr wrap="none" rtlCol="0">
-            <a:spAutoFit/>
-          </a:bodyPr>
-          <a:lstStyle/>
-          <a:p>
-            <a:r>
-              <a:rPr lang="en-GB" sz="2400" b="1" dirty="0">
-                <a:solidFill>
-                  <a:schemeClr val="bg1"/>
-                </a:solidFill>
-              </a:rPr>
-              <a:t>2/3</a:t>
-            </a:r>
-          </a:p>
-        </p:txBody>
-      </p:sp>
-    </p:spTree>
-    <p:extLst>
-      <p:ext uri="{BB962C8B-B14F-4D97-AF65-F5344CB8AC3E}">
-        <p14:creationId xmlns:p14="http://schemas.microsoft.com/office/powerpoint/2010/main" val="2175635830"/>
-      </p:ext>
-    </p:extLst>
-  </p:cSld>
-  <p:clrMapOvr>
-    <a:masterClrMapping/>
-  </p:clrMapOvr>
-</p:sld>
-</file>
-
-<file path=ppt/slides/slide45.xml><?xml version="1.0" encoding="utf-8"?>
-<p:sld xmlns:a="http://schemas.openxmlformats.org/drawingml/2006/main" xmlns:r="http://schemas.openxmlformats.org/officeDocument/2006/relationships" xmlns:p="http://schemas.openxmlformats.org/presentationml/2006/main">
-  <p:cSld>
-    <p:spTree>
-      <p:nvGrpSpPr>
-        <p:cNvPr id="1" name=""/>
-        <p:cNvGrpSpPr/>
-        <p:nvPr/>
-      </p:nvGrpSpPr>
-      <p:grpSpPr>
-        <a:xfrm>
-          <a:off x="0" y="0"/>
-          <a:ext cx="0" cy="0"/>
-          <a:chOff x="0" y="0"/>
-          <a:chExt cx="0" cy="0"/>
-        </a:xfrm>
-      </p:grpSpPr>
-      <p:sp>
-        <p:nvSpPr>
-          <p:cNvPr id="3" name="Subtitle 2"/>
-          <p:cNvSpPr>
-            <a:spLocks noGrp="1"/>
-          </p:cNvSpPr>
-          <p:nvPr>
-            <p:ph type="subTitle" idx="1"/>
-          </p:nvPr>
-        </p:nvSpPr>
-        <p:spPr>
-          <a:xfrm>
-            <a:off x="203118" y="764704"/>
-            <a:ext cx="8640960" cy="6480720"/>
-          </a:xfrm>
-        </p:spPr>
-        <p:txBody>
-          <a:bodyPr>
-            <a:noAutofit/>
-          </a:bodyPr>
-          <a:lstStyle/>
-          <a:p>
-            <a:r>
-              <a:rPr lang="en-GB" sz="3600" dirty="0">
-                <a:solidFill>
-                  <a:schemeClr val="bg1"/>
-                </a:solidFill>
-              </a:rPr>
-              <a:t>Find rest my soul</a:t>
-            </a:r>
-          </a:p>
-          <a:p>
-            <a:r>
-              <a:rPr lang="en-GB" sz="3600" dirty="0">
-                <a:solidFill>
-                  <a:schemeClr val="bg1"/>
-                </a:solidFill>
-              </a:rPr>
-              <a:t>In Christ alone</a:t>
-            </a:r>
-          </a:p>
-          <a:p>
-            <a:r>
-              <a:rPr lang="en-GB" sz="3600" dirty="0">
-                <a:solidFill>
-                  <a:schemeClr val="bg1"/>
-                </a:solidFill>
-              </a:rPr>
-              <a:t>Know His power</a:t>
-            </a:r>
-          </a:p>
-          <a:p>
-            <a:r>
-              <a:rPr lang="en-GB" sz="3600" dirty="0">
-                <a:solidFill>
-                  <a:schemeClr val="bg1"/>
-                </a:solidFill>
-              </a:rPr>
-              <a:t>In quietness and trust</a:t>
-            </a:r>
-          </a:p>
-        </p:txBody>
-      </p:sp>
-      <p:sp>
-        <p:nvSpPr>
-          <p:cNvPr id="4" name="TextBox 3"/>
-          <p:cNvSpPr txBox="1"/>
-          <p:nvPr/>
-        </p:nvSpPr>
-        <p:spPr>
-          <a:xfrm>
-            <a:off x="8529729" y="0"/>
-            <a:ext cx="628698" cy="461665"/>
-          </a:xfrm>
-          <a:prstGeom prst="rect">
-            <a:avLst/>
-          </a:prstGeom>
-          <a:noFill/>
-        </p:spPr>
-        <p:txBody>
-          <a:bodyPr wrap="none" rtlCol="0">
-            <a:spAutoFit/>
-          </a:bodyPr>
-          <a:lstStyle/>
-          <a:p>
-            <a:r>
-              <a:rPr lang="en-GB" sz="2400" b="1" dirty="0">
-                <a:solidFill>
-                  <a:schemeClr val="bg1"/>
-                </a:solidFill>
-              </a:rPr>
-              <a:t>3/3</a:t>
-            </a:r>
-          </a:p>
-        </p:txBody>
-      </p:sp>
-    </p:spTree>
-    <p:extLst>
-      <p:ext uri="{BB962C8B-B14F-4D97-AF65-F5344CB8AC3E}">
-        <p14:creationId xmlns:p14="http://schemas.microsoft.com/office/powerpoint/2010/main" val="2475457425"/>
       </p:ext>
     </p:extLst>
   </p:cSld>

--- a/docs/songs_2024-11-24.pptx
+++ b/docs/songs_2024-11-24.pptx
@@ -5,7 +5,7 @@
     <p:sldMasterId id="2147483648" r:id="rId1"/>
   </p:sldMasterIdLst>
   <p:notesMasterIdLst>
-    <p:notesMasterId r:id="rId48"/>
+    <p:notesMasterId r:id="rId49"/>
   </p:notesMasterIdLst>
   <p:sldIdLst>
     <p:sldId id="950" r:id="rId2"/>
@@ -52,8 +52,9 @@
     <p:sldId id="954" r:id="rId43"/>
     <p:sldId id="1171" r:id="rId44"/>
     <p:sldId id="1214" r:id="rId45"/>
-    <p:sldId id="1122" r:id="rId46"/>
-    <p:sldId id="946" r:id="rId47"/>
+    <p:sldId id="1293" r:id="rId46"/>
+    <p:sldId id="1122" r:id="rId47"/>
+    <p:sldId id="946" r:id="rId48"/>
   </p:sldIdLst>
   <p:sldSz cx="9144000" cy="6858000" type="screen4x3"/>
   <p:notesSz cx="6858000" cy="9144000"/>
@@ -201,6 +202,7 @@
             <p14:sldId id="954"/>
             <p14:sldId id="1171"/>
             <p14:sldId id="1214"/>
+            <p14:sldId id="1293"/>
             <p14:sldId id="1122"/>
             <p14:sldId id="946"/>
           </p14:sldIdLst>
@@ -307,7 +309,7 @@
           <a:p>
             <a:fld id="{C57EAEFC-A9C7-464E-BE3F-33D4DD72E122}" type="datetimeFigureOut">
               <a:rPr lang="en-GB" smtClean="0"/>
-              <a:t>23/11/2024</a:t>
+              <a:t>24/11/2024</a:t>
             </a:fld>
             <a:endParaRPr lang="en-GB"/>
           </a:p>
@@ -1396,7 +1398,7 @@
           <a:p>
             <a:fld id="{E79B61DE-1D46-4752-AF65-FA2C4EB0D1D0}" type="slidenum">
               <a:rPr lang="en-GB" smtClean="0"/>
-              <a:t>46</a:t>
+              <a:t>47</a:t>
             </a:fld>
             <a:endParaRPr lang="en-GB"/>
           </a:p>
@@ -1595,7 +1597,7 @@
             <a:fld id="{26EA1CF3-4A15-4CBF-9A5A-6A56C368BE71}" type="datetimeFigureOut">
               <a:rPr lang="en-GB" smtClean="0"/>
               <a:pPr/>
-              <a:t>23/11/2024</a:t>
+              <a:t>24/11/2024</a:t>
             </a:fld>
             <a:endParaRPr lang="en-GB"/>
           </a:p>
@@ -1760,7 +1762,7 @@
             <a:fld id="{26EA1CF3-4A15-4CBF-9A5A-6A56C368BE71}" type="datetimeFigureOut">
               <a:rPr lang="en-GB" smtClean="0"/>
               <a:pPr/>
-              <a:t>23/11/2024</a:t>
+              <a:t>24/11/2024</a:t>
             </a:fld>
             <a:endParaRPr lang="en-GB"/>
           </a:p>
@@ -1935,7 +1937,7 @@
             <a:fld id="{26EA1CF3-4A15-4CBF-9A5A-6A56C368BE71}" type="datetimeFigureOut">
               <a:rPr lang="en-GB" smtClean="0"/>
               <a:pPr/>
-              <a:t>23/11/2024</a:t>
+              <a:t>24/11/2024</a:t>
             </a:fld>
             <a:endParaRPr lang="en-GB"/>
           </a:p>
@@ -2102,7 +2104,7 @@
             <a:fld id="{26EA1CF3-4A15-4CBF-9A5A-6A56C368BE71}" type="datetimeFigureOut">
               <a:rPr lang="en-GB" smtClean="0"/>
               <a:pPr/>
-              <a:t>23/11/2024</a:t>
+              <a:t>24/11/2024</a:t>
             </a:fld>
             <a:endParaRPr lang="en-GB"/>
           </a:p>
@@ -2344,7 +2346,7 @@
             <a:fld id="{26EA1CF3-4A15-4CBF-9A5A-6A56C368BE71}" type="datetimeFigureOut">
               <a:rPr lang="en-GB" smtClean="0"/>
               <a:pPr/>
-              <a:t>23/11/2024</a:t>
+              <a:t>24/11/2024</a:t>
             </a:fld>
             <a:endParaRPr lang="en-GB"/>
           </a:p>
@@ -2626,7 +2628,7 @@
             <a:fld id="{26EA1CF3-4A15-4CBF-9A5A-6A56C368BE71}" type="datetimeFigureOut">
               <a:rPr lang="en-GB" smtClean="0"/>
               <a:pPr/>
-              <a:t>23/11/2024</a:t>
+              <a:t>24/11/2024</a:t>
             </a:fld>
             <a:endParaRPr lang="en-GB"/>
           </a:p>
@@ -3042,7 +3044,7 @@
             <a:fld id="{26EA1CF3-4A15-4CBF-9A5A-6A56C368BE71}" type="datetimeFigureOut">
               <a:rPr lang="en-GB" smtClean="0"/>
               <a:pPr/>
-              <a:t>23/11/2024</a:t>
+              <a:t>24/11/2024</a:t>
             </a:fld>
             <a:endParaRPr lang="en-GB"/>
           </a:p>
@@ -3156,7 +3158,7 @@
             <a:fld id="{26EA1CF3-4A15-4CBF-9A5A-6A56C368BE71}" type="datetimeFigureOut">
               <a:rPr lang="en-GB" smtClean="0"/>
               <a:pPr/>
-              <a:t>23/11/2024</a:t>
+              <a:t>24/11/2024</a:t>
             </a:fld>
             <a:endParaRPr lang="en-GB"/>
           </a:p>
@@ -3248,7 +3250,7 @@
             <a:fld id="{26EA1CF3-4A15-4CBF-9A5A-6A56C368BE71}" type="datetimeFigureOut">
               <a:rPr lang="en-GB" smtClean="0"/>
               <a:pPr/>
-              <a:t>23/11/2024</a:t>
+              <a:t>24/11/2024</a:t>
             </a:fld>
             <a:endParaRPr lang="en-GB"/>
           </a:p>
@@ -3520,7 +3522,7 @@
             <a:fld id="{26EA1CF3-4A15-4CBF-9A5A-6A56C368BE71}" type="datetimeFigureOut">
               <a:rPr lang="en-GB" smtClean="0"/>
               <a:pPr/>
-              <a:t>23/11/2024</a:t>
+              <a:t>24/11/2024</a:t>
             </a:fld>
             <a:endParaRPr lang="en-GB"/>
           </a:p>
@@ -3772,7 +3774,7 @@
             <a:fld id="{26EA1CF3-4A15-4CBF-9A5A-6A56C368BE71}" type="datetimeFigureOut">
               <a:rPr lang="en-GB" smtClean="0"/>
               <a:pPr/>
-              <a:t>23/11/2024</a:t>
+              <a:t>24/11/2024</a:t>
             </a:fld>
             <a:endParaRPr lang="en-GB"/>
           </a:p>
@@ -3981,7 +3983,7 @@
             <a:fld id="{26EA1CF3-4A15-4CBF-9A5A-6A56C368BE71}" type="datetimeFigureOut">
               <a:rPr lang="en-GB" smtClean="0"/>
               <a:pPr/>
-              <a:t>23/11/2024</a:t>
+              <a:t>24/11/2024</a:t>
             </a:fld>
             <a:endParaRPr lang="en-GB"/>
           </a:p>
@@ -11873,6 +11875,66 @@
       </p:grpSpPr>
       <p:pic>
         <p:nvPicPr>
+          <p:cNvPr id="5" name="Picture 4">
+            <a:extLst>
+              <a:ext uri="{FF2B5EF4-FFF2-40B4-BE49-F238E27FC236}">
+                <a16:creationId xmlns:a16="http://schemas.microsoft.com/office/drawing/2014/main" id="{5407D0D1-852E-7D78-6337-DFF83DC8AD26}"/>
+              </a:ext>
+            </a:extLst>
+          </p:cNvPr>
+          <p:cNvPicPr>
+            <a:picLocks noChangeAspect="1"/>
+          </p:cNvPicPr>
+          <p:nvPr/>
+        </p:nvPicPr>
+        <p:blipFill>
+          <a:blip r:embed="rId2"/>
+          <a:stretch>
+            <a:fillRect/>
+          </a:stretch>
+        </p:blipFill>
+        <p:spPr>
+          <a:xfrm>
+            <a:off x="1880812" y="771154"/>
+            <a:ext cx="5382376" cy="5315692"/>
+          </a:xfrm>
+          <a:prstGeom prst="rect">
+            <a:avLst/>
+          </a:prstGeom>
+        </p:spPr>
+      </p:pic>
+    </p:spTree>
+    <p:extLst>
+      <p:ext uri="{BB962C8B-B14F-4D97-AF65-F5344CB8AC3E}">
+        <p14:creationId xmlns:p14="http://schemas.microsoft.com/office/powerpoint/2010/main" val="2825788459"/>
+      </p:ext>
+    </p:extLst>
+  </p:cSld>
+  <p:clrMapOvr>
+    <a:masterClrMapping/>
+  </p:clrMapOvr>
+</p:sld>
+</file>
+
+<file path=ppt/slides/slide46.xml><?xml version="1.0" encoding="utf-8"?>
+<p:sld xmlns:a="http://schemas.openxmlformats.org/drawingml/2006/main" xmlns:r="http://schemas.openxmlformats.org/officeDocument/2006/relationships" xmlns:p="http://schemas.openxmlformats.org/presentationml/2006/main">
+  <p:cSld>
+    <p:spTree>
+      <p:nvGrpSpPr>
+        <p:cNvPr id="1" name=""/>
+        <p:cNvGrpSpPr/>
+        <p:nvPr/>
+      </p:nvGrpSpPr>
+      <p:grpSpPr>
+        <a:xfrm>
+          <a:off x="0" y="0"/>
+          <a:ext cx="0" cy="0"/>
+          <a:chOff x="0" y="0"/>
+          <a:chExt cx="0" cy="0"/>
+        </a:xfrm>
+      </p:grpSpPr>
+      <p:pic>
+        <p:nvPicPr>
           <p:cNvPr id="1026" name="Picture 2" descr="Preach the Word#6. “Broken preachers.” – Morningside church of Christ">
             <a:extLst>
               <a:ext uri="{FF2B5EF4-FFF2-40B4-BE49-F238E27FC236}">
@@ -11922,7 +11984,7 @@
 </p:sld>
 </file>
 
-<file path=ppt/slides/slide46.xml><?xml version="1.0" encoding="utf-8"?>
+<file path=ppt/slides/slide47.xml><?xml version="1.0" encoding="utf-8"?>
 <p:sld xmlns:a="http://schemas.openxmlformats.org/drawingml/2006/main" xmlns:r="http://schemas.openxmlformats.org/officeDocument/2006/relationships" xmlns:p="http://schemas.openxmlformats.org/presentationml/2006/main">
   <p:cSld>
     <p:spTree>
